--- a/self-study resources/J8SE1/Chapter 5 - Class Design.pptx
+++ b/self-study resources/J8SE1/Chapter 5 - Class Design.pptx
@@ -5,7 +5,7 @@
     <p:sldMasterId id="2147483648" r:id="rId1"/>
   </p:sldMasterIdLst>
   <p:notesMasterIdLst>
-    <p:notesMasterId r:id="rId19"/>
+    <p:notesMasterId r:id="rId23"/>
   </p:notesMasterIdLst>
   <p:sldIdLst>
     <p:sldId id="256" r:id="rId2"/>
@@ -25,6 +25,10 @@
     <p:sldId id="271" r:id="rId16"/>
     <p:sldId id="272" r:id="rId17"/>
     <p:sldId id="273" r:id="rId18"/>
+    <p:sldId id="274" r:id="rId19"/>
+    <p:sldId id="275" r:id="rId20"/>
+    <p:sldId id="276" r:id="rId21"/>
+    <p:sldId id="277" r:id="rId22"/>
   </p:sldIdLst>
   <p:sldSz cx="12192000" cy="6858000"/>
   <p:notesSz cx="6858000" cy="9144000"/>
@@ -145,6 +149,10 @@
             <p14:sldId id="271"/>
             <p14:sldId id="272"/>
             <p14:sldId id="273"/>
+            <p14:sldId id="274"/>
+            <p14:sldId id="275"/>
+            <p14:sldId id="276"/>
+            <p14:sldId id="277"/>
           </p14:sldIdLst>
         </p14:section>
       </p14:sectionLst>
@@ -699,7 +707,7 @@
           </a:lstStyle>
           <a:p>
             <a:fld id="{9ACA2D73-2532-A640-A667-27AB4D0D333F}" type="datetimeFigureOut">
-              <a:t>2/12/24</a:t>
+              <a:t>3/12/24</a:t>
             </a:fld>
             <a:endParaRPr lang="en-VN"/>
           </a:p>
@@ -1815,6 +1823,327 @@
 </p:notes>
 </file>
 
+<file path=ppt/notesSlides/notesSlide17.xml><?xml version="1.0" encoding="utf-8"?>
+<p:notes xmlns:a="http://schemas.openxmlformats.org/drawingml/2006/main" xmlns:r="http://schemas.openxmlformats.org/officeDocument/2006/relationships" xmlns:p="http://schemas.openxmlformats.org/presentationml/2006/main">
+  <p:cSld>
+    <p:spTree>
+      <p:nvGrpSpPr>
+        <p:cNvPr id="1" name="">
+          <a:extLst>
+            <a:ext uri="{FF2B5EF4-FFF2-40B4-BE49-F238E27FC236}">
+              <a16:creationId xmlns:a16="http://schemas.microsoft.com/office/drawing/2014/main" id="{D1BA896D-2B96-C0EC-F7FF-4E41DA4A5785}"/>
+            </a:ext>
+          </a:extLst>
+        </p:cNvPr>
+        <p:cNvGrpSpPr/>
+        <p:nvPr/>
+      </p:nvGrpSpPr>
+      <p:grpSpPr>
+        <a:xfrm>
+          <a:off x="0" y="0"/>
+          <a:ext cx="0" cy="0"/>
+          <a:chOff x="0" y="0"/>
+          <a:chExt cx="0" cy="0"/>
+        </a:xfrm>
+      </p:grpSpPr>
+      <p:sp>
+        <p:nvSpPr>
+          <p:cNvPr id="2" name="Slide Image Placeholder 1">
+            <a:extLst>
+              <a:ext uri="{FF2B5EF4-FFF2-40B4-BE49-F238E27FC236}">
+                <a16:creationId xmlns:a16="http://schemas.microsoft.com/office/drawing/2014/main" id="{181C5029-5E99-48BE-E1DD-BC5EB0B9C296}"/>
+              </a:ext>
+            </a:extLst>
+          </p:cNvPr>
+          <p:cNvSpPr>
+            <a:spLocks noGrp="1" noRot="1" noChangeAspect="1"/>
+          </p:cNvSpPr>
+          <p:nvPr>
+            <p:ph type="sldImg"/>
+          </p:nvPr>
+        </p:nvSpPr>
+        <p:spPr/>
+      </p:sp>
+      <p:sp>
+        <p:nvSpPr>
+          <p:cNvPr id="3" name="Notes Placeholder 2">
+            <a:extLst>
+              <a:ext uri="{FF2B5EF4-FFF2-40B4-BE49-F238E27FC236}">
+                <a16:creationId xmlns:a16="http://schemas.microsoft.com/office/drawing/2014/main" id="{5B8ED165-2E4B-2288-1F43-9B66D28B64B3}"/>
+              </a:ext>
+            </a:extLst>
+          </p:cNvPr>
+          <p:cNvSpPr>
+            <a:spLocks noGrp="1"/>
+          </p:cNvSpPr>
+          <p:nvPr>
+            <p:ph type="body" idx="1"/>
+          </p:nvPr>
+        </p:nvSpPr>
+        <p:spPr/>
+        <p:txBody>
+          <a:bodyPr/>
+          <a:lstStyle/>
+          <a:p>
+            <a:endParaRPr lang="en-VN"/>
+          </a:p>
+        </p:txBody>
+      </p:sp>
+      <p:sp>
+        <p:nvSpPr>
+          <p:cNvPr id="4" name="Slide Number Placeholder 3">
+            <a:extLst>
+              <a:ext uri="{FF2B5EF4-FFF2-40B4-BE49-F238E27FC236}">
+                <a16:creationId xmlns:a16="http://schemas.microsoft.com/office/drawing/2014/main" id="{2E287D71-3907-4C8D-7BFD-CED457E16087}"/>
+              </a:ext>
+            </a:extLst>
+          </p:cNvPr>
+          <p:cNvSpPr>
+            <a:spLocks noGrp="1"/>
+          </p:cNvSpPr>
+          <p:nvPr>
+            <p:ph type="sldNum" sz="quarter" idx="5"/>
+          </p:nvPr>
+        </p:nvSpPr>
+        <p:spPr/>
+        <p:txBody>
+          <a:bodyPr/>
+          <a:lstStyle/>
+          <a:p>
+            <a:fld id="{576FF3D1-0F45-2240-9B47-75654C02E24A}" type="slidenum">
+              <a:t>18</a:t>
+            </a:fld>
+            <a:endParaRPr lang="en-VN"/>
+          </a:p>
+        </p:txBody>
+      </p:sp>
+    </p:spTree>
+    <p:extLst>
+      <p:ext uri="{BB962C8B-B14F-4D97-AF65-F5344CB8AC3E}">
+        <p14:creationId xmlns:p14="http://schemas.microsoft.com/office/powerpoint/2010/main" val="1251928440"/>
+      </p:ext>
+    </p:extLst>
+  </p:cSld>
+  <p:clrMapOvr>
+    <a:masterClrMapping/>
+  </p:clrMapOvr>
+</p:notes>
+</file>
+
+<file path=ppt/notesSlides/notesSlide18.xml><?xml version="1.0" encoding="utf-8"?>
+<p:notes xmlns:a="http://schemas.openxmlformats.org/drawingml/2006/main" xmlns:r="http://schemas.openxmlformats.org/officeDocument/2006/relationships" xmlns:p="http://schemas.openxmlformats.org/presentationml/2006/main">
+  <p:cSld>
+    <p:spTree>
+      <p:nvGrpSpPr>
+        <p:cNvPr id="1" name="">
+          <a:extLst>
+            <a:ext uri="{FF2B5EF4-FFF2-40B4-BE49-F238E27FC236}">
+              <a16:creationId xmlns:a16="http://schemas.microsoft.com/office/drawing/2014/main" id="{A01E8ABF-E85A-1807-E2A6-026732272FB8}"/>
+            </a:ext>
+          </a:extLst>
+        </p:cNvPr>
+        <p:cNvGrpSpPr/>
+        <p:nvPr/>
+      </p:nvGrpSpPr>
+      <p:grpSpPr>
+        <a:xfrm>
+          <a:off x="0" y="0"/>
+          <a:ext cx="0" cy="0"/>
+          <a:chOff x="0" y="0"/>
+          <a:chExt cx="0" cy="0"/>
+        </a:xfrm>
+      </p:grpSpPr>
+      <p:sp>
+        <p:nvSpPr>
+          <p:cNvPr id="2" name="Slide Image Placeholder 1">
+            <a:extLst>
+              <a:ext uri="{FF2B5EF4-FFF2-40B4-BE49-F238E27FC236}">
+                <a16:creationId xmlns:a16="http://schemas.microsoft.com/office/drawing/2014/main" id="{15D4D140-2620-CA0D-DD3D-637030D58D95}"/>
+              </a:ext>
+            </a:extLst>
+          </p:cNvPr>
+          <p:cNvSpPr>
+            <a:spLocks noGrp="1" noRot="1" noChangeAspect="1"/>
+          </p:cNvSpPr>
+          <p:nvPr>
+            <p:ph type="sldImg"/>
+          </p:nvPr>
+        </p:nvSpPr>
+        <p:spPr/>
+      </p:sp>
+      <p:sp>
+        <p:nvSpPr>
+          <p:cNvPr id="3" name="Notes Placeholder 2">
+            <a:extLst>
+              <a:ext uri="{FF2B5EF4-FFF2-40B4-BE49-F238E27FC236}">
+                <a16:creationId xmlns:a16="http://schemas.microsoft.com/office/drawing/2014/main" id="{978F6450-BD92-E21C-876D-E1956298019B}"/>
+              </a:ext>
+            </a:extLst>
+          </p:cNvPr>
+          <p:cNvSpPr>
+            <a:spLocks noGrp="1"/>
+          </p:cNvSpPr>
+          <p:nvPr>
+            <p:ph type="body" idx="1"/>
+          </p:nvPr>
+        </p:nvSpPr>
+        <p:spPr/>
+        <p:txBody>
+          <a:bodyPr/>
+          <a:lstStyle/>
+          <a:p>
+            <a:endParaRPr lang="en-VN"/>
+          </a:p>
+        </p:txBody>
+      </p:sp>
+      <p:sp>
+        <p:nvSpPr>
+          <p:cNvPr id="4" name="Slide Number Placeholder 3">
+            <a:extLst>
+              <a:ext uri="{FF2B5EF4-FFF2-40B4-BE49-F238E27FC236}">
+                <a16:creationId xmlns:a16="http://schemas.microsoft.com/office/drawing/2014/main" id="{14B2515D-29DB-B51A-FFE8-8B17C8D6D86B}"/>
+              </a:ext>
+            </a:extLst>
+          </p:cNvPr>
+          <p:cNvSpPr>
+            <a:spLocks noGrp="1"/>
+          </p:cNvSpPr>
+          <p:nvPr>
+            <p:ph type="sldNum" sz="quarter" idx="5"/>
+          </p:nvPr>
+        </p:nvSpPr>
+        <p:spPr/>
+        <p:txBody>
+          <a:bodyPr/>
+          <a:lstStyle/>
+          <a:p>
+            <a:fld id="{576FF3D1-0F45-2240-9B47-75654C02E24A}" type="slidenum">
+              <a:t>19</a:t>
+            </a:fld>
+            <a:endParaRPr lang="en-VN"/>
+          </a:p>
+        </p:txBody>
+      </p:sp>
+    </p:spTree>
+    <p:extLst>
+      <p:ext uri="{BB962C8B-B14F-4D97-AF65-F5344CB8AC3E}">
+        <p14:creationId xmlns:p14="http://schemas.microsoft.com/office/powerpoint/2010/main" val="2969448032"/>
+      </p:ext>
+    </p:extLst>
+  </p:cSld>
+  <p:clrMapOvr>
+    <a:masterClrMapping/>
+  </p:clrMapOvr>
+</p:notes>
+</file>
+
+<file path=ppt/notesSlides/notesSlide19.xml><?xml version="1.0" encoding="utf-8"?>
+<p:notes xmlns:a="http://schemas.openxmlformats.org/drawingml/2006/main" xmlns:r="http://schemas.openxmlformats.org/officeDocument/2006/relationships" xmlns:p="http://schemas.openxmlformats.org/presentationml/2006/main">
+  <p:cSld>
+    <p:spTree>
+      <p:nvGrpSpPr>
+        <p:cNvPr id="1" name="">
+          <a:extLst>
+            <a:ext uri="{FF2B5EF4-FFF2-40B4-BE49-F238E27FC236}">
+              <a16:creationId xmlns:a16="http://schemas.microsoft.com/office/drawing/2014/main" id="{BC8ADFC5-AAD7-A931-17BE-03C47DB4B33E}"/>
+            </a:ext>
+          </a:extLst>
+        </p:cNvPr>
+        <p:cNvGrpSpPr/>
+        <p:nvPr/>
+      </p:nvGrpSpPr>
+      <p:grpSpPr>
+        <a:xfrm>
+          <a:off x="0" y="0"/>
+          <a:ext cx="0" cy="0"/>
+          <a:chOff x="0" y="0"/>
+          <a:chExt cx="0" cy="0"/>
+        </a:xfrm>
+      </p:grpSpPr>
+      <p:sp>
+        <p:nvSpPr>
+          <p:cNvPr id="2" name="Slide Image Placeholder 1">
+            <a:extLst>
+              <a:ext uri="{FF2B5EF4-FFF2-40B4-BE49-F238E27FC236}">
+                <a16:creationId xmlns:a16="http://schemas.microsoft.com/office/drawing/2014/main" id="{7F8EF5EE-0C0F-E7D9-BC62-F41D671BE375}"/>
+              </a:ext>
+            </a:extLst>
+          </p:cNvPr>
+          <p:cNvSpPr>
+            <a:spLocks noGrp="1" noRot="1" noChangeAspect="1"/>
+          </p:cNvSpPr>
+          <p:nvPr>
+            <p:ph type="sldImg"/>
+          </p:nvPr>
+        </p:nvSpPr>
+        <p:spPr/>
+      </p:sp>
+      <p:sp>
+        <p:nvSpPr>
+          <p:cNvPr id="3" name="Notes Placeholder 2">
+            <a:extLst>
+              <a:ext uri="{FF2B5EF4-FFF2-40B4-BE49-F238E27FC236}">
+                <a16:creationId xmlns:a16="http://schemas.microsoft.com/office/drawing/2014/main" id="{909FCDAA-8386-DF77-DD2F-CDE8CDDD3011}"/>
+              </a:ext>
+            </a:extLst>
+          </p:cNvPr>
+          <p:cNvSpPr>
+            <a:spLocks noGrp="1"/>
+          </p:cNvSpPr>
+          <p:nvPr>
+            <p:ph type="body" idx="1"/>
+          </p:nvPr>
+        </p:nvSpPr>
+        <p:spPr/>
+        <p:txBody>
+          <a:bodyPr/>
+          <a:lstStyle/>
+          <a:p>
+            <a:endParaRPr lang="en-VN"/>
+          </a:p>
+        </p:txBody>
+      </p:sp>
+      <p:sp>
+        <p:nvSpPr>
+          <p:cNvPr id="4" name="Slide Number Placeholder 3">
+            <a:extLst>
+              <a:ext uri="{FF2B5EF4-FFF2-40B4-BE49-F238E27FC236}">
+                <a16:creationId xmlns:a16="http://schemas.microsoft.com/office/drawing/2014/main" id="{7DDBA783-9467-8436-66DF-02AE54F4AC21}"/>
+              </a:ext>
+            </a:extLst>
+          </p:cNvPr>
+          <p:cNvSpPr>
+            <a:spLocks noGrp="1"/>
+          </p:cNvSpPr>
+          <p:nvPr>
+            <p:ph type="sldNum" sz="quarter" idx="5"/>
+          </p:nvPr>
+        </p:nvSpPr>
+        <p:spPr/>
+        <p:txBody>
+          <a:bodyPr/>
+          <a:lstStyle/>
+          <a:p>
+            <a:fld id="{576FF3D1-0F45-2240-9B47-75654C02E24A}" type="slidenum">
+              <a:t>20</a:t>
+            </a:fld>
+            <a:endParaRPr lang="en-VN"/>
+          </a:p>
+        </p:txBody>
+      </p:sp>
+    </p:spTree>
+    <p:extLst>
+      <p:ext uri="{BB962C8B-B14F-4D97-AF65-F5344CB8AC3E}">
+        <p14:creationId xmlns:p14="http://schemas.microsoft.com/office/powerpoint/2010/main" val="3120857228"/>
+      </p:ext>
+    </p:extLst>
+  </p:cSld>
+  <p:clrMapOvr>
+    <a:masterClrMapping/>
+  </p:clrMapOvr>
+</p:notes>
+</file>
+
 <file path=ppt/notesSlides/notesSlide2.xml><?xml version="1.0" encoding="utf-8"?>
 <p:notes xmlns:a="http://schemas.openxmlformats.org/drawingml/2006/main" xmlns:r="http://schemas.openxmlformats.org/officeDocument/2006/relationships" xmlns:p="http://schemas.openxmlformats.org/presentationml/2006/main">
   <p:cSld>
@@ -1913,6 +2242,113 @@
     <p:extLst>
       <p:ext uri="{BB962C8B-B14F-4D97-AF65-F5344CB8AC3E}">
         <p14:creationId xmlns:p14="http://schemas.microsoft.com/office/powerpoint/2010/main" val="2449991491"/>
+      </p:ext>
+    </p:extLst>
+  </p:cSld>
+  <p:clrMapOvr>
+    <a:masterClrMapping/>
+  </p:clrMapOvr>
+</p:notes>
+</file>
+
+<file path=ppt/notesSlides/notesSlide20.xml><?xml version="1.0" encoding="utf-8"?>
+<p:notes xmlns:a="http://schemas.openxmlformats.org/drawingml/2006/main" xmlns:r="http://schemas.openxmlformats.org/officeDocument/2006/relationships" xmlns:p="http://schemas.openxmlformats.org/presentationml/2006/main">
+  <p:cSld>
+    <p:spTree>
+      <p:nvGrpSpPr>
+        <p:cNvPr id="1" name="">
+          <a:extLst>
+            <a:ext uri="{FF2B5EF4-FFF2-40B4-BE49-F238E27FC236}">
+              <a16:creationId xmlns:a16="http://schemas.microsoft.com/office/drawing/2014/main" id="{82ED929E-DA37-CB43-1E3F-60AB812C01C7}"/>
+            </a:ext>
+          </a:extLst>
+        </p:cNvPr>
+        <p:cNvGrpSpPr/>
+        <p:nvPr/>
+      </p:nvGrpSpPr>
+      <p:grpSpPr>
+        <a:xfrm>
+          <a:off x="0" y="0"/>
+          <a:ext cx="0" cy="0"/>
+          <a:chOff x="0" y="0"/>
+          <a:chExt cx="0" cy="0"/>
+        </a:xfrm>
+      </p:grpSpPr>
+      <p:sp>
+        <p:nvSpPr>
+          <p:cNvPr id="2" name="Slide Image Placeholder 1">
+            <a:extLst>
+              <a:ext uri="{FF2B5EF4-FFF2-40B4-BE49-F238E27FC236}">
+                <a16:creationId xmlns:a16="http://schemas.microsoft.com/office/drawing/2014/main" id="{90BD5011-BE0A-5318-D647-93E172AFD61C}"/>
+              </a:ext>
+            </a:extLst>
+          </p:cNvPr>
+          <p:cNvSpPr>
+            <a:spLocks noGrp="1" noRot="1" noChangeAspect="1"/>
+          </p:cNvSpPr>
+          <p:nvPr>
+            <p:ph type="sldImg"/>
+          </p:nvPr>
+        </p:nvSpPr>
+        <p:spPr/>
+      </p:sp>
+      <p:sp>
+        <p:nvSpPr>
+          <p:cNvPr id="3" name="Notes Placeholder 2">
+            <a:extLst>
+              <a:ext uri="{FF2B5EF4-FFF2-40B4-BE49-F238E27FC236}">
+                <a16:creationId xmlns:a16="http://schemas.microsoft.com/office/drawing/2014/main" id="{3096F54E-1250-B9BE-388E-BB5F4FB41772}"/>
+              </a:ext>
+            </a:extLst>
+          </p:cNvPr>
+          <p:cNvSpPr>
+            <a:spLocks noGrp="1"/>
+          </p:cNvSpPr>
+          <p:nvPr>
+            <p:ph type="body" idx="1"/>
+          </p:nvPr>
+        </p:nvSpPr>
+        <p:spPr/>
+        <p:txBody>
+          <a:bodyPr/>
+          <a:lstStyle/>
+          <a:p>
+            <a:endParaRPr lang="en-VN"/>
+          </a:p>
+        </p:txBody>
+      </p:sp>
+      <p:sp>
+        <p:nvSpPr>
+          <p:cNvPr id="4" name="Slide Number Placeholder 3">
+            <a:extLst>
+              <a:ext uri="{FF2B5EF4-FFF2-40B4-BE49-F238E27FC236}">
+                <a16:creationId xmlns:a16="http://schemas.microsoft.com/office/drawing/2014/main" id="{C753C4B1-98F3-ABDF-4D17-B1095CDBAFA1}"/>
+              </a:ext>
+            </a:extLst>
+          </p:cNvPr>
+          <p:cNvSpPr>
+            <a:spLocks noGrp="1"/>
+          </p:cNvSpPr>
+          <p:nvPr>
+            <p:ph type="sldNum" sz="quarter" idx="5"/>
+          </p:nvPr>
+        </p:nvSpPr>
+        <p:spPr/>
+        <p:txBody>
+          <a:bodyPr/>
+          <a:lstStyle/>
+          <a:p>
+            <a:fld id="{576FF3D1-0F45-2240-9B47-75654C02E24A}" type="slidenum">
+              <a:t>21</a:t>
+            </a:fld>
+            <a:endParaRPr lang="en-VN"/>
+          </a:p>
+        </p:txBody>
+      </p:sp>
+    </p:spTree>
+    <p:extLst>
+      <p:ext uri="{BB962C8B-B14F-4D97-AF65-F5344CB8AC3E}">
+        <p14:creationId xmlns:p14="http://schemas.microsoft.com/office/powerpoint/2010/main" val="3441950994"/>
       </p:ext>
     </p:extLst>
   </p:cSld>
@@ -2818,7 +3254,7 @@
           <a:p>
             <a:fld id="{BAA8DE05-51EE-4692-B197-877FA1DAAAED}" type="datetimeFigureOut">
               <a:rPr lang="en-US" smtClean="0"/>
-              <a:t>12/2/24</a:t>
+              <a:t>12/3/24</a:t>
             </a:fld>
             <a:endParaRPr lang="en-US"/>
           </a:p>
@@ -3016,7 +3452,7 @@
           <a:p>
             <a:fld id="{BAA8DE05-51EE-4692-B197-877FA1DAAAED}" type="datetimeFigureOut">
               <a:rPr lang="en-US" smtClean="0"/>
-              <a:t>12/2/24</a:t>
+              <a:t>12/3/24</a:t>
             </a:fld>
             <a:endParaRPr lang="en-US"/>
           </a:p>
@@ -3224,7 +3660,7 @@
           <a:p>
             <a:fld id="{BAA8DE05-51EE-4692-B197-877FA1DAAAED}" type="datetimeFigureOut">
               <a:rPr lang="en-US" smtClean="0"/>
-              <a:t>12/2/24</a:t>
+              <a:t>12/3/24</a:t>
             </a:fld>
             <a:endParaRPr lang="en-US"/>
           </a:p>
@@ -3422,7 +3858,7 @@
           <a:p>
             <a:fld id="{BAA8DE05-51EE-4692-B197-877FA1DAAAED}" type="datetimeFigureOut">
               <a:rPr lang="en-US" smtClean="0"/>
-              <a:t>12/2/24</a:t>
+              <a:t>12/3/24</a:t>
             </a:fld>
             <a:endParaRPr lang="en-US"/>
           </a:p>
@@ -3697,7 +4133,7 @@
           <a:p>
             <a:fld id="{BAA8DE05-51EE-4692-B197-877FA1DAAAED}" type="datetimeFigureOut">
               <a:rPr lang="en-US" smtClean="0"/>
-              <a:t>12/2/24</a:t>
+              <a:t>12/3/24</a:t>
             </a:fld>
             <a:endParaRPr lang="en-US"/>
           </a:p>
@@ -3962,7 +4398,7 @@
           <a:p>
             <a:fld id="{BAA8DE05-51EE-4692-B197-877FA1DAAAED}" type="datetimeFigureOut">
               <a:rPr lang="en-US" smtClean="0"/>
-              <a:t>12/2/24</a:t>
+              <a:t>12/3/24</a:t>
             </a:fld>
             <a:endParaRPr lang="en-US"/>
           </a:p>
@@ -4374,7 +4810,7 @@
           <a:p>
             <a:fld id="{BAA8DE05-51EE-4692-B197-877FA1DAAAED}" type="datetimeFigureOut">
               <a:rPr lang="en-US" smtClean="0"/>
-              <a:t>12/2/24</a:t>
+              <a:t>12/3/24</a:t>
             </a:fld>
             <a:endParaRPr lang="en-US"/>
           </a:p>
@@ -4515,7 +4951,7 @@
           <a:p>
             <a:fld id="{BAA8DE05-51EE-4692-B197-877FA1DAAAED}" type="datetimeFigureOut">
               <a:rPr lang="en-US" smtClean="0"/>
-              <a:t>12/2/24</a:t>
+              <a:t>12/3/24</a:t>
             </a:fld>
             <a:endParaRPr lang="en-US"/>
           </a:p>
@@ -4628,7 +5064,7 @@
           <a:p>
             <a:fld id="{BAA8DE05-51EE-4692-B197-877FA1DAAAED}" type="datetimeFigureOut">
               <a:rPr lang="en-US" smtClean="0"/>
-              <a:t>12/2/24</a:t>
+              <a:t>12/3/24</a:t>
             </a:fld>
             <a:endParaRPr lang="en-US"/>
           </a:p>
@@ -4939,7 +5375,7 @@
           <a:p>
             <a:fld id="{BAA8DE05-51EE-4692-B197-877FA1DAAAED}" type="datetimeFigureOut">
               <a:rPr lang="en-US" smtClean="0"/>
-              <a:t>12/2/24</a:t>
+              <a:t>12/3/24</a:t>
             </a:fld>
             <a:endParaRPr lang="en-US"/>
           </a:p>
@@ -5227,7 +5663,7 @@
           <a:p>
             <a:fld id="{BAA8DE05-51EE-4692-B197-877FA1DAAAED}" type="datetimeFigureOut">
               <a:rPr lang="en-US" smtClean="0"/>
-              <a:t>12/2/24</a:t>
+              <a:t>12/3/24</a:t>
             </a:fld>
             <a:endParaRPr lang="en-US"/>
           </a:p>
@@ -5468,7 +5904,7 @@
           <a:p>
             <a:fld id="{BAA8DE05-51EE-4692-B197-877FA1DAAAED}" type="datetimeFigureOut">
               <a:rPr lang="en-US" smtClean="0"/>
-              <a:t>12/2/24</a:t>
+              <a:t>12/3/24</a:t>
             </a:fld>
             <a:endParaRPr lang="en-US"/>
           </a:p>
@@ -6750,7 +7186,7 @@
               <a:rPr lang="en-US" sz="1800">
                 <a:sym typeface="Wingdings" pitchFamily="2" charset="2"/>
               </a:rPr>
-              <a:t>+) ...</a:t>
+              <a:t>+) ... (ask question Q5) </a:t>
             </a:r>
           </a:p>
           <a:p>
@@ -10977,6 +11413,1650 @@
 </p:sld>
 </file>
 
+<file path=ppt/slides/slide18.xml><?xml version="1.0" encoding="utf-8"?>
+<p:sld xmlns:a="http://schemas.openxmlformats.org/drawingml/2006/main" xmlns:r="http://schemas.openxmlformats.org/officeDocument/2006/relationships" xmlns:p="http://schemas.openxmlformats.org/presentationml/2006/main">
+  <p:cSld>
+    <p:spTree>
+      <p:nvGrpSpPr>
+        <p:cNvPr id="1" name="">
+          <a:extLst>
+            <a:ext uri="{FF2B5EF4-FFF2-40B4-BE49-F238E27FC236}">
+              <a16:creationId xmlns:a16="http://schemas.microsoft.com/office/drawing/2014/main" id="{A05EBFC1-9744-DB78-26AE-E7208F63000A}"/>
+            </a:ext>
+          </a:extLst>
+        </p:cNvPr>
+        <p:cNvGrpSpPr/>
+        <p:nvPr/>
+      </p:nvGrpSpPr>
+      <p:grpSpPr>
+        <a:xfrm>
+          <a:off x="0" y="0"/>
+          <a:ext cx="0" cy="0"/>
+          <a:chOff x="0" y="0"/>
+          <a:chExt cx="0" cy="0"/>
+        </a:xfrm>
+      </p:grpSpPr>
+      <p:sp>
+        <p:nvSpPr>
+          <p:cNvPr id="3" name="Subtitle 2">
+            <a:extLst>
+              <a:ext uri="{FF2B5EF4-FFF2-40B4-BE49-F238E27FC236}">
+                <a16:creationId xmlns:a16="http://schemas.microsoft.com/office/drawing/2014/main" id="{389192B1-6A6B-3F82-6A74-FD7E31489E78}"/>
+              </a:ext>
+            </a:extLst>
+          </p:cNvPr>
+          <p:cNvSpPr>
+            <a:spLocks noGrp="1"/>
+          </p:cNvSpPr>
+          <p:nvPr>
+            <p:ph type="subTitle" idx="1"/>
+          </p:nvPr>
+        </p:nvSpPr>
+        <p:spPr>
+          <a:xfrm>
+            <a:off x="152399" y="217488"/>
+            <a:ext cx="11223171" cy="303212"/>
+          </a:xfrm>
+        </p:spPr>
+        <p:txBody>
+          <a:bodyPr>
+            <a:normAutofit fontScale="92500" lnSpcReduction="20000"/>
+          </a:bodyPr>
+          <a:lstStyle/>
+          <a:p>
+            <a:r>
+              <a:rPr lang="en-US" sz="1800" b="1"/>
+              <a:t>Creating Abstract class</a:t>
+            </a:r>
+          </a:p>
+        </p:txBody>
+      </p:sp>
+      <p:sp>
+        <p:nvSpPr>
+          <p:cNvPr id="4" name="Subtitle 2">
+            <a:extLst>
+              <a:ext uri="{FF2B5EF4-FFF2-40B4-BE49-F238E27FC236}">
+                <a16:creationId xmlns:a16="http://schemas.microsoft.com/office/drawing/2014/main" id="{BB4003A2-EC33-B69B-1AD9-AB02CA01D855}"/>
+              </a:ext>
+            </a:extLst>
+          </p:cNvPr>
+          <p:cNvSpPr txBox="1">
+            <a:spLocks/>
+          </p:cNvSpPr>
+          <p:nvPr/>
+        </p:nvSpPr>
+        <p:spPr>
+          <a:xfrm>
+            <a:off x="0" y="820738"/>
+            <a:ext cx="12192000" cy="6037262"/>
+          </a:xfrm>
+          <a:prstGeom prst="rect">
+            <a:avLst/>
+          </a:prstGeom>
+        </p:spPr>
+        <p:txBody>
+          <a:bodyPr vert="horz" lIns="91440" tIns="45720" rIns="91440" bIns="45720" rtlCol="0">
+            <a:normAutofit/>
+          </a:bodyPr>
+          <a:lstStyle>
+            <a:lvl1pPr marL="0" indent="0" algn="ctr" defTabSz="914400" rtl="0" eaLnBrk="1" latinLnBrk="0" hangingPunct="1">
+              <a:lnSpc>
+                <a:spcPct val="90000"/>
+              </a:lnSpc>
+              <a:spcBef>
+                <a:spcPts val="1000"/>
+              </a:spcBef>
+              <a:buFont typeface="Arial" panose="020B0604020202020204" pitchFamily="34" charset="0"/>
+              <a:buNone/>
+              <a:defRPr sz="2400" kern="1200">
+                <a:solidFill>
+                  <a:schemeClr val="tx1"/>
+                </a:solidFill>
+                <a:latin typeface="+mn-lt"/>
+                <a:ea typeface="+mn-ea"/>
+                <a:cs typeface="+mn-cs"/>
+              </a:defRPr>
+            </a:lvl1pPr>
+            <a:lvl2pPr marL="457200" indent="0" algn="ctr" defTabSz="914400" rtl="0" eaLnBrk="1" latinLnBrk="0" hangingPunct="1">
+              <a:lnSpc>
+                <a:spcPct val="90000"/>
+              </a:lnSpc>
+              <a:spcBef>
+                <a:spcPts val="500"/>
+              </a:spcBef>
+              <a:buFont typeface="Arial" panose="020B0604020202020204" pitchFamily="34" charset="0"/>
+              <a:buNone/>
+              <a:defRPr sz="2000" kern="1200">
+                <a:solidFill>
+                  <a:schemeClr val="tx1"/>
+                </a:solidFill>
+                <a:latin typeface="+mn-lt"/>
+                <a:ea typeface="+mn-ea"/>
+                <a:cs typeface="+mn-cs"/>
+              </a:defRPr>
+            </a:lvl2pPr>
+            <a:lvl3pPr marL="914400" indent="0" algn="ctr" defTabSz="914400" rtl="0" eaLnBrk="1" latinLnBrk="0" hangingPunct="1">
+              <a:lnSpc>
+                <a:spcPct val="90000"/>
+              </a:lnSpc>
+              <a:spcBef>
+                <a:spcPts val="500"/>
+              </a:spcBef>
+              <a:buFont typeface="Arial" panose="020B0604020202020204" pitchFamily="34" charset="0"/>
+              <a:buNone/>
+              <a:defRPr sz="1800" kern="1200">
+                <a:solidFill>
+                  <a:schemeClr val="tx1"/>
+                </a:solidFill>
+                <a:latin typeface="+mn-lt"/>
+                <a:ea typeface="+mn-ea"/>
+                <a:cs typeface="+mn-cs"/>
+              </a:defRPr>
+            </a:lvl3pPr>
+            <a:lvl4pPr marL="1371600" indent="0" algn="ctr" defTabSz="914400" rtl="0" eaLnBrk="1" latinLnBrk="0" hangingPunct="1">
+              <a:lnSpc>
+                <a:spcPct val="90000"/>
+              </a:lnSpc>
+              <a:spcBef>
+                <a:spcPts val="500"/>
+              </a:spcBef>
+              <a:buFont typeface="Arial" panose="020B0604020202020204" pitchFamily="34" charset="0"/>
+              <a:buNone/>
+              <a:defRPr sz="1600" kern="1200">
+                <a:solidFill>
+                  <a:schemeClr val="tx1"/>
+                </a:solidFill>
+                <a:latin typeface="+mn-lt"/>
+                <a:ea typeface="+mn-ea"/>
+                <a:cs typeface="+mn-cs"/>
+              </a:defRPr>
+            </a:lvl4pPr>
+            <a:lvl5pPr marL="1828800" indent="0" algn="ctr" defTabSz="914400" rtl="0" eaLnBrk="1" latinLnBrk="0" hangingPunct="1">
+              <a:lnSpc>
+                <a:spcPct val="90000"/>
+              </a:lnSpc>
+              <a:spcBef>
+                <a:spcPts val="500"/>
+              </a:spcBef>
+              <a:buFont typeface="Arial" panose="020B0604020202020204" pitchFamily="34" charset="0"/>
+              <a:buNone/>
+              <a:defRPr sz="1600" kern="1200">
+                <a:solidFill>
+                  <a:schemeClr val="tx1"/>
+                </a:solidFill>
+                <a:latin typeface="+mn-lt"/>
+                <a:ea typeface="+mn-ea"/>
+                <a:cs typeface="+mn-cs"/>
+              </a:defRPr>
+            </a:lvl5pPr>
+            <a:lvl6pPr marL="2286000" indent="0" algn="ctr" defTabSz="914400" rtl="0" eaLnBrk="1" latinLnBrk="0" hangingPunct="1">
+              <a:lnSpc>
+                <a:spcPct val="90000"/>
+              </a:lnSpc>
+              <a:spcBef>
+                <a:spcPts val="500"/>
+              </a:spcBef>
+              <a:buFont typeface="Arial" panose="020B0604020202020204" pitchFamily="34" charset="0"/>
+              <a:buNone/>
+              <a:defRPr sz="1600" kern="1200">
+                <a:solidFill>
+                  <a:schemeClr val="tx1"/>
+                </a:solidFill>
+                <a:latin typeface="+mn-lt"/>
+                <a:ea typeface="+mn-ea"/>
+                <a:cs typeface="+mn-cs"/>
+              </a:defRPr>
+            </a:lvl6pPr>
+            <a:lvl7pPr marL="2743200" indent="0" algn="ctr" defTabSz="914400" rtl="0" eaLnBrk="1" latinLnBrk="0" hangingPunct="1">
+              <a:lnSpc>
+                <a:spcPct val="90000"/>
+              </a:lnSpc>
+              <a:spcBef>
+                <a:spcPts val="500"/>
+              </a:spcBef>
+              <a:buFont typeface="Arial" panose="020B0604020202020204" pitchFamily="34" charset="0"/>
+              <a:buNone/>
+              <a:defRPr sz="1600" kern="1200">
+                <a:solidFill>
+                  <a:schemeClr val="tx1"/>
+                </a:solidFill>
+                <a:latin typeface="+mn-lt"/>
+                <a:ea typeface="+mn-ea"/>
+                <a:cs typeface="+mn-cs"/>
+              </a:defRPr>
+            </a:lvl7pPr>
+            <a:lvl8pPr marL="3200400" indent="0" algn="ctr" defTabSz="914400" rtl="0" eaLnBrk="1" latinLnBrk="0" hangingPunct="1">
+              <a:lnSpc>
+                <a:spcPct val="90000"/>
+              </a:lnSpc>
+              <a:spcBef>
+                <a:spcPts val="500"/>
+              </a:spcBef>
+              <a:buFont typeface="Arial" panose="020B0604020202020204" pitchFamily="34" charset="0"/>
+              <a:buNone/>
+              <a:defRPr sz="1600" kern="1200">
+                <a:solidFill>
+                  <a:schemeClr val="tx1"/>
+                </a:solidFill>
+                <a:latin typeface="+mn-lt"/>
+                <a:ea typeface="+mn-ea"/>
+                <a:cs typeface="+mn-cs"/>
+              </a:defRPr>
+            </a:lvl8pPr>
+            <a:lvl9pPr marL="3657600" indent="0" algn="ctr" defTabSz="914400" rtl="0" eaLnBrk="1" latinLnBrk="0" hangingPunct="1">
+              <a:lnSpc>
+                <a:spcPct val="90000"/>
+              </a:lnSpc>
+              <a:spcBef>
+                <a:spcPts val="500"/>
+              </a:spcBef>
+              <a:buFont typeface="Arial" panose="020B0604020202020204" pitchFamily="34" charset="0"/>
+              <a:buNone/>
+              <a:defRPr sz="1600" kern="1200">
+                <a:solidFill>
+                  <a:schemeClr val="tx1"/>
+                </a:solidFill>
+                <a:latin typeface="+mn-lt"/>
+                <a:ea typeface="+mn-ea"/>
+                <a:cs typeface="+mn-cs"/>
+              </a:defRPr>
+            </a:lvl9pPr>
+          </a:lstStyle>
+          <a:p>
+            <a:pPr algn="l"/>
+            <a:r>
+              <a:rPr lang="en-US" sz="1800">
+                <a:sym typeface="Wingdings" pitchFamily="2" charset="2"/>
+              </a:rPr>
+              <a:t>- Lets say for example, we want to create a ... class for other devs to .... Our objective is to provide some ... and ... for the devs to use. And then, devs will ... the provided ... or create .... Also, we want our class can't ... </a:t>
+            </a:r>
+          </a:p>
+          <a:p>
+            <a:pPr algn="l"/>
+            <a:r>
+              <a:rPr lang="en-US" sz="1800">
+                <a:sym typeface="Wingdings" pitchFamily="2" charset="2"/>
+              </a:rPr>
+              <a:t>=&gt; We can ... by using "</a:t>
+            </a:r>
+            <a:r>
+              <a:rPr lang="en-US" sz="1800" b="1">
+                <a:sym typeface="Wingdings" pitchFamily="2" charset="2"/>
+              </a:rPr>
+              <a:t>abstract" </a:t>
+            </a:r>
+            <a:r>
+              <a:rPr lang="en-US" sz="1800">
+                <a:sym typeface="Wingdings" pitchFamily="2" charset="2"/>
+              </a:rPr>
+              <a:t>... </a:t>
+            </a:r>
+          </a:p>
+          <a:p>
+            <a:pPr algn="l"/>
+            <a:r>
+              <a:rPr lang="en-US" sz="1800">
+                <a:sym typeface="Wingdings" pitchFamily="2" charset="2"/>
+              </a:rPr>
+              <a:t>- In Abstract ..., we have a ... called Abstract...</a:t>
+            </a:r>
+          </a:p>
+          <a:p>
+            <a:pPr algn="l"/>
+            <a:r>
+              <a:rPr lang="en-US" sz="1800">
+                <a:sym typeface="Wingdings" pitchFamily="2" charset="2"/>
+              </a:rPr>
+              <a:t>– Abstract method is a method where ...</a:t>
+            </a:r>
+          </a:p>
+          <a:p>
+            <a:pPr algn="l"/>
+            <a:r>
+              <a:rPr lang="en-US" sz="1800">
+                <a:sym typeface="Wingdings" pitchFamily="2" charset="2"/>
+              </a:rPr>
+              <a:t>(code illustration snippet 24) </a:t>
+            </a:r>
+          </a:p>
+        </p:txBody>
+      </p:sp>
+    </p:spTree>
+    <p:extLst>
+      <p:ext uri="{BB962C8B-B14F-4D97-AF65-F5344CB8AC3E}">
+        <p14:creationId xmlns:p14="http://schemas.microsoft.com/office/powerpoint/2010/main" val="510156328"/>
+      </p:ext>
+    </p:extLst>
+  </p:cSld>
+  <p:clrMapOvr>
+    <a:masterClrMapping/>
+  </p:clrMapOvr>
+  <p:timing>
+    <p:tnLst>
+      <p:par>
+        <p:cTn id="1" dur="indefinite" restart="never" nodeType="tmRoot">
+          <p:childTnLst>
+            <p:seq concurrent="1" nextAc="seek">
+              <p:cTn id="2" dur="indefinite" nodeType="mainSeq">
+                <p:childTnLst>
+                  <p:par>
+                    <p:cTn id="3" fill="hold">
+                      <p:stCondLst>
+                        <p:cond delay="indefinite"/>
+                      </p:stCondLst>
+                      <p:childTnLst>
+                        <p:par>
+                          <p:cTn id="4" fill="hold">
+                            <p:stCondLst>
+                              <p:cond delay="0"/>
+                            </p:stCondLst>
+                            <p:childTnLst>
+                              <p:par>
+                                <p:cTn id="5" presetID="1" presetClass="entr" presetSubtype="0" fill="hold" nodeType="clickEffect">
+                                  <p:stCondLst>
+                                    <p:cond delay="0"/>
+                                  </p:stCondLst>
+                                  <p:childTnLst>
+                                    <p:set>
+                                      <p:cBhvr>
+                                        <p:cTn id="6" dur="1" fill="hold">
+                                          <p:stCondLst>
+                                            <p:cond delay="0"/>
+                                          </p:stCondLst>
+                                        </p:cTn>
+                                        <p:tgtEl>
+                                          <p:spTgt spid="4">
+                                            <p:txEl>
+                                              <p:pRg st="0" end="0"/>
+                                            </p:txEl>
+                                          </p:spTgt>
+                                        </p:tgtEl>
+                                        <p:attrNameLst>
+                                          <p:attrName>style.visibility</p:attrName>
+                                        </p:attrNameLst>
+                                      </p:cBhvr>
+                                      <p:to>
+                                        <p:strVal val="visible"/>
+                                      </p:to>
+                                    </p:set>
+                                  </p:childTnLst>
+                                </p:cTn>
+                              </p:par>
+                            </p:childTnLst>
+                          </p:cTn>
+                        </p:par>
+                      </p:childTnLst>
+                    </p:cTn>
+                  </p:par>
+                  <p:par>
+                    <p:cTn id="7" fill="hold">
+                      <p:stCondLst>
+                        <p:cond delay="indefinite"/>
+                      </p:stCondLst>
+                      <p:childTnLst>
+                        <p:par>
+                          <p:cTn id="8" fill="hold">
+                            <p:stCondLst>
+                              <p:cond delay="0"/>
+                            </p:stCondLst>
+                            <p:childTnLst>
+                              <p:par>
+                                <p:cTn id="9" presetID="1" presetClass="entr" presetSubtype="0" fill="hold" nodeType="clickEffect">
+                                  <p:stCondLst>
+                                    <p:cond delay="0"/>
+                                  </p:stCondLst>
+                                  <p:childTnLst>
+                                    <p:set>
+                                      <p:cBhvr>
+                                        <p:cTn id="10" dur="1" fill="hold">
+                                          <p:stCondLst>
+                                            <p:cond delay="0"/>
+                                          </p:stCondLst>
+                                        </p:cTn>
+                                        <p:tgtEl>
+                                          <p:spTgt spid="4">
+                                            <p:txEl>
+                                              <p:pRg st="1" end="1"/>
+                                            </p:txEl>
+                                          </p:spTgt>
+                                        </p:tgtEl>
+                                        <p:attrNameLst>
+                                          <p:attrName>style.visibility</p:attrName>
+                                        </p:attrNameLst>
+                                      </p:cBhvr>
+                                      <p:to>
+                                        <p:strVal val="visible"/>
+                                      </p:to>
+                                    </p:set>
+                                  </p:childTnLst>
+                                </p:cTn>
+                              </p:par>
+                            </p:childTnLst>
+                          </p:cTn>
+                        </p:par>
+                      </p:childTnLst>
+                    </p:cTn>
+                  </p:par>
+                  <p:par>
+                    <p:cTn id="11" fill="hold">
+                      <p:stCondLst>
+                        <p:cond delay="indefinite"/>
+                      </p:stCondLst>
+                      <p:childTnLst>
+                        <p:par>
+                          <p:cTn id="12" fill="hold">
+                            <p:stCondLst>
+                              <p:cond delay="0"/>
+                            </p:stCondLst>
+                            <p:childTnLst>
+                              <p:par>
+                                <p:cTn id="13" presetID="1" presetClass="entr" presetSubtype="0" fill="hold" nodeType="clickEffect">
+                                  <p:stCondLst>
+                                    <p:cond delay="0"/>
+                                  </p:stCondLst>
+                                  <p:childTnLst>
+                                    <p:set>
+                                      <p:cBhvr>
+                                        <p:cTn id="14" dur="1" fill="hold">
+                                          <p:stCondLst>
+                                            <p:cond delay="0"/>
+                                          </p:stCondLst>
+                                        </p:cTn>
+                                        <p:tgtEl>
+                                          <p:spTgt spid="4">
+                                            <p:txEl>
+                                              <p:pRg st="2" end="2"/>
+                                            </p:txEl>
+                                          </p:spTgt>
+                                        </p:tgtEl>
+                                        <p:attrNameLst>
+                                          <p:attrName>style.visibility</p:attrName>
+                                        </p:attrNameLst>
+                                      </p:cBhvr>
+                                      <p:to>
+                                        <p:strVal val="visible"/>
+                                      </p:to>
+                                    </p:set>
+                                  </p:childTnLst>
+                                </p:cTn>
+                              </p:par>
+                            </p:childTnLst>
+                          </p:cTn>
+                        </p:par>
+                      </p:childTnLst>
+                    </p:cTn>
+                  </p:par>
+                  <p:par>
+                    <p:cTn id="15" fill="hold">
+                      <p:stCondLst>
+                        <p:cond delay="indefinite"/>
+                      </p:stCondLst>
+                      <p:childTnLst>
+                        <p:par>
+                          <p:cTn id="16" fill="hold">
+                            <p:stCondLst>
+                              <p:cond delay="0"/>
+                            </p:stCondLst>
+                            <p:childTnLst>
+                              <p:par>
+                                <p:cTn id="17" presetID="1" presetClass="entr" presetSubtype="0" fill="hold" nodeType="clickEffect">
+                                  <p:stCondLst>
+                                    <p:cond delay="0"/>
+                                  </p:stCondLst>
+                                  <p:childTnLst>
+                                    <p:set>
+                                      <p:cBhvr>
+                                        <p:cTn id="18" dur="1" fill="hold">
+                                          <p:stCondLst>
+                                            <p:cond delay="0"/>
+                                          </p:stCondLst>
+                                        </p:cTn>
+                                        <p:tgtEl>
+                                          <p:spTgt spid="4">
+                                            <p:txEl>
+                                              <p:pRg st="3" end="3"/>
+                                            </p:txEl>
+                                          </p:spTgt>
+                                        </p:tgtEl>
+                                        <p:attrNameLst>
+                                          <p:attrName>style.visibility</p:attrName>
+                                        </p:attrNameLst>
+                                      </p:cBhvr>
+                                      <p:to>
+                                        <p:strVal val="visible"/>
+                                      </p:to>
+                                    </p:set>
+                                  </p:childTnLst>
+                                </p:cTn>
+                              </p:par>
+                            </p:childTnLst>
+                          </p:cTn>
+                        </p:par>
+                      </p:childTnLst>
+                    </p:cTn>
+                  </p:par>
+                  <p:par>
+                    <p:cTn id="19" fill="hold">
+                      <p:stCondLst>
+                        <p:cond delay="indefinite"/>
+                      </p:stCondLst>
+                      <p:childTnLst>
+                        <p:par>
+                          <p:cTn id="20" fill="hold">
+                            <p:stCondLst>
+                              <p:cond delay="0"/>
+                            </p:stCondLst>
+                            <p:childTnLst>
+                              <p:par>
+                                <p:cTn id="21" presetID="1" presetClass="entr" presetSubtype="0" fill="hold" nodeType="clickEffect">
+                                  <p:stCondLst>
+                                    <p:cond delay="0"/>
+                                  </p:stCondLst>
+                                  <p:childTnLst>
+                                    <p:set>
+                                      <p:cBhvr>
+                                        <p:cTn id="22" dur="1" fill="hold">
+                                          <p:stCondLst>
+                                            <p:cond delay="0"/>
+                                          </p:stCondLst>
+                                        </p:cTn>
+                                        <p:tgtEl>
+                                          <p:spTgt spid="4">
+                                            <p:txEl>
+                                              <p:pRg st="4" end="4"/>
+                                            </p:txEl>
+                                          </p:spTgt>
+                                        </p:tgtEl>
+                                        <p:attrNameLst>
+                                          <p:attrName>style.visibility</p:attrName>
+                                        </p:attrNameLst>
+                                      </p:cBhvr>
+                                      <p:to>
+                                        <p:strVal val="visible"/>
+                                      </p:to>
+                                    </p:set>
+                                  </p:childTnLst>
+                                </p:cTn>
+                              </p:par>
+                            </p:childTnLst>
+                          </p:cTn>
+                        </p:par>
+                      </p:childTnLst>
+                    </p:cTn>
+                  </p:par>
+                </p:childTnLst>
+              </p:cTn>
+              <p:prevCondLst>
+                <p:cond evt="onPrev" delay="0">
+                  <p:tgtEl>
+                    <p:sldTgt/>
+                  </p:tgtEl>
+                </p:cond>
+              </p:prevCondLst>
+              <p:nextCondLst>
+                <p:cond evt="onNext" delay="0">
+                  <p:tgtEl>
+                    <p:sldTgt/>
+                  </p:tgtEl>
+                </p:cond>
+              </p:nextCondLst>
+            </p:seq>
+          </p:childTnLst>
+        </p:cTn>
+      </p:par>
+    </p:tnLst>
+  </p:timing>
+</p:sld>
+</file>
+
+<file path=ppt/slides/slide19.xml><?xml version="1.0" encoding="utf-8"?>
+<p:sld xmlns:a="http://schemas.openxmlformats.org/drawingml/2006/main" xmlns:r="http://schemas.openxmlformats.org/officeDocument/2006/relationships" xmlns:p="http://schemas.openxmlformats.org/presentationml/2006/main">
+  <p:cSld>
+    <p:spTree>
+      <p:nvGrpSpPr>
+        <p:cNvPr id="1" name="">
+          <a:extLst>
+            <a:ext uri="{FF2B5EF4-FFF2-40B4-BE49-F238E27FC236}">
+              <a16:creationId xmlns:a16="http://schemas.microsoft.com/office/drawing/2014/main" id="{27D456DA-5FAF-4911-B9BB-2838B0975197}"/>
+            </a:ext>
+          </a:extLst>
+        </p:cNvPr>
+        <p:cNvGrpSpPr/>
+        <p:nvPr/>
+      </p:nvGrpSpPr>
+      <p:grpSpPr>
+        <a:xfrm>
+          <a:off x="0" y="0"/>
+          <a:ext cx="0" cy="0"/>
+          <a:chOff x="0" y="0"/>
+          <a:chExt cx="0" cy="0"/>
+        </a:xfrm>
+      </p:grpSpPr>
+      <p:sp>
+        <p:nvSpPr>
+          <p:cNvPr id="3" name="Subtitle 2">
+            <a:extLst>
+              <a:ext uri="{FF2B5EF4-FFF2-40B4-BE49-F238E27FC236}">
+                <a16:creationId xmlns:a16="http://schemas.microsoft.com/office/drawing/2014/main" id="{39D8F468-DAE3-0519-8C64-9E6662FAEB70}"/>
+              </a:ext>
+            </a:extLst>
+          </p:cNvPr>
+          <p:cNvSpPr>
+            <a:spLocks noGrp="1"/>
+          </p:cNvSpPr>
+          <p:nvPr>
+            <p:ph type="subTitle" idx="1"/>
+          </p:nvPr>
+        </p:nvSpPr>
+        <p:spPr>
+          <a:xfrm>
+            <a:off x="152399" y="217488"/>
+            <a:ext cx="11223171" cy="303212"/>
+          </a:xfrm>
+        </p:spPr>
+        <p:txBody>
+          <a:bodyPr>
+            <a:normAutofit fontScale="92500" lnSpcReduction="20000"/>
+          </a:bodyPr>
+          <a:lstStyle/>
+          <a:p>
+            <a:r>
+              <a:rPr lang="en-US" sz="1800" b="1"/>
+              <a:t>Creating Abstract class – Defining an Abstract class</a:t>
+            </a:r>
+          </a:p>
+        </p:txBody>
+      </p:sp>
+      <p:sp>
+        <p:nvSpPr>
+          <p:cNvPr id="4" name="Subtitle 2">
+            <a:extLst>
+              <a:ext uri="{FF2B5EF4-FFF2-40B4-BE49-F238E27FC236}">
+                <a16:creationId xmlns:a16="http://schemas.microsoft.com/office/drawing/2014/main" id="{B1C4CCED-09B7-D364-4EA3-D576A384D2C9}"/>
+              </a:ext>
+            </a:extLst>
+          </p:cNvPr>
+          <p:cNvSpPr txBox="1">
+            <a:spLocks/>
+          </p:cNvSpPr>
+          <p:nvPr/>
+        </p:nvSpPr>
+        <p:spPr>
+          <a:xfrm>
+            <a:off x="0" y="820738"/>
+            <a:ext cx="12192000" cy="6037262"/>
+          </a:xfrm>
+          <a:prstGeom prst="rect">
+            <a:avLst/>
+          </a:prstGeom>
+        </p:spPr>
+        <p:txBody>
+          <a:bodyPr vert="horz" lIns="91440" tIns="45720" rIns="91440" bIns="45720" rtlCol="0">
+            <a:normAutofit/>
+          </a:bodyPr>
+          <a:lstStyle>
+            <a:lvl1pPr marL="0" indent="0" algn="ctr" defTabSz="914400" rtl="0" eaLnBrk="1" latinLnBrk="0" hangingPunct="1">
+              <a:lnSpc>
+                <a:spcPct val="90000"/>
+              </a:lnSpc>
+              <a:spcBef>
+                <a:spcPts val="1000"/>
+              </a:spcBef>
+              <a:buFont typeface="Arial" panose="020B0604020202020204" pitchFamily="34" charset="0"/>
+              <a:buNone/>
+              <a:defRPr sz="2400" kern="1200">
+                <a:solidFill>
+                  <a:schemeClr val="tx1"/>
+                </a:solidFill>
+                <a:latin typeface="+mn-lt"/>
+                <a:ea typeface="+mn-ea"/>
+                <a:cs typeface="+mn-cs"/>
+              </a:defRPr>
+            </a:lvl1pPr>
+            <a:lvl2pPr marL="457200" indent="0" algn="ctr" defTabSz="914400" rtl="0" eaLnBrk="1" latinLnBrk="0" hangingPunct="1">
+              <a:lnSpc>
+                <a:spcPct val="90000"/>
+              </a:lnSpc>
+              <a:spcBef>
+                <a:spcPts val="500"/>
+              </a:spcBef>
+              <a:buFont typeface="Arial" panose="020B0604020202020204" pitchFamily="34" charset="0"/>
+              <a:buNone/>
+              <a:defRPr sz="2000" kern="1200">
+                <a:solidFill>
+                  <a:schemeClr val="tx1"/>
+                </a:solidFill>
+                <a:latin typeface="+mn-lt"/>
+                <a:ea typeface="+mn-ea"/>
+                <a:cs typeface="+mn-cs"/>
+              </a:defRPr>
+            </a:lvl2pPr>
+            <a:lvl3pPr marL="914400" indent="0" algn="ctr" defTabSz="914400" rtl="0" eaLnBrk="1" latinLnBrk="0" hangingPunct="1">
+              <a:lnSpc>
+                <a:spcPct val="90000"/>
+              </a:lnSpc>
+              <a:spcBef>
+                <a:spcPts val="500"/>
+              </a:spcBef>
+              <a:buFont typeface="Arial" panose="020B0604020202020204" pitchFamily="34" charset="0"/>
+              <a:buNone/>
+              <a:defRPr sz="1800" kern="1200">
+                <a:solidFill>
+                  <a:schemeClr val="tx1"/>
+                </a:solidFill>
+                <a:latin typeface="+mn-lt"/>
+                <a:ea typeface="+mn-ea"/>
+                <a:cs typeface="+mn-cs"/>
+              </a:defRPr>
+            </a:lvl3pPr>
+            <a:lvl4pPr marL="1371600" indent="0" algn="ctr" defTabSz="914400" rtl="0" eaLnBrk="1" latinLnBrk="0" hangingPunct="1">
+              <a:lnSpc>
+                <a:spcPct val="90000"/>
+              </a:lnSpc>
+              <a:spcBef>
+                <a:spcPts val="500"/>
+              </a:spcBef>
+              <a:buFont typeface="Arial" panose="020B0604020202020204" pitchFamily="34" charset="0"/>
+              <a:buNone/>
+              <a:defRPr sz="1600" kern="1200">
+                <a:solidFill>
+                  <a:schemeClr val="tx1"/>
+                </a:solidFill>
+                <a:latin typeface="+mn-lt"/>
+                <a:ea typeface="+mn-ea"/>
+                <a:cs typeface="+mn-cs"/>
+              </a:defRPr>
+            </a:lvl4pPr>
+            <a:lvl5pPr marL="1828800" indent="0" algn="ctr" defTabSz="914400" rtl="0" eaLnBrk="1" latinLnBrk="0" hangingPunct="1">
+              <a:lnSpc>
+                <a:spcPct val="90000"/>
+              </a:lnSpc>
+              <a:spcBef>
+                <a:spcPts val="500"/>
+              </a:spcBef>
+              <a:buFont typeface="Arial" panose="020B0604020202020204" pitchFamily="34" charset="0"/>
+              <a:buNone/>
+              <a:defRPr sz="1600" kern="1200">
+                <a:solidFill>
+                  <a:schemeClr val="tx1"/>
+                </a:solidFill>
+                <a:latin typeface="+mn-lt"/>
+                <a:ea typeface="+mn-ea"/>
+                <a:cs typeface="+mn-cs"/>
+              </a:defRPr>
+            </a:lvl5pPr>
+            <a:lvl6pPr marL="2286000" indent="0" algn="ctr" defTabSz="914400" rtl="0" eaLnBrk="1" latinLnBrk="0" hangingPunct="1">
+              <a:lnSpc>
+                <a:spcPct val="90000"/>
+              </a:lnSpc>
+              <a:spcBef>
+                <a:spcPts val="500"/>
+              </a:spcBef>
+              <a:buFont typeface="Arial" panose="020B0604020202020204" pitchFamily="34" charset="0"/>
+              <a:buNone/>
+              <a:defRPr sz="1600" kern="1200">
+                <a:solidFill>
+                  <a:schemeClr val="tx1"/>
+                </a:solidFill>
+                <a:latin typeface="+mn-lt"/>
+                <a:ea typeface="+mn-ea"/>
+                <a:cs typeface="+mn-cs"/>
+              </a:defRPr>
+            </a:lvl6pPr>
+            <a:lvl7pPr marL="2743200" indent="0" algn="ctr" defTabSz="914400" rtl="0" eaLnBrk="1" latinLnBrk="0" hangingPunct="1">
+              <a:lnSpc>
+                <a:spcPct val="90000"/>
+              </a:lnSpc>
+              <a:spcBef>
+                <a:spcPts val="500"/>
+              </a:spcBef>
+              <a:buFont typeface="Arial" panose="020B0604020202020204" pitchFamily="34" charset="0"/>
+              <a:buNone/>
+              <a:defRPr sz="1600" kern="1200">
+                <a:solidFill>
+                  <a:schemeClr val="tx1"/>
+                </a:solidFill>
+                <a:latin typeface="+mn-lt"/>
+                <a:ea typeface="+mn-ea"/>
+                <a:cs typeface="+mn-cs"/>
+              </a:defRPr>
+            </a:lvl7pPr>
+            <a:lvl8pPr marL="3200400" indent="0" algn="ctr" defTabSz="914400" rtl="0" eaLnBrk="1" latinLnBrk="0" hangingPunct="1">
+              <a:lnSpc>
+                <a:spcPct val="90000"/>
+              </a:lnSpc>
+              <a:spcBef>
+                <a:spcPts val="500"/>
+              </a:spcBef>
+              <a:buFont typeface="Arial" panose="020B0604020202020204" pitchFamily="34" charset="0"/>
+              <a:buNone/>
+              <a:defRPr sz="1600" kern="1200">
+                <a:solidFill>
+                  <a:schemeClr val="tx1"/>
+                </a:solidFill>
+                <a:latin typeface="+mn-lt"/>
+                <a:ea typeface="+mn-ea"/>
+                <a:cs typeface="+mn-cs"/>
+              </a:defRPr>
+            </a:lvl8pPr>
+            <a:lvl9pPr marL="3657600" indent="0" algn="ctr" defTabSz="914400" rtl="0" eaLnBrk="1" latinLnBrk="0" hangingPunct="1">
+              <a:lnSpc>
+                <a:spcPct val="90000"/>
+              </a:lnSpc>
+              <a:spcBef>
+                <a:spcPts val="500"/>
+              </a:spcBef>
+              <a:buFont typeface="Arial" panose="020B0604020202020204" pitchFamily="34" charset="0"/>
+              <a:buNone/>
+              <a:defRPr sz="1600" kern="1200">
+                <a:solidFill>
+                  <a:schemeClr val="tx1"/>
+                </a:solidFill>
+                <a:latin typeface="+mn-lt"/>
+                <a:ea typeface="+mn-ea"/>
+                <a:cs typeface="+mn-cs"/>
+              </a:defRPr>
+            </a:lvl9pPr>
+          </a:lstStyle>
+          <a:p>
+            <a:pPr algn="l"/>
+            <a:r>
+              <a:rPr lang="en-US" sz="1800">
+                <a:sym typeface="Wingdings" pitchFamily="2" charset="2"/>
+              </a:rPr>
+              <a:t>- Unlike what I have been taught with Abstract class definition (which is ...),  however, an Abstract class can have ...</a:t>
+            </a:r>
+          </a:p>
+          <a:p>
+            <a:pPr algn="l"/>
+            <a:r>
+              <a:rPr lang="en-US" sz="1800">
+                <a:sym typeface="Wingdings" pitchFamily="2" charset="2"/>
+              </a:rPr>
+              <a:t>(code illustration snippet 25)</a:t>
+            </a:r>
+          </a:p>
+          <a:p>
+            <a:pPr algn="l"/>
+            <a:r>
+              <a:rPr lang="en-US" sz="1800">
+                <a:sym typeface="Wingdings" pitchFamily="2" charset="2"/>
+              </a:rPr>
+              <a:t>– Class that use ... keyword =&gt; Can't ...ed</a:t>
+            </a:r>
+          </a:p>
+          <a:p>
+            <a:pPr algn="l"/>
+            <a:r>
+              <a:rPr lang="en-US" sz="1800">
+                <a:sym typeface="Wingdings" pitchFamily="2" charset="2"/>
+              </a:rPr>
+              <a:t>– Class that use "Abstract" ... =&gt; Must be ...</a:t>
+            </a:r>
+          </a:p>
+          <a:p>
+            <a:pPr algn="l"/>
+            <a:r>
+              <a:rPr lang="en-US" sz="1800">
+                <a:sym typeface="Wingdings" pitchFamily="2" charset="2"/>
+              </a:rPr>
+              <a:t>=&gt; When ... these 2 keywords =&gt; there will be ... </a:t>
+            </a:r>
+          </a:p>
+          <a:p>
+            <a:pPr algn="l"/>
+            <a:r>
+              <a:rPr lang="en-US" sz="1800">
+                <a:sym typeface="Wingdings" pitchFamily="2" charset="2"/>
+              </a:rPr>
+              <a:t>(code illustration snippet 26) </a:t>
+            </a:r>
+          </a:p>
+          <a:p>
+            <a:pPr algn="l"/>
+            <a:r>
+              <a:rPr lang="en-US" sz="1800">
+                <a:sym typeface="Wingdings" pitchFamily="2" charset="2"/>
+              </a:rPr>
+              <a:t>- The ... thing also apply to ... </a:t>
+            </a:r>
+          </a:p>
+          <a:p>
+            <a:pPr algn="l"/>
+            <a:r>
+              <a:rPr lang="en-US" sz="1800">
+                <a:sym typeface="Wingdings" pitchFamily="2" charset="2"/>
+              </a:rPr>
+              <a:t>(code illustration snippet 27) </a:t>
+            </a:r>
+          </a:p>
+          <a:p>
+            <a:pPr algn="l"/>
+            <a:r>
+              <a:rPr lang="en-US" sz="1800">
+                <a:sym typeface="Wingdings" pitchFamily="2" charset="2"/>
+              </a:rPr>
+              <a:t>- Abstract method doesn't work with ... because if we set it to ... =&gt; There will be no ... concept =&gt; ...</a:t>
+            </a:r>
+          </a:p>
+          <a:p>
+            <a:pPr algn="l"/>
+            <a:r>
+              <a:rPr lang="en-US" sz="1800">
+                <a:sym typeface="Wingdings" pitchFamily="2" charset="2"/>
+              </a:rPr>
+              <a:t>(code illustration snippet 28 - 29)</a:t>
+            </a:r>
+          </a:p>
+          <a:p>
+            <a:pPr algn="l"/>
+            <a:r>
+              <a:rPr lang="en-US" sz="1800">
+                <a:sym typeface="Wingdings" pitchFamily="2" charset="2"/>
+              </a:rPr>
+              <a:t>- An abstract class is only useful when ... =&gt; The class that ... the abstract class are called "..." because it is the first ... class that ... the abstract class</a:t>
+            </a:r>
+          </a:p>
+          <a:p>
+            <a:pPr algn="l"/>
+            <a:r>
+              <a:rPr lang="en-US" sz="1800">
+                <a:sym typeface="Wingdings" pitchFamily="2" charset="2"/>
+              </a:rPr>
+              <a:t>– All class that ... the abstract class are required to ... </a:t>
+            </a:r>
+          </a:p>
+          <a:p>
+            <a:pPr algn="l"/>
+            <a:r>
+              <a:rPr lang="en-US" sz="1800">
+                <a:sym typeface="Wingdings" pitchFamily="2" charset="2"/>
+              </a:rPr>
+              <a:t>(code illustration snippet 30 - 31)  </a:t>
+            </a:r>
+          </a:p>
+        </p:txBody>
+      </p:sp>
+    </p:spTree>
+    <p:extLst>
+      <p:ext uri="{BB962C8B-B14F-4D97-AF65-F5344CB8AC3E}">
+        <p14:creationId xmlns:p14="http://schemas.microsoft.com/office/powerpoint/2010/main" val="1816377882"/>
+      </p:ext>
+    </p:extLst>
+  </p:cSld>
+  <p:clrMapOvr>
+    <a:masterClrMapping/>
+  </p:clrMapOvr>
+  <p:timing>
+    <p:tnLst>
+      <p:par>
+        <p:cTn id="1" dur="indefinite" restart="never" nodeType="tmRoot">
+          <p:childTnLst>
+            <p:seq concurrent="1" nextAc="seek">
+              <p:cTn id="2" dur="indefinite" nodeType="mainSeq">
+                <p:childTnLst>
+                  <p:par>
+                    <p:cTn id="3" fill="hold">
+                      <p:stCondLst>
+                        <p:cond delay="indefinite"/>
+                      </p:stCondLst>
+                      <p:childTnLst>
+                        <p:par>
+                          <p:cTn id="4" fill="hold">
+                            <p:stCondLst>
+                              <p:cond delay="0"/>
+                            </p:stCondLst>
+                            <p:childTnLst>
+                              <p:par>
+                                <p:cTn id="5" presetID="1" presetClass="entr" presetSubtype="0" fill="hold" nodeType="clickEffect">
+                                  <p:stCondLst>
+                                    <p:cond delay="0"/>
+                                  </p:stCondLst>
+                                  <p:childTnLst>
+                                    <p:set>
+                                      <p:cBhvr>
+                                        <p:cTn id="6" dur="1" fill="hold">
+                                          <p:stCondLst>
+                                            <p:cond delay="0"/>
+                                          </p:stCondLst>
+                                        </p:cTn>
+                                        <p:tgtEl>
+                                          <p:spTgt spid="4">
+                                            <p:txEl>
+                                              <p:pRg st="0" end="0"/>
+                                            </p:txEl>
+                                          </p:spTgt>
+                                        </p:tgtEl>
+                                        <p:attrNameLst>
+                                          <p:attrName>style.visibility</p:attrName>
+                                        </p:attrNameLst>
+                                      </p:cBhvr>
+                                      <p:to>
+                                        <p:strVal val="visible"/>
+                                      </p:to>
+                                    </p:set>
+                                  </p:childTnLst>
+                                </p:cTn>
+                              </p:par>
+                            </p:childTnLst>
+                          </p:cTn>
+                        </p:par>
+                      </p:childTnLst>
+                    </p:cTn>
+                  </p:par>
+                  <p:par>
+                    <p:cTn id="7" fill="hold">
+                      <p:stCondLst>
+                        <p:cond delay="indefinite"/>
+                      </p:stCondLst>
+                      <p:childTnLst>
+                        <p:par>
+                          <p:cTn id="8" fill="hold">
+                            <p:stCondLst>
+                              <p:cond delay="0"/>
+                            </p:stCondLst>
+                            <p:childTnLst>
+                              <p:par>
+                                <p:cTn id="9" presetID="1" presetClass="entr" presetSubtype="0" fill="hold" nodeType="clickEffect">
+                                  <p:stCondLst>
+                                    <p:cond delay="0"/>
+                                  </p:stCondLst>
+                                  <p:childTnLst>
+                                    <p:set>
+                                      <p:cBhvr>
+                                        <p:cTn id="10" dur="1" fill="hold">
+                                          <p:stCondLst>
+                                            <p:cond delay="0"/>
+                                          </p:stCondLst>
+                                        </p:cTn>
+                                        <p:tgtEl>
+                                          <p:spTgt spid="4">
+                                            <p:txEl>
+                                              <p:pRg st="1" end="1"/>
+                                            </p:txEl>
+                                          </p:spTgt>
+                                        </p:tgtEl>
+                                        <p:attrNameLst>
+                                          <p:attrName>style.visibility</p:attrName>
+                                        </p:attrNameLst>
+                                      </p:cBhvr>
+                                      <p:to>
+                                        <p:strVal val="visible"/>
+                                      </p:to>
+                                    </p:set>
+                                  </p:childTnLst>
+                                </p:cTn>
+                              </p:par>
+                            </p:childTnLst>
+                          </p:cTn>
+                        </p:par>
+                      </p:childTnLst>
+                    </p:cTn>
+                  </p:par>
+                  <p:par>
+                    <p:cTn id="11" fill="hold">
+                      <p:stCondLst>
+                        <p:cond delay="indefinite"/>
+                      </p:stCondLst>
+                      <p:childTnLst>
+                        <p:par>
+                          <p:cTn id="12" fill="hold">
+                            <p:stCondLst>
+                              <p:cond delay="0"/>
+                            </p:stCondLst>
+                            <p:childTnLst>
+                              <p:par>
+                                <p:cTn id="13" presetID="1" presetClass="entr" presetSubtype="0" fill="hold" nodeType="clickEffect">
+                                  <p:stCondLst>
+                                    <p:cond delay="0"/>
+                                  </p:stCondLst>
+                                  <p:childTnLst>
+                                    <p:set>
+                                      <p:cBhvr>
+                                        <p:cTn id="14" dur="1" fill="hold">
+                                          <p:stCondLst>
+                                            <p:cond delay="0"/>
+                                          </p:stCondLst>
+                                        </p:cTn>
+                                        <p:tgtEl>
+                                          <p:spTgt spid="4">
+                                            <p:txEl>
+                                              <p:pRg st="2" end="2"/>
+                                            </p:txEl>
+                                          </p:spTgt>
+                                        </p:tgtEl>
+                                        <p:attrNameLst>
+                                          <p:attrName>style.visibility</p:attrName>
+                                        </p:attrNameLst>
+                                      </p:cBhvr>
+                                      <p:to>
+                                        <p:strVal val="visible"/>
+                                      </p:to>
+                                    </p:set>
+                                  </p:childTnLst>
+                                </p:cTn>
+                              </p:par>
+                            </p:childTnLst>
+                          </p:cTn>
+                        </p:par>
+                      </p:childTnLst>
+                    </p:cTn>
+                  </p:par>
+                  <p:par>
+                    <p:cTn id="15" fill="hold">
+                      <p:stCondLst>
+                        <p:cond delay="indefinite"/>
+                      </p:stCondLst>
+                      <p:childTnLst>
+                        <p:par>
+                          <p:cTn id="16" fill="hold">
+                            <p:stCondLst>
+                              <p:cond delay="0"/>
+                            </p:stCondLst>
+                            <p:childTnLst>
+                              <p:par>
+                                <p:cTn id="17" presetID="1" presetClass="entr" presetSubtype="0" fill="hold" nodeType="clickEffect">
+                                  <p:stCondLst>
+                                    <p:cond delay="0"/>
+                                  </p:stCondLst>
+                                  <p:childTnLst>
+                                    <p:set>
+                                      <p:cBhvr>
+                                        <p:cTn id="18" dur="1" fill="hold">
+                                          <p:stCondLst>
+                                            <p:cond delay="0"/>
+                                          </p:stCondLst>
+                                        </p:cTn>
+                                        <p:tgtEl>
+                                          <p:spTgt spid="4">
+                                            <p:txEl>
+                                              <p:pRg st="3" end="3"/>
+                                            </p:txEl>
+                                          </p:spTgt>
+                                        </p:tgtEl>
+                                        <p:attrNameLst>
+                                          <p:attrName>style.visibility</p:attrName>
+                                        </p:attrNameLst>
+                                      </p:cBhvr>
+                                      <p:to>
+                                        <p:strVal val="visible"/>
+                                      </p:to>
+                                    </p:set>
+                                  </p:childTnLst>
+                                </p:cTn>
+                              </p:par>
+                            </p:childTnLst>
+                          </p:cTn>
+                        </p:par>
+                      </p:childTnLst>
+                    </p:cTn>
+                  </p:par>
+                  <p:par>
+                    <p:cTn id="19" fill="hold">
+                      <p:stCondLst>
+                        <p:cond delay="indefinite"/>
+                      </p:stCondLst>
+                      <p:childTnLst>
+                        <p:par>
+                          <p:cTn id="20" fill="hold">
+                            <p:stCondLst>
+                              <p:cond delay="0"/>
+                            </p:stCondLst>
+                            <p:childTnLst>
+                              <p:par>
+                                <p:cTn id="21" presetID="1" presetClass="entr" presetSubtype="0" fill="hold" nodeType="clickEffect">
+                                  <p:stCondLst>
+                                    <p:cond delay="0"/>
+                                  </p:stCondLst>
+                                  <p:childTnLst>
+                                    <p:set>
+                                      <p:cBhvr>
+                                        <p:cTn id="22" dur="1" fill="hold">
+                                          <p:stCondLst>
+                                            <p:cond delay="0"/>
+                                          </p:stCondLst>
+                                        </p:cTn>
+                                        <p:tgtEl>
+                                          <p:spTgt spid="4">
+                                            <p:txEl>
+                                              <p:pRg st="4" end="4"/>
+                                            </p:txEl>
+                                          </p:spTgt>
+                                        </p:tgtEl>
+                                        <p:attrNameLst>
+                                          <p:attrName>style.visibility</p:attrName>
+                                        </p:attrNameLst>
+                                      </p:cBhvr>
+                                      <p:to>
+                                        <p:strVal val="visible"/>
+                                      </p:to>
+                                    </p:set>
+                                  </p:childTnLst>
+                                </p:cTn>
+                              </p:par>
+                            </p:childTnLst>
+                          </p:cTn>
+                        </p:par>
+                      </p:childTnLst>
+                    </p:cTn>
+                  </p:par>
+                  <p:par>
+                    <p:cTn id="23" fill="hold">
+                      <p:stCondLst>
+                        <p:cond delay="indefinite"/>
+                      </p:stCondLst>
+                      <p:childTnLst>
+                        <p:par>
+                          <p:cTn id="24" fill="hold">
+                            <p:stCondLst>
+                              <p:cond delay="0"/>
+                            </p:stCondLst>
+                            <p:childTnLst>
+                              <p:par>
+                                <p:cTn id="25" presetID="1" presetClass="entr" presetSubtype="0" fill="hold" nodeType="clickEffect">
+                                  <p:stCondLst>
+                                    <p:cond delay="0"/>
+                                  </p:stCondLst>
+                                  <p:childTnLst>
+                                    <p:set>
+                                      <p:cBhvr>
+                                        <p:cTn id="26" dur="1" fill="hold">
+                                          <p:stCondLst>
+                                            <p:cond delay="0"/>
+                                          </p:stCondLst>
+                                        </p:cTn>
+                                        <p:tgtEl>
+                                          <p:spTgt spid="4">
+                                            <p:txEl>
+                                              <p:pRg st="5" end="5"/>
+                                            </p:txEl>
+                                          </p:spTgt>
+                                        </p:tgtEl>
+                                        <p:attrNameLst>
+                                          <p:attrName>style.visibility</p:attrName>
+                                        </p:attrNameLst>
+                                      </p:cBhvr>
+                                      <p:to>
+                                        <p:strVal val="visible"/>
+                                      </p:to>
+                                    </p:set>
+                                  </p:childTnLst>
+                                </p:cTn>
+                              </p:par>
+                            </p:childTnLst>
+                          </p:cTn>
+                        </p:par>
+                      </p:childTnLst>
+                    </p:cTn>
+                  </p:par>
+                  <p:par>
+                    <p:cTn id="27" fill="hold">
+                      <p:stCondLst>
+                        <p:cond delay="indefinite"/>
+                      </p:stCondLst>
+                      <p:childTnLst>
+                        <p:par>
+                          <p:cTn id="28" fill="hold">
+                            <p:stCondLst>
+                              <p:cond delay="0"/>
+                            </p:stCondLst>
+                            <p:childTnLst>
+                              <p:par>
+                                <p:cTn id="29" presetID="1" presetClass="entr" presetSubtype="0" fill="hold" nodeType="clickEffect">
+                                  <p:stCondLst>
+                                    <p:cond delay="0"/>
+                                  </p:stCondLst>
+                                  <p:childTnLst>
+                                    <p:set>
+                                      <p:cBhvr>
+                                        <p:cTn id="30" dur="1" fill="hold">
+                                          <p:stCondLst>
+                                            <p:cond delay="0"/>
+                                          </p:stCondLst>
+                                        </p:cTn>
+                                        <p:tgtEl>
+                                          <p:spTgt spid="4">
+                                            <p:txEl>
+                                              <p:pRg st="6" end="6"/>
+                                            </p:txEl>
+                                          </p:spTgt>
+                                        </p:tgtEl>
+                                        <p:attrNameLst>
+                                          <p:attrName>style.visibility</p:attrName>
+                                        </p:attrNameLst>
+                                      </p:cBhvr>
+                                      <p:to>
+                                        <p:strVal val="visible"/>
+                                      </p:to>
+                                    </p:set>
+                                  </p:childTnLst>
+                                </p:cTn>
+                              </p:par>
+                            </p:childTnLst>
+                          </p:cTn>
+                        </p:par>
+                      </p:childTnLst>
+                    </p:cTn>
+                  </p:par>
+                  <p:par>
+                    <p:cTn id="31" fill="hold">
+                      <p:stCondLst>
+                        <p:cond delay="indefinite"/>
+                      </p:stCondLst>
+                      <p:childTnLst>
+                        <p:par>
+                          <p:cTn id="32" fill="hold">
+                            <p:stCondLst>
+                              <p:cond delay="0"/>
+                            </p:stCondLst>
+                            <p:childTnLst>
+                              <p:par>
+                                <p:cTn id="33" presetID="1" presetClass="entr" presetSubtype="0" fill="hold" nodeType="clickEffect">
+                                  <p:stCondLst>
+                                    <p:cond delay="0"/>
+                                  </p:stCondLst>
+                                  <p:childTnLst>
+                                    <p:set>
+                                      <p:cBhvr>
+                                        <p:cTn id="34" dur="1" fill="hold">
+                                          <p:stCondLst>
+                                            <p:cond delay="0"/>
+                                          </p:stCondLst>
+                                        </p:cTn>
+                                        <p:tgtEl>
+                                          <p:spTgt spid="4">
+                                            <p:txEl>
+                                              <p:pRg st="7" end="7"/>
+                                            </p:txEl>
+                                          </p:spTgt>
+                                        </p:tgtEl>
+                                        <p:attrNameLst>
+                                          <p:attrName>style.visibility</p:attrName>
+                                        </p:attrNameLst>
+                                      </p:cBhvr>
+                                      <p:to>
+                                        <p:strVal val="visible"/>
+                                      </p:to>
+                                    </p:set>
+                                  </p:childTnLst>
+                                </p:cTn>
+                              </p:par>
+                            </p:childTnLst>
+                          </p:cTn>
+                        </p:par>
+                      </p:childTnLst>
+                    </p:cTn>
+                  </p:par>
+                  <p:par>
+                    <p:cTn id="35" fill="hold">
+                      <p:stCondLst>
+                        <p:cond delay="indefinite"/>
+                      </p:stCondLst>
+                      <p:childTnLst>
+                        <p:par>
+                          <p:cTn id="36" fill="hold">
+                            <p:stCondLst>
+                              <p:cond delay="0"/>
+                            </p:stCondLst>
+                            <p:childTnLst>
+                              <p:par>
+                                <p:cTn id="37" presetID="1" presetClass="entr" presetSubtype="0" fill="hold" nodeType="clickEffect">
+                                  <p:stCondLst>
+                                    <p:cond delay="0"/>
+                                  </p:stCondLst>
+                                  <p:childTnLst>
+                                    <p:set>
+                                      <p:cBhvr>
+                                        <p:cTn id="38" dur="1" fill="hold">
+                                          <p:stCondLst>
+                                            <p:cond delay="0"/>
+                                          </p:stCondLst>
+                                        </p:cTn>
+                                        <p:tgtEl>
+                                          <p:spTgt spid="4">
+                                            <p:txEl>
+                                              <p:pRg st="8" end="8"/>
+                                            </p:txEl>
+                                          </p:spTgt>
+                                        </p:tgtEl>
+                                        <p:attrNameLst>
+                                          <p:attrName>style.visibility</p:attrName>
+                                        </p:attrNameLst>
+                                      </p:cBhvr>
+                                      <p:to>
+                                        <p:strVal val="visible"/>
+                                      </p:to>
+                                    </p:set>
+                                  </p:childTnLst>
+                                </p:cTn>
+                              </p:par>
+                            </p:childTnLst>
+                          </p:cTn>
+                        </p:par>
+                      </p:childTnLst>
+                    </p:cTn>
+                  </p:par>
+                  <p:par>
+                    <p:cTn id="39" fill="hold">
+                      <p:stCondLst>
+                        <p:cond delay="indefinite"/>
+                      </p:stCondLst>
+                      <p:childTnLst>
+                        <p:par>
+                          <p:cTn id="40" fill="hold">
+                            <p:stCondLst>
+                              <p:cond delay="0"/>
+                            </p:stCondLst>
+                            <p:childTnLst>
+                              <p:par>
+                                <p:cTn id="41" presetID="1" presetClass="entr" presetSubtype="0" fill="hold" nodeType="clickEffect">
+                                  <p:stCondLst>
+                                    <p:cond delay="0"/>
+                                  </p:stCondLst>
+                                  <p:childTnLst>
+                                    <p:set>
+                                      <p:cBhvr>
+                                        <p:cTn id="42" dur="1" fill="hold">
+                                          <p:stCondLst>
+                                            <p:cond delay="0"/>
+                                          </p:stCondLst>
+                                        </p:cTn>
+                                        <p:tgtEl>
+                                          <p:spTgt spid="4">
+                                            <p:txEl>
+                                              <p:pRg st="9" end="9"/>
+                                            </p:txEl>
+                                          </p:spTgt>
+                                        </p:tgtEl>
+                                        <p:attrNameLst>
+                                          <p:attrName>style.visibility</p:attrName>
+                                        </p:attrNameLst>
+                                      </p:cBhvr>
+                                      <p:to>
+                                        <p:strVal val="visible"/>
+                                      </p:to>
+                                    </p:set>
+                                  </p:childTnLst>
+                                </p:cTn>
+                              </p:par>
+                            </p:childTnLst>
+                          </p:cTn>
+                        </p:par>
+                      </p:childTnLst>
+                    </p:cTn>
+                  </p:par>
+                  <p:par>
+                    <p:cTn id="43" fill="hold">
+                      <p:stCondLst>
+                        <p:cond delay="indefinite"/>
+                      </p:stCondLst>
+                      <p:childTnLst>
+                        <p:par>
+                          <p:cTn id="44" fill="hold">
+                            <p:stCondLst>
+                              <p:cond delay="0"/>
+                            </p:stCondLst>
+                            <p:childTnLst>
+                              <p:par>
+                                <p:cTn id="45" presetID="1" presetClass="entr" presetSubtype="0" fill="hold" nodeType="clickEffect">
+                                  <p:stCondLst>
+                                    <p:cond delay="0"/>
+                                  </p:stCondLst>
+                                  <p:childTnLst>
+                                    <p:set>
+                                      <p:cBhvr>
+                                        <p:cTn id="46" dur="1" fill="hold">
+                                          <p:stCondLst>
+                                            <p:cond delay="0"/>
+                                          </p:stCondLst>
+                                        </p:cTn>
+                                        <p:tgtEl>
+                                          <p:spTgt spid="4">
+                                            <p:txEl>
+                                              <p:pRg st="10" end="10"/>
+                                            </p:txEl>
+                                          </p:spTgt>
+                                        </p:tgtEl>
+                                        <p:attrNameLst>
+                                          <p:attrName>style.visibility</p:attrName>
+                                        </p:attrNameLst>
+                                      </p:cBhvr>
+                                      <p:to>
+                                        <p:strVal val="visible"/>
+                                      </p:to>
+                                    </p:set>
+                                  </p:childTnLst>
+                                </p:cTn>
+                              </p:par>
+                            </p:childTnLst>
+                          </p:cTn>
+                        </p:par>
+                      </p:childTnLst>
+                    </p:cTn>
+                  </p:par>
+                  <p:par>
+                    <p:cTn id="47" fill="hold">
+                      <p:stCondLst>
+                        <p:cond delay="indefinite"/>
+                      </p:stCondLst>
+                      <p:childTnLst>
+                        <p:par>
+                          <p:cTn id="48" fill="hold">
+                            <p:stCondLst>
+                              <p:cond delay="0"/>
+                            </p:stCondLst>
+                            <p:childTnLst>
+                              <p:par>
+                                <p:cTn id="49" presetID="1" presetClass="entr" presetSubtype="0" fill="hold" nodeType="clickEffect">
+                                  <p:stCondLst>
+                                    <p:cond delay="0"/>
+                                  </p:stCondLst>
+                                  <p:childTnLst>
+                                    <p:set>
+                                      <p:cBhvr>
+                                        <p:cTn id="50" dur="1" fill="hold">
+                                          <p:stCondLst>
+                                            <p:cond delay="0"/>
+                                          </p:stCondLst>
+                                        </p:cTn>
+                                        <p:tgtEl>
+                                          <p:spTgt spid="4">
+                                            <p:txEl>
+                                              <p:pRg st="11" end="11"/>
+                                            </p:txEl>
+                                          </p:spTgt>
+                                        </p:tgtEl>
+                                        <p:attrNameLst>
+                                          <p:attrName>style.visibility</p:attrName>
+                                        </p:attrNameLst>
+                                      </p:cBhvr>
+                                      <p:to>
+                                        <p:strVal val="visible"/>
+                                      </p:to>
+                                    </p:set>
+                                  </p:childTnLst>
+                                </p:cTn>
+                              </p:par>
+                            </p:childTnLst>
+                          </p:cTn>
+                        </p:par>
+                      </p:childTnLst>
+                    </p:cTn>
+                  </p:par>
+                  <p:par>
+                    <p:cTn id="51" fill="hold">
+                      <p:stCondLst>
+                        <p:cond delay="indefinite"/>
+                      </p:stCondLst>
+                      <p:childTnLst>
+                        <p:par>
+                          <p:cTn id="52" fill="hold">
+                            <p:stCondLst>
+                              <p:cond delay="0"/>
+                            </p:stCondLst>
+                            <p:childTnLst>
+                              <p:par>
+                                <p:cTn id="53" presetID="1" presetClass="entr" presetSubtype="0" fill="hold" nodeType="clickEffect">
+                                  <p:stCondLst>
+                                    <p:cond delay="0"/>
+                                  </p:stCondLst>
+                                  <p:childTnLst>
+                                    <p:set>
+                                      <p:cBhvr>
+                                        <p:cTn id="54" dur="1" fill="hold">
+                                          <p:stCondLst>
+                                            <p:cond delay="0"/>
+                                          </p:stCondLst>
+                                        </p:cTn>
+                                        <p:tgtEl>
+                                          <p:spTgt spid="4">
+                                            <p:txEl>
+                                              <p:pRg st="12" end="12"/>
+                                            </p:txEl>
+                                          </p:spTgt>
+                                        </p:tgtEl>
+                                        <p:attrNameLst>
+                                          <p:attrName>style.visibility</p:attrName>
+                                        </p:attrNameLst>
+                                      </p:cBhvr>
+                                      <p:to>
+                                        <p:strVal val="visible"/>
+                                      </p:to>
+                                    </p:set>
+                                  </p:childTnLst>
+                                </p:cTn>
+                              </p:par>
+                            </p:childTnLst>
+                          </p:cTn>
+                        </p:par>
+                      </p:childTnLst>
+                    </p:cTn>
+                  </p:par>
+                </p:childTnLst>
+              </p:cTn>
+              <p:prevCondLst>
+                <p:cond evt="onPrev" delay="0">
+                  <p:tgtEl>
+                    <p:sldTgt/>
+                  </p:tgtEl>
+                </p:cond>
+              </p:prevCondLst>
+              <p:nextCondLst>
+                <p:cond evt="onNext" delay="0">
+                  <p:tgtEl>
+                    <p:sldTgt/>
+                  </p:tgtEl>
+                </p:cond>
+              </p:nextCondLst>
+            </p:seq>
+          </p:childTnLst>
+        </p:cTn>
+      </p:par>
+    </p:tnLst>
+  </p:timing>
+</p:sld>
+</file>
+
 <file path=ppt/slides/slide2.xml><?xml version="1.0" encoding="utf-8"?>
 <p:sld xmlns:a="http://schemas.openxmlformats.org/drawingml/2006/main" xmlns:r="http://schemas.openxmlformats.org/officeDocument/2006/relationships" xmlns:p="http://schemas.openxmlformats.org/presentationml/2006/main">
   <p:cSld>
@@ -11568,6 +13648,1638 @@
                                           <p:spTgt spid="4">
                                             <p:txEl>
                                               <p:pRg st="5" end="5"/>
+                                            </p:txEl>
+                                          </p:spTgt>
+                                        </p:tgtEl>
+                                        <p:attrNameLst>
+                                          <p:attrName>style.visibility</p:attrName>
+                                        </p:attrNameLst>
+                                      </p:cBhvr>
+                                      <p:to>
+                                        <p:strVal val="visible"/>
+                                      </p:to>
+                                    </p:set>
+                                  </p:childTnLst>
+                                </p:cTn>
+                              </p:par>
+                            </p:childTnLst>
+                          </p:cTn>
+                        </p:par>
+                      </p:childTnLst>
+                    </p:cTn>
+                  </p:par>
+                </p:childTnLst>
+              </p:cTn>
+              <p:prevCondLst>
+                <p:cond evt="onPrev" delay="0">
+                  <p:tgtEl>
+                    <p:sldTgt/>
+                  </p:tgtEl>
+                </p:cond>
+              </p:prevCondLst>
+              <p:nextCondLst>
+                <p:cond evt="onNext" delay="0">
+                  <p:tgtEl>
+                    <p:sldTgt/>
+                  </p:tgtEl>
+                </p:cond>
+              </p:nextCondLst>
+            </p:seq>
+          </p:childTnLst>
+        </p:cTn>
+      </p:par>
+    </p:tnLst>
+  </p:timing>
+</p:sld>
+</file>
+
+<file path=ppt/slides/slide20.xml><?xml version="1.0" encoding="utf-8"?>
+<p:sld xmlns:a="http://schemas.openxmlformats.org/drawingml/2006/main" xmlns:r="http://schemas.openxmlformats.org/officeDocument/2006/relationships" xmlns:p="http://schemas.openxmlformats.org/presentationml/2006/main">
+  <p:cSld>
+    <p:spTree>
+      <p:nvGrpSpPr>
+        <p:cNvPr id="1" name="">
+          <a:extLst>
+            <a:ext uri="{FF2B5EF4-FFF2-40B4-BE49-F238E27FC236}">
+              <a16:creationId xmlns:a16="http://schemas.microsoft.com/office/drawing/2014/main" id="{AC206CB2-7FF4-9697-8A10-DA0FBFD59680}"/>
+            </a:ext>
+          </a:extLst>
+        </p:cNvPr>
+        <p:cNvGrpSpPr/>
+        <p:nvPr/>
+      </p:nvGrpSpPr>
+      <p:grpSpPr>
+        <a:xfrm>
+          <a:off x="0" y="0"/>
+          <a:ext cx="0" cy="0"/>
+          <a:chOff x="0" y="0"/>
+          <a:chExt cx="0" cy="0"/>
+        </a:xfrm>
+      </p:grpSpPr>
+      <p:sp>
+        <p:nvSpPr>
+          <p:cNvPr id="3" name="Subtitle 2">
+            <a:extLst>
+              <a:ext uri="{FF2B5EF4-FFF2-40B4-BE49-F238E27FC236}">
+                <a16:creationId xmlns:a16="http://schemas.microsoft.com/office/drawing/2014/main" id="{3B165970-C08F-68DE-CFC9-10F914DBF7EA}"/>
+              </a:ext>
+            </a:extLst>
+          </p:cNvPr>
+          <p:cNvSpPr>
+            <a:spLocks noGrp="1"/>
+          </p:cNvSpPr>
+          <p:nvPr>
+            <p:ph type="subTitle" idx="1"/>
+          </p:nvPr>
+        </p:nvSpPr>
+        <p:spPr>
+          <a:xfrm>
+            <a:off x="152399" y="217488"/>
+            <a:ext cx="11223171" cy="303212"/>
+          </a:xfrm>
+        </p:spPr>
+        <p:txBody>
+          <a:bodyPr>
+            <a:normAutofit fontScale="92500" lnSpcReduction="20000"/>
+          </a:bodyPr>
+          <a:lstStyle/>
+          <a:p>
+            <a:r>
+              <a:rPr lang="en-US" sz="1800" b="1"/>
+              <a:t>Creating Abstract class – Extending an abstract class</a:t>
+            </a:r>
+          </a:p>
+        </p:txBody>
+      </p:sp>
+      <p:sp>
+        <p:nvSpPr>
+          <p:cNvPr id="4" name="Subtitle 2">
+            <a:extLst>
+              <a:ext uri="{FF2B5EF4-FFF2-40B4-BE49-F238E27FC236}">
+                <a16:creationId xmlns:a16="http://schemas.microsoft.com/office/drawing/2014/main" id="{BEED27DC-F522-E0A8-1C39-FFEC4836CA6B}"/>
+              </a:ext>
+            </a:extLst>
+          </p:cNvPr>
+          <p:cNvSpPr txBox="1">
+            <a:spLocks/>
+          </p:cNvSpPr>
+          <p:nvPr/>
+        </p:nvSpPr>
+        <p:spPr>
+          <a:xfrm>
+            <a:off x="0" y="820738"/>
+            <a:ext cx="12192000" cy="6037262"/>
+          </a:xfrm>
+          <a:prstGeom prst="rect">
+            <a:avLst/>
+          </a:prstGeom>
+        </p:spPr>
+        <p:txBody>
+          <a:bodyPr vert="horz" lIns="91440" tIns="45720" rIns="91440" bIns="45720" rtlCol="0">
+            <a:normAutofit/>
+          </a:bodyPr>
+          <a:lstStyle>
+            <a:lvl1pPr marL="0" indent="0" algn="ctr" defTabSz="914400" rtl="0" eaLnBrk="1" latinLnBrk="0" hangingPunct="1">
+              <a:lnSpc>
+                <a:spcPct val="90000"/>
+              </a:lnSpc>
+              <a:spcBef>
+                <a:spcPts val="1000"/>
+              </a:spcBef>
+              <a:buFont typeface="Arial" panose="020B0604020202020204" pitchFamily="34" charset="0"/>
+              <a:buNone/>
+              <a:defRPr sz="2400" kern="1200">
+                <a:solidFill>
+                  <a:schemeClr val="tx1"/>
+                </a:solidFill>
+                <a:latin typeface="+mn-lt"/>
+                <a:ea typeface="+mn-ea"/>
+                <a:cs typeface="+mn-cs"/>
+              </a:defRPr>
+            </a:lvl1pPr>
+            <a:lvl2pPr marL="457200" indent="0" algn="ctr" defTabSz="914400" rtl="0" eaLnBrk="1" latinLnBrk="0" hangingPunct="1">
+              <a:lnSpc>
+                <a:spcPct val="90000"/>
+              </a:lnSpc>
+              <a:spcBef>
+                <a:spcPts val="500"/>
+              </a:spcBef>
+              <a:buFont typeface="Arial" panose="020B0604020202020204" pitchFamily="34" charset="0"/>
+              <a:buNone/>
+              <a:defRPr sz="2000" kern="1200">
+                <a:solidFill>
+                  <a:schemeClr val="tx1"/>
+                </a:solidFill>
+                <a:latin typeface="+mn-lt"/>
+                <a:ea typeface="+mn-ea"/>
+                <a:cs typeface="+mn-cs"/>
+              </a:defRPr>
+            </a:lvl2pPr>
+            <a:lvl3pPr marL="914400" indent="0" algn="ctr" defTabSz="914400" rtl="0" eaLnBrk="1" latinLnBrk="0" hangingPunct="1">
+              <a:lnSpc>
+                <a:spcPct val="90000"/>
+              </a:lnSpc>
+              <a:spcBef>
+                <a:spcPts val="500"/>
+              </a:spcBef>
+              <a:buFont typeface="Arial" panose="020B0604020202020204" pitchFamily="34" charset="0"/>
+              <a:buNone/>
+              <a:defRPr sz="1800" kern="1200">
+                <a:solidFill>
+                  <a:schemeClr val="tx1"/>
+                </a:solidFill>
+                <a:latin typeface="+mn-lt"/>
+                <a:ea typeface="+mn-ea"/>
+                <a:cs typeface="+mn-cs"/>
+              </a:defRPr>
+            </a:lvl3pPr>
+            <a:lvl4pPr marL="1371600" indent="0" algn="ctr" defTabSz="914400" rtl="0" eaLnBrk="1" latinLnBrk="0" hangingPunct="1">
+              <a:lnSpc>
+                <a:spcPct val="90000"/>
+              </a:lnSpc>
+              <a:spcBef>
+                <a:spcPts val="500"/>
+              </a:spcBef>
+              <a:buFont typeface="Arial" panose="020B0604020202020204" pitchFamily="34" charset="0"/>
+              <a:buNone/>
+              <a:defRPr sz="1600" kern="1200">
+                <a:solidFill>
+                  <a:schemeClr val="tx1"/>
+                </a:solidFill>
+                <a:latin typeface="+mn-lt"/>
+                <a:ea typeface="+mn-ea"/>
+                <a:cs typeface="+mn-cs"/>
+              </a:defRPr>
+            </a:lvl4pPr>
+            <a:lvl5pPr marL="1828800" indent="0" algn="ctr" defTabSz="914400" rtl="0" eaLnBrk="1" latinLnBrk="0" hangingPunct="1">
+              <a:lnSpc>
+                <a:spcPct val="90000"/>
+              </a:lnSpc>
+              <a:spcBef>
+                <a:spcPts val="500"/>
+              </a:spcBef>
+              <a:buFont typeface="Arial" panose="020B0604020202020204" pitchFamily="34" charset="0"/>
+              <a:buNone/>
+              <a:defRPr sz="1600" kern="1200">
+                <a:solidFill>
+                  <a:schemeClr val="tx1"/>
+                </a:solidFill>
+                <a:latin typeface="+mn-lt"/>
+                <a:ea typeface="+mn-ea"/>
+                <a:cs typeface="+mn-cs"/>
+              </a:defRPr>
+            </a:lvl5pPr>
+            <a:lvl6pPr marL="2286000" indent="0" algn="ctr" defTabSz="914400" rtl="0" eaLnBrk="1" latinLnBrk="0" hangingPunct="1">
+              <a:lnSpc>
+                <a:spcPct val="90000"/>
+              </a:lnSpc>
+              <a:spcBef>
+                <a:spcPts val="500"/>
+              </a:spcBef>
+              <a:buFont typeface="Arial" panose="020B0604020202020204" pitchFamily="34" charset="0"/>
+              <a:buNone/>
+              <a:defRPr sz="1600" kern="1200">
+                <a:solidFill>
+                  <a:schemeClr val="tx1"/>
+                </a:solidFill>
+                <a:latin typeface="+mn-lt"/>
+                <a:ea typeface="+mn-ea"/>
+                <a:cs typeface="+mn-cs"/>
+              </a:defRPr>
+            </a:lvl6pPr>
+            <a:lvl7pPr marL="2743200" indent="0" algn="ctr" defTabSz="914400" rtl="0" eaLnBrk="1" latinLnBrk="0" hangingPunct="1">
+              <a:lnSpc>
+                <a:spcPct val="90000"/>
+              </a:lnSpc>
+              <a:spcBef>
+                <a:spcPts val="500"/>
+              </a:spcBef>
+              <a:buFont typeface="Arial" panose="020B0604020202020204" pitchFamily="34" charset="0"/>
+              <a:buNone/>
+              <a:defRPr sz="1600" kern="1200">
+                <a:solidFill>
+                  <a:schemeClr val="tx1"/>
+                </a:solidFill>
+                <a:latin typeface="+mn-lt"/>
+                <a:ea typeface="+mn-ea"/>
+                <a:cs typeface="+mn-cs"/>
+              </a:defRPr>
+            </a:lvl7pPr>
+            <a:lvl8pPr marL="3200400" indent="0" algn="ctr" defTabSz="914400" rtl="0" eaLnBrk="1" latinLnBrk="0" hangingPunct="1">
+              <a:lnSpc>
+                <a:spcPct val="90000"/>
+              </a:lnSpc>
+              <a:spcBef>
+                <a:spcPts val="500"/>
+              </a:spcBef>
+              <a:buFont typeface="Arial" panose="020B0604020202020204" pitchFamily="34" charset="0"/>
+              <a:buNone/>
+              <a:defRPr sz="1600" kern="1200">
+                <a:solidFill>
+                  <a:schemeClr val="tx1"/>
+                </a:solidFill>
+                <a:latin typeface="+mn-lt"/>
+                <a:ea typeface="+mn-ea"/>
+                <a:cs typeface="+mn-cs"/>
+              </a:defRPr>
+            </a:lvl8pPr>
+            <a:lvl9pPr marL="3657600" indent="0" algn="ctr" defTabSz="914400" rtl="0" eaLnBrk="1" latinLnBrk="0" hangingPunct="1">
+              <a:lnSpc>
+                <a:spcPct val="90000"/>
+              </a:lnSpc>
+              <a:spcBef>
+                <a:spcPts val="500"/>
+              </a:spcBef>
+              <a:buFont typeface="Arial" panose="020B0604020202020204" pitchFamily="34" charset="0"/>
+              <a:buNone/>
+              <a:defRPr sz="1600" kern="1200">
+                <a:solidFill>
+                  <a:schemeClr val="tx1"/>
+                </a:solidFill>
+                <a:latin typeface="+mn-lt"/>
+                <a:ea typeface="+mn-ea"/>
+                <a:cs typeface="+mn-cs"/>
+              </a:defRPr>
+            </a:lvl9pPr>
+          </a:lstStyle>
+          <a:p>
+            <a:pPr algn="l"/>
+            <a:r>
+              <a:rPr lang="en-US" sz="1800">
+                <a:sym typeface="Wingdings" pitchFamily="2" charset="2"/>
+              </a:rPr>
+              <a:t>(code illustration snippet 32)</a:t>
+            </a:r>
+          </a:p>
+          <a:p>
+            <a:pPr algn="l"/>
+            <a:r>
+              <a:rPr lang="en-US" sz="1800">
+                <a:sym typeface="Wingdings" pitchFamily="2" charset="2"/>
+              </a:rPr>
+              <a:t>- An ... abstract class can ... other ... abstract class =&gt; When we doing this, the ... abstract class won't need to ... the ... on the ... abstract class</a:t>
+            </a:r>
+          </a:p>
+          <a:p>
+            <a:pPr algn="l"/>
+            <a:r>
+              <a:rPr lang="en-US" sz="1800">
+                <a:sym typeface="Wingdings" pitchFamily="2" charset="2"/>
+              </a:rPr>
+              <a:t>– If there are any concrete ... that ... the ... abstract class =&gt; that concrete ... will have to ... from both ...</a:t>
+            </a:r>
+          </a:p>
+          <a:p>
+            <a:pPr algn="l"/>
+            <a:r>
+              <a:rPr lang="en-US" sz="1800">
+                <a:sym typeface="Wingdings" pitchFamily="2" charset="2"/>
+              </a:rPr>
+              <a:t>(code illustration snippet 33) </a:t>
+            </a:r>
+          </a:p>
+          <a:p>
+            <a:pPr algn="l"/>
+            <a:r>
+              <a:rPr lang="en-US" sz="1800">
+                <a:sym typeface="Wingdings" pitchFamily="2" charset="2"/>
+              </a:rPr>
+              <a:t>- However, there are 1 .... If all ... from parent abstract class that has been ... by the sub-abstract class =&gt; the concrete class won't have to ... </a:t>
+            </a:r>
+          </a:p>
+          <a:p>
+            <a:pPr algn="l"/>
+            <a:r>
+              <a:rPr lang="en-US" sz="1800">
+                <a:sym typeface="Wingdings" pitchFamily="2" charset="2"/>
+              </a:rPr>
+              <a:t>(code illustration snippet 34) </a:t>
+            </a:r>
+          </a:p>
+          <a:p>
+            <a:pPr algn="l"/>
+            <a:r>
+              <a:rPr lang="en-US" sz="1800">
+                <a:sym typeface="Wingdings" pitchFamily="2" charset="2"/>
+              </a:rPr>
+              <a:t>- The reason for this is because when the ... abstract class ... the method from the ... abstract class =&gt; When a concrete class .. the ... abstract class =&gt; the method that the ... class ... down will be the ... version not the ... version</a:t>
+            </a:r>
+          </a:p>
+          <a:p>
+            <a:pPr algn="l"/>
+            <a:r>
+              <a:rPr lang="en-US" sz="1800">
+                <a:sym typeface="Wingdings" pitchFamily="2" charset="2"/>
+              </a:rPr>
+              <a:t>- Rules for Abstract class: </a:t>
+            </a:r>
+          </a:p>
+          <a:p>
+            <a:pPr algn="l"/>
+            <a:r>
+              <a:rPr lang="en-US" sz="1800">
+                <a:sym typeface="Wingdings" pitchFamily="2" charset="2"/>
+              </a:rPr>
+              <a:t>+) ... (Ask question , Q7 – also check package part1.q7)</a:t>
+            </a:r>
+          </a:p>
+          <a:p>
+            <a:pPr algn="l"/>
+            <a:r>
+              <a:rPr lang="en-US" sz="1800">
+                <a:sym typeface="Wingdings" pitchFamily="2" charset="2"/>
+              </a:rPr>
+              <a:t>+) ... </a:t>
+            </a:r>
+          </a:p>
+          <a:p>
+            <a:pPr algn="l"/>
+            <a:r>
+              <a:rPr lang="en-US" sz="1800">
+                <a:sym typeface="Wingdings" pitchFamily="2" charset="2"/>
+              </a:rPr>
+              <a:t>+) ... </a:t>
+            </a:r>
+          </a:p>
+          <a:p>
+            <a:pPr algn="l"/>
+            <a:r>
+              <a:rPr lang="en-US" sz="1800">
+                <a:sym typeface="Wingdings" pitchFamily="2" charset="2"/>
+              </a:rPr>
+              <a:t>+) ... </a:t>
+            </a:r>
+          </a:p>
+          <a:p>
+            <a:pPr algn="l"/>
+            <a:r>
+              <a:rPr lang="en-US" sz="1800">
+                <a:sym typeface="Wingdings" pitchFamily="2" charset="2"/>
+              </a:rPr>
+              <a:t>+) ... </a:t>
+            </a:r>
+          </a:p>
+        </p:txBody>
+      </p:sp>
+    </p:spTree>
+    <p:extLst>
+      <p:ext uri="{BB962C8B-B14F-4D97-AF65-F5344CB8AC3E}">
+        <p14:creationId xmlns:p14="http://schemas.microsoft.com/office/powerpoint/2010/main" val="4151776277"/>
+      </p:ext>
+    </p:extLst>
+  </p:cSld>
+  <p:clrMapOvr>
+    <a:masterClrMapping/>
+  </p:clrMapOvr>
+  <p:timing>
+    <p:tnLst>
+      <p:par>
+        <p:cTn id="1" dur="indefinite" restart="never" nodeType="tmRoot">
+          <p:childTnLst>
+            <p:seq concurrent="1" nextAc="seek">
+              <p:cTn id="2" dur="indefinite" nodeType="mainSeq">
+                <p:childTnLst>
+                  <p:par>
+                    <p:cTn id="3" fill="hold">
+                      <p:stCondLst>
+                        <p:cond delay="indefinite"/>
+                      </p:stCondLst>
+                      <p:childTnLst>
+                        <p:par>
+                          <p:cTn id="4" fill="hold">
+                            <p:stCondLst>
+                              <p:cond delay="0"/>
+                            </p:stCondLst>
+                            <p:childTnLst>
+                              <p:par>
+                                <p:cTn id="5" presetID="1" presetClass="entr" presetSubtype="0" fill="hold" nodeType="clickEffect">
+                                  <p:stCondLst>
+                                    <p:cond delay="0"/>
+                                  </p:stCondLst>
+                                  <p:childTnLst>
+                                    <p:set>
+                                      <p:cBhvr>
+                                        <p:cTn id="6" dur="1" fill="hold">
+                                          <p:stCondLst>
+                                            <p:cond delay="0"/>
+                                          </p:stCondLst>
+                                        </p:cTn>
+                                        <p:tgtEl>
+                                          <p:spTgt spid="4">
+                                            <p:txEl>
+                                              <p:pRg st="0" end="0"/>
+                                            </p:txEl>
+                                          </p:spTgt>
+                                        </p:tgtEl>
+                                        <p:attrNameLst>
+                                          <p:attrName>style.visibility</p:attrName>
+                                        </p:attrNameLst>
+                                      </p:cBhvr>
+                                      <p:to>
+                                        <p:strVal val="visible"/>
+                                      </p:to>
+                                    </p:set>
+                                  </p:childTnLst>
+                                </p:cTn>
+                              </p:par>
+                            </p:childTnLst>
+                          </p:cTn>
+                        </p:par>
+                      </p:childTnLst>
+                    </p:cTn>
+                  </p:par>
+                  <p:par>
+                    <p:cTn id="7" fill="hold">
+                      <p:stCondLst>
+                        <p:cond delay="indefinite"/>
+                      </p:stCondLst>
+                      <p:childTnLst>
+                        <p:par>
+                          <p:cTn id="8" fill="hold">
+                            <p:stCondLst>
+                              <p:cond delay="0"/>
+                            </p:stCondLst>
+                            <p:childTnLst>
+                              <p:par>
+                                <p:cTn id="9" presetID="1" presetClass="entr" presetSubtype="0" fill="hold" nodeType="clickEffect">
+                                  <p:stCondLst>
+                                    <p:cond delay="0"/>
+                                  </p:stCondLst>
+                                  <p:childTnLst>
+                                    <p:set>
+                                      <p:cBhvr>
+                                        <p:cTn id="10" dur="1" fill="hold">
+                                          <p:stCondLst>
+                                            <p:cond delay="0"/>
+                                          </p:stCondLst>
+                                        </p:cTn>
+                                        <p:tgtEl>
+                                          <p:spTgt spid="4">
+                                            <p:txEl>
+                                              <p:pRg st="1" end="1"/>
+                                            </p:txEl>
+                                          </p:spTgt>
+                                        </p:tgtEl>
+                                        <p:attrNameLst>
+                                          <p:attrName>style.visibility</p:attrName>
+                                        </p:attrNameLst>
+                                      </p:cBhvr>
+                                      <p:to>
+                                        <p:strVal val="visible"/>
+                                      </p:to>
+                                    </p:set>
+                                  </p:childTnLst>
+                                </p:cTn>
+                              </p:par>
+                            </p:childTnLst>
+                          </p:cTn>
+                        </p:par>
+                      </p:childTnLst>
+                    </p:cTn>
+                  </p:par>
+                  <p:par>
+                    <p:cTn id="11" fill="hold">
+                      <p:stCondLst>
+                        <p:cond delay="indefinite"/>
+                      </p:stCondLst>
+                      <p:childTnLst>
+                        <p:par>
+                          <p:cTn id="12" fill="hold">
+                            <p:stCondLst>
+                              <p:cond delay="0"/>
+                            </p:stCondLst>
+                            <p:childTnLst>
+                              <p:par>
+                                <p:cTn id="13" presetID="1" presetClass="entr" presetSubtype="0" fill="hold" nodeType="clickEffect">
+                                  <p:stCondLst>
+                                    <p:cond delay="0"/>
+                                  </p:stCondLst>
+                                  <p:childTnLst>
+                                    <p:set>
+                                      <p:cBhvr>
+                                        <p:cTn id="14" dur="1" fill="hold">
+                                          <p:stCondLst>
+                                            <p:cond delay="0"/>
+                                          </p:stCondLst>
+                                        </p:cTn>
+                                        <p:tgtEl>
+                                          <p:spTgt spid="4">
+                                            <p:txEl>
+                                              <p:pRg st="2" end="2"/>
+                                            </p:txEl>
+                                          </p:spTgt>
+                                        </p:tgtEl>
+                                        <p:attrNameLst>
+                                          <p:attrName>style.visibility</p:attrName>
+                                        </p:attrNameLst>
+                                      </p:cBhvr>
+                                      <p:to>
+                                        <p:strVal val="visible"/>
+                                      </p:to>
+                                    </p:set>
+                                  </p:childTnLst>
+                                </p:cTn>
+                              </p:par>
+                            </p:childTnLst>
+                          </p:cTn>
+                        </p:par>
+                      </p:childTnLst>
+                    </p:cTn>
+                  </p:par>
+                  <p:par>
+                    <p:cTn id="15" fill="hold">
+                      <p:stCondLst>
+                        <p:cond delay="indefinite"/>
+                      </p:stCondLst>
+                      <p:childTnLst>
+                        <p:par>
+                          <p:cTn id="16" fill="hold">
+                            <p:stCondLst>
+                              <p:cond delay="0"/>
+                            </p:stCondLst>
+                            <p:childTnLst>
+                              <p:par>
+                                <p:cTn id="17" presetID="1" presetClass="entr" presetSubtype="0" fill="hold" nodeType="clickEffect">
+                                  <p:stCondLst>
+                                    <p:cond delay="0"/>
+                                  </p:stCondLst>
+                                  <p:childTnLst>
+                                    <p:set>
+                                      <p:cBhvr>
+                                        <p:cTn id="18" dur="1" fill="hold">
+                                          <p:stCondLst>
+                                            <p:cond delay="0"/>
+                                          </p:stCondLst>
+                                        </p:cTn>
+                                        <p:tgtEl>
+                                          <p:spTgt spid="4">
+                                            <p:txEl>
+                                              <p:pRg st="3" end="3"/>
+                                            </p:txEl>
+                                          </p:spTgt>
+                                        </p:tgtEl>
+                                        <p:attrNameLst>
+                                          <p:attrName>style.visibility</p:attrName>
+                                        </p:attrNameLst>
+                                      </p:cBhvr>
+                                      <p:to>
+                                        <p:strVal val="visible"/>
+                                      </p:to>
+                                    </p:set>
+                                  </p:childTnLst>
+                                </p:cTn>
+                              </p:par>
+                            </p:childTnLst>
+                          </p:cTn>
+                        </p:par>
+                      </p:childTnLst>
+                    </p:cTn>
+                  </p:par>
+                  <p:par>
+                    <p:cTn id="19" fill="hold">
+                      <p:stCondLst>
+                        <p:cond delay="indefinite"/>
+                      </p:stCondLst>
+                      <p:childTnLst>
+                        <p:par>
+                          <p:cTn id="20" fill="hold">
+                            <p:stCondLst>
+                              <p:cond delay="0"/>
+                            </p:stCondLst>
+                            <p:childTnLst>
+                              <p:par>
+                                <p:cTn id="21" presetID="1" presetClass="entr" presetSubtype="0" fill="hold" nodeType="clickEffect">
+                                  <p:stCondLst>
+                                    <p:cond delay="0"/>
+                                  </p:stCondLst>
+                                  <p:childTnLst>
+                                    <p:set>
+                                      <p:cBhvr>
+                                        <p:cTn id="22" dur="1" fill="hold">
+                                          <p:stCondLst>
+                                            <p:cond delay="0"/>
+                                          </p:stCondLst>
+                                        </p:cTn>
+                                        <p:tgtEl>
+                                          <p:spTgt spid="4">
+                                            <p:txEl>
+                                              <p:pRg st="4" end="4"/>
+                                            </p:txEl>
+                                          </p:spTgt>
+                                        </p:tgtEl>
+                                        <p:attrNameLst>
+                                          <p:attrName>style.visibility</p:attrName>
+                                        </p:attrNameLst>
+                                      </p:cBhvr>
+                                      <p:to>
+                                        <p:strVal val="visible"/>
+                                      </p:to>
+                                    </p:set>
+                                  </p:childTnLst>
+                                </p:cTn>
+                              </p:par>
+                            </p:childTnLst>
+                          </p:cTn>
+                        </p:par>
+                      </p:childTnLst>
+                    </p:cTn>
+                  </p:par>
+                  <p:par>
+                    <p:cTn id="23" fill="hold">
+                      <p:stCondLst>
+                        <p:cond delay="indefinite"/>
+                      </p:stCondLst>
+                      <p:childTnLst>
+                        <p:par>
+                          <p:cTn id="24" fill="hold">
+                            <p:stCondLst>
+                              <p:cond delay="0"/>
+                            </p:stCondLst>
+                            <p:childTnLst>
+                              <p:par>
+                                <p:cTn id="25" presetID="1" presetClass="entr" presetSubtype="0" fill="hold" nodeType="clickEffect">
+                                  <p:stCondLst>
+                                    <p:cond delay="0"/>
+                                  </p:stCondLst>
+                                  <p:childTnLst>
+                                    <p:set>
+                                      <p:cBhvr>
+                                        <p:cTn id="26" dur="1" fill="hold">
+                                          <p:stCondLst>
+                                            <p:cond delay="0"/>
+                                          </p:stCondLst>
+                                        </p:cTn>
+                                        <p:tgtEl>
+                                          <p:spTgt spid="4">
+                                            <p:txEl>
+                                              <p:pRg st="5" end="5"/>
+                                            </p:txEl>
+                                          </p:spTgt>
+                                        </p:tgtEl>
+                                        <p:attrNameLst>
+                                          <p:attrName>style.visibility</p:attrName>
+                                        </p:attrNameLst>
+                                      </p:cBhvr>
+                                      <p:to>
+                                        <p:strVal val="visible"/>
+                                      </p:to>
+                                    </p:set>
+                                  </p:childTnLst>
+                                </p:cTn>
+                              </p:par>
+                            </p:childTnLst>
+                          </p:cTn>
+                        </p:par>
+                      </p:childTnLst>
+                    </p:cTn>
+                  </p:par>
+                  <p:par>
+                    <p:cTn id="27" fill="hold">
+                      <p:stCondLst>
+                        <p:cond delay="indefinite"/>
+                      </p:stCondLst>
+                      <p:childTnLst>
+                        <p:par>
+                          <p:cTn id="28" fill="hold">
+                            <p:stCondLst>
+                              <p:cond delay="0"/>
+                            </p:stCondLst>
+                            <p:childTnLst>
+                              <p:par>
+                                <p:cTn id="29" presetID="1" presetClass="entr" presetSubtype="0" fill="hold" nodeType="clickEffect">
+                                  <p:stCondLst>
+                                    <p:cond delay="0"/>
+                                  </p:stCondLst>
+                                  <p:childTnLst>
+                                    <p:set>
+                                      <p:cBhvr>
+                                        <p:cTn id="30" dur="1" fill="hold">
+                                          <p:stCondLst>
+                                            <p:cond delay="0"/>
+                                          </p:stCondLst>
+                                        </p:cTn>
+                                        <p:tgtEl>
+                                          <p:spTgt spid="4">
+                                            <p:txEl>
+                                              <p:pRg st="6" end="6"/>
+                                            </p:txEl>
+                                          </p:spTgt>
+                                        </p:tgtEl>
+                                        <p:attrNameLst>
+                                          <p:attrName>style.visibility</p:attrName>
+                                        </p:attrNameLst>
+                                      </p:cBhvr>
+                                      <p:to>
+                                        <p:strVal val="visible"/>
+                                      </p:to>
+                                    </p:set>
+                                  </p:childTnLst>
+                                </p:cTn>
+                              </p:par>
+                            </p:childTnLst>
+                          </p:cTn>
+                        </p:par>
+                      </p:childTnLst>
+                    </p:cTn>
+                  </p:par>
+                  <p:par>
+                    <p:cTn id="31" fill="hold">
+                      <p:stCondLst>
+                        <p:cond delay="indefinite"/>
+                      </p:stCondLst>
+                      <p:childTnLst>
+                        <p:par>
+                          <p:cTn id="32" fill="hold">
+                            <p:stCondLst>
+                              <p:cond delay="0"/>
+                            </p:stCondLst>
+                            <p:childTnLst>
+                              <p:par>
+                                <p:cTn id="33" presetID="1" presetClass="entr" presetSubtype="0" fill="hold" nodeType="clickEffect">
+                                  <p:stCondLst>
+                                    <p:cond delay="0"/>
+                                  </p:stCondLst>
+                                  <p:childTnLst>
+                                    <p:set>
+                                      <p:cBhvr>
+                                        <p:cTn id="34" dur="1" fill="hold">
+                                          <p:stCondLst>
+                                            <p:cond delay="0"/>
+                                          </p:stCondLst>
+                                        </p:cTn>
+                                        <p:tgtEl>
+                                          <p:spTgt spid="4">
+                                            <p:txEl>
+                                              <p:pRg st="7" end="7"/>
+                                            </p:txEl>
+                                          </p:spTgt>
+                                        </p:tgtEl>
+                                        <p:attrNameLst>
+                                          <p:attrName>style.visibility</p:attrName>
+                                        </p:attrNameLst>
+                                      </p:cBhvr>
+                                      <p:to>
+                                        <p:strVal val="visible"/>
+                                      </p:to>
+                                    </p:set>
+                                  </p:childTnLst>
+                                </p:cTn>
+                              </p:par>
+                            </p:childTnLst>
+                          </p:cTn>
+                        </p:par>
+                      </p:childTnLst>
+                    </p:cTn>
+                  </p:par>
+                  <p:par>
+                    <p:cTn id="35" fill="hold">
+                      <p:stCondLst>
+                        <p:cond delay="indefinite"/>
+                      </p:stCondLst>
+                      <p:childTnLst>
+                        <p:par>
+                          <p:cTn id="36" fill="hold">
+                            <p:stCondLst>
+                              <p:cond delay="0"/>
+                            </p:stCondLst>
+                            <p:childTnLst>
+                              <p:par>
+                                <p:cTn id="37" presetID="1" presetClass="entr" presetSubtype="0" fill="hold" nodeType="clickEffect">
+                                  <p:stCondLst>
+                                    <p:cond delay="0"/>
+                                  </p:stCondLst>
+                                  <p:childTnLst>
+                                    <p:set>
+                                      <p:cBhvr>
+                                        <p:cTn id="38" dur="1" fill="hold">
+                                          <p:stCondLst>
+                                            <p:cond delay="0"/>
+                                          </p:stCondLst>
+                                        </p:cTn>
+                                        <p:tgtEl>
+                                          <p:spTgt spid="4">
+                                            <p:txEl>
+                                              <p:pRg st="8" end="8"/>
+                                            </p:txEl>
+                                          </p:spTgt>
+                                        </p:tgtEl>
+                                        <p:attrNameLst>
+                                          <p:attrName>style.visibility</p:attrName>
+                                        </p:attrNameLst>
+                                      </p:cBhvr>
+                                      <p:to>
+                                        <p:strVal val="visible"/>
+                                      </p:to>
+                                    </p:set>
+                                  </p:childTnLst>
+                                </p:cTn>
+                              </p:par>
+                            </p:childTnLst>
+                          </p:cTn>
+                        </p:par>
+                      </p:childTnLst>
+                    </p:cTn>
+                  </p:par>
+                  <p:par>
+                    <p:cTn id="39" fill="hold">
+                      <p:stCondLst>
+                        <p:cond delay="indefinite"/>
+                      </p:stCondLst>
+                      <p:childTnLst>
+                        <p:par>
+                          <p:cTn id="40" fill="hold">
+                            <p:stCondLst>
+                              <p:cond delay="0"/>
+                            </p:stCondLst>
+                            <p:childTnLst>
+                              <p:par>
+                                <p:cTn id="41" presetID="1" presetClass="entr" presetSubtype="0" fill="hold" nodeType="clickEffect">
+                                  <p:stCondLst>
+                                    <p:cond delay="0"/>
+                                  </p:stCondLst>
+                                  <p:childTnLst>
+                                    <p:set>
+                                      <p:cBhvr>
+                                        <p:cTn id="42" dur="1" fill="hold">
+                                          <p:stCondLst>
+                                            <p:cond delay="0"/>
+                                          </p:stCondLst>
+                                        </p:cTn>
+                                        <p:tgtEl>
+                                          <p:spTgt spid="4">
+                                            <p:txEl>
+                                              <p:pRg st="9" end="9"/>
+                                            </p:txEl>
+                                          </p:spTgt>
+                                        </p:tgtEl>
+                                        <p:attrNameLst>
+                                          <p:attrName>style.visibility</p:attrName>
+                                        </p:attrNameLst>
+                                      </p:cBhvr>
+                                      <p:to>
+                                        <p:strVal val="visible"/>
+                                      </p:to>
+                                    </p:set>
+                                  </p:childTnLst>
+                                </p:cTn>
+                              </p:par>
+                            </p:childTnLst>
+                          </p:cTn>
+                        </p:par>
+                      </p:childTnLst>
+                    </p:cTn>
+                  </p:par>
+                  <p:par>
+                    <p:cTn id="43" fill="hold">
+                      <p:stCondLst>
+                        <p:cond delay="indefinite"/>
+                      </p:stCondLst>
+                      <p:childTnLst>
+                        <p:par>
+                          <p:cTn id="44" fill="hold">
+                            <p:stCondLst>
+                              <p:cond delay="0"/>
+                            </p:stCondLst>
+                            <p:childTnLst>
+                              <p:par>
+                                <p:cTn id="45" presetID="1" presetClass="entr" presetSubtype="0" fill="hold" nodeType="clickEffect">
+                                  <p:stCondLst>
+                                    <p:cond delay="0"/>
+                                  </p:stCondLst>
+                                  <p:childTnLst>
+                                    <p:set>
+                                      <p:cBhvr>
+                                        <p:cTn id="46" dur="1" fill="hold">
+                                          <p:stCondLst>
+                                            <p:cond delay="0"/>
+                                          </p:stCondLst>
+                                        </p:cTn>
+                                        <p:tgtEl>
+                                          <p:spTgt spid="4">
+                                            <p:txEl>
+                                              <p:pRg st="10" end="10"/>
+                                            </p:txEl>
+                                          </p:spTgt>
+                                        </p:tgtEl>
+                                        <p:attrNameLst>
+                                          <p:attrName>style.visibility</p:attrName>
+                                        </p:attrNameLst>
+                                      </p:cBhvr>
+                                      <p:to>
+                                        <p:strVal val="visible"/>
+                                      </p:to>
+                                    </p:set>
+                                  </p:childTnLst>
+                                </p:cTn>
+                              </p:par>
+                            </p:childTnLst>
+                          </p:cTn>
+                        </p:par>
+                      </p:childTnLst>
+                    </p:cTn>
+                  </p:par>
+                  <p:par>
+                    <p:cTn id="47" fill="hold">
+                      <p:stCondLst>
+                        <p:cond delay="indefinite"/>
+                      </p:stCondLst>
+                      <p:childTnLst>
+                        <p:par>
+                          <p:cTn id="48" fill="hold">
+                            <p:stCondLst>
+                              <p:cond delay="0"/>
+                            </p:stCondLst>
+                            <p:childTnLst>
+                              <p:par>
+                                <p:cTn id="49" presetID="1" presetClass="entr" presetSubtype="0" fill="hold" nodeType="clickEffect">
+                                  <p:stCondLst>
+                                    <p:cond delay="0"/>
+                                  </p:stCondLst>
+                                  <p:childTnLst>
+                                    <p:set>
+                                      <p:cBhvr>
+                                        <p:cTn id="50" dur="1" fill="hold">
+                                          <p:stCondLst>
+                                            <p:cond delay="0"/>
+                                          </p:stCondLst>
+                                        </p:cTn>
+                                        <p:tgtEl>
+                                          <p:spTgt spid="4">
+                                            <p:txEl>
+                                              <p:pRg st="11" end="11"/>
+                                            </p:txEl>
+                                          </p:spTgt>
+                                        </p:tgtEl>
+                                        <p:attrNameLst>
+                                          <p:attrName>style.visibility</p:attrName>
+                                        </p:attrNameLst>
+                                      </p:cBhvr>
+                                      <p:to>
+                                        <p:strVal val="visible"/>
+                                      </p:to>
+                                    </p:set>
+                                  </p:childTnLst>
+                                </p:cTn>
+                              </p:par>
+                            </p:childTnLst>
+                          </p:cTn>
+                        </p:par>
+                      </p:childTnLst>
+                    </p:cTn>
+                  </p:par>
+                  <p:par>
+                    <p:cTn id="51" fill="hold">
+                      <p:stCondLst>
+                        <p:cond delay="indefinite"/>
+                      </p:stCondLst>
+                      <p:childTnLst>
+                        <p:par>
+                          <p:cTn id="52" fill="hold">
+                            <p:stCondLst>
+                              <p:cond delay="0"/>
+                            </p:stCondLst>
+                            <p:childTnLst>
+                              <p:par>
+                                <p:cTn id="53" presetID="1" presetClass="entr" presetSubtype="0" fill="hold" nodeType="clickEffect">
+                                  <p:stCondLst>
+                                    <p:cond delay="0"/>
+                                  </p:stCondLst>
+                                  <p:childTnLst>
+                                    <p:set>
+                                      <p:cBhvr>
+                                        <p:cTn id="54" dur="1" fill="hold">
+                                          <p:stCondLst>
+                                            <p:cond delay="0"/>
+                                          </p:stCondLst>
+                                        </p:cTn>
+                                        <p:tgtEl>
+                                          <p:spTgt spid="4">
+                                            <p:txEl>
+                                              <p:pRg st="12" end="12"/>
+                                            </p:txEl>
+                                          </p:spTgt>
+                                        </p:tgtEl>
+                                        <p:attrNameLst>
+                                          <p:attrName>style.visibility</p:attrName>
+                                        </p:attrNameLst>
+                                      </p:cBhvr>
+                                      <p:to>
+                                        <p:strVal val="visible"/>
+                                      </p:to>
+                                    </p:set>
+                                  </p:childTnLst>
+                                </p:cTn>
+                              </p:par>
+                            </p:childTnLst>
+                          </p:cTn>
+                        </p:par>
+                      </p:childTnLst>
+                    </p:cTn>
+                  </p:par>
+                </p:childTnLst>
+              </p:cTn>
+              <p:prevCondLst>
+                <p:cond evt="onPrev" delay="0">
+                  <p:tgtEl>
+                    <p:sldTgt/>
+                  </p:tgtEl>
+                </p:cond>
+              </p:prevCondLst>
+              <p:nextCondLst>
+                <p:cond evt="onNext" delay="0">
+                  <p:tgtEl>
+                    <p:sldTgt/>
+                  </p:tgtEl>
+                </p:cond>
+              </p:nextCondLst>
+            </p:seq>
+          </p:childTnLst>
+        </p:cTn>
+      </p:par>
+    </p:tnLst>
+  </p:timing>
+</p:sld>
+</file>
+
+<file path=ppt/slides/slide21.xml><?xml version="1.0" encoding="utf-8"?>
+<p:sld xmlns:a="http://schemas.openxmlformats.org/drawingml/2006/main" xmlns:r="http://schemas.openxmlformats.org/officeDocument/2006/relationships" xmlns:p="http://schemas.openxmlformats.org/presentationml/2006/main">
+  <p:cSld>
+    <p:spTree>
+      <p:nvGrpSpPr>
+        <p:cNvPr id="1" name="">
+          <a:extLst>
+            <a:ext uri="{FF2B5EF4-FFF2-40B4-BE49-F238E27FC236}">
+              <a16:creationId xmlns:a16="http://schemas.microsoft.com/office/drawing/2014/main" id="{1685ECF7-8AE4-6131-D6C1-FE64BA698E1A}"/>
+            </a:ext>
+          </a:extLst>
+        </p:cNvPr>
+        <p:cNvGrpSpPr/>
+        <p:nvPr/>
+      </p:nvGrpSpPr>
+      <p:grpSpPr>
+        <a:xfrm>
+          <a:off x="0" y="0"/>
+          <a:ext cx="0" cy="0"/>
+          <a:chOff x="0" y="0"/>
+          <a:chExt cx="0" cy="0"/>
+        </a:xfrm>
+      </p:grpSpPr>
+      <p:sp>
+        <p:nvSpPr>
+          <p:cNvPr id="3" name="Subtitle 2">
+            <a:extLst>
+              <a:ext uri="{FF2B5EF4-FFF2-40B4-BE49-F238E27FC236}">
+                <a16:creationId xmlns:a16="http://schemas.microsoft.com/office/drawing/2014/main" id="{8C144EB9-2FCF-AF60-95EB-53EC00A5F371}"/>
+              </a:ext>
+            </a:extLst>
+          </p:cNvPr>
+          <p:cNvSpPr>
+            <a:spLocks noGrp="1"/>
+          </p:cNvSpPr>
+          <p:nvPr>
+            <p:ph type="subTitle" idx="1"/>
+          </p:nvPr>
+        </p:nvSpPr>
+        <p:spPr>
+          <a:xfrm>
+            <a:off x="152399" y="217488"/>
+            <a:ext cx="11223171" cy="303212"/>
+          </a:xfrm>
+        </p:spPr>
+        <p:txBody>
+          <a:bodyPr>
+            <a:normAutofit fontScale="92500" lnSpcReduction="20000"/>
+          </a:bodyPr>
+          <a:lstStyle/>
+          <a:p>
+            <a:r>
+              <a:rPr lang="en-US" sz="1800" b="1"/>
+              <a:t>Creating Abstract class – Extending an abstract class</a:t>
+            </a:r>
+          </a:p>
+        </p:txBody>
+      </p:sp>
+      <p:sp>
+        <p:nvSpPr>
+          <p:cNvPr id="4" name="Subtitle 2">
+            <a:extLst>
+              <a:ext uri="{FF2B5EF4-FFF2-40B4-BE49-F238E27FC236}">
+                <a16:creationId xmlns:a16="http://schemas.microsoft.com/office/drawing/2014/main" id="{28C86369-6F7A-BA88-BBD9-6061F2F1D067}"/>
+              </a:ext>
+            </a:extLst>
+          </p:cNvPr>
+          <p:cNvSpPr txBox="1">
+            <a:spLocks/>
+          </p:cNvSpPr>
+          <p:nvPr/>
+        </p:nvSpPr>
+        <p:spPr>
+          <a:xfrm>
+            <a:off x="0" y="820738"/>
+            <a:ext cx="12192000" cy="6037262"/>
+          </a:xfrm>
+          <a:prstGeom prst="rect">
+            <a:avLst/>
+          </a:prstGeom>
+        </p:spPr>
+        <p:txBody>
+          <a:bodyPr vert="horz" lIns="91440" tIns="45720" rIns="91440" bIns="45720" rtlCol="0">
+            <a:normAutofit/>
+          </a:bodyPr>
+          <a:lstStyle>
+            <a:lvl1pPr marL="0" indent="0" algn="ctr" defTabSz="914400" rtl="0" eaLnBrk="1" latinLnBrk="0" hangingPunct="1">
+              <a:lnSpc>
+                <a:spcPct val="90000"/>
+              </a:lnSpc>
+              <a:spcBef>
+                <a:spcPts val="1000"/>
+              </a:spcBef>
+              <a:buFont typeface="Arial" panose="020B0604020202020204" pitchFamily="34" charset="0"/>
+              <a:buNone/>
+              <a:defRPr sz="2400" kern="1200">
+                <a:solidFill>
+                  <a:schemeClr val="tx1"/>
+                </a:solidFill>
+                <a:latin typeface="+mn-lt"/>
+                <a:ea typeface="+mn-ea"/>
+                <a:cs typeface="+mn-cs"/>
+              </a:defRPr>
+            </a:lvl1pPr>
+            <a:lvl2pPr marL="457200" indent="0" algn="ctr" defTabSz="914400" rtl="0" eaLnBrk="1" latinLnBrk="0" hangingPunct="1">
+              <a:lnSpc>
+                <a:spcPct val="90000"/>
+              </a:lnSpc>
+              <a:spcBef>
+                <a:spcPts val="500"/>
+              </a:spcBef>
+              <a:buFont typeface="Arial" panose="020B0604020202020204" pitchFamily="34" charset="0"/>
+              <a:buNone/>
+              <a:defRPr sz="2000" kern="1200">
+                <a:solidFill>
+                  <a:schemeClr val="tx1"/>
+                </a:solidFill>
+                <a:latin typeface="+mn-lt"/>
+                <a:ea typeface="+mn-ea"/>
+                <a:cs typeface="+mn-cs"/>
+              </a:defRPr>
+            </a:lvl2pPr>
+            <a:lvl3pPr marL="914400" indent="0" algn="ctr" defTabSz="914400" rtl="0" eaLnBrk="1" latinLnBrk="0" hangingPunct="1">
+              <a:lnSpc>
+                <a:spcPct val="90000"/>
+              </a:lnSpc>
+              <a:spcBef>
+                <a:spcPts val="500"/>
+              </a:spcBef>
+              <a:buFont typeface="Arial" panose="020B0604020202020204" pitchFamily="34" charset="0"/>
+              <a:buNone/>
+              <a:defRPr sz="1800" kern="1200">
+                <a:solidFill>
+                  <a:schemeClr val="tx1"/>
+                </a:solidFill>
+                <a:latin typeface="+mn-lt"/>
+                <a:ea typeface="+mn-ea"/>
+                <a:cs typeface="+mn-cs"/>
+              </a:defRPr>
+            </a:lvl3pPr>
+            <a:lvl4pPr marL="1371600" indent="0" algn="ctr" defTabSz="914400" rtl="0" eaLnBrk="1" latinLnBrk="0" hangingPunct="1">
+              <a:lnSpc>
+                <a:spcPct val="90000"/>
+              </a:lnSpc>
+              <a:spcBef>
+                <a:spcPts val="500"/>
+              </a:spcBef>
+              <a:buFont typeface="Arial" panose="020B0604020202020204" pitchFamily="34" charset="0"/>
+              <a:buNone/>
+              <a:defRPr sz="1600" kern="1200">
+                <a:solidFill>
+                  <a:schemeClr val="tx1"/>
+                </a:solidFill>
+                <a:latin typeface="+mn-lt"/>
+                <a:ea typeface="+mn-ea"/>
+                <a:cs typeface="+mn-cs"/>
+              </a:defRPr>
+            </a:lvl4pPr>
+            <a:lvl5pPr marL="1828800" indent="0" algn="ctr" defTabSz="914400" rtl="0" eaLnBrk="1" latinLnBrk="0" hangingPunct="1">
+              <a:lnSpc>
+                <a:spcPct val="90000"/>
+              </a:lnSpc>
+              <a:spcBef>
+                <a:spcPts val="500"/>
+              </a:spcBef>
+              <a:buFont typeface="Arial" panose="020B0604020202020204" pitchFamily="34" charset="0"/>
+              <a:buNone/>
+              <a:defRPr sz="1600" kern="1200">
+                <a:solidFill>
+                  <a:schemeClr val="tx1"/>
+                </a:solidFill>
+                <a:latin typeface="+mn-lt"/>
+                <a:ea typeface="+mn-ea"/>
+                <a:cs typeface="+mn-cs"/>
+              </a:defRPr>
+            </a:lvl5pPr>
+            <a:lvl6pPr marL="2286000" indent="0" algn="ctr" defTabSz="914400" rtl="0" eaLnBrk="1" latinLnBrk="0" hangingPunct="1">
+              <a:lnSpc>
+                <a:spcPct val="90000"/>
+              </a:lnSpc>
+              <a:spcBef>
+                <a:spcPts val="500"/>
+              </a:spcBef>
+              <a:buFont typeface="Arial" panose="020B0604020202020204" pitchFamily="34" charset="0"/>
+              <a:buNone/>
+              <a:defRPr sz="1600" kern="1200">
+                <a:solidFill>
+                  <a:schemeClr val="tx1"/>
+                </a:solidFill>
+                <a:latin typeface="+mn-lt"/>
+                <a:ea typeface="+mn-ea"/>
+                <a:cs typeface="+mn-cs"/>
+              </a:defRPr>
+            </a:lvl6pPr>
+            <a:lvl7pPr marL="2743200" indent="0" algn="ctr" defTabSz="914400" rtl="0" eaLnBrk="1" latinLnBrk="0" hangingPunct="1">
+              <a:lnSpc>
+                <a:spcPct val="90000"/>
+              </a:lnSpc>
+              <a:spcBef>
+                <a:spcPts val="500"/>
+              </a:spcBef>
+              <a:buFont typeface="Arial" panose="020B0604020202020204" pitchFamily="34" charset="0"/>
+              <a:buNone/>
+              <a:defRPr sz="1600" kern="1200">
+                <a:solidFill>
+                  <a:schemeClr val="tx1"/>
+                </a:solidFill>
+                <a:latin typeface="+mn-lt"/>
+                <a:ea typeface="+mn-ea"/>
+                <a:cs typeface="+mn-cs"/>
+              </a:defRPr>
+            </a:lvl7pPr>
+            <a:lvl8pPr marL="3200400" indent="0" algn="ctr" defTabSz="914400" rtl="0" eaLnBrk="1" latinLnBrk="0" hangingPunct="1">
+              <a:lnSpc>
+                <a:spcPct val="90000"/>
+              </a:lnSpc>
+              <a:spcBef>
+                <a:spcPts val="500"/>
+              </a:spcBef>
+              <a:buFont typeface="Arial" panose="020B0604020202020204" pitchFamily="34" charset="0"/>
+              <a:buNone/>
+              <a:defRPr sz="1600" kern="1200">
+                <a:solidFill>
+                  <a:schemeClr val="tx1"/>
+                </a:solidFill>
+                <a:latin typeface="+mn-lt"/>
+                <a:ea typeface="+mn-ea"/>
+                <a:cs typeface="+mn-cs"/>
+              </a:defRPr>
+            </a:lvl8pPr>
+            <a:lvl9pPr marL="3657600" indent="0" algn="ctr" defTabSz="914400" rtl="0" eaLnBrk="1" latinLnBrk="0" hangingPunct="1">
+              <a:lnSpc>
+                <a:spcPct val="90000"/>
+              </a:lnSpc>
+              <a:spcBef>
+                <a:spcPts val="500"/>
+              </a:spcBef>
+              <a:buFont typeface="Arial" panose="020B0604020202020204" pitchFamily="34" charset="0"/>
+              <a:buNone/>
+              <a:defRPr sz="1600" kern="1200">
+                <a:solidFill>
+                  <a:schemeClr val="tx1"/>
+                </a:solidFill>
+                <a:latin typeface="+mn-lt"/>
+                <a:ea typeface="+mn-ea"/>
+                <a:cs typeface="+mn-cs"/>
+              </a:defRPr>
+            </a:lvl9pPr>
+          </a:lstStyle>
+          <a:p>
+            <a:pPr algn="l"/>
+            <a:r>
+              <a:rPr lang="en-US" sz="1800">
+                <a:sym typeface="Wingdings" pitchFamily="2" charset="2"/>
+              </a:rPr>
+              <a:t>- Rule for Abstract method: </a:t>
+            </a:r>
+          </a:p>
+          <a:p>
+            <a:pPr algn="l"/>
+            <a:r>
+              <a:rPr lang="en-US" sz="1800">
+                <a:sym typeface="Wingdings" pitchFamily="2" charset="2"/>
+              </a:rPr>
+              <a:t>+) ...</a:t>
+            </a:r>
+          </a:p>
+          <a:p>
+            <a:pPr algn="l"/>
+            <a:r>
+              <a:rPr lang="en-US" sz="1800">
+                <a:sym typeface="Wingdings" pitchFamily="2" charset="2"/>
+              </a:rPr>
+              <a:t>+) ... </a:t>
+            </a:r>
+          </a:p>
+          <a:p>
+            <a:pPr algn="l"/>
+            <a:r>
+              <a:rPr lang="en-US" sz="1800">
+                <a:sym typeface="Wingdings" pitchFamily="2" charset="2"/>
+              </a:rPr>
+              <a:t>+) ... </a:t>
+            </a:r>
+          </a:p>
+          <a:p>
+            <a:pPr algn="l"/>
+            <a:r>
+              <a:rPr lang="en-US" sz="1800">
+                <a:sym typeface="Wingdings" pitchFamily="2" charset="2"/>
+              </a:rPr>
+              <a:t>+) ... (ask question, Q6)</a:t>
+            </a:r>
+          </a:p>
+        </p:txBody>
+      </p:sp>
+    </p:spTree>
+    <p:extLst>
+      <p:ext uri="{BB962C8B-B14F-4D97-AF65-F5344CB8AC3E}">
+        <p14:creationId xmlns:p14="http://schemas.microsoft.com/office/powerpoint/2010/main" val="2694027537"/>
+      </p:ext>
+    </p:extLst>
+  </p:cSld>
+  <p:clrMapOvr>
+    <a:masterClrMapping/>
+  </p:clrMapOvr>
+  <p:timing>
+    <p:tnLst>
+      <p:par>
+        <p:cTn id="1" dur="indefinite" restart="never" nodeType="tmRoot">
+          <p:childTnLst>
+            <p:seq concurrent="1" nextAc="seek">
+              <p:cTn id="2" dur="indefinite" nodeType="mainSeq">
+                <p:childTnLst>
+                  <p:par>
+                    <p:cTn id="3" fill="hold">
+                      <p:stCondLst>
+                        <p:cond delay="indefinite"/>
+                      </p:stCondLst>
+                      <p:childTnLst>
+                        <p:par>
+                          <p:cTn id="4" fill="hold">
+                            <p:stCondLst>
+                              <p:cond delay="0"/>
+                            </p:stCondLst>
+                            <p:childTnLst>
+                              <p:par>
+                                <p:cTn id="5" presetID="1" presetClass="entr" presetSubtype="0" fill="hold" nodeType="clickEffect">
+                                  <p:stCondLst>
+                                    <p:cond delay="0"/>
+                                  </p:stCondLst>
+                                  <p:childTnLst>
+                                    <p:set>
+                                      <p:cBhvr>
+                                        <p:cTn id="6" dur="1" fill="hold">
+                                          <p:stCondLst>
+                                            <p:cond delay="0"/>
+                                          </p:stCondLst>
+                                        </p:cTn>
+                                        <p:tgtEl>
+                                          <p:spTgt spid="4">
+                                            <p:txEl>
+                                              <p:pRg st="0" end="0"/>
+                                            </p:txEl>
+                                          </p:spTgt>
+                                        </p:tgtEl>
+                                        <p:attrNameLst>
+                                          <p:attrName>style.visibility</p:attrName>
+                                        </p:attrNameLst>
+                                      </p:cBhvr>
+                                      <p:to>
+                                        <p:strVal val="visible"/>
+                                      </p:to>
+                                    </p:set>
+                                  </p:childTnLst>
+                                </p:cTn>
+                              </p:par>
+                            </p:childTnLst>
+                          </p:cTn>
+                        </p:par>
+                      </p:childTnLst>
+                    </p:cTn>
+                  </p:par>
+                  <p:par>
+                    <p:cTn id="7" fill="hold">
+                      <p:stCondLst>
+                        <p:cond delay="indefinite"/>
+                      </p:stCondLst>
+                      <p:childTnLst>
+                        <p:par>
+                          <p:cTn id="8" fill="hold">
+                            <p:stCondLst>
+                              <p:cond delay="0"/>
+                            </p:stCondLst>
+                            <p:childTnLst>
+                              <p:par>
+                                <p:cTn id="9" presetID="1" presetClass="entr" presetSubtype="0" fill="hold" nodeType="clickEffect">
+                                  <p:stCondLst>
+                                    <p:cond delay="0"/>
+                                  </p:stCondLst>
+                                  <p:childTnLst>
+                                    <p:set>
+                                      <p:cBhvr>
+                                        <p:cTn id="10" dur="1" fill="hold">
+                                          <p:stCondLst>
+                                            <p:cond delay="0"/>
+                                          </p:stCondLst>
+                                        </p:cTn>
+                                        <p:tgtEl>
+                                          <p:spTgt spid="4">
+                                            <p:txEl>
+                                              <p:pRg st="1" end="1"/>
+                                            </p:txEl>
+                                          </p:spTgt>
+                                        </p:tgtEl>
+                                        <p:attrNameLst>
+                                          <p:attrName>style.visibility</p:attrName>
+                                        </p:attrNameLst>
+                                      </p:cBhvr>
+                                      <p:to>
+                                        <p:strVal val="visible"/>
+                                      </p:to>
+                                    </p:set>
+                                  </p:childTnLst>
+                                </p:cTn>
+                              </p:par>
+                            </p:childTnLst>
+                          </p:cTn>
+                        </p:par>
+                      </p:childTnLst>
+                    </p:cTn>
+                  </p:par>
+                  <p:par>
+                    <p:cTn id="11" fill="hold">
+                      <p:stCondLst>
+                        <p:cond delay="indefinite"/>
+                      </p:stCondLst>
+                      <p:childTnLst>
+                        <p:par>
+                          <p:cTn id="12" fill="hold">
+                            <p:stCondLst>
+                              <p:cond delay="0"/>
+                            </p:stCondLst>
+                            <p:childTnLst>
+                              <p:par>
+                                <p:cTn id="13" presetID="1" presetClass="entr" presetSubtype="0" fill="hold" nodeType="clickEffect">
+                                  <p:stCondLst>
+                                    <p:cond delay="0"/>
+                                  </p:stCondLst>
+                                  <p:childTnLst>
+                                    <p:set>
+                                      <p:cBhvr>
+                                        <p:cTn id="14" dur="1" fill="hold">
+                                          <p:stCondLst>
+                                            <p:cond delay="0"/>
+                                          </p:stCondLst>
+                                        </p:cTn>
+                                        <p:tgtEl>
+                                          <p:spTgt spid="4">
+                                            <p:txEl>
+                                              <p:pRg st="2" end="2"/>
+                                            </p:txEl>
+                                          </p:spTgt>
+                                        </p:tgtEl>
+                                        <p:attrNameLst>
+                                          <p:attrName>style.visibility</p:attrName>
+                                        </p:attrNameLst>
+                                      </p:cBhvr>
+                                      <p:to>
+                                        <p:strVal val="visible"/>
+                                      </p:to>
+                                    </p:set>
+                                  </p:childTnLst>
+                                </p:cTn>
+                              </p:par>
+                            </p:childTnLst>
+                          </p:cTn>
+                        </p:par>
+                      </p:childTnLst>
+                    </p:cTn>
+                  </p:par>
+                  <p:par>
+                    <p:cTn id="15" fill="hold">
+                      <p:stCondLst>
+                        <p:cond delay="indefinite"/>
+                      </p:stCondLst>
+                      <p:childTnLst>
+                        <p:par>
+                          <p:cTn id="16" fill="hold">
+                            <p:stCondLst>
+                              <p:cond delay="0"/>
+                            </p:stCondLst>
+                            <p:childTnLst>
+                              <p:par>
+                                <p:cTn id="17" presetID="1" presetClass="entr" presetSubtype="0" fill="hold" nodeType="clickEffect">
+                                  <p:stCondLst>
+                                    <p:cond delay="0"/>
+                                  </p:stCondLst>
+                                  <p:childTnLst>
+                                    <p:set>
+                                      <p:cBhvr>
+                                        <p:cTn id="18" dur="1" fill="hold">
+                                          <p:stCondLst>
+                                            <p:cond delay="0"/>
+                                          </p:stCondLst>
+                                        </p:cTn>
+                                        <p:tgtEl>
+                                          <p:spTgt spid="4">
+                                            <p:txEl>
+                                              <p:pRg st="3" end="3"/>
+                                            </p:txEl>
+                                          </p:spTgt>
+                                        </p:tgtEl>
+                                        <p:attrNameLst>
+                                          <p:attrName>style.visibility</p:attrName>
+                                        </p:attrNameLst>
+                                      </p:cBhvr>
+                                      <p:to>
+                                        <p:strVal val="visible"/>
+                                      </p:to>
+                                    </p:set>
+                                  </p:childTnLst>
+                                </p:cTn>
+                              </p:par>
+                            </p:childTnLst>
+                          </p:cTn>
+                        </p:par>
+                      </p:childTnLst>
+                    </p:cTn>
+                  </p:par>
+                  <p:par>
+                    <p:cTn id="19" fill="hold">
+                      <p:stCondLst>
+                        <p:cond delay="indefinite"/>
+                      </p:stCondLst>
+                      <p:childTnLst>
+                        <p:par>
+                          <p:cTn id="20" fill="hold">
+                            <p:stCondLst>
+                              <p:cond delay="0"/>
+                            </p:stCondLst>
+                            <p:childTnLst>
+                              <p:par>
+                                <p:cTn id="21" presetID="1" presetClass="entr" presetSubtype="0" fill="hold" nodeType="clickEffect">
+                                  <p:stCondLst>
+                                    <p:cond delay="0"/>
+                                  </p:stCondLst>
+                                  <p:childTnLst>
+                                    <p:set>
+                                      <p:cBhvr>
+                                        <p:cTn id="22" dur="1" fill="hold">
+                                          <p:stCondLst>
+                                            <p:cond delay="0"/>
+                                          </p:stCondLst>
+                                        </p:cTn>
+                                        <p:tgtEl>
+                                          <p:spTgt spid="4">
+                                            <p:txEl>
+                                              <p:pRg st="4" end="4"/>
                                             </p:txEl>
                                           </p:spTgt>
                                         </p:tgtEl>

--- a/self-study resources/J8SE1/Chapter 5 - Class Design.pptx
+++ b/self-study resources/J8SE1/Chapter 5 - Class Design.pptx
@@ -707,7 +707,7 @@
           </a:lstStyle>
           <a:p>
             <a:fld id="{9ACA2D73-2532-A640-A667-27AB4D0D333F}" type="datetimeFigureOut">
-              <a:t>3/12/24</a:t>
+              <a:t>4/12/24</a:t>
             </a:fld>
             <a:endParaRPr lang="en-VN"/>
           </a:p>
@@ -3254,7 +3254,7 @@
           <a:p>
             <a:fld id="{BAA8DE05-51EE-4692-B197-877FA1DAAAED}" type="datetimeFigureOut">
               <a:rPr lang="en-US" smtClean="0"/>
-              <a:t>12/3/24</a:t>
+              <a:t>12/4/24</a:t>
             </a:fld>
             <a:endParaRPr lang="en-US"/>
           </a:p>
@@ -3452,7 +3452,7 @@
           <a:p>
             <a:fld id="{BAA8DE05-51EE-4692-B197-877FA1DAAAED}" type="datetimeFigureOut">
               <a:rPr lang="en-US" smtClean="0"/>
-              <a:t>12/3/24</a:t>
+              <a:t>12/4/24</a:t>
             </a:fld>
             <a:endParaRPr lang="en-US"/>
           </a:p>
@@ -3660,7 +3660,7 @@
           <a:p>
             <a:fld id="{BAA8DE05-51EE-4692-B197-877FA1DAAAED}" type="datetimeFigureOut">
               <a:rPr lang="en-US" smtClean="0"/>
-              <a:t>12/3/24</a:t>
+              <a:t>12/4/24</a:t>
             </a:fld>
             <a:endParaRPr lang="en-US"/>
           </a:p>
@@ -3858,7 +3858,7 @@
           <a:p>
             <a:fld id="{BAA8DE05-51EE-4692-B197-877FA1DAAAED}" type="datetimeFigureOut">
               <a:rPr lang="en-US" smtClean="0"/>
-              <a:t>12/3/24</a:t>
+              <a:t>12/4/24</a:t>
             </a:fld>
             <a:endParaRPr lang="en-US"/>
           </a:p>
@@ -4133,7 +4133,7 @@
           <a:p>
             <a:fld id="{BAA8DE05-51EE-4692-B197-877FA1DAAAED}" type="datetimeFigureOut">
               <a:rPr lang="en-US" smtClean="0"/>
-              <a:t>12/3/24</a:t>
+              <a:t>12/4/24</a:t>
             </a:fld>
             <a:endParaRPr lang="en-US"/>
           </a:p>
@@ -4398,7 +4398,7 @@
           <a:p>
             <a:fld id="{BAA8DE05-51EE-4692-B197-877FA1DAAAED}" type="datetimeFigureOut">
               <a:rPr lang="en-US" smtClean="0"/>
-              <a:t>12/3/24</a:t>
+              <a:t>12/4/24</a:t>
             </a:fld>
             <a:endParaRPr lang="en-US"/>
           </a:p>
@@ -4810,7 +4810,7 @@
           <a:p>
             <a:fld id="{BAA8DE05-51EE-4692-B197-877FA1DAAAED}" type="datetimeFigureOut">
               <a:rPr lang="en-US" smtClean="0"/>
-              <a:t>12/3/24</a:t>
+              <a:t>12/4/24</a:t>
             </a:fld>
             <a:endParaRPr lang="en-US"/>
           </a:p>
@@ -4951,7 +4951,7 @@
           <a:p>
             <a:fld id="{BAA8DE05-51EE-4692-B197-877FA1DAAAED}" type="datetimeFigureOut">
               <a:rPr lang="en-US" smtClean="0"/>
-              <a:t>12/3/24</a:t>
+              <a:t>12/4/24</a:t>
             </a:fld>
             <a:endParaRPr lang="en-US"/>
           </a:p>
@@ -5064,7 +5064,7 @@
           <a:p>
             <a:fld id="{BAA8DE05-51EE-4692-B197-877FA1DAAAED}" type="datetimeFigureOut">
               <a:rPr lang="en-US" smtClean="0"/>
-              <a:t>12/3/24</a:t>
+              <a:t>12/4/24</a:t>
             </a:fld>
             <a:endParaRPr lang="en-US"/>
           </a:p>
@@ -5375,7 +5375,7 @@
           <a:p>
             <a:fld id="{BAA8DE05-51EE-4692-B197-877FA1DAAAED}" type="datetimeFigureOut">
               <a:rPr lang="en-US" smtClean="0"/>
-              <a:t>12/3/24</a:t>
+              <a:t>12/4/24</a:t>
             </a:fld>
             <a:endParaRPr lang="en-US"/>
           </a:p>
@@ -5663,7 +5663,7 @@
           <a:p>
             <a:fld id="{BAA8DE05-51EE-4692-B197-877FA1DAAAED}" type="datetimeFigureOut">
               <a:rPr lang="en-US" smtClean="0"/>
-              <a:t>12/3/24</a:t>
+              <a:t>12/4/24</a:t>
             </a:fld>
             <a:endParaRPr lang="en-US"/>
           </a:p>
@@ -5904,7 +5904,7 @@
           <a:p>
             <a:fld id="{BAA8DE05-51EE-4692-B197-877FA1DAAAED}" type="datetimeFigureOut">
               <a:rPr lang="en-US" smtClean="0"/>
-              <a:t>12/3/24</a:t>
+              <a:t>12/4/24</a:t>
             </a:fld>
             <a:endParaRPr lang="en-US"/>
           </a:p>
@@ -8345,7 +8345,7 @@
               <a:rPr lang="en-US" sz="1800">
                 <a:sym typeface="Wingdings" pitchFamily="2" charset="2"/>
               </a:rPr>
-              <a:t>- If the inherited field has a ... =&gt; We can refer to them ... or by using ... variable</a:t>
+              <a:t>- If the inherited field has a ... =&gt; We can refer to them ... or by using ... keyword</a:t>
             </a:r>
           </a:p>
           <a:p>

--- a/self-study resources/J8SE1/Chapter 5 - Class Design.pptx
+++ b/self-study resources/J8SE1/Chapter 5 - Class Design.pptx
@@ -16039,7 +16039,7 @@
               <a:rPr lang="en-US" sz="1800">
                 <a:sym typeface="Wingdings" pitchFamily="2" charset="2"/>
               </a:rPr>
-              <a:t>	*) The getter from ... class is only ...ed by ... class: This time, This time, when we ... the getter using subclass ... (doesn't matter if we use ...class or ...class reference and where do we ... it), the ...class version of the getter will always ...</a:t>
+              <a:t>	*) The getter from ... class is only ...ed by ... class: This time, when we ... the getter using subclass ... (doesn't matter if we use ...class or ...class reference and where do we ... it), the ...class version of the getter will always ...</a:t>
             </a:r>
           </a:p>
           <a:p>
@@ -20331,8 +20331,8 @@
           </a:prstGeom>
         </p:spPr>
       </p:pic>
-      <mc:AlternateContent xmlns:mc="http://schemas.openxmlformats.org/markup-compatibility/2006">
-        <mc:Choice xmlns:p14="http://schemas.microsoft.com/office/powerpoint/2010/main" Requires="p14">
+      <mc:AlternateContent xmlns:mc="http://schemas.openxmlformats.org/markup-compatibility/2006" xmlns:p14="http://schemas.microsoft.com/office/powerpoint/2010/main">
+        <mc:Choice Requires="p14">
           <p:contentPart p14:bwMode="auto" r:id="rId4">
             <p14:nvContentPartPr>
               <p14:cNvPr id="5" name="Ink 4">
@@ -20351,7 +20351,7 @@
             </p14:xfrm>
           </p:contentPart>
         </mc:Choice>
-        <mc:Fallback>
+        <mc:Fallback xmlns="">
           <p:pic>
             <p:nvPicPr>
               <p:cNvPr id="5" name="Ink 4">
@@ -20382,8 +20382,8 @@
           </p:pic>
         </mc:Fallback>
       </mc:AlternateContent>
-      <mc:AlternateContent xmlns:mc="http://schemas.openxmlformats.org/markup-compatibility/2006">
-        <mc:Choice xmlns:p14="http://schemas.microsoft.com/office/powerpoint/2010/main" Requires="p14">
+      <mc:AlternateContent xmlns:mc="http://schemas.openxmlformats.org/markup-compatibility/2006" xmlns:p14="http://schemas.microsoft.com/office/powerpoint/2010/main">
+        <mc:Choice Requires="p14">
           <p:contentPart p14:bwMode="auto" r:id="rId6">
             <p14:nvContentPartPr>
               <p14:cNvPr id="6" name="Ink 5">
@@ -20402,7 +20402,7 @@
             </p14:xfrm>
           </p:contentPart>
         </mc:Choice>
-        <mc:Fallback>
+        <mc:Fallback xmlns="">
           <p:pic>
             <p:nvPicPr>
               <p:cNvPr id="6" name="Ink 5">
@@ -20433,8 +20433,8 @@
           </p:pic>
         </mc:Fallback>
       </mc:AlternateContent>
-      <mc:AlternateContent xmlns:mc="http://schemas.openxmlformats.org/markup-compatibility/2006">
-        <mc:Choice xmlns:p14="http://schemas.microsoft.com/office/powerpoint/2010/main" Requires="p14">
+      <mc:AlternateContent xmlns:mc="http://schemas.openxmlformats.org/markup-compatibility/2006" xmlns:p14="http://schemas.microsoft.com/office/powerpoint/2010/main">
+        <mc:Choice Requires="p14">
           <p:contentPart p14:bwMode="auto" r:id="rId8">
             <p14:nvContentPartPr>
               <p14:cNvPr id="7" name="Ink 6">
@@ -20453,7 +20453,7 @@
             </p14:xfrm>
           </p:contentPart>
         </mc:Choice>
-        <mc:Fallback>
+        <mc:Fallback xmlns="">
           <p:pic>
             <p:nvPicPr>
               <p:cNvPr id="7" name="Ink 6">
@@ -20484,8 +20484,8 @@
           </p:pic>
         </mc:Fallback>
       </mc:AlternateContent>
-      <mc:AlternateContent xmlns:mc="http://schemas.openxmlformats.org/markup-compatibility/2006">
-        <mc:Choice xmlns:p14="http://schemas.microsoft.com/office/powerpoint/2010/main" Requires="p14">
+      <mc:AlternateContent xmlns:mc="http://schemas.openxmlformats.org/markup-compatibility/2006" xmlns:p14="http://schemas.microsoft.com/office/powerpoint/2010/main">
+        <mc:Choice Requires="p14">
           <p:contentPart p14:bwMode="auto" r:id="rId10">
             <p14:nvContentPartPr>
               <p14:cNvPr id="8" name="Ink 7">
@@ -20504,7 +20504,7 @@
             </p14:xfrm>
           </p:contentPart>
         </mc:Choice>
-        <mc:Fallback>
+        <mc:Fallback xmlns="">
           <p:pic>
             <p:nvPicPr>
               <p:cNvPr id="8" name="Ink 7">
@@ -20535,8 +20535,8 @@
           </p:pic>
         </mc:Fallback>
       </mc:AlternateContent>
-      <mc:AlternateContent xmlns:mc="http://schemas.openxmlformats.org/markup-compatibility/2006">
-        <mc:Choice xmlns:p14="http://schemas.microsoft.com/office/powerpoint/2010/main" Requires="p14">
+      <mc:AlternateContent xmlns:mc="http://schemas.openxmlformats.org/markup-compatibility/2006" xmlns:p14="http://schemas.microsoft.com/office/powerpoint/2010/main">
+        <mc:Choice Requires="p14">
           <p:contentPart p14:bwMode="auto" r:id="rId12">
             <p14:nvContentPartPr>
               <p14:cNvPr id="9" name="Ink 8">
@@ -20555,7 +20555,7 @@
             </p14:xfrm>
           </p:contentPart>
         </mc:Choice>
-        <mc:Fallback>
+        <mc:Fallback xmlns="">
           <p:pic>
             <p:nvPicPr>
               <p:cNvPr id="9" name="Ink 8">
@@ -20586,8 +20586,8 @@
           </p:pic>
         </mc:Fallback>
       </mc:AlternateContent>
-      <mc:AlternateContent xmlns:mc="http://schemas.openxmlformats.org/markup-compatibility/2006">
-        <mc:Choice xmlns:p14="http://schemas.microsoft.com/office/powerpoint/2010/main" Requires="p14">
+      <mc:AlternateContent xmlns:mc="http://schemas.openxmlformats.org/markup-compatibility/2006" xmlns:p14="http://schemas.microsoft.com/office/powerpoint/2010/main">
+        <mc:Choice Requires="p14">
           <p:contentPart p14:bwMode="auto" r:id="rId14">
             <p14:nvContentPartPr>
               <p14:cNvPr id="10" name="Ink 9">
@@ -20606,7 +20606,7 @@
             </p14:xfrm>
           </p:contentPart>
         </mc:Choice>
-        <mc:Fallback>
+        <mc:Fallback xmlns="">
           <p:pic>
             <p:nvPicPr>
               <p:cNvPr id="10" name="Ink 9">
@@ -21486,8 +21486,8 @@
           </a:prstGeom>
         </p:spPr>
       </p:pic>
-      <mc:AlternateContent xmlns:mc="http://schemas.openxmlformats.org/markup-compatibility/2006">
-        <mc:Choice xmlns:p14="http://schemas.microsoft.com/office/powerpoint/2010/main" Requires="p14">
+      <mc:AlternateContent xmlns:mc="http://schemas.openxmlformats.org/markup-compatibility/2006" xmlns:p14="http://schemas.microsoft.com/office/powerpoint/2010/main">
+        <mc:Choice Requires="p14">
           <p:contentPart p14:bwMode="auto" r:id="rId4">
             <p14:nvContentPartPr>
               <p14:cNvPr id="12" name="Ink 11">
@@ -21506,7 +21506,7 @@
             </p14:xfrm>
           </p:contentPart>
         </mc:Choice>
-        <mc:Fallback>
+        <mc:Fallback xmlns="">
           <p:pic>
             <p:nvPicPr>
               <p:cNvPr id="12" name="Ink 11">
@@ -21537,8 +21537,8 @@
           </p:pic>
         </mc:Fallback>
       </mc:AlternateContent>
-      <mc:AlternateContent xmlns:mc="http://schemas.openxmlformats.org/markup-compatibility/2006">
-        <mc:Choice xmlns:p14="http://schemas.microsoft.com/office/powerpoint/2010/main" Requires="p14">
+      <mc:AlternateContent xmlns:mc="http://schemas.openxmlformats.org/markup-compatibility/2006" xmlns:p14="http://schemas.microsoft.com/office/powerpoint/2010/main">
+        <mc:Choice Requires="p14">
           <p:contentPart p14:bwMode="auto" r:id="rId6">
             <p14:nvContentPartPr>
               <p14:cNvPr id="13" name="Ink 12">
@@ -21557,7 +21557,7 @@
             </p14:xfrm>
           </p:contentPart>
         </mc:Choice>
-        <mc:Fallback>
+        <mc:Fallback xmlns="">
           <p:pic>
             <p:nvPicPr>
               <p:cNvPr id="13" name="Ink 12">
@@ -21588,8 +21588,8 @@
           </p:pic>
         </mc:Fallback>
       </mc:AlternateContent>
-      <mc:AlternateContent xmlns:mc="http://schemas.openxmlformats.org/markup-compatibility/2006">
-        <mc:Choice xmlns:p14="http://schemas.microsoft.com/office/powerpoint/2010/main" Requires="p14">
+      <mc:AlternateContent xmlns:mc="http://schemas.openxmlformats.org/markup-compatibility/2006" xmlns:p14="http://schemas.microsoft.com/office/powerpoint/2010/main">
+        <mc:Choice Requires="p14">
           <p:contentPart p14:bwMode="auto" r:id="rId8">
             <p14:nvContentPartPr>
               <p14:cNvPr id="14" name="Ink 13">
@@ -21608,7 +21608,7 @@
             </p14:xfrm>
           </p:contentPart>
         </mc:Choice>
-        <mc:Fallback>
+        <mc:Fallback xmlns="">
           <p:pic>
             <p:nvPicPr>
               <p:cNvPr id="14" name="Ink 13">
@@ -21639,8 +21639,8 @@
           </p:pic>
         </mc:Fallback>
       </mc:AlternateContent>
-      <mc:AlternateContent xmlns:mc="http://schemas.openxmlformats.org/markup-compatibility/2006">
-        <mc:Choice xmlns:p14="http://schemas.microsoft.com/office/powerpoint/2010/main" Requires="p14">
+      <mc:AlternateContent xmlns:mc="http://schemas.openxmlformats.org/markup-compatibility/2006" xmlns:p14="http://schemas.microsoft.com/office/powerpoint/2010/main">
+        <mc:Choice Requires="p14">
           <p:contentPart p14:bwMode="auto" r:id="rId10">
             <p14:nvContentPartPr>
               <p14:cNvPr id="15" name="Ink 14">
@@ -21659,7 +21659,7 @@
             </p14:xfrm>
           </p:contentPart>
         </mc:Choice>
-        <mc:Fallback>
+        <mc:Fallback xmlns="">
           <p:pic>
             <p:nvPicPr>
               <p:cNvPr id="15" name="Ink 14">
@@ -21690,8 +21690,8 @@
           </p:pic>
         </mc:Fallback>
       </mc:AlternateContent>
-      <mc:AlternateContent xmlns:mc="http://schemas.openxmlformats.org/markup-compatibility/2006">
-        <mc:Choice xmlns:p14="http://schemas.microsoft.com/office/powerpoint/2010/main" Requires="p14">
+      <mc:AlternateContent xmlns:mc="http://schemas.openxmlformats.org/markup-compatibility/2006" xmlns:p14="http://schemas.microsoft.com/office/powerpoint/2010/main">
+        <mc:Choice Requires="p14">
           <p:contentPart p14:bwMode="auto" r:id="rId12">
             <p14:nvContentPartPr>
               <p14:cNvPr id="16" name="Ink 15">
@@ -21710,7 +21710,7 @@
             </p14:xfrm>
           </p:contentPart>
         </mc:Choice>
-        <mc:Fallback>
+        <mc:Fallback xmlns="">
           <p:pic>
             <p:nvPicPr>
               <p:cNvPr id="16" name="Ink 15">

--- a/self-study resources/J8SE1/Chapter 5 - Class Design.pptx
+++ b/self-study resources/J8SE1/Chapter 5 - Class Design.pptx
@@ -5,7 +5,7 @@
     <p:sldMasterId id="2147483648" r:id="rId1"/>
   </p:sldMasterIdLst>
   <p:notesMasterIdLst>
-    <p:notesMasterId r:id="rId34"/>
+    <p:notesMasterId r:id="rId44"/>
   </p:notesMasterIdLst>
   <p:sldIdLst>
     <p:sldId id="256" r:id="rId2"/>
@@ -40,6 +40,16 @@
     <p:sldId id="286" r:id="rId31"/>
     <p:sldId id="287" r:id="rId32"/>
     <p:sldId id="288" r:id="rId33"/>
+    <p:sldId id="289" r:id="rId34"/>
+    <p:sldId id="290" r:id="rId35"/>
+    <p:sldId id="291" r:id="rId36"/>
+    <p:sldId id="292" r:id="rId37"/>
+    <p:sldId id="293" r:id="rId38"/>
+    <p:sldId id="294" r:id="rId39"/>
+    <p:sldId id="295" r:id="rId40"/>
+    <p:sldId id="296" r:id="rId41"/>
+    <p:sldId id="297" r:id="rId42"/>
+    <p:sldId id="298" r:id="rId43"/>
   </p:sldIdLst>
   <p:sldSz cx="12192000" cy="6858000"/>
   <p:notesSz cx="6858000" cy="9144000"/>
@@ -175,6 +185,16 @@
             <p14:sldId id="286"/>
             <p14:sldId id="287"/>
             <p14:sldId id="288"/>
+            <p14:sldId id="289"/>
+            <p14:sldId id="290"/>
+            <p14:sldId id="291"/>
+            <p14:sldId id="292"/>
+            <p14:sldId id="293"/>
+            <p14:sldId id="294"/>
+            <p14:sldId id="295"/>
+            <p14:sldId id="296"/>
+            <p14:sldId id="297"/>
+            <p14:sldId id="298"/>
           </p14:sldIdLst>
         </p14:section>
       </p14:sectionLst>
@@ -1037,7 +1057,7 @@
           </a:lstStyle>
           <a:p>
             <a:fld id="{9ACA2D73-2532-A640-A667-27AB4D0D333F}" type="datetimeFigureOut">
-              <a:t>8/12/24</a:t>
+              <a:t>11/12/24</a:t>
             </a:fld>
             <a:endParaRPr lang="en-VN"/>
           </a:p>
@@ -3996,6 +4016,862 @@
 </p:notes>
 </file>
 
+<file path=ppt/notesSlides/notesSlide32.xml><?xml version="1.0" encoding="utf-8"?>
+<p:notes xmlns:a="http://schemas.openxmlformats.org/drawingml/2006/main" xmlns:r="http://schemas.openxmlformats.org/officeDocument/2006/relationships" xmlns:p="http://schemas.openxmlformats.org/presentationml/2006/main">
+  <p:cSld>
+    <p:spTree>
+      <p:nvGrpSpPr>
+        <p:cNvPr id="1" name="">
+          <a:extLst>
+            <a:ext uri="{FF2B5EF4-FFF2-40B4-BE49-F238E27FC236}">
+              <a16:creationId xmlns:a16="http://schemas.microsoft.com/office/drawing/2014/main" id="{2885D849-AA30-9BFA-AF7F-29971D621D03}"/>
+            </a:ext>
+          </a:extLst>
+        </p:cNvPr>
+        <p:cNvGrpSpPr/>
+        <p:nvPr/>
+      </p:nvGrpSpPr>
+      <p:grpSpPr>
+        <a:xfrm>
+          <a:off x="0" y="0"/>
+          <a:ext cx="0" cy="0"/>
+          <a:chOff x="0" y="0"/>
+          <a:chExt cx="0" cy="0"/>
+        </a:xfrm>
+      </p:grpSpPr>
+      <p:sp>
+        <p:nvSpPr>
+          <p:cNvPr id="2" name="Slide Image Placeholder 1">
+            <a:extLst>
+              <a:ext uri="{FF2B5EF4-FFF2-40B4-BE49-F238E27FC236}">
+                <a16:creationId xmlns:a16="http://schemas.microsoft.com/office/drawing/2014/main" id="{989FDEF0-E5E3-619E-1AD9-4DE15EF03B8A}"/>
+              </a:ext>
+            </a:extLst>
+          </p:cNvPr>
+          <p:cNvSpPr>
+            <a:spLocks noGrp="1" noRot="1" noChangeAspect="1"/>
+          </p:cNvSpPr>
+          <p:nvPr>
+            <p:ph type="sldImg"/>
+          </p:nvPr>
+        </p:nvSpPr>
+        <p:spPr/>
+      </p:sp>
+      <p:sp>
+        <p:nvSpPr>
+          <p:cNvPr id="3" name="Notes Placeholder 2">
+            <a:extLst>
+              <a:ext uri="{FF2B5EF4-FFF2-40B4-BE49-F238E27FC236}">
+                <a16:creationId xmlns:a16="http://schemas.microsoft.com/office/drawing/2014/main" id="{B6D46F7E-404C-0F29-970B-052A67ACB183}"/>
+              </a:ext>
+            </a:extLst>
+          </p:cNvPr>
+          <p:cNvSpPr>
+            <a:spLocks noGrp="1"/>
+          </p:cNvSpPr>
+          <p:nvPr>
+            <p:ph type="body" idx="1"/>
+          </p:nvPr>
+        </p:nvSpPr>
+        <p:spPr/>
+        <p:txBody>
+          <a:bodyPr/>
+          <a:lstStyle/>
+          <a:p>
+            <a:endParaRPr lang="en-VN"/>
+          </a:p>
+        </p:txBody>
+      </p:sp>
+      <p:sp>
+        <p:nvSpPr>
+          <p:cNvPr id="4" name="Slide Number Placeholder 3">
+            <a:extLst>
+              <a:ext uri="{FF2B5EF4-FFF2-40B4-BE49-F238E27FC236}">
+                <a16:creationId xmlns:a16="http://schemas.microsoft.com/office/drawing/2014/main" id="{317C50C9-47FA-EB00-24BC-C44CCE7BC057}"/>
+              </a:ext>
+            </a:extLst>
+          </p:cNvPr>
+          <p:cNvSpPr>
+            <a:spLocks noGrp="1"/>
+          </p:cNvSpPr>
+          <p:nvPr>
+            <p:ph type="sldNum" sz="quarter" idx="5"/>
+          </p:nvPr>
+        </p:nvSpPr>
+        <p:spPr/>
+        <p:txBody>
+          <a:bodyPr/>
+          <a:lstStyle/>
+          <a:p>
+            <a:fld id="{576FF3D1-0F45-2240-9B47-75654C02E24A}" type="slidenum">
+              <a:t>33</a:t>
+            </a:fld>
+            <a:endParaRPr lang="en-VN"/>
+          </a:p>
+        </p:txBody>
+      </p:sp>
+    </p:spTree>
+    <p:extLst>
+      <p:ext uri="{BB962C8B-B14F-4D97-AF65-F5344CB8AC3E}">
+        <p14:creationId xmlns:p14="http://schemas.microsoft.com/office/powerpoint/2010/main" val="491459774"/>
+      </p:ext>
+    </p:extLst>
+  </p:cSld>
+  <p:clrMapOvr>
+    <a:masterClrMapping/>
+  </p:clrMapOvr>
+</p:notes>
+</file>
+
+<file path=ppt/notesSlides/notesSlide33.xml><?xml version="1.0" encoding="utf-8"?>
+<p:notes xmlns:a="http://schemas.openxmlformats.org/drawingml/2006/main" xmlns:r="http://schemas.openxmlformats.org/officeDocument/2006/relationships" xmlns:p="http://schemas.openxmlformats.org/presentationml/2006/main">
+  <p:cSld>
+    <p:spTree>
+      <p:nvGrpSpPr>
+        <p:cNvPr id="1" name="">
+          <a:extLst>
+            <a:ext uri="{FF2B5EF4-FFF2-40B4-BE49-F238E27FC236}">
+              <a16:creationId xmlns:a16="http://schemas.microsoft.com/office/drawing/2014/main" id="{E947A2C8-25D2-79D5-4ED8-8ED24B5B06C9}"/>
+            </a:ext>
+          </a:extLst>
+        </p:cNvPr>
+        <p:cNvGrpSpPr/>
+        <p:nvPr/>
+      </p:nvGrpSpPr>
+      <p:grpSpPr>
+        <a:xfrm>
+          <a:off x="0" y="0"/>
+          <a:ext cx="0" cy="0"/>
+          <a:chOff x="0" y="0"/>
+          <a:chExt cx="0" cy="0"/>
+        </a:xfrm>
+      </p:grpSpPr>
+      <p:sp>
+        <p:nvSpPr>
+          <p:cNvPr id="2" name="Slide Image Placeholder 1">
+            <a:extLst>
+              <a:ext uri="{FF2B5EF4-FFF2-40B4-BE49-F238E27FC236}">
+                <a16:creationId xmlns:a16="http://schemas.microsoft.com/office/drawing/2014/main" id="{2D5F400B-DDCB-9557-6F76-E038C6DCEE3E}"/>
+              </a:ext>
+            </a:extLst>
+          </p:cNvPr>
+          <p:cNvSpPr>
+            <a:spLocks noGrp="1" noRot="1" noChangeAspect="1"/>
+          </p:cNvSpPr>
+          <p:nvPr>
+            <p:ph type="sldImg"/>
+          </p:nvPr>
+        </p:nvSpPr>
+        <p:spPr/>
+      </p:sp>
+      <p:sp>
+        <p:nvSpPr>
+          <p:cNvPr id="3" name="Notes Placeholder 2">
+            <a:extLst>
+              <a:ext uri="{FF2B5EF4-FFF2-40B4-BE49-F238E27FC236}">
+                <a16:creationId xmlns:a16="http://schemas.microsoft.com/office/drawing/2014/main" id="{09236B37-439D-D540-0BF6-C1CFDF64586D}"/>
+              </a:ext>
+            </a:extLst>
+          </p:cNvPr>
+          <p:cNvSpPr>
+            <a:spLocks noGrp="1"/>
+          </p:cNvSpPr>
+          <p:nvPr>
+            <p:ph type="body" idx="1"/>
+          </p:nvPr>
+        </p:nvSpPr>
+        <p:spPr/>
+        <p:txBody>
+          <a:bodyPr/>
+          <a:lstStyle/>
+          <a:p>
+            <a:endParaRPr lang="en-VN"/>
+          </a:p>
+        </p:txBody>
+      </p:sp>
+      <p:sp>
+        <p:nvSpPr>
+          <p:cNvPr id="4" name="Slide Number Placeholder 3">
+            <a:extLst>
+              <a:ext uri="{FF2B5EF4-FFF2-40B4-BE49-F238E27FC236}">
+                <a16:creationId xmlns:a16="http://schemas.microsoft.com/office/drawing/2014/main" id="{7E4DD808-94A1-A6FF-1C73-7A60ABD49021}"/>
+              </a:ext>
+            </a:extLst>
+          </p:cNvPr>
+          <p:cNvSpPr>
+            <a:spLocks noGrp="1"/>
+          </p:cNvSpPr>
+          <p:nvPr>
+            <p:ph type="sldNum" sz="quarter" idx="5"/>
+          </p:nvPr>
+        </p:nvSpPr>
+        <p:spPr/>
+        <p:txBody>
+          <a:bodyPr/>
+          <a:lstStyle/>
+          <a:p>
+            <a:fld id="{576FF3D1-0F45-2240-9B47-75654C02E24A}" type="slidenum">
+              <a:t>34</a:t>
+            </a:fld>
+            <a:endParaRPr lang="en-VN"/>
+          </a:p>
+        </p:txBody>
+      </p:sp>
+    </p:spTree>
+    <p:extLst>
+      <p:ext uri="{BB962C8B-B14F-4D97-AF65-F5344CB8AC3E}">
+        <p14:creationId xmlns:p14="http://schemas.microsoft.com/office/powerpoint/2010/main" val="2989199263"/>
+      </p:ext>
+    </p:extLst>
+  </p:cSld>
+  <p:clrMapOvr>
+    <a:masterClrMapping/>
+  </p:clrMapOvr>
+</p:notes>
+</file>
+
+<file path=ppt/notesSlides/notesSlide34.xml><?xml version="1.0" encoding="utf-8"?>
+<p:notes xmlns:a="http://schemas.openxmlformats.org/drawingml/2006/main" xmlns:r="http://schemas.openxmlformats.org/officeDocument/2006/relationships" xmlns:p="http://schemas.openxmlformats.org/presentationml/2006/main">
+  <p:cSld>
+    <p:spTree>
+      <p:nvGrpSpPr>
+        <p:cNvPr id="1" name="">
+          <a:extLst>
+            <a:ext uri="{FF2B5EF4-FFF2-40B4-BE49-F238E27FC236}">
+              <a16:creationId xmlns:a16="http://schemas.microsoft.com/office/drawing/2014/main" id="{F72955CD-1424-43C8-7555-EB4626B44305}"/>
+            </a:ext>
+          </a:extLst>
+        </p:cNvPr>
+        <p:cNvGrpSpPr/>
+        <p:nvPr/>
+      </p:nvGrpSpPr>
+      <p:grpSpPr>
+        <a:xfrm>
+          <a:off x="0" y="0"/>
+          <a:ext cx="0" cy="0"/>
+          <a:chOff x="0" y="0"/>
+          <a:chExt cx="0" cy="0"/>
+        </a:xfrm>
+      </p:grpSpPr>
+      <p:sp>
+        <p:nvSpPr>
+          <p:cNvPr id="2" name="Slide Image Placeholder 1">
+            <a:extLst>
+              <a:ext uri="{FF2B5EF4-FFF2-40B4-BE49-F238E27FC236}">
+                <a16:creationId xmlns:a16="http://schemas.microsoft.com/office/drawing/2014/main" id="{43FA9877-DC17-FEED-9753-1FA512ECA2C6}"/>
+              </a:ext>
+            </a:extLst>
+          </p:cNvPr>
+          <p:cNvSpPr>
+            <a:spLocks noGrp="1" noRot="1" noChangeAspect="1"/>
+          </p:cNvSpPr>
+          <p:nvPr>
+            <p:ph type="sldImg"/>
+          </p:nvPr>
+        </p:nvSpPr>
+        <p:spPr/>
+      </p:sp>
+      <p:sp>
+        <p:nvSpPr>
+          <p:cNvPr id="3" name="Notes Placeholder 2">
+            <a:extLst>
+              <a:ext uri="{FF2B5EF4-FFF2-40B4-BE49-F238E27FC236}">
+                <a16:creationId xmlns:a16="http://schemas.microsoft.com/office/drawing/2014/main" id="{E7A1478B-DB68-B0BE-A708-64116796ACDB}"/>
+              </a:ext>
+            </a:extLst>
+          </p:cNvPr>
+          <p:cNvSpPr>
+            <a:spLocks noGrp="1"/>
+          </p:cNvSpPr>
+          <p:nvPr>
+            <p:ph type="body" idx="1"/>
+          </p:nvPr>
+        </p:nvSpPr>
+        <p:spPr/>
+        <p:txBody>
+          <a:bodyPr/>
+          <a:lstStyle/>
+          <a:p>
+            <a:endParaRPr lang="en-VN"/>
+          </a:p>
+        </p:txBody>
+      </p:sp>
+      <p:sp>
+        <p:nvSpPr>
+          <p:cNvPr id="4" name="Slide Number Placeholder 3">
+            <a:extLst>
+              <a:ext uri="{FF2B5EF4-FFF2-40B4-BE49-F238E27FC236}">
+                <a16:creationId xmlns:a16="http://schemas.microsoft.com/office/drawing/2014/main" id="{1C59A217-4EED-093D-E0B9-13C2E6F170CE}"/>
+              </a:ext>
+            </a:extLst>
+          </p:cNvPr>
+          <p:cNvSpPr>
+            <a:spLocks noGrp="1"/>
+          </p:cNvSpPr>
+          <p:nvPr>
+            <p:ph type="sldNum" sz="quarter" idx="5"/>
+          </p:nvPr>
+        </p:nvSpPr>
+        <p:spPr/>
+        <p:txBody>
+          <a:bodyPr/>
+          <a:lstStyle/>
+          <a:p>
+            <a:fld id="{576FF3D1-0F45-2240-9B47-75654C02E24A}" type="slidenum">
+              <a:t>35</a:t>
+            </a:fld>
+            <a:endParaRPr lang="en-VN"/>
+          </a:p>
+        </p:txBody>
+      </p:sp>
+    </p:spTree>
+    <p:extLst>
+      <p:ext uri="{BB962C8B-B14F-4D97-AF65-F5344CB8AC3E}">
+        <p14:creationId xmlns:p14="http://schemas.microsoft.com/office/powerpoint/2010/main" val="1535983000"/>
+      </p:ext>
+    </p:extLst>
+  </p:cSld>
+  <p:clrMapOvr>
+    <a:masterClrMapping/>
+  </p:clrMapOvr>
+</p:notes>
+</file>
+
+<file path=ppt/notesSlides/notesSlide35.xml><?xml version="1.0" encoding="utf-8"?>
+<p:notes xmlns:a="http://schemas.openxmlformats.org/drawingml/2006/main" xmlns:r="http://schemas.openxmlformats.org/officeDocument/2006/relationships" xmlns:p="http://schemas.openxmlformats.org/presentationml/2006/main">
+  <p:cSld>
+    <p:spTree>
+      <p:nvGrpSpPr>
+        <p:cNvPr id="1" name="">
+          <a:extLst>
+            <a:ext uri="{FF2B5EF4-FFF2-40B4-BE49-F238E27FC236}">
+              <a16:creationId xmlns:a16="http://schemas.microsoft.com/office/drawing/2014/main" id="{3DB23D64-CB51-6BC0-44AB-77668B85B76D}"/>
+            </a:ext>
+          </a:extLst>
+        </p:cNvPr>
+        <p:cNvGrpSpPr/>
+        <p:nvPr/>
+      </p:nvGrpSpPr>
+      <p:grpSpPr>
+        <a:xfrm>
+          <a:off x="0" y="0"/>
+          <a:ext cx="0" cy="0"/>
+          <a:chOff x="0" y="0"/>
+          <a:chExt cx="0" cy="0"/>
+        </a:xfrm>
+      </p:grpSpPr>
+      <p:sp>
+        <p:nvSpPr>
+          <p:cNvPr id="2" name="Slide Image Placeholder 1">
+            <a:extLst>
+              <a:ext uri="{FF2B5EF4-FFF2-40B4-BE49-F238E27FC236}">
+                <a16:creationId xmlns:a16="http://schemas.microsoft.com/office/drawing/2014/main" id="{5CFFF520-573F-B25C-4330-4A4DEB974BD4}"/>
+              </a:ext>
+            </a:extLst>
+          </p:cNvPr>
+          <p:cNvSpPr>
+            <a:spLocks noGrp="1" noRot="1" noChangeAspect="1"/>
+          </p:cNvSpPr>
+          <p:nvPr>
+            <p:ph type="sldImg"/>
+          </p:nvPr>
+        </p:nvSpPr>
+        <p:spPr/>
+      </p:sp>
+      <p:sp>
+        <p:nvSpPr>
+          <p:cNvPr id="3" name="Notes Placeholder 2">
+            <a:extLst>
+              <a:ext uri="{FF2B5EF4-FFF2-40B4-BE49-F238E27FC236}">
+                <a16:creationId xmlns:a16="http://schemas.microsoft.com/office/drawing/2014/main" id="{FDBBA76F-7F53-C45A-93C2-DE57B0C647B1}"/>
+              </a:ext>
+            </a:extLst>
+          </p:cNvPr>
+          <p:cNvSpPr>
+            <a:spLocks noGrp="1"/>
+          </p:cNvSpPr>
+          <p:nvPr>
+            <p:ph type="body" idx="1"/>
+          </p:nvPr>
+        </p:nvSpPr>
+        <p:spPr/>
+        <p:txBody>
+          <a:bodyPr/>
+          <a:lstStyle/>
+          <a:p>
+            <a:endParaRPr lang="en-VN"/>
+          </a:p>
+        </p:txBody>
+      </p:sp>
+      <p:sp>
+        <p:nvSpPr>
+          <p:cNvPr id="4" name="Slide Number Placeholder 3">
+            <a:extLst>
+              <a:ext uri="{FF2B5EF4-FFF2-40B4-BE49-F238E27FC236}">
+                <a16:creationId xmlns:a16="http://schemas.microsoft.com/office/drawing/2014/main" id="{D78ED446-AF68-4DAB-4A76-64AD94692C5F}"/>
+              </a:ext>
+            </a:extLst>
+          </p:cNvPr>
+          <p:cNvSpPr>
+            <a:spLocks noGrp="1"/>
+          </p:cNvSpPr>
+          <p:nvPr>
+            <p:ph type="sldNum" sz="quarter" idx="5"/>
+          </p:nvPr>
+        </p:nvSpPr>
+        <p:spPr/>
+        <p:txBody>
+          <a:bodyPr/>
+          <a:lstStyle/>
+          <a:p>
+            <a:fld id="{576FF3D1-0F45-2240-9B47-75654C02E24A}" type="slidenum">
+              <a:t>36</a:t>
+            </a:fld>
+            <a:endParaRPr lang="en-VN"/>
+          </a:p>
+        </p:txBody>
+      </p:sp>
+    </p:spTree>
+    <p:extLst>
+      <p:ext uri="{BB962C8B-B14F-4D97-AF65-F5344CB8AC3E}">
+        <p14:creationId xmlns:p14="http://schemas.microsoft.com/office/powerpoint/2010/main" val="2636111277"/>
+      </p:ext>
+    </p:extLst>
+  </p:cSld>
+  <p:clrMapOvr>
+    <a:masterClrMapping/>
+  </p:clrMapOvr>
+</p:notes>
+</file>
+
+<file path=ppt/notesSlides/notesSlide36.xml><?xml version="1.0" encoding="utf-8"?>
+<p:notes xmlns:a="http://schemas.openxmlformats.org/drawingml/2006/main" xmlns:r="http://schemas.openxmlformats.org/officeDocument/2006/relationships" xmlns:p="http://schemas.openxmlformats.org/presentationml/2006/main">
+  <p:cSld>
+    <p:spTree>
+      <p:nvGrpSpPr>
+        <p:cNvPr id="1" name="">
+          <a:extLst>
+            <a:ext uri="{FF2B5EF4-FFF2-40B4-BE49-F238E27FC236}">
+              <a16:creationId xmlns:a16="http://schemas.microsoft.com/office/drawing/2014/main" id="{B93D17E9-7D98-BB31-BA15-64D2E41B87A1}"/>
+            </a:ext>
+          </a:extLst>
+        </p:cNvPr>
+        <p:cNvGrpSpPr/>
+        <p:nvPr/>
+      </p:nvGrpSpPr>
+      <p:grpSpPr>
+        <a:xfrm>
+          <a:off x="0" y="0"/>
+          <a:ext cx="0" cy="0"/>
+          <a:chOff x="0" y="0"/>
+          <a:chExt cx="0" cy="0"/>
+        </a:xfrm>
+      </p:grpSpPr>
+      <p:sp>
+        <p:nvSpPr>
+          <p:cNvPr id="2" name="Slide Image Placeholder 1">
+            <a:extLst>
+              <a:ext uri="{FF2B5EF4-FFF2-40B4-BE49-F238E27FC236}">
+                <a16:creationId xmlns:a16="http://schemas.microsoft.com/office/drawing/2014/main" id="{C26143C9-2CEE-26DE-506A-E9F4A1A2ECE3}"/>
+              </a:ext>
+            </a:extLst>
+          </p:cNvPr>
+          <p:cNvSpPr>
+            <a:spLocks noGrp="1" noRot="1" noChangeAspect="1"/>
+          </p:cNvSpPr>
+          <p:nvPr>
+            <p:ph type="sldImg"/>
+          </p:nvPr>
+        </p:nvSpPr>
+        <p:spPr/>
+      </p:sp>
+      <p:sp>
+        <p:nvSpPr>
+          <p:cNvPr id="3" name="Notes Placeholder 2">
+            <a:extLst>
+              <a:ext uri="{FF2B5EF4-FFF2-40B4-BE49-F238E27FC236}">
+                <a16:creationId xmlns:a16="http://schemas.microsoft.com/office/drawing/2014/main" id="{BBF3319B-9F93-7E6F-3FC5-39BF42D11B62}"/>
+              </a:ext>
+            </a:extLst>
+          </p:cNvPr>
+          <p:cNvSpPr>
+            <a:spLocks noGrp="1"/>
+          </p:cNvSpPr>
+          <p:nvPr>
+            <p:ph type="body" idx="1"/>
+          </p:nvPr>
+        </p:nvSpPr>
+        <p:spPr/>
+        <p:txBody>
+          <a:bodyPr/>
+          <a:lstStyle/>
+          <a:p>
+            <a:endParaRPr lang="en-VN"/>
+          </a:p>
+        </p:txBody>
+      </p:sp>
+      <p:sp>
+        <p:nvSpPr>
+          <p:cNvPr id="4" name="Slide Number Placeholder 3">
+            <a:extLst>
+              <a:ext uri="{FF2B5EF4-FFF2-40B4-BE49-F238E27FC236}">
+                <a16:creationId xmlns:a16="http://schemas.microsoft.com/office/drawing/2014/main" id="{DB70C7E4-77F1-5231-FE43-D88ADBA320E4}"/>
+              </a:ext>
+            </a:extLst>
+          </p:cNvPr>
+          <p:cNvSpPr>
+            <a:spLocks noGrp="1"/>
+          </p:cNvSpPr>
+          <p:nvPr>
+            <p:ph type="sldNum" sz="quarter" idx="5"/>
+          </p:nvPr>
+        </p:nvSpPr>
+        <p:spPr/>
+        <p:txBody>
+          <a:bodyPr/>
+          <a:lstStyle/>
+          <a:p>
+            <a:fld id="{576FF3D1-0F45-2240-9B47-75654C02E24A}" type="slidenum">
+              <a:t>37</a:t>
+            </a:fld>
+            <a:endParaRPr lang="en-VN"/>
+          </a:p>
+        </p:txBody>
+      </p:sp>
+    </p:spTree>
+    <p:extLst>
+      <p:ext uri="{BB962C8B-B14F-4D97-AF65-F5344CB8AC3E}">
+        <p14:creationId xmlns:p14="http://schemas.microsoft.com/office/powerpoint/2010/main" val="4185531447"/>
+      </p:ext>
+    </p:extLst>
+  </p:cSld>
+  <p:clrMapOvr>
+    <a:masterClrMapping/>
+  </p:clrMapOvr>
+</p:notes>
+</file>
+
+<file path=ppt/notesSlides/notesSlide37.xml><?xml version="1.0" encoding="utf-8"?>
+<p:notes xmlns:a="http://schemas.openxmlformats.org/drawingml/2006/main" xmlns:r="http://schemas.openxmlformats.org/officeDocument/2006/relationships" xmlns:p="http://schemas.openxmlformats.org/presentationml/2006/main">
+  <p:cSld>
+    <p:spTree>
+      <p:nvGrpSpPr>
+        <p:cNvPr id="1" name="">
+          <a:extLst>
+            <a:ext uri="{FF2B5EF4-FFF2-40B4-BE49-F238E27FC236}">
+              <a16:creationId xmlns:a16="http://schemas.microsoft.com/office/drawing/2014/main" id="{E2129038-8010-5FA7-452C-68FE7512062E}"/>
+            </a:ext>
+          </a:extLst>
+        </p:cNvPr>
+        <p:cNvGrpSpPr/>
+        <p:nvPr/>
+      </p:nvGrpSpPr>
+      <p:grpSpPr>
+        <a:xfrm>
+          <a:off x="0" y="0"/>
+          <a:ext cx="0" cy="0"/>
+          <a:chOff x="0" y="0"/>
+          <a:chExt cx="0" cy="0"/>
+        </a:xfrm>
+      </p:grpSpPr>
+      <p:sp>
+        <p:nvSpPr>
+          <p:cNvPr id="2" name="Slide Image Placeholder 1">
+            <a:extLst>
+              <a:ext uri="{FF2B5EF4-FFF2-40B4-BE49-F238E27FC236}">
+                <a16:creationId xmlns:a16="http://schemas.microsoft.com/office/drawing/2014/main" id="{9CFFFECD-93A9-C34F-1D69-CD6D5A9B00BE}"/>
+              </a:ext>
+            </a:extLst>
+          </p:cNvPr>
+          <p:cNvSpPr>
+            <a:spLocks noGrp="1" noRot="1" noChangeAspect="1"/>
+          </p:cNvSpPr>
+          <p:nvPr>
+            <p:ph type="sldImg"/>
+          </p:nvPr>
+        </p:nvSpPr>
+        <p:spPr/>
+      </p:sp>
+      <p:sp>
+        <p:nvSpPr>
+          <p:cNvPr id="3" name="Notes Placeholder 2">
+            <a:extLst>
+              <a:ext uri="{FF2B5EF4-FFF2-40B4-BE49-F238E27FC236}">
+                <a16:creationId xmlns:a16="http://schemas.microsoft.com/office/drawing/2014/main" id="{F12BC079-B46B-AE62-FF68-2BD3EE0A310E}"/>
+              </a:ext>
+            </a:extLst>
+          </p:cNvPr>
+          <p:cNvSpPr>
+            <a:spLocks noGrp="1"/>
+          </p:cNvSpPr>
+          <p:nvPr>
+            <p:ph type="body" idx="1"/>
+          </p:nvPr>
+        </p:nvSpPr>
+        <p:spPr/>
+        <p:txBody>
+          <a:bodyPr/>
+          <a:lstStyle/>
+          <a:p>
+            <a:endParaRPr lang="en-VN"/>
+          </a:p>
+        </p:txBody>
+      </p:sp>
+      <p:sp>
+        <p:nvSpPr>
+          <p:cNvPr id="4" name="Slide Number Placeholder 3">
+            <a:extLst>
+              <a:ext uri="{FF2B5EF4-FFF2-40B4-BE49-F238E27FC236}">
+                <a16:creationId xmlns:a16="http://schemas.microsoft.com/office/drawing/2014/main" id="{06ACC81A-A06B-BFBF-755E-5E77D70FC11B}"/>
+              </a:ext>
+            </a:extLst>
+          </p:cNvPr>
+          <p:cNvSpPr>
+            <a:spLocks noGrp="1"/>
+          </p:cNvSpPr>
+          <p:nvPr>
+            <p:ph type="sldNum" sz="quarter" idx="5"/>
+          </p:nvPr>
+        </p:nvSpPr>
+        <p:spPr/>
+        <p:txBody>
+          <a:bodyPr/>
+          <a:lstStyle/>
+          <a:p>
+            <a:fld id="{576FF3D1-0F45-2240-9B47-75654C02E24A}" type="slidenum">
+              <a:t>38</a:t>
+            </a:fld>
+            <a:endParaRPr lang="en-VN"/>
+          </a:p>
+        </p:txBody>
+      </p:sp>
+    </p:spTree>
+    <p:extLst>
+      <p:ext uri="{BB962C8B-B14F-4D97-AF65-F5344CB8AC3E}">
+        <p14:creationId xmlns:p14="http://schemas.microsoft.com/office/powerpoint/2010/main" val="2187803891"/>
+      </p:ext>
+    </p:extLst>
+  </p:cSld>
+  <p:clrMapOvr>
+    <a:masterClrMapping/>
+  </p:clrMapOvr>
+</p:notes>
+</file>
+
+<file path=ppt/notesSlides/notesSlide38.xml><?xml version="1.0" encoding="utf-8"?>
+<p:notes xmlns:a="http://schemas.openxmlformats.org/drawingml/2006/main" xmlns:r="http://schemas.openxmlformats.org/officeDocument/2006/relationships" xmlns:p="http://schemas.openxmlformats.org/presentationml/2006/main">
+  <p:cSld>
+    <p:spTree>
+      <p:nvGrpSpPr>
+        <p:cNvPr id="1" name="">
+          <a:extLst>
+            <a:ext uri="{FF2B5EF4-FFF2-40B4-BE49-F238E27FC236}">
+              <a16:creationId xmlns:a16="http://schemas.microsoft.com/office/drawing/2014/main" id="{A4FE1082-5741-D3D1-851E-427694ED0C49}"/>
+            </a:ext>
+          </a:extLst>
+        </p:cNvPr>
+        <p:cNvGrpSpPr/>
+        <p:nvPr/>
+      </p:nvGrpSpPr>
+      <p:grpSpPr>
+        <a:xfrm>
+          <a:off x="0" y="0"/>
+          <a:ext cx="0" cy="0"/>
+          <a:chOff x="0" y="0"/>
+          <a:chExt cx="0" cy="0"/>
+        </a:xfrm>
+      </p:grpSpPr>
+      <p:sp>
+        <p:nvSpPr>
+          <p:cNvPr id="2" name="Slide Image Placeholder 1">
+            <a:extLst>
+              <a:ext uri="{FF2B5EF4-FFF2-40B4-BE49-F238E27FC236}">
+                <a16:creationId xmlns:a16="http://schemas.microsoft.com/office/drawing/2014/main" id="{CBA8EF71-9DBA-4953-1B0E-B1F7B76B524F}"/>
+              </a:ext>
+            </a:extLst>
+          </p:cNvPr>
+          <p:cNvSpPr>
+            <a:spLocks noGrp="1" noRot="1" noChangeAspect="1"/>
+          </p:cNvSpPr>
+          <p:nvPr>
+            <p:ph type="sldImg"/>
+          </p:nvPr>
+        </p:nvSpPr>
+        <p:spPr/>
+      </p:sp>
+      <p:sp>
+        <p:nvSpPr>
+          <p:cNvPr id="3" name="Notes Placeholder 2">
+            <a:extLst>
+              <a:ext uri="{FF2B5EF4-FFF2-40B4-BE49-F238E27FC236}">
+                <a16:creationId xmlns:a16="http://schemas.microsoft.com/office/drawing/2014/main" id="{302DB4CB-753B-362B-1790-6FA5C7ADAE2F}"/>
+              </a:ext>
+            </a:extLst>
+          </p:cNvPr>
+          <p:cNvSpPr>
+            <a:spLocks noGrp="1"/>
+          </p:cNvSpPr>
+          <p:nvPr>
+            <p:ph type="body" idx="1"/>
+          </p:nvPr>
+        </p:nvSpPr>
+        <p:spPr/>
+        <p:txBody>
+          <a:bodyPr/>
+          <a:lstStyle/>
+          <a:p>
+            <a:endParaRPr lang="en-VN"/>
+          </a:p>
+        </p:txBody>
+      </p:sp>
+      <p:sp>
+        <p:nvSpPr>
+          <p:cNvPr id="4" name="Slide Number Placeholder 3">
+            <a:extLst>
+              <a:ext uri="{FF2B5EF4-FFF2-40B4-BE49-F238E27FC236}">
+                <a16:creationId xmlns:a16="http://schemas.microsoft.com/office/drawing/2014/main" id="{107DC97D-F039-A291-E320-ADFDA00DB045}"/>
+              </a:ext>
+            </a:extLst>
+          </p:cNvPr>
+          <p:cNvSpPr>
+            <a:spLocks noGrp="1"/>
+          </p:cNvSpPr>
+          <p:nvPr>
+            <p:ph type="sldNum" sz="quarter" idx="5"/>
+          </p:nvPr>
+        </p:nvSpPr>
+        <p:spPr/>
+        <p:txBody>
+          <a:bodyPr/>
+          <a:lstStyle/>
+          <a:p>
+            <a:fld id="{576FF3D1-0F45-2240-9B47-75654C02E24A}" type="slidenum">
+              <a:t>39</a:t>
+            </a:fld>
+            <a:endParaRPr lang="en-VN"/>
+          </a:p>
+        </p:txBody>
+      </p:sp>
+    </p:spTree>
+    <p:extLst>
+      <p:ext uri="{BB962C8B-B14F-4D97-AF65-F5344CB8AC3E}">
+        <p14:creationId xmlns:p14="http://schemas.microsoft.com/office/powerpoint/2010/main" val="1231983131"/>
+      </p:ext>
+    </p:extLst>
+  </p:cSld>
+  <p:clrMapOvr>
+    <a:masterClrMapping/>
+  </p:clrMapOvr>
+</p:notes>
+</file>
+
+<file path=ppt/notesSlides/notesSlide39.xml><?xml version="1.0" encoding="utf-8"?>
+<p:notes xmlns:a="http://schemas.openxmlformats.org/drawingml/2006/main" xmlns:r="http://schemas.openxmlformats.org/officeDocument/2006/relationships" xmlns:p="http://schemas.openxmlformats.org/presentationml/2006/main">
+  <p:cSld>
+    <p:spTree>
+      <p:nvGrpSpPr>
+        <p:cNvPr id="1" name="">
+          <a:extLst>
+            <a:ext uri="{FF2B5EF4-FFF2-40B4-BE49-F238E27FC236}">
+              <a16:creationId xmlns:a16="http://schemas.microsoft.com/office/drawing/2014/main" id="{866FB0B9-11DF-A634-D42B-FC8BAE8E3CEA}"/>
+            </a:ext>
+          </a:extLst>
+        </p:cNvPr>
+        <p:cNvGrpSpPr/>
+        <p:nvPr/>
+      </p:nvGrpSpPr>
+      <p:grpSpPr>
+        <a:xfrm>
+          <a:off x="0" y="0"/>
+          <a:ext cx="0" cy="0"/>
+          <a:chOff x="0" y="0"/>
+          <a:chExt cx="0" cy="0"/>
+        </a:xfrm>
+      </p:grpSpPr>
+      <p:sp>
+        <p:nvSpPr>
+          <p:cNvPr id="2" name="Slide Image Placeholder 1">
+            <a:extLst>
+              <a:ext uri="{FF2B5EF4-FFF2-40B4-BE49-F238E27FC236}">
+                <a16:creationId xmlns:a16="http://schemas.microsoft.com/office/drawing/2014/main" id="{696B53C8-CA88-4E10-FDC0-8F4F199B2EDB}"/>
+              </a:ext>
+            </a:extLst>
+          </p:cNvPr>
+          <p:cNvSpPr>
+            <a:spLocks noGrp="1" noRot="1" noChangeAspect="1"/>
+          </p:cNvSpPr>
+          <p:nvPr>
+            <p:ph type="sldImg"/>
+          </p:nvPr>
+        </p:nvSpPr>
+        <p:spPr/>
+      </p:sp>
+      <p:sp>
+        <p:nvSpPr>
+          <p:cNvPr id="3" name="Notes Placeholder 2">
+            <a:extLst>
+              <a:ext uri="{FF2B5EF4-FFF2-40B4-BE49-F238E27FC236}">
+                <a16:creationId xmlns:a16="http://schemas.microsoft.com/office/drawing/2014/main" id="{4DDA51B9-D8B0-C1F2-B282-0C480DDCAF4C}"/>
+              </a:ext>
+            </a:extLst>
+          </p:cNvPr>
+          <p:cNvSpPr>
+            <a:spLocks noGrp="1"/>
+          </p:cNvSpPr>
+          <p:nvPr>
+            <p:ph type="body" idx="1"/>
+          </p:nvPr>
+        </p:nvSpPr>
+        <p:spPr/>
+        <p:txBody>
+          <a:bodyPr/>
+          <a:lstStyle/>
+          <a:p>
+            <a:endParaRPr lang="en-VN"/>
+          </a:p>
+        </p:txBody>
+      </p:sp>
+      <p:sp>
+        <p:nvSpPr>
+          <p:cNvPr id="4" name="Slide Number Placeholder 3">
+            <a:extLst>
+              <a:ext uri="{FF2B5EF4-FFF2-40B4-BE49-F238E27FC236}">
+                <a16:creationId xmlns:a16="http://schemas.microsoft.com/office/drawing/2014/main" id="{8C2FDA1B-123F-93BF-16C5-9F9BE5F87892}"/>
+              </a:ext>
+            </a:extLst>
+          </p:cNvPr>
+          <p:cNvSpPr>
+            <a:spLocks noGrp="1"/>
+          </p:cNvSpPr>
+          <p:nvPr>
+            <p:ph type="sldNum" sz="quarter" idx="5"/>
+          </p:nvPr>
+        </p:nvSpPr>
+        <p:spPr/>
+        <p:txBody>
+          <a:bodyPr/>
+          <a:lstStyle/>
+          <a:p>
+            <a:fld id="{576FF3D1-0F45-2240-9B47-75654C02E24A}" type="slidenum">
+              <a:t>40</a:t>
+            </a:fld>
+            <a:endParaRPr lang="en-VN"/>
+          </a:p>
+        </p:txBody>
+      </p:sp>
+    </p:spTree>
+    <p:extLst>
+      <p:ext uri="{BB962C8B-B14F-4D97-AF65-F5344CB8AC3E}">
+        <p14:creationId xmlns:p14="http://schemas.microsoft.com/office/powerpoint/2010/main" val="7361073"/>
+      </p:ext>
+    </p:extLst>
+  </p:cSld>
+  <p:clrMapOvr>
+    <a:masterClrMapping/>
+  </p:clrMapOvr>
+</p:notes>
+</file>
+
 <file path=ppt/notesSlides/notesSlide4.xml><?xml version="1.0" encoding="utf-8"?>
 <p:notes xmlns:a="http://schemas.openxmlformats.org/drawingml/2006/main" xmlns:r="http://schemas.openxmlformats.org/officeDocument/2006/relationships" xmlns:p="http://schemas.openxmlformats.org/presentationml/2006/main">
   <p:cSld>
@@ -4094,6 +4970,220 @@
     <p:extLst>
       <p:ext uri="{BB962C8B-B14F-4D97-AF65-F5344CB8AC3E}">
         <p14:creationId xmlns:p14="http://schemas.microsoft.com/office/powerpoint/2010/main" val="1164679519"/>
+      </p:ext>
+    </p:extLst>
+  </p:cSld>
+  <p:clrMapOvr>
+    <a:masterClrMapping/>
+  </p:clrMapOvr>
+</p:notes>
+</file>
+
+<file path=ppt/notesSlides/notesSlide40.xml><?xml version="1.0" encoding="utf-8"?>
+<p:notes xmlns:a="http://schemas.openxmlformats.org/drawingml/2006/main" xmlns:r="http://schemas.openxmlformats.org/officeDocument/2006/relationships" xmlns:p="http://schemas.openxmlformats.org/presentationml/2006/main">
+  <p:cSld>
+    <p:spTree>
+      <p:nvGrpSpPr>
+        <p:cNvPr id="1" name="">
+          <a:extLst>
+            <a:ext uri="{FF2B5EF4-FFF2-40B4-BE49-F238E27FC236}">
+              <a16:creationId xmlns:a16="http://schemas.microsoft.com/office/drawing/2014/main" id="{E8B171B5-87C6-8FAB-A4D6-7C61FBC88A93}"/>
+            </a:ext>
+          </a:extLst>
+        </p:cNvPr>
+        <p:cNvGrpSpPr/>
+        <p:nvPr/>
+      </p:nvGrpSpPr>
+      <p:grpSpPr>
+        <a:xfrm>
+          <a:off x="0" y="0"/>
+          <a:ext cx="0" cy="0"/>
+          <a:chOff x="0" y="0"/>
+          <a:chExt cx="0" cy="0"/>
+        </a:xfrm>
+      </p:grpSpPr>
+      <p:sp>
+        <p:nvSpPr>
+          <p:cNvPr id="2" name="Slide Image Placeholder 1">
+            <a:extLst>
+              <a:ext uri="{FF2B5EF4-FFF2-40B4-BE49-F238E27FC236}">
+                <a16:creationId xmlns:a16="http://schemas.microsoft.com/office/drawing/2014/main" id="{E4D1FC86-CFE3-CCA0-3699-73E1F78F81A2}"/>
+              </a:ext>
+            </a:extLst>
+          </p:cNvPr>
+          <p:cNvSpPr>
+            <a:spLocks noGrp="1" noRot="1" noChangeAspect="1"/>
+          </p:cNvSpPr>
+          <p:nvPr>
+            <p:ph type="sldImg"/>
+          </p:nvPr>
+        </p:nvSpPr>
+        <p:spPr/>
+      </p:sp>
+      <p:sp>
+        <p:nvSpPr>
+          <p:cNvPr id="3" name="Notes Placeholder 2">
+            <a:extLst>
+              <a:ext uri="{FF2B5EF4-FFF2-40B4-BE49-F238E27FC236}">
+                <a16:creationId xmlns:a16="http://schemas.microsoft.com/office/drawing/2014/main" id="{E77B7D9F-BEC5-6A4E-7FEA-0C839F3CB50E}"/>
+              </a:ext>
+            </a:extLst>
+          </p:cNvPr>
+          <p:cNvSpPr>
+            <a:spLocks noGrp="1"/>
+          </p:cNvSpPr>
+          <p:nvPr>
+            <p:ph type="body" idx="1"/>
+          </p:nvPr>
+        </p:nvSpPr>
+        <p:spPr/>
+        <p:txBody>
+          <a:bodyPr/>
+          <a:lstStyle/>
+          <a:p>
+            <a:endParaRPr lang="en-VN"/>
+          </a:p>
+        </p:txBody>
+      </p:sp>
+      <p:sp>
+        <p:nvSpPr>
+          <p:cNvPr id="4" name="Slide Number Placeholder 3">
+            <a:extLst>
+              <a:ext uri="{FF2B5EF4-FFF2-40B4-BE49-F238E27FC236}">
+                <a16:creationId xmlns:a16="http://schemas.microsoft.com/office/drawing/2014/main" id="{A2E0408C-7D41-2F88-54A3-99A2CBCBE91B}"/>
+              </a:ext>
+            </a:extLst>
+          </p:cNvPr>
+          <p:cNvSpPr>
+            <a:spLocks noGrp="1"/>
+          </p:cNvSpPr>
+          <p:nvPr>
+            <p:ph type="sldNum" sz="quarter" idx="5"/>
+          </p:nvPr>
+        </p:nvSpPr>
+        <p:spPr/>
+        <p:txBody>
+          <a:bodyPr/>
+          <a:lstStyle/>
+          <a:p>
+            <a:fld id="{576FF3D1-0F45-2240-9B47-75654C02E24A}" type="slidenum">
+              <a:t>41</a:t>
+            </a:fld>
+            <a:endParaRPr lang="en-VN"/>
+          </a:p>
+        </p:txBody>
+      </p:sp>
+    </p:spTree>
+    <p:extLst>
+      <p:ext uri="{BB962C8B-B14F-4D97-AF65-F5344CB8AC3E}">
+        <p14:creationId xmlns:p14="http://schemas.microsoft.com/office/powerpoint/2010/main" val="3486339797"/>
+      </p:ext>
+    </p:extLst>
+  </p:cSld>
+  <p:clrMapOvr>
+    <a:masterClrMapping/>
+  </p:clrMapOvr>
+</p:notes>
+</file>
+
+<file path=ppt/notesSlides/notesSlide41.xml><?xml version="1.0" encoding="utf-8"?>
+<p:notes xmlns:a="http://schemas.openxmlformats.org/drawingml/2006/main" xmlns:r="http://schemas.openxmlformats.org/officeDocument/2006/relationships" xmlns:p="http://schemas.openxmlformats.org/presentationml/2006/main">
+  <p:cSld>
+    <p:spTree>
+      <p:nvGrpSpPr>
+        <p:cNvPr id="1" name="">
+          <a:extLst>
+            <a:ext uri="{FF2B5EF4-FFF2-40B4-BE49-F238E27FC236}">
+              <a16:creationId xmlns:a16="http://schemas.microsoft.com/office/drawing/2014/main" id="{F37492A9-13FB-291D-A6AC-7FAE905C48A3}"/>
+            </a:ext>
+          </a:extLst>
+        </p:cNvPr>
+        <p:cNvGrpSpPr/>
+        <p:nvPr/>
+      </p:nvGrpSpPr>
+      <p:grpSpPr>
+        <a:xfrm>
+          <a:off x="0" y="0"/>
+          <a:ext cx="0" cy="0"/>
+          <a:chOff x="0" y="0"/>
+          <a:chExt cx="0" cy="0"/>
+        </a:xfrm>
+      </p:grpSpPr>
+      <p:sp>
+        <p:nvSpPr>
+          <p:cNvPr id="2" name="Slide Image Placeholder 1">
+            <a:extLst>
+              <a:ext uri="{FF2B5EF4-FFF2-40B4-BE49-F238E27FC236}">
+                <a16:creationId xmlns:a16="http://schemas.microsoft.com/office/drawing/2014/main" id="{E4EC8CFC-83AA-1DC4-FEFA-213DAF932308}"/>
+              </a:ext>
+            </a:extLst>
+          </p:cNvPr>
+          <p:cNvSpPr>
+            <a:spLocks noGrp="1" noRot="1" noChangeAspect="1"/>
+          </p:cNvSpPr>
+          <p:nvPr>
+            <p:ph type="sldImg"/>
+          </p:nvPr>
+        </p:nvSpPr>
+        <p:spPr/>
+      </p:sp>
+      <p:sp>
+        <p:nvSpPr>
+          <p:cNvPr id="3" name="Notes Placeholder 2">
+            <a:extLst>
+              <a:ext uri="{FF2B5EF4-FFF2-40B4-BE49-F238E27FC236}">
+                <a16:creationId xmlns:a16="http://schemas.microsoft.com/office/drawing/2014/main" id="{F34C56CF-6667-1BD8-03C3-8C764C90B22B}"/>
+              </a:ext>
+            </a:extLst>
+          </p:cNvPr>
+          <p:cNvSpPr>
+            <a:spLocks noGrp="1"/>
+          </p:cNvSpPr>
+          <p:nvPr>
+            <p:ph type="body" idx="1"/>
+          </p:nvPr>
+        </p:nvSpPr>
+        <p:spPr/>
+        <p:txBody>
+          <a:bodyPr/>
+          <a:lstStyle/>
+          <a:p>
+            <a:endParaRPr lang="en-VN"/>
+          </a:p>
+        </p:txBody>
+      </p:sp>
+      <p:sp>
+        <p:nvSpPr>
+          <p:cNvPr id="4" name="Slide Number Placeholder 3">
+            <a:extLst>
+              <a:ext uri="{FF2B5EF4-FFF2-40B4-BE49-F238E27FC236}">
+                <a16:creationId xmlns:a16="http://schemas.microsoft.com/office/drawing/2014/main" id="{DA79C979-74AA-2737-31D7-F2BD7F05FEB6}"/>
+              </a:ext>
+            </a:extLst>
+          </p:cNvPr>
+          <p:cNvSpPr>
+            <a:spLocks noGrp="1"/>
+          </p:cNvSpPr>
+          <p:nvPr>
+            <p:ph type="sldNum" sz="quarter" idx="5"/>
+          </p:nvPr>
+        </p:nvSpPr>
+        <p:spPr/>
+        <p:txBody>
+          <a:bodyPr/>
+          <a:lstStyle/>
+          <a:p>
+            <a:fld id="{576FF3D1-0F45-2240-9B47-75654C02E24A}" type="slidenum">
+              <a:t>42</a:t>
+            </a:fld>
+            <a:endParaRPr lang="en-VN"/>
+          </a:p>
+        </p:txBody>
+      </p:sp>
+    </p:spTree>
+    <p:extLst>
+      <p:ext uri="{BB962C8B-B14F-4D97-AF65-F5344CB8AC3E}">
+        <p14:creationId xmlns:p14="http://schemas.microsoft.com/office/powerpoint/2010/main" val="4010261183"/>
       </p:ext>
     </p:extLst>
   </p:cSld>
@@ -4785,7 +5875,7 @@
           <a:p>
             <a:fld id="{BAA8DE05-51EE-4692-B197-877FA1DAAAED}" type="datetimeFigureOut">
               <a:rPr lang="en-US" smtClean="0"/>
-              <a:t>12/8/24</a:t>
+              <a:t>12/11/24</a:t>
             </a:fld>
             <a:endParaRPr lang="en-US"/>
           </a:p>
@@ -4983,7 +6073,7 @@
           <a:p>
             <a:fld id="{BAA8DE05-51EE-4692-B197-877FA1DAAAED}" type="datetimeFigureOut">
               <a:rPr lang="en-US" smtClean="0"/>
-              <a:t>12/8/24</a:t>
+              <a:t>12/11/24</a:t>
             </a:fld>
             <a:endParaRPr lang="en-US"/>
           </a:p>
@@ -5191,7 +6281,7 @@
           <a:p>
             <a:fld id="{BAA8DE05-51EE-4692-B197-877FA1DAAAED}" type="datetimeFigureOut">
               <a:rPr lang="en-US" smtClean="0"/>
-              <a:t>12/8/24</a:t>
+              <a:t>12/11/24</a:t>
             </a:fld>
             <a:endParaRPr lang="en-US"/>
           </a:p>
@@ -5389,7 +6479,7 @@
           <a:p>
             <a:fld id="{BAA8DE05-51EE-4692-B197-877FA1DAAAED}" type="datetimeFigureOut">
               <a:rPr lang="en-US" smtClean="0"/>
-              <a:t>12/8/24</a:t>
+              <a:t>12/11/24</a:t>
             </a:fld>
             <a:endParaRPr lang="en-US"/>
           </a:p>
@@ -5664,7 +6754,7 @@
           <a:p>
             <a:fld id="{BAA8DE05-51EE-4692-B197-877FA1DAAAED}" type="datetimeFigureOut">
               <a:rPr lang="en-US" smtClean="0"/>
-              <a:t>12/8/24</a:t>
+              <a:t>12/11/24</a:t>
             </a:fld>
             <a:endParaRPr lang="en-US"/>
           </a:p>
@@ -5929,7 +7019,7 @@
           <a:p>
             <a:fld id="{BAA8DE05-51EE-4692-B197-877FA1DAAAED}" type="datetimeFigureOut">
               <a:rPr lang="en-US" smtClean="0"/>
-              <a:t>12/8/24</a:t>
+              <a:t>12/11/24</a:t>
             </a:fld>
             <a:endParaRPr lang="en-US"/>
           </a:p>
@@ -6341,7 +7431,7 @@
           <a:p>
             <a:fld id="{BAA8DE05-51EE-4692-B197-877FA1DAAAED}" type="datetimeFigureOut">
               <a:rPr lang="en-US" smtClean="0"/>
-              <a:t>12/8/24</a:t>
+              <a:t>12/11/24</a:t>
             </a:fld>
             <a:endParaRPr lang="en-US"/>
           </a:p>
@@ -6482,7 +7572,7 @@
           <a:p>
             <a:fld id="{BAA8DE05-51EE-4692-B197-877FA1DAAAED}" type="datetimeFigureOut">
               <a:rPr lang="en-US" smtClean="0"/>
-              <a:t>12/8/24</a:t>
+              <a:t>12/11/24</a:t>
             </a:fld>
             <a:endParaRPr lang="en-US"/>
           </a:p>
@@ -6595,7 +7685,7 @@
           <a:p>
             <a:fld id="{BAA8DE05-51EE-4692-B197-877FA1DAAAED}" type="datetimeFigureOut">
               <a:rPr lang="en-US" smtClean="0"/>
-              <a:t>12/8/24</a:t>
+              <a:t>12/11/24</a:t>
             </a:fld>
             <a:endParaRPr lang="en-US"/>
           </a:p>
@@ -6906,7 +7996,7 @@
           <a:p>
             <a:fld id="{BAA8DE05-51EE-4692-B197-877FA1DAAAED}" type="datetimeFigureOut">
               <a:rPr lang="en-US" smtClean="0"/>
-              <a:t>12/8/24</a:t>
+              <a:t>12/11/24</a:t>
             </a:fld>
             <a:endParaRPr lang="en-US"/>
           </a:p>
@@ -7194,7 +8284,7 @@
           <a:p>
             <a:fld id="{BAA8DE05-51EE-4692-B197-877FA1DAAAED}" type="datetimeFigureOut">
               <a:rPr lang="en-US" smtClean="0"/>
-              <a:t>12/8/24</a:t>
+              <a:t>12/11/24</a:t>
             </a:fld>
             <a:endParaRPr lang="en-US"/>
           </a:p>
@@ -7435,7 +8525,7 @@
           <a:p>
             <a:fld id="{BAA8DE05-51EE-4692-B197-877FA1DAAAED}" type="datetimeFigureOut">
               <a:rPr lang="en-US" smtClean="0"/>
-              <a:t>12/8/24</a:t>
+              <a:t>12/11/24</a:t>
             </a:fld>
             <a:endParaRPr lang="en-US"/>
           </a:p>
@@ -27867,6 +28957,5214 @@
 </p:sld>
 </file>
 
+<file path=ppt/slides/slide33.xml><?xml version="1.0" encoding="utf-8"?>
+<p:sld xmlns:a="http://schemas.openxmlformats.org/drawingml/2006/main" xmlns:r="http://schemas.openxmlformats.org/officeDocument/2006/relationships" xmlns:p="http://schemas.openxmlformats.org/presentationml/2006/main">
+  <p:cSld>
+    <p:spTree>
+      <p:nvGrpSpPr>
+        <p:cNvPr id="1" name="">
+          <a:extLst>
+            <a:ext uri="{FF2B5EF4-FFF2-40B4-BE49-F238E27FC236}">
+              <a16:creationId xmlns:a16="http://schemas.microsoft.com/office/drawing/2014/main" id="{0A7F89D0-5691-A905-64C9-D9ED2FA5CF04}"/>
+            </a:ext>
+          </a:extLst>
+        </p:cNvPr>
+        <p:cNvGrpSpPr/>
+        <p:nvPr/>
+      </p:nvGrpSpPr>
+      <p:grpSpPr>
+        <a:xfrm>
+          <a:off x="0" y="0"/>
+          <a:ext cx="0" cy="0"/>
+          <a:chOff x="0" y="0"/>
+          <a:chExt cx="0" cy="0"/>
+        </a:xfrm>
+      </p:grpSpPr>
+      <p:sp>
+        <p:nvSpPr>
+          <p:cNvPr id="3" name="Subtitle 2">
+            <a:extLst>
+              <a:ext uri="{FF2B5EF4-FFF2-40B4-BE49-F238E27FC236}">
+                <a16:creationId xmlns:a16="http://schemas.microsoft.com/office/drawing/2014/main" id="{76FCCE89-4198-C54D-7BB8-2D852F31E311}"/>
+              </a:ext>
+            </a:extLst>
+          </p:cNvPr>
+          <p:cNvSpPr>
+            <a:spLocks noGrp="1"/>
+          </p:cNvSpPr>
+          <p:nvPr>
+            <p:ph type="subTitle" idx="1"/>
+          </p:nvPr>
+        </p:nvSpPr>
+        <p:spPr>
+          <a:xfrm>
+            <a:off x="152399" y="217488"/>
+            <a:ext cx="11223171" cy="303212"/>
+          </a:xfrm>
+        </p:spPr>
+        <p:txBody>
+          <a:bodyPr>
+            <a:normAutofit fontScale="92500" lnSpcReduction="20000"/>
+          </a:bodyPr>
+          <a:lstStyle/>
+          <a:p>
+            <a:r>
+              <a:rPr lang="en-US" sz="1800" b="1"/>
+              <a:t>Implementing Interface – Default Interface method</a:t>
+            </a:r>
+          </a:p>
+        </p:txBody>
+      </p:sp>
+      <p:sp>
+        <p:nvSpPr>
+          <p:cNvPr id="4" name="Subtitle 2">
+            <a:extLst>
+              <a:ext uri="{FF2B5EF4-FFF2-40B4-BE49-F238E27FC236}">
+                <a16:creationId xmlns:a16="http://schemas.microsoft.com/office/drawing/2014/main" id="{7FC6EF4B-8EBD-269E-63F3-BB547212E0A3}"/>
+              </a:ext>
+            </a:extLst>
+          </p:cNvPr>
+          <p:cNvSpPr txBox="1">
+            <a:spLocks/>
+          </p:cNvSpPr>
+          <p:nvPr/>
+        </p:nvSpPr>
+        <p:spPr>
+          <a:xfrm>
+            <a:off x="0" y="820738"/>
+            <a:ext cx="12192000" cy="6037262"/>
+          </a:xfrm>
+          <a:prstGeom prst="rect">
+            <a:avLst/>
+          </a:prstGeom>
+        </p:spPr>
+        <p:txBody>
+          <a:bodyPr vert="horz" lIns="91440" tIns="45720" rIns="91440" bIns="45720" rtlCol="0">
+            <a:normAutofit/>
+          </a:bodyPr>
+          <a:lstStyle>
+            <a:lvl1pPr marL="0" indent="0" algn="ctr" defTabSz="914400" rtl="0" eaLnBrk="1" latinLnBrk="0" hangingPunct="1">
+              <a:lnSpc>
+                <a:spcPct val="90000"/>
+              </a:lnSpc>
+              <a:spcBef>
+                <a:spcPts val="1000"/>
+              </a:spcBef>
+              <a:buFont typeface="Arial" panose="020B0604020202020204" pitchFamily="34" charset="0"/>
+              <a:buNone/>
+              <a:defRPr sz="2400" kern="1200">
+                <a:solidFill>
+                  <a:schemeClr val="tx1"/>
+                </a:solidFill>
+                <a:latin typeface="+mn-lt"/>
+                <a:ea typeface="+mn-ea"/>
+                <a:cs typeface="+mn-cs"/>
+              </a:defRPr>
+            </a:lvl1pPr>
+            <a:lvl2pPr marL="457200" indent="0" algn="ctr" defTabSz="914400" rtl="0" eaLnBrk="1" latinLnBrk="0" hangingPunct="1">
+              <a:lnSpc>
+                <a:spcPct val="90000"/>
+              </a:lnSpc>
+              <a:spcBef>
+                <a:spcPts val="500"/>
+              </a:spcBef>
+              <a:buFont typeface="Arial" panose="020B0604020202020204" pitchFamily="34" charset="0"/>
+              <a:buNone/>
+              <a:defRPr sz="2000" kern="1200">
+                <a:solidFill>
+                  <a:schemeClr val="tx1"/>
+                </a:solidFill>
+                <a:latin typeface="+mn-lt"/>
+                <a:ea typeface="+mn-ea"/>
+                <a:cs typeface="+mn-cs"/>
+              </a:defRPr>
+            </a:lvl2pPr>
+            <a:lvl3pPr marL="914400" indent="0" algn="ctr" defTabSz="914400" rtl="0" eaLnBrk="1" latinLnBrk="0" hangingPunct="1">
+              <a:lnSpc>
+                <a:spcPct val="90000"/>
+              </a:lnSpc>
+              <a:spcBef>
+                <a:spcPts val="500"/>
+              </a:spcBef>
+              <a:buFont typeface="Arial" panose="020B0604020202020204" pitchFamily="34" charset="0"/>
+              <a:buNone/>
+              <a:defRPr sz="1800" kern="1200">
+                <a:solidFill>
+                  <a:schemeClr val="tx1"/>
+                </a:solidFill>
+                <a:latin typeface="+mn-lt"/>
+                <a:ea typeface="+mn-ea"/>
+                <a:cs typeface="+mn-cs"/>
+              </a:defRPr>
+            </a:lvl3pPr>
+            <a:lvl4pPr marL="1371600" indent="0" algn="ctr" defTabSz="914400" rtl="0" eaLnBrk="1" latinLnBrk="0" hangingPunct="1">
+              <a:lnSpc>
+                <a:spcPct val="90000"/>
+              </a:lnSpc>
+              <a:spcBef>
+                <a:spcPts val="500"/>
+              </a:spcBef>
+              <a:buFont typeface="Arial" panose="020B0604020202020204" pitchFamily="34" charset="0"/>
+              <a:buNone/>
+              <a:defRPr sz="1600" kern="1200">
+                <a:solidFill>
+                  <a:schemeClr val="tx1"/>
+                </a:solidFill>
+                <a:latin typeface="+mn-lt"/>
+                <a:ea typeface="+mn-ea"/>
+                <a:cs typeface="+mn-cs"/>
+              </a:defRPr>
+            </a:lvl4pPr>
+            <a:lvl5pPr marL="1828800" indent="0" algn="ctr" defTabSz="914400" rtl="0" eaLnBrk="1" latinLnBrk="0" hangingPunct="1">
+              <a:lnSpc>
+                <a:spcPct val="90000"/>
+              </a:lnSpc>
+              <a:spcBef>
+                <a:spcPts val="500"/>
+              </a:spcBef>
+              <a:buFont typeface="Arial" panose="020B0604020202020204" pitchFamily="34" charset="0"/>
+              <a:buNone/>
+              <a:defRPr sz="1600" kern="1200">
+                <a:solidFill>
+                  <a:schemeClr val="tx1"/>
+                </a:solidFill>
+                <a:latin typeface="+mn-lt"/>
+                <a:ea typeface="+mn-ea"/>
+                <a:cs typeface="+mn-cs"/>
+              </a:defRPr>
+            </a:lvl5pPr>
+            <a:lvl6pPr marL="2286000" indent="0" algn="ctr" defTabSz="914400" rtl="0" eaLnBrk="1" latinLnBrk="0" hangingPunct="1">
+              <a:lnSpc>
+                <a:spcPct val="90000"/>
+              </a:lnSpc>
+              <a:spcBef>
+                <a:spcPts val="500"/>
+              </a:spcBef>
+              <a:buFont typeface="Arial" panose="020B0604020202020204" pitchFamily="34" charset="0"/>
+              <a:buNone/>
+              <a:defRPr sz="1600" kern="1200">
+                <a:solidFill>
+                  <a:schemeClr val="tx1"/>
+                </a:solidFill>
+                <a:latin typeface="+mn-lt"/>
+                <a:ea typeface="+mn-ea"/>
+                <a:cs typeface="+mn-cs"/>
+              </a:defRPr>
+            </a:lvl6pPr>
+            <a:lvl7pPr marL="2743200" indent="0" algn="ctr" defTabSz="914400" rtl="0" eaLnBrk="1" latinLnBrk="0" hangingPunct="1">
+              <a:lnSpc>
+                <a:spcPct val="90000"/>
+              </a:lnSpc>
+              <a:spcBef>
+                <a:spcPts val="500"/>
+              </a:spcBef>
+              <a:buFont typeface="Arial" panose="020B0604020202020204" pitchFamily="34" charset="0"/>
+              <a:buNone/>
+              <a:defRPr sz="1600" kern="1200">
+                <a:solidFill>
+                  <a:schemeClr val="tx1"/>
+                </a:solidFill>
+                <a:latin typeface="+mn-lt"/>
+                <a:ea typeface="+mn-ea"/>
+                <a:cs typeface="+mn-cs"/>
+              </a:defRPr>
+            </a:lvl7pPr>
+            <a:lvl8pPr marL="3200400" indent="0" algn="ctr" defTabSz="914400" rtl="0" eaLnBrk="1" latinLnBrk="0" hangingPunct="1">
+              <a:lnSpc>
+                <a:spcPct val="90000"/>
+              </a:lnSpc>
+              <a:spcBef>
+                <a:spcPts val="500"/>
+              </a:spcBef>
+              <a:buFont typeface="Arial" panose="020B0604020202020204" pitchFamily="34" charset="0"/>
+              <a:buNone/>
+              <a:defRPr sz="1600" kern="1200">
+                <a:solidFill>
+                  <a:schemeClr val="tx1"/>
+                </a:solidFill>
+                <a:latin typeface="+mn-lt"/>
+                <a:ea typeface="+mn-ea"/>
+                <a:cs typeface="+mn-cs"/>
+              </a:defRPr>
+            </a:lvl8pPr>
+            <a:lvl9pPr marL="3657600" indent="0" algn="ctr" defTabSz="914400" rtl="0" eaLnBrk="1" latinLnBrk="0" hangingPunct="1">
+              <a:lnSpc>
+                <a:spcPct val="90000"/>
+              </a:lnSpc>
+              <a:spcBef>
+                <a:spcPts val="500"/>
+              </a:spcBef>
+              <a:buFont typeface="Arial" panose="020B0604020202020204" pitchFamily="34" charset="0"/>
+              <a:buNone/>
+              <a:defRPr sz="1600" kern="1200">
+                <a:solidFill>
+                  <a:schemeClr val="tx1"/>
+                </a:solidFill>
+                <a:latin typeface="+mn-lt"/>
+                <a:ea typeface="+mn-ea"/>
+                <a:cs typeface="+mn-cs"/>
+              </a:defRPr>
+            </a:lvl9pPr>
+          </a:lstStyle>
+          <a:p>
+            <a:pPr algn="l"/>
+            <a:r>
+              <a:rPr lang="en-US" sz="1800">
+                <a:sym typeface="Wingdings" pitchFamily="2" charset="2"/>
+              </a:rPr>
+              <a:t>- Unlike ... variable where it has been ... with ... and ... keyword, default method can't use ... and ... keyword because default method allows the class ... to either ... or ..... But if we use ... keyword (which indicate that ...) or if we use ... keyword (which indicate that ...) =&gt; it won't ...</a:t>
+            </a:r>
+          </a:p>
+          <a:p>
+            <a:pPr algn="l"/>
+            <a:r>
+              <a:rPr lang="en-US" sz="1800">
+                <a:sym typeface="Wingdings" pitchFamily="2" charset="2"/>
+              </a:rPr>
+              <a:t>– When an ... implement another ... that contains default method, the ...interface has ... options:</a:t>
+            </a:r>
+          </a:p>
+          <a:p>
+            <a:pPr algn="l"/>
+            <a:r>
+              <a:rPr lang="en-US" sz="1800">
+                <a:sym typeface="Wingdings" pitchFamily="2" charset="2"/>
+              </a:rPr>
+              <a:t>+) ... </a:t>
+            </a:r>
+          </a:p>
+          <a:p>
+            <a:pPr algn="l"/>
+            <a:r>
+              <a:rPr lang="en-US" sz="1800">
+                <a:sym typeface="Wingdings" pitchFamily="2" charset="2"/>
+              </a:rPr>
+              <a:t>+) ... </a:t>
+            </a:r>
+          </a:p>
+          <a:p>
+            <a:pPr algn="l"/>
+            <a:r>
+              <a:rPr lang="en-US" sz="1800">
+                <a:sym typeface="Wingdings" pitchFamily="2" charset="2"/>
+              </a:rPr>
+              <a:t>+) ... (when they doing this, all ... class that ... the interface will have to ...)</a:t>
+            </a:r>
+          </a:p>
+          <a:p>
+            <a:pPr algn="l"/>
+            <a:r>
+              <a:rPr lang="en-US" sz="1800">
+                <a:sym typeface="Wingdings" pitchFamily="2" charset="2"/>
+              </a:rPr>
+              <a:t>(these rules are also apply to the case where a ... class ... the interface or a ... class ... the interface</a:t>
+            </a:r>
+          </a:p>
+          <a:p>
+            <a:pPr algn="l"/>
+            <a:r>
+              <a:rPr lang="en-US" sz="1800">
+                <a:sym typeface="Wingdings" pitchFamily="2" charset="2"/>
+              </a:rPr>
+              <a:t>(code illustration snippet 59)</a:t>
+            </a:r>
+          </a:p>
+        </p:txBody>
+      </p:sp>
+      <p:sp>
+        <p:nvSpPr>
+          <p:cNvPr id="2" name="TextBox 1">
+            <a:extLst>
+              <a:ext uri="{FF2B5EF4-FFF2-40B4-BE49-F238E27FC236}">
+                <a16:creationId xmlns:a16="http://schemas.microsoft.com/office/drawing/2014/main" id="{FB13AD43-404B-2B6B-483D-28E8A78B9830}"/>
+              </a:ext>
+            </a:extLst>
+          </p:cNvPr>
+          <p:cNvSpPr txBox="1"/>
+          <p:nvPr/>
+        </p:nvSpPr>
+        <p:spPr>
+          <a:xfrm>
+            <a:off x="9422780" y="1839951"/>
+            <a:ext cx="184731" cy="369332"/>
+          </a:xfrm>
+          <a:prstGeom prst="rect">
+            <a:avLst/>
+          </a:prstGeom>
+          <a:noFill/>
+        </p:spPr>
+        <p:txBody>
+          <a:bodyPr wrap="none" rtlCol="0">
+            <a:spAutoFit/>
+          </a:bodyPr>
+          <a:lstStyle/>
+          <a:p>
+            <a:endParaRPr lang="en-VN"/>
+          </a:p>
+        </p:txBody>
+      </p:sp>
+    </p:spTree>
+    <p:extLst>
+      <p:ext uri="{BB962C8B-B14F-4D97-AF65-F5344CB8AC3E}">
+        <p14:creationId xmlns:p14="http://schemas.microsoft.com/office/powerpoint/2010/main" val="290283416"/>
+      </p:ext>
+    </p:extLst>
+  </p:cSld>
+  <p:clrMapOvr>
+    <a:masterClrMapping/>
+  </p:clrMapOvr>
+  <p:timing>
+    <p:tnLst>
+      <p:par>
+        <p:cTn id="1" dur="indefinite" restart="never" nodeType="tmRoot">
+          <p:childTnLst>
+            <p:seq concurrent="1" nextAc="seek">
+              <p:cTn id="2" dur="indefinite" nodeType="mainSeq">
+                <p:childTnLst>
+                  <p:par>
+                    <p:cTn id="3" fill="hold">
+                      <p:stCondLst>
+                        <p:cond delay="indefinite"/>
+                      </p:stCondLst>
+                      <p:childTnLst>
+                        <p:par>
+                          <p:cTn id="4" fill="hold">
+                            <p:stCondLst>
+                              <p:cond delay="0"/>
+                            </p:stCondLst>
+                            <p:childTnLst>
+                              <p:par>
+                                <p:cTn id="5" presetID="1" presetClass="entr" presetSubtype="0" fill="hold" nodeType="clickEffect">
+                                  <p:stCondLst>
+                                    <p:cond delay="0"/>
+                                  </p:stCondLst>
+                                  <p:childTnLst>
+                                    <p:set>
+                                      <p:cBhvr>
+                                        <p:cTn id="6" dur="1" fill="hold">
+                                          <p:stCondLst>
+                                            <p:cond delay="0"/>
+                                          </p:stCondLst>
+                                        </p:cTn>
+                                        <p:tgtEl>
+                                          <p:spTgt spid="4">
+                                            <p:txEl>
+                                              <p:pRg st="0" end="0"/>
+                                            </p:txEl>
+                                          </p:spTgt>
+                                        </p:tgtEl>
+                                        <p:attrNameLst>
+                                          <p:attrName>style.visibility</p:attrName>
+                                        </p:attrNameLst>
+                                      </p:cBhvr>
+                                      <p:to>
+                                        <p:strVal val="visible"/>
+                                      </p:to>
+                                    </p:set>
+                                  </p:childTnLst>
+                                </p:cTn>
+                              </p:par>
+                            </p:childTnLst>
+                          </p:cTn>
+                        </p:par>
+                      </p:childTnLst>
+                    </p:cTn>
+                  </p:par>
+                  <p:par>
+                    <p:cTn id="7" fill="hold">
+                      <p:stCondLst>
+                        <p:cond delay="indefinite"/>
+                      </p:stCondLst>
+                      <p:childTnLst>
+                        <p:par>
+                          <p:cTn id="8" fill="hold">
+                            <p:stCondLst>
+                              <p:cond delay="0"/>
+                            </p:stCondLst>
+                            <p:childTnLst>
+                              <p:par>
+                                <p:cTn id="9" presetID="1" presetClass="entr" presetSubtype="0" fill="hold" nodeType="clickEffect">
+                                  <p:stCondLst>
+                                    <p:cond delay="0"/>
+                                  </p:stCondLst>
+                                  <p:childTnLst>
+                                    <p:set>
+                                      <p:cBhvr>
+                                        <p:cTn id="10" dur="1" fill="hold">
+                                          <p:stCondLst>
+                                            <p:cond delay="0"/>
+                                          </p:stCondLst>
+                                        </p:cTn>
+                                        <p:tgtEl>
+                                          <p:spTgt spid="4">
+                                            <p:txEl>
+                                              <p:pRg st="1" end="1"/>
+                                            </p:txEl>
+                                          </p:spTgt>
+                                        </p:tgtEl>
+                                        <p:attrNameLst>
+                                          <p:attrName>style.visibility</p:attrName>
+                                        </p:attrNameLst>
+                                      </p:cBhvr>
+                                      <p:to>
+                                        <p:strVal val="visible"/>
+                                      </p:to>
+                                    </p:set>
+                                  </p:childTnLst>
+                                </p:cTn>
+                              </p:par>
+                            </p:childTnLst>
+                          </p:cTn>
+                        </p:par>
+                      </p:childTnLst>
+                    </p:cTn>
+                  </p:par>
+                  <p:par>
+                    <p:cTn id="11" fill="hold">
+                      <p:stCondLst>
+                        <p:cond delay="indefinite"/>
+                      </p:stCondLst>
+                      <p:childTnLst>
+                        <p:par>
+                          <p:cTn id="12" fill="hold">
+                            <p:stCondLst>
+                              <p:cond delay="0"/>
+                            </p:stCondLst>
+                            <p:childTnLst>
+                              <p:par>
+                                <p:cTn id="13" presetID="1" presetClass="entr" presetSubtype="0" fill="hold" nodeType="clickEffect">
+                                  <p:stCondLst>
+                                    <p:cond delay="0"/>
+                                  </p:stCondLst>
+                                  <p:childTnLst>
+                                    <p:set>
+                                      <p:cBhvr>
+                                        <p:cTn id="14" dur="1" fill="hold">
+                                          <p:stCondLst>
+                                            <p:cond delay="0"/>
+                                          </p:stCondLst>
+                                        </p:cTn>
+                                        <p:tgtEl>
+                                          <p:spTgt spid="4">
+                                            <p:txEl>
+                                              <p:pRg st="2" end="2"/>
+                                            </p:txEl>
+                                          </p:spTgt>
+                                        </p:tgtEl>
+                                        <p:attrNameLst>
+                                          <p:attrName>style.visibility</p:attrName>
+                                        </p:attrNameLst>
+                                      </p:cBhvr>
+                                      <p:to>
+                                        <p:strVal val="visible"/>
+                                      </p:to>
+                                    </p:set>
+                                  </p:childTnLst>
+                                </p:cTn>
+                              </p:par>
+                            </p:childTnLst>
+                          </p:cTn>
+                        </p:par>
+                      </p:childTnLst>
+                    </p:cTn>
+                  </p:par>
+                  <p:par>
+                    <p:cTn id="15" fill="hold">
+                      <p:stCondLst>
+                        <p:cond delay="indefinite"/>
+                      </p:stCondLst>
+                      <p:childTnLst>
+                        <p:par>
+                          <p:cTn id="16" fill="hold">
+                            <p:stCondLst>
+                              <p:cond delay="0"/>
+                            </p:stCondLst>
+                            <p:childTnLst>
+                              <p:par>
+                                <p:cTn id="17" presetID="1" presetClass="entr" presetSubtype="0" fill="hold" nodeType="clickEffect">
+                                  <p:stCondLst>
+                                    <p:cond delay="0"/>
+                                  </p:stCondLst>
+                                  <p:childTnLst>
+                                    <p:set>
+                                      <p:cBhvr>
+                                        <p:cTn id="18" dur="1" fill="hold">
+                                          <p:stCondLst>
+                                            <p:cond delay="0"/>
+                                          </p:stCondLst>
+                                        </p:cTn>
+                                        <p:tgtEl>
+                                          <p:spTgt spid="4">
+                                            <p:txEl>
+                                              <p:pRg st="3" end="3"/>
+                                            </p:txEl>
+                                          </p:spTgt>
+                                        </p:tgtEl>
+                                        <p:attrNameLst>
+                                          <p:attrName>style.visibility</p:attrName>
+                                        </p:attrNameLst>
+                                      </p:cBhvr>
+                                      <p:to>
+                                        <p:strVal val="visible"/>
+                                      </p:to>
+                                    </p:set>
+                                  </p:childTnLst>
+                                </p:cTn>
+                              </p:par>
+                            </p:childTnLst>
+                          </p:cTn>
+                        </p:par>
+                      </p:childTnLst>
+                    </p:cTn>
+                  </p:par>
+                  <p:par>
+                    <p:cTn id="19" fill="hold">
+                      <p:stCondLst>
+                        <p:cond delay="indefinite"/>
+                      </p:stCondLst>
+                      <p:childTnLst>
+                        <p:par>
+                          <p:cTn id="20" fill="hold">
+                            <p:stCondLst>
+                              <p:cond delay="0"/>
+                            </p:stCondLst>
+                            <p:childTnLst>
+                              <p:par>
+                                <p:cTn id="21" presetID="1" presetClass="entr" presetSubtype="0" fill="hold" nodeType="clickEffect">
+                                  <p:stCondLst>
+                                    <p:cond delay="0"/>
+                                  </p:stCondLst>
+                                  <p:childTnLst>
+                                    <p:set>
+                                      <p:cBhvr>
+                                        <p:cTn id="22" dur="1" fill="hold">
+                                          <p:stCondLst>
+                                            <p:cond delay="0"/>
+                                          </p:stCondLst>
+                                        </p:cTn>
+                                        <p:tgtEl>
+                                          <p:spTgt spid="4">
+                                            <p:txEl>
+                                              <p:pRg st="4" end="4"/>
+                                            </p:txEl>
+                                          </p:spTgt>
+                                        </p:tgtEl>
+                                        <p:attrNameLst>
+                                          <p:attrName>style.visibility</p:attrName>
+                                        </p:attrNameLst>
+                                      </p:cBhvr>
+                                      <p:to>
+                                        <p:strVal val="visible"/>
+                                      </p:to>
+                                    </p:set>
+                                  </p:childTnLst>
+                                </p:cTn>
+                              </p:par>
+                            </p:childTnLst>
+                          </p:cTn>
+                        </p:par>
+                      </p:childTnLst>
+                    </p:cTn>
+                  </p:par>
+                  <p:par>
+                    <p:cTn id="23" fill="hold">
+                      <p:stCondLst>
+                        <p:cond delay="indefinite"/>
+                      </p:stCondLst>
+                      <p:childTnLst>
+                        <p:par>
+                          <p:cTn id="24" fill="hold">
+                            <p:stCondLst>
+                              <p:cond delay="0"/>
+                            </p:stCondLst>
+                            <p:childTnLst>
+                              <p:par>
+                                <p:cTn id="25" presetID="1" presetClass="entr" presetSubtype="0" fill="hold" nodeType="clickEffect">
+                                  <p:stCondLst>
+                                    <p:cond delay="0"/>
+                                  </p:stCondLst>
+                                  <p:childTnLst>
+                                    <p:set>
+                                      <p:cBhvr>
+                                        <p:cTn id="26" dur="1" fill="hold">
+                                          <p:stCondLst>
+                                            <p:cond delay="0"/>
+                                          </p:stCondLst>
+                                        </p:cTn>
+                                        <p:tgtEl>
+                                          <p:spTgt spid="4">
+                                            <p:txEl>
+                                              <p:pRg st="5" end="5"/>
+                                            </p:txEl>
+                                          </p:spTgt>
+                                        </p:tgtEl>
+                                        <p:attrNameLst>
+                                          <p:attrName>style.visibility</p:attrName>
+                                        </p:attrNameLst>
+                                      </p:cBhvr>
+                                      <p:to>
+                                        <p:strVal val="visible"/>
+                                      </p:to>
+                                    </p:set>
+                                  </p:childTnLst>
+                                </p:cTn>
+                              </p:par>
+                            </p:childTnLst>
+                          </p:cTn>
+                        </p:par>
+                      </p:childTnLst>
+                    </p:cTn>
+                  </p:par>
+                  <p:par>
+                    <p:cTn id="27" fill="hold">
+                      <p:stCondLst>
+                        <p:cond delay="indefinite"/>
+                      </p:stCondLst>
+                      <p:childTnLst>
+                        <p:par>
+                          <p:cTn id="28" fill="hold">
+                            <p:stCondLst>
+                              <p:cond delay="0"/>
+                            </p:stCondLst>
+                            <p:childTnLst>
+                              <p:par>
+                                <p:cTn id="29" presetID="1" presetClass="entr" presetSubtype="0" fill="hold" nodeType="clickEffect">
+                                  <p:stCondLst>
+                                    <p:cond delay="0"/>
+                                  </p:stCondLst>
+                                  <p:childTnLst>
+                                    <p:set>
+                                      <p:cBhvr>
+                                        <p:cTn id="30" dur="1" fill="hold">
+                                          <p:stCondLst>
+                                            <p:cond delay="0"/>
+                                          </p:stCondLst>
+                                        </p:cTn>
+                                        <p:tgtEl>
+                                          <p:spTgt spid="4">
+                                            <p:txEl>
+                                              <p:pRg st="6" end="6"/>
+                                            </p:txEl>
+                                          </p:spTgt>
+                                        </p:tgtEl>
+                                        <p:attrNameLst>
+                                          <p:attrName>style.visibility</p:attrName>
+                                        </p:attrNameLst>
+                                      </p:cBhvr>
+                                      <p:to>
+                                        <p:strVal val="visible"/>
+                                      </p:to>
+                                    </p:set>
+                                  </p:childTnLst>
+                                </p:cTn>
+                              </p:par>
+                            </p:childTnLst>
+                          </p:cTn>
+                        </p:par>
+                      </p:childTnLst>
+                    </p:cTn>
+                  </p:par>
+                </p:childTnLst>
+              </p:cTn>
+              <p:prevCondLst>
+                <p:cond evt="onPrev" delay="0">
+                  <p:tgtEl>
+                    <p:sldTgt/>
+                  </p:tgtEl>
+                </p:cond>
+              </p:prevCondLst>
+              <p:nextCondLst>
+                <p:cond evt="onNext" delay="0">
+                  <p:tgtEl>
+                    <p:sldTgt/>
+                  </p:tgtEl>
+                </p:cond>
+              </p:nextCondLst>
+            </p:seq>
+          </p:childTnLst>
+        </p:cTn>
+      </p:par>
+    </p:tnLst>
+  </p:timing>
+</p:sld>
+</file>
+
+<file path=ppt/slides/slide34.xml><?xml version="1.0" encoding="utf-8"?>
+<p:sld xmlns:a="http://schemas.openxmlformats.org/drawingml/2006/main" xmlns:r="http://schemas.openxmlformats.org/officeDocument/2006/relationships" xmlns:p="http://schemas.openxmlformats.org/presentationml/2006/main">
+  <p:cSld>
+    <p:spTree>
+      <p:nvGrpSpPr>
+        <p:cNvPr id="1" name="">
+          <a:extLst>
+            <a:ext uri="{FF2B5EF4-FFF2-40B4-BE49-F238E27FC236}">
+              <a16:creationId xmlns:a16="http://schemas.microsoft.com/office/drawing/2014/main" id="{F1E5A465-7A26-5092-7259-EF16F981554F}"/>
+            </a:ext>
+          </a:extLst>
+        </p:cNvPr>
+        <p:cNvGrpSpPr/>
+        <p:nvPr/>
+      </p:nvGrpSpPr>
+      <p:grpSpPr>
+        <a:xfrm>
+          <a:off x="0" y="0"/>
+          <a:ext cx="0" cy="0"/>
+          <a:chOff x="0" y="0"/>
+          <a:chExt cx="0" cy="0"/>
+        </a:xfrm>
+      </p:grpSpPr>
+      <p:sp>
+        <p:nvSpPr>
+          <p:cNvPr id="3" name="Subtitle 2">
+            <a:extLst>
+              <a:ext uri="{FF2B5EF4-FFF2-40B4-BE49-F238E27FC236}">
+                <a16:creationId xmlns:a16="http://schemas.microsoft.com/office/drawing/2014/main" id="{F840477E-6151-67C3-1A64-5692813A5A4D}"/>
+              </a:ext>
+            </a:extLst>
+          </p:cNvPr>
+          <p:cNvSpPr>
+            <a:spLocks noGrp="1"/>
+          </p:cNvSpPr>
+          <p:nvPr>
+            <p:ph type="subTitle" idx="1"/>
+          </p:nvPr>
+        </p:nvSpPr>
+        <p:spPr>
+          <a:xfrm>
+            <a:off x="152399" y="217488"/>
+            <a:ext cx="11223171" cy="303212"/>
+          </a:xfrm>
+        </p:spPr>
+        <p:txBody>
+          <a:bodyPr>
+            <a:normAutofit fontScale="92500" lnSpcReduction="20000"/>
+          </a:bodyPr>
+          <a:lstStyle/>
+          <a:p>
+            <a:r>
+              <a:rPr lang="en-US" sz="1800" b="1"/>
+              <a:t>Implementing Interface – Default Interface method and multiple inheritance</a:t>
+            </a:r>
+          </a:p>
+        </p:txBody>
+      </p:sp>
+      <p:sp>
+        <p:nvSpPr>
+          <p:cNvPr id="4" name="Subtitle 2">
+            <a:extLst>
+              <a:ext uri="{FF2B5EF4-FFF2-40B4-BE49-F238E27FC236}">
+                <a16:creationId xmlns:a16="http://schemas.microsoft.com/office/drawing/2014/main" id="{F4E97627-CBEA-9131-52BF-90C1F79157F2}"/>
+              </a:ext>
+            </a:extLst>
+          </p:cNvPr>
+          <p:cNvSpPr txBox="1">
+            <a:spLocks/>
+          </p:cNvSpPr>
+          <p:nvPr/>
+        </p:nvSpPr>
+        <p:spPr>
+          <a:xfrm>
+            <a:off x="0" y="820738"/>
+            <a:ext cx="12192000" cy="6037262"/>
+          </a:xfrm>
+          <a:prstGeom prst="rect">
+            <a:avLst/>
+          </a:prstGeom>
+        </p:spPr>
+        <p:txBody>
+          <a:bodyPr vert="horz" lIns="91440" tIns="45720" rIns="91440" bIns="45720" rtlCol="0">
+            <a:normAutofit/>
+          </a:bodyPr>
+          <a:lstStyle>
+            <a:lvl1pPr marL="0" indent="0" algn="ctr" defTabSz="914400" rtl="0" eaLnBrk="1" latinLnBrk="0" hangingPunct="1">
+              <a:lnSpc>
+                <a:spcPct val="90000"/>
+              </a:lnSpc>
+              <a:spcBef>
+                <a:spcPts val="1000"/>
+              </a:spcBef>
+              <a:buFont typeface="Arial" panose="020B0604020202020204" pitchFamily="34" charset="0"/>
+              <a:buNone/>
+              <a:defRPr sz="2400" kern="1200">
+                <a:solidFill>
+                  <a:schemeClr val="tx1"/>
+                </a:solidFill>
+                <a:latin typeface="+mn-lt"/>
+                <a:ea typeface="+mn-ea"/>
+                <a:cs typeface="+mn-cs"/>
+              </a:defRPr>
+            </a:lvl1pPr>
+            <a:lvl2pPr marL="457200" indent="0" algn="ctr" defTabSz="914400" rtl="0" eaLnBrk="1" latinLnBrk="0" hangingPunct="1">
+              <a:lnSpc>
+                <a:spcPct val="90000"/>
+              </a:lnSpc>
+              <a:spcBef>
+                <a:spcPts val="500"/>
+              </a:spcBef>
+              <a:buFont typeface="Arial" panose="020B0604020202020204" pitchFamily="34" charset="0"/>
+              <a:buNone/>
+              <a:defRPr sz="2000" kern="1200">
+                <a:solidFill>
+                  <a:schemeClr val="tx1"/>
+                </a:solidFill>
+                <a:latin typeface="+mn-lt"/>
+                <a:ea typeface="+mn-ea"/>
+                <a:cs typeface="+mn-cs"/>
+              </a:defRPr>
+            </a:lvl2pPr>
+            <a:lvl3pPr marL="914400" indent="0" algn="ctr" defTabSz="914400" rtl="0" eaLnBrk="1" latinLnBrk="0" hangingPunct="1">
+              <a:lnSpc>
+                <a:spcPct val="90000"/>
+              </a:lnSpc>
+              <a:spcBef>
+                <a:spcPts val="500"/>
+              </a:spcBef>
+              <a:buFont typeface="Arial" panose="020B0604020202020204" pitchFamily="34" charset="0"/>
+              <a:buNone/>
+              <a:defRPr sz="1800" kern="1200">
+                <a:solidFill>
+                  <a:schemeClr val="tx1"/>
+                </a:solidFill>
+                <a:latin typeface="+mn-lt"/>
+                <a:ea typeface="+mn-ea"/>
+                <a:cs typeface="+mn-cs"/>
+              </a:defRPr>
+            </a:lvl3pPr>
+            <a:lvl4pPr marL="1371600" indent="0" algn="ctr" defTabSz="914400" rtl="0" eaLnBrk="1" latinLnBrk="0" hangingPunct="1">
+              <a:lnSpc>
+                <a:spcPct val="90000"/>
+              </a:lnSpc>
+              <a:spcBef>
+                <a:spcPts val="500"/>
+              </a:spcBef>
+              <a:buFont typeface="Arial" panose="020B0604020202020204" pitchFamily="34" charset="0"/>
+              <a:buNone/>
+              <a:defRPr sz="1600" kern="1200">
+                <a:solidFill>
+                  <a:schemeClr val="tx1"/>
+                </a:solidFill>
+                <a:latin typeface="+mn-lt"/>
+                <a:ea typeface="+mn-ea"/>
+                <a:cs typeface="+mn-cs"/>
+              </a:defRPr>
+            </a:lvl4pPr>
+            <a:lvl5pPr marL="1828800" indent="0" algn="ctr" defTabSz="914400" rtl="0" eaLnBrk="1" latinLnBrk="0" hangingPunct="1">
+              <a:lnSpc>
+                <a:spcPct val="90000"/>
+              </a:lnSpc>
+              <a:spcBef>
+                <a:spcPts val="500"/>
+              </a:spcBef>
+              <a:buFont typeface="Arial" panose="020B0604020202020204" pitchFamily="34" charset="0"/>
+              <a:buNone/>
+              <a:defRPr sz="1600" kern="1200">
+                <a:solidFill>
+                  <a:schemeClr val="tx1"/>
+                </a:solidFill>
+                <a:latin typeface="+mn-lt"/>
+                <a:ea typeface="+mn-ea"/>
+                <a:cs typeface="+mn-cs"/>
+              </a:defRPr>
+            </a:lvl5pPr>
+            <a:lvl6pPr marL="2286000" indent="0" algn="ctr" defTabSz="914400" rtl="0" eaLnBrk="1" latinLnBrk="0" hangingPunct="1">
+              <a:lnSpc>
+                <a:spcPct val="90000"/>
+              </a:lnSpc>
+              <a:spcBef>
+                <a:spcPts val="500"/>
+              </a:spcBef>
+              <a:buFont typeface="Arial" panose="020B0604020202020204" pitchFamily="34" charset="0"/>
+              <a:buNone/>
+              <a:defRPr sz="1600" kern="1200">
+                <a:solidFill>
+                  <a:schemeClr val="tx1"/>
+                </a:solidFill>
+                <a:latin typeface="+mn-lt"/>
+                <a:ea typeface="+mn-ea"/>
+                <a:cs typeface="+mn-cs"/>
+              </a:defRPr>
+            </a:lvl6pPr>
+            <a:lvl7pPr marL="2743200" indent="0" algn="ctr" defTabSz="914400" rtl="0" eaLnBrk="1" latinLnBrk="0" hangingPunct="1">
+              <a:lnSpc>
+                <a:spcPct val="90000"/>
+              </a:lnSpc>
+              <a:spcBef>
+                <a:spcPts val="500"/>
+              </a:spcBef>
+              <a:buFont typeface="Arial" panose="020B0604020202020204" pitchFamily="34" charset="0"/>
+              <a:buNone/>
+              <a:defRPr sz="1600" kern="1200">
+                <a:solidFill>
+                  <a:schemeClr val="tx1"/>
+                </a:solidFill>
+                <a:latin typeface="+mn-lt"/>
+                <a:ea typeface="+mn-ea"/>
+                <a:cs typeface="+mn-cs"/>
+              </a:defRPr>
+            </a:lvl7pPr>
+            <a:lvl8pPr marL="3200400" indent="0" algn="ctr" defTabSz="914400" rtl="0" eaLnBrk="1" latinLnBrk="0" hangingPunct="1">
+              <a:lnSpc>
+                <a:spcPct val="90000"/>
+              </a:lnSpc>
+              <a:spcBef>
+                <a:spcPts val="500"/>
+              </a:spcBef>
+              <a:buFont typeface="Arial" panose="020B0604020202020204" pitchFamily="34" charset="0"/>
+              <a:buNone/>
+              <a:defRPr sz="1600" kern="1200">
+                <a:solidFill>
+                  <a:schemeClr val="tx1"/>
+                </a:solidFill>
+                <a:latin typeface="+mn-lt"/>
+                <a:ea typeface="+mn-ea"/>
+                <a:cs typeface="+mn-cs"/>
+              </a:defRPr>
+            </a:lvl8pPr>
+            <a:lvl9pPr marL="3657600" indent="0" algn="ctr" defTabSz="914400" rtl="0" eaLnBrk="1" latinLnBrk="0" hangingPunct="1">
+              <a:lnSpc>
+                <a:spcPct val="90000"/>
+              </a:lnSpc>
+              <a:spcBef>
+                <a:spcPts val="500"/>
+              </a:spcBef>
+              <a:buFont typeface="Arial" panose="020B0604020202020204" pitchFamily="34" charset="0"/>
+              <a:buNone/>
+              <a:defRPr sz="1600" kern="1200">
+                <a:solidFill>
+                  <a:schemeClr val="tx1"/>
+                </a:solidFill>
+                <a:latin typeface="+mn-lt"/>
+                <a:ea typeface="+mn-ea"/>
+                <a:cs typeface="+mn-cs"/>
+              </a:defRPr>
+            </a:lvl9pPr>
+          </a:lstStyle>
+          <a:p>
+            <a:pPr algn="l"/>
+            <a:r>
+              <a:rPr lang="en-US" sz="1800">
+                <a:sym typeface="Wingdings" pitchFamily="2" charset="2"/>
+              </a:rPr>
+              <a:t>- As we seen that default method allow us to have a ... and also ... allows us to have multple ... =&gt; Then does Java just accidentally allows multiple ... ?</a:t>
+            </a:r>
+          </a:p>
+          <a:p>
+            <a:pPr algn="l"/>
+            <a:r>
+              <a:rPr lang="en-US" sz="1800">
+                <a:sym typeface="Wingdings" pitchFamily="2" charset="2"/>
+              </a:rPr>
+              <a:t>(code illustration snippet 60) </a:t>
+            </a:r>
+          </a:p>
+          <a:p>
+            <a:pPr algn="l"/>
+            <a:r>
+              <a:rPr lang="en-US" sz="1800">
+                <a:sym typeface="Wingdings" pitchFamily="2" charset="2"/>
+              </a:rPr>
+              <a:t>- If a class ... 2 interfaces that has 2 ... with same method signature =&gt; Although their ... is different but since it has the same method signature =&gt; ... can't ... </a:t>
+            </a:r>
+          </a:p>
+          <a:p>
+            <a:pPr algn="l"/>
+            <a:r>
+              <a:rPr lang="en-US" sz="1800">
+                <a:sym typeface="Wingdings" pitchFamily="2" charset="2"/>
+              </a:rPr>
+              <a:t>(this also apply when a ... class ... 2 interfaces or a ... class ... 2 interfaces)</a:t>
+            </a:r>
+          </a:p>
+          <a:p>
+            <a:pPr algn="l"/>
+            <a:r>
+              <a:rPr lang="en-US" sz="1800">
+                <a:sym typeface="Wingdings" pitchFamily="2" charset="2"/>
+              </a:rPr>
+              <a:t>(code illustration snippet 61 – 62)</a:t>
+            </a:r>
+          </a:p>
+          <a:p>
+            <a:pPr algn="l"/>
+            <a:r>
+              <a:rPr lang="en-US" sz="1800">
+                <a:sym typeface="Wingdings" pitchFamily="2" charset="2"/>
+              </a:rPr>
+              <a:t>- However, there is an exception, if the ... class or a ... class or interface that ... the method =&gt; ...</a:t>
+            </a:r>
+          </a:p>
+          <a:p>
+            <a:pPr algn="l"/>
+            <a:r>
+              <a:rPr lang="en-US" sz="1800">
+                <a:sym typeface="Wingdings" pitchFamily="2" charset="2"/>
+              </a:rPr>
+              <a:t>(code illustration snippet 63 – 64 – 65)</a:t>
+            </a:r>
+          </a:p>
+          <a:p>
+            <a:pPr algn="l"/>
+            <a:endParaRPr lang="en-US" sz="1800">
+              <a:sym typeface="Wingdings" pitchFamily="2" charset="2"/>
+            </a:endParaRPr>
+          </a:p>
+        </p:txBody>
+      </p:sp>
+      <p:sp>
+        <p:nvSpPr>
+          <p:cNvPr id="2" name="TextBox 1">
+            <a:extLst>
+              <a:ext uri="{FF2B5EF4-FFF2-40B4-BE49-F238E27FC236}">
+                <a16:creationId xmlns:a16="http://schemas.microsoft.com/office/drawing/2014/main" id="{1C141F5A-10E9-2A5E-C8ED-A1D88695A90E}"/>
+              </a:ext>
+            </a:extLst>
+          </p:cNvPr>
+          <p:cNvSpPr txBox="1"/>
+          <p:nvPr/>
+        </p:nvSpPr>
+        <p:spPr>
+          <a:xfrm>
+            <a:off x="9422780" y="1839951"/>
+            <a:ext cx="184731" cy="369332"/>
+          </a:xfrm>
+          <a:prstGeom prst="rect">
+            <a:avLst/>
+          </a:prstGeom>
+          <a:noFill/>
+        </p:spPr>
+        <p:txBody>
+          <a:bodyPr wrap="none" rtlCol="0">
+            <a:spAutoFit/>
+          </a:bodyPr>
+          <a:lstStyle/>
+          <a:p>
+            <a:endParaRPr lang="en-VN"/>
+          </a:p>
+        </p:txBody>
+      </p:sp>
+    </p:spTree>
+    <p:extLst>
+      <p:ext uri="{BB962C8B-B14F-4D97-AF65-F5344CB8AC3E}">
+        <p14:creationId xmlns:p14="http://schemas.microsoft.com/office/powerpoint/2010/main" val="2104232840"/>
+      </p:ext>
+    </p:extLst>
+  </p:cSld>
+  <p:clrMapOvr>
+    <a:masterClrMapping/>
+  </p:clrMapOvr>
+  <p:timing>
+    <p:tnLst>
+      <p:par>
+        <p:cTn id="1" dur="indefinite" restart="never" nodeType="tmRoot">
+          <p:childTnLst>
+            <p:seq concurrent="1" nextAc="seek">
+              <p:cTn id="2" dur="indefinite" nodeType="mainSeq">
+                <p:childTnLst>
+                  <p:par>
+                    <p:cTn id="3" fill="hold">
+                      <p:stCondLst>
+                        <p:cond delay="indefinite"/>
+                      </p:stCondLst>
+                      <p:childTnLst>
+                        <p:par>
+                          <p:cTn id="4" fill="hold">
+                            <p:stCondLst>
+                              <p:cond delay="0"/>
+                            </p:stCondLst>
+                            <p:childTnLst>
+                              <p:par>
+                                <p:cTn id="5" presetID="1" presetClass="entr" presetSubtype="0" fill="hold" nodeType="clickEffect">
+                                  <p:stCondLst>
+                                    <p:cond delay="0"/>
+                                  </p:stCondLst>
+                                  <p:childTnLst>
+                                    <p:set>
+                                      <p:cBhvr>
+                                        <p:cTn id="6" dur="1" fill="hold">
+                                          <p:stCondLst>
+                                            <p:cond delay="0"/>
+                                          </p:stCondLst>
+                                        </p:cTn>
+                                        <p:tgtEl>
+                                          <p:spTgt spid="4">
+                                            <p:txEl>
+                                              <p:pRg st="0" end="0"/>
+                                            </p:txEl>
+                                          </p:spTgt>
+                                        </p:tgtEl>
+                                        <p:attrNameLst>
+                                          <p:attrName>style.visibility</p:attrName>
+                                        </p:attrNameLst>
+                                      </p:cBhvr>
+                                      <p:to>
+                                        <p:strVal val="visible"/>
+                                      </p:to>
+                                    </p:set>
+                                  </p:childTnLst>
+                                </p:cTn>
+                              </p:par>
+                            </p:childTnLst>
+                          </p:cTn>
+                        </p:par>
+                      </p:childTnLst>
+                    </p:cTn>
+                  </p:par>
+                  <p:par>
+                    <p:cTn id="7" fill="hold">
+                      <p:stCondLst>
+                        <p:cond delay="indefinite"/>
+                      </p:stCondLst>
+                      <p:childTnLst>
+                        <p:par>
+                          <p:cTn id="8" fill="hold">
+                            <p:stCondLst>
+                              <p:cond delay="0"/>
+                            </p:stCondLst>
+                            <p:childTnLst>
+                              <p:par>
+                                <p:cTn id="9" presetID="1" presetClass="entr" presetSubtype="0" fill="hold" nodeType="clickEffect">
+                                  <p:stCondLst>
+                                    <p:cond delay="0"/>
+                                  </p:stCondLst>
+                                  <p:childTnLst>
+                                    <p:set>
+                                      <p:cBhvr>
+                                        <p:cTn id="10" dur="1" fill="hold">
+                                          <p:stCondLst>
+                                            <p:cond delay="0"/>
+                                          </p:stCondLst>
+                                        </p:cTn>
+                                        <p:tgtEl>
+                                          <p:spTgt spid="4">
+                                            <p:txEl>
+                                              <p:pRg st="1" end="1"/>
+                                            </p:txEl>
+                                          </p:spTgt>
+                                        </p:tgtEl>
+                                        <p:attrNameLst>
+                                          <p:attrName>style.visibility</p:attrName>
+                                        </p:attrNameLst>
+                                      </p:cBhvr>
+                                      <p:to>
+                                        <p:strVal val="visible"/>
+                                      </p:to>
+                                    </p:set>
+                                  </p:childTnLst>
+                                </p:cTn>
+                              </p:par>
+                            </p:childTnLst>
+                          </p:cTn>
+                        </p:par>
+                      </p:childTnLst>
+                    </p:cTn>
+                  </p:par>
+                  <p:par>
+                    <p:cTn id="11" fill="hold">
+                      <p:stCondLst>
+                        <p:cond delay="indefinite"/>
+                      </p:stCondLst>
+                      <p:childTnLst>
+                        <p:par>
+                          <p:cTn id="12" fill="hold">
+                            <p:stCondLst>
+                              <p:cond delay="0"/>
+                            </p:stCondLst>
+                            <p:childTnLst>
+                              <p:par>
+                                <p:cTn id="13" presetID="1" presetClass="entr" presetSubtype="0" fill="hold" nodeType="clickEffect">
+                                  <p:stCondLst>
+                                    <p:cond delay="0"/>
+                                  </p:stCondLst>
+                                  <p:childTnLst>
+                                    <p:set>
+                                      <p:cBhvr>
+                                        <p:cTn id="14" dur="1" fill="hold">
+                                          <p:stCondLst>
+                                            <p:cond delay="0"/>
+                                          </p:stCondLst>
+                                        </p:cTn>
+                                        <p:tgtEl>
+                                          <p:spTgt spid="4">
+                                            <p:txEl>
+                                              <p:pRg st="2" end="2"/>
+                                            </p:txEl>
+                                          </p:spTgt>
+                                        </p:tgtEl>
+                                        <p:attrNameLst>
+                                          <p:attrName>style.visibility</p:attrName>
+                                        </p:attrNameLst>
+                                      </p:cBhvr>
+                                      <p:to>
+                                        <p:strVal val="visible"/>
+                                      </p:to>
+                                    </p:set>
+                                  </p:childTnLst>
+                                </p:cTn>
+                              </p:par>
+                            </p:childTnLst>
+                          </p:cTn>
+                        </p:par>
+                      </p:childTnLst>
+                    </p:cTn>
+                  </p:par>
+                  <p:par>
+                    <p:cTn id="15" fill="hold">
+                      <p:stCondLst>
+                        <p:cond delay="indefinite"/>
+                      </p:stCondLst>
+                      <p:childTnLst>
+                        <p:par>
+                          <p:cTn id="16" fill="hold">
+                            <p:stCondLst>
+                              <p:cond delay="0"/>
+                            </p:stCondLst>
+                            <p:childTnLst>
+                              <p:par>
+                                <p:cTn id="17" presetID="1" presetClass="entr" presetSubtype="0" fill="hold" nodeType="clickEffect">
+                                  <p:stCondLst>
+                                    <p:cond delay="0"/>
+                                  </p:stCondLst>
+                                  <p:childTnLst>
+                                    <p:set>
+                                      <p:cBhvr>
+                                        <p:cTn id="18" dur="1" fill="hold">
+                                          <p:stCondLst>
+                                            <p:cond delay="0"/>
+                                          </p:stCondLst>
+                                        </p:cTn>
+                                        <p:tgtEl>
+                                          <p:spTgt spid="4">
+                                            <p:txEl>
+                                              <p:pRg st="3" end="3"/>
+                                            </p:txEl>
+                                          </p:spTgt>
+                                        </p:tgtEl>
+                                        <p:attrNameLst>
+                                          <p:attrName>style.visibility</p:attrName>
+                                        </p:attrNameLst>
+                                      </p:cBhvr>
+                                      <p:to>
+                                        <p:strVal val="visible"/>
+                                      </p:to>
+                                    </p:set>
+                                  </p:childTnLst>
+                                </p:cTn>
+                              </p:par>
+                            </p:childTnLst>
+                          </p:cTn>
+                        </p:par>
+                      </p:childTnLst>
+                    </p:cTn>
+                  </p:par>
+                  <p:par>
+                    <p:cTn id="19" fill="hold">
+                      <p:stCondLst>
+                        <p:cond delay="indefinite"/>
+                      </p:stCondLst>
+                      <p:childTnLst>
+                        <p:par>
+                          <p:cTn id="20" fill="hold">
+                            <p:stCondLst>
+                              <p:cond delay="0"/>
+                            </p:stCondLst>
+                            <p:childTnLst>
+                              <p:par>
+                                <p:cTn id="21" presetID="1" presetClass="entr" presetSubtype="0" fill="hold" nodeType="clickEffect">
+                                  <p:stCondLst>
+                                    <p:cond delay="0"/>
+                                  </p:stCondLst>
+                                  <p:childTnLst>
+                                    <p:set>
+                                      <p:cBhvr>
+                                        <p:cTn id="22" dur="1" fill="hold">
+                                          <p:stCondLst>
+                                            <p:cond delay="0"/>
+                                          </p:stCondLst>
+                                        </p:cTn>
+                                        <p:tgtEl>
+                                          <p:spTgt spid="4">
+                                            <p:txEl>
+                                              <p:pRg st="4" end="4"/>
+                                            </p:txEl>
+                                          </p:spTgt>
+                                        </p:tgtEl>
+                                        <p:attrNameLst>
+                                          <p:attrName>style.visibility</p:attrName>
+                                        </p:attrNameLst>
+                                      </p:cBhvr>
+                                      <p:to>
+                                        <p:strVal val="visible"/>
+                                      </p:to>
+                                    </p:set>
+                                  </p:childTnLst>
+                                </p:cTn>
+                              </p:par>
+                            </p:childTnLst>
+                          </p:cTn>
+                        </p:par>
+                      </p:childTnLst>
+                    </p:cTn>
+                  </p:par>
+                  <p:par>
+                    <p:cTn id="23" fill="hold">
+                      <p:stCondLst>
+                        <p:cond delay="indefinite"/>
+                      </p:stCondLst>
+                      <p:childTnLst>
+                        <p:par>
+                          <p:cTn id="24" fill="hold">
+                            <p:stCondLst>
+                              <p:cond delay="0"/>
+                            </p:stCondLst>
+                            <p:childTnLst>
+                              <p:par>
+                                <p:cTn id="25" presetID="1" presetClass="entr" presetSubtype="0" fill="hold" nodeType="clickEffect">
+                                  <p:stCondLst>
+                                    <p:cond delay="0"/>
+                                  </p:stCondLst>
+                                  <p:childTnLst>
+                                    <p:set>
+                                      <p:cBhvr>
+                                        <p:cTn id="26" dur="1" fill="hold">
+                                          <p:stCondLst>
+                                            <p:cond delay="0"/>
+                                          </p:stCondLst>
+                                        </p:cTn>
+                                        <p:tgtEl>
+                                          <p:spTgt spid="4">
+                                            <p:txEl>
+                                              <p:pRg st="5" end="5"/>
+                                            </p:txEl>
+                                          </p:spTgt>
+                                        </p:tgtEl>
+                                        <p:attrNameLst>
+                                          <p:attrName>style.visibility</p:attrName>
+                                        </p:attrNameLst>
+                                      </p:cBhvr>
+                                      <p:to>
+                                        <p:strVal val="visible"/>
+                                      </p:to>
+                                    </p:set>
+                                  </p:childTnLst>
+                                </p:cTn>
+                              </p:par>
+                            </p:childTnLst>
+                          </p:cTn>
+                        </p:par>
+                      </p:childTnLst>
+                    </p:cTn>
+                  </p:par>
+                  <p:par>
+                    <p:cTn id="27" fill="hold">
+                      <p:stCondLst>
+                        <p:cond delay="indefinite"/>
+                      </p:stCondLst>
+                      <p:childTnLst>
+                        <p:par>
+                          <p:cTn id="28" fill="hold">
+                            <p:stCondLst>
+                              <p:cond delay="0"/>
+                            </p:stCondLst>
+                            <p:childTnLst>
+                              <p:par>
+                                <p:cTn id="29" presetID="1" presetClass="entr" presetSubtype="0" fill="hold" nodeType="clickEffect">
+                                  <p:stCondLst>
+                                    <p:cond delay="0"/>
+                                  </p:stCondLst>
+                                  <p:childTnLst>
+                                    <p:set>
+                                      <p:cBhvr>
+                                        <p:cTn id="30" dur="1" fill="hold">
+                                          <p:stCondLst>
+                                            <p:cond delay="0"/>
+                                          </p:stCondLst>
+                                        </p:cTn>
+                                        <p:tgtEl>
+                                          <p:spTgt spid="4">
+                                            <p:txEl>
+                                              <p:pRg st="6" end="6"/>
+                                            </p:txEl>
+                                          </p:spTgt>
+                                        </p:tgtEl>
+                                        <p:attrNameLst>
+                                          <p:attrName>style.visibility</p:attrName>
+                                        </p:attrNameLst>
+                                      </p:cBhvr>
+                                      <p:to>
+                                        <p:strVal val="visible"/>
+                                      </p:to>
+                                    </p:set>
+                                  </p:childTnLst>
+                                </p:cTn>
+                              </p:par>
+                            </p:childTnLst>
+                          </p:cTn>
+                        </p:par>
+                      </p:childTnLst>
+                    </p:cTn>
+                  </p:par>
+                </p:childTnLst>
+              </p:cTn>
+              <p:prevCondLst>
+                <p:cond evt="onPrev" delay="0">
+                  <p:tgtEl>
+                    <p:sldTgt/>
+                  </p:tgtEl>
+                </p:cond>
+              </p:prevCondLst>
+              <p:nextCondLst>
+                <p:cond evt="onNext" delay="0">
+                  <p:tgtEl>
+                    <p:sldTgt/>
+                  </p:tgtEl>
+                </p:cond>
+              </p:nextCondLst>
+            </p:seq>
+          </p:childTnLst>
+        </p:cTn>
+      </p:par>
+    </p:tnLst>
+  </p:timing>
+</p:sld>
+</file>
+
+<file path=ppt/slides/slide35.xml><?xml version="1.0" encoding="utf-8"?>
+<p:sld xmlns:a="http://schemas.openxmlformats.org/drawingml/2006/main" xmlns:r="http://schemas.openxmlformats.org/officeDocument/2006/relationships" xmlns:p="http://schemas.openxmlformats.org/presentationml/2006/main">
+  <p:cSld>
+    <p:spTree>
+      <p:nvGrpSpPr>
+        <p:cNvPr id="1" name="">
+          <a:extLst>
+            <a:ext uri="{FF2B5EF4-FFF2-40B4-BE49-F238E27FC236}">
+              <a16:creationId xmlns:a16="http://schemas.microsoft.com/office/drawing/2014/main" id="{357F02EE-8581-351A-1FD8-5147CFE6C6FA}"/>
+            </a:ext>
+          </a:extLst>
+        </p:cNvPr>
+        <p:cNvGrpSpPr/>
+        <p:nvPr/>
+      </p:nvGrpSpPr>
+      <p:grpSpPr>
+        <a:xfrm>
+          <a:off x="0" y="0"/>
+          <a:ext cx="0" cy="0"/>
+          <a:chOff x="0" y="0"/>
+          <a:chExt cx="0" cy="0"/>
+        </a:xfrm>
+      </p:grpSpPr>
+      <p:sp>
+        <p:nvSpPr>
+          <p:cNvPr id="3" name="Subtitle 2">
+            <a:extLst>
+              <a:ext uri="{FF2B5EF4-FFF2-40B4-BE49-F238E27FC236}">
+                <a16:creationId xmlns:a16="http://schemas.microsoft.com/office/drawing/2014/main" id="{D265A742-CABE-C2E9-DB71-68C4F5B2F63E}"/>
+              </a:ext>
+            </a:extLst>
+          </p:cNvPr>
+          <p:cNvSpPr>
+            <a:spLocks noGrp="1"/>
+          </p:cNvSpPr>
+          <p:nvPr>
+            <p:ph type="subTitle" idx="1"/>
+          </p:nvPr>
+        </p:nvSpPr>
+        <p:spPr>
+          <a:xfrm>
+            <a:off x="152399" y="217488"/>
+            <a:ext cx="11223171" cy="303212"/>
+          </a:xfrm>
+        </p:spPr>
+        <p:txBody>
+          <a:bodyPr>
+            <a:normAutofit fontScale="92500" lnSpcReduction="20000"/>
+          </a:bodyPr>
+          <a:lstStyle/>
+          <a:p>
+            <a:r>
+              <a:rPr lang="en-US" sz="1800" b="1"/>
+              <a:t>Implementing Interface – Static Interface method</a:t>
+            </a:r>
+          </a:p>
+        </p:txBody>
+      </p:sp>
+      <p:sp>
+        <p:nvSpPr>
+          <p:cNvPr id="4" name="Subtitle 2">
+            <a:extLst>
+              <a:ext uri="{FF2B5EF4-FFF2-40B4-BE49-F238E27FC236}">
+                <a16:creationId xmlns:a16="http://schemas.microsoft.com/office/drawing/2014/main" id="{86B2FA84-E07E-C5D0-1B23-5A8613671C51}"/>
+              </a:ext>
+            </a:extLst>
+          </p:cNvPr>
+          <p:cNvSpPr txBox="1">
+            <a:spLocks/>
+          </p:cNvSpPr>
+          <p:nvPr/>
+        </p:nvSpPr>
+        <p:spPr>
+          <a:xfrm>
+            <a:off x="0" y="820738"/>
+            <a:ext cx="12192000" cy="6037262"/>
+          </a:xfrm>
+          <a:prstGeom prst="rect">
+            <a:avLst/>
+          </a:prstGeom>
+        </p:spPr>
+        <p:txBody>
+          <a:bodyPr vert="horz" lIns="91440" tIns="45720" rIns="91440" bIns="45720" rtlCol="0">
+            <a:normAutofit/>
+          </a:bodyPr>
+          <a:lstStyle>
+            <a:lvl1pPr marL="0" indent="0" algn="ctr" defTabSz="914400" rtl="0" eaLnBrk="1" latinLnBrk="0" hangingPunct="1">
+              <a:lnSpc>
+                <a:spcPct val="90000"/>
+              </a:lnSpc>
+              <a:spcBef>
+                <a:spcPts val="1000"/>
+              </a:spcBef>
+              <a:buFont typeface="Arial" panose="020B0604020202020204" pitchFamily="34" charset="0"/>
+              <a:buNone/>
+              <a:defRPr sz="2400" kern="1200">
+                <a:solidFill>
+                  <a:schemeClr val="tx1"/>
+                </a:solidFill>
+                <a:latin typeface="+mn-lt"/>
+                <a:ea typeface="+mn-ea"/>
+                <a:cs typeface="+mn-cs"/>
+              </a:defRPr>
+            </a:lvl1pPr>
+            <a:lvl2pPr marL="457200" indent="0" algn="ctr" defTabSz="914400" rtl="0" eaLnBrk="1" latinLnBrk="0" hangingPunct="1">
+              <a:lnSpc>
+                <a:spcPct val="90000"/>
+              </a:lnSpc>
+              <a:spcBef>
+                <a:spcPts val="500"/>
+              </a:spcBef>
+              <a:buFont typeface="Arial" panose="020B0604020202020204" pitchFamily="34" charset="0"/>
+              <a:buNone/>
+              <a:defRPr sz="2000" kern="1200">
+                <a:solidFill>
+                  <a:schemeClr val="tx1"/>
+                </a:solidFill>
+                <a:latin typeface="+mn-lt"/>
+                <a:ea typeface="+mn-ea"/>
+                <a:cs typeface="+mn-cs"/>
+              </a:defRPr>
+            </a:lvl2pPr>
+            <a:lvl3pPr marL="914400" indent="0" algn="ctr" defTabSz="914400" rtl="0" eaLnBrk="1" latinLnBrk="0" hangingPunct="1">
+              <a:lnSpc>
+                <a:spcPct val="90000"/>
+              </a:lnSpc>
+              <a:spcBef>
+                <a:spcPts val="500"/>
+              </a:spcBef>
+              <a:buFont typeface="Arial" panose="020B0604020202020204" pitchFamily="34" charset="0"/>
+              <a:buNone/>
+              <a:defRPr sz="1800" kern="1200">
+                <a:solidFill>
+                  <a:schemeClr val="tx1"/>
+                </a:solidFill>
+                <a:latin typeface="+mn-lt"/>
+                <a:ea typeface="+mn-ea"/>
+                <a:cs typeface="+mn-cs"/>
+              </a:defRPr>
+            </a:lvl3pPr>
+            <a:lvl4pPr marL="1371600" indent="0" algn="ctr" defTabSz="914400" rtl="0" eaLnBrk="1" latinLnBrk="0" hangingPunct="1">
+              <a:lnSpc>
+                <a:spcPct val="90000"/>
+              </a:lnSpc>
+              <a:spcBef>
+                <a:spcPts val="500"/>
+              </a:spcBef>
+              <a:buFont typeface="Arial" panose="020B0604020202020204" pitchFamily="34" charset="0"/>
+              <a:buNone/>
+              <a:defRPr sz="1600" kern="1200">
+                <a:solidFill>
+                  <a:schemeClr val="tx1"/>
+                </a:solidFill>
+                <a:latin typeface="+mn-lt"/>
+                <a:ea typeface="+mn-ea"/>
+                <a:cs typeface="+mn-cs"/>
+              </a:defRPr>
+            </a:lvl4pPr>
+            <a:lvl5pPr marL="1828800" indent="0" algn="ctr" defTabSz="914400" rtl="0" eaLnBrk="1" latinLnBrk="0" hangingPunct="1">
+              <a:lnSpc>
+                <a:spcPct val="90000"/>
+              </a:lnSpc>
+              <a:spcBef>
+                <a:spcPts val="500"/>
+              </a:spcBef>
+              <a:buFont typeface="Arial" panose="020B0604020202020204" pitchFamily="34" charset="0"/>
+              <a:buNone/>
+              <a:defRPr sz="1600" kern="1200">
+                <a:solidFill>
+                  <a:schemeClr val="tx1"/>
+                </a:solidFill>
+                <a:latin typeface="+mn-lt"/>
+                <a:ea typeface="+mn-ea"/>
+                <a:cs typeface="+mn-cs"/>
+              </a:defRPr>
+            </a:lvl5pPr>
+            <a:lvl6pPr marL="2286000" indent="0" algn="ctr" defTabSz="914400" rtl="0" eaLnBrk="1" latinLnBrk="0" hangingPunct="1">
+              <a:lnSpc>
+                <a:spcPct val="90000"/>
+              </a:lnSpc>
+              <a:spcBef>
+                <a:spcPts val="500"/>
+              </a:spcBef>
+              <a:buFont typeface="Arial" panose="020B0604020202020204" pitchFamily="34" charset="0"/>
+              <a:buNone/>
+              <a:defRPr sz="1600" kern="1200">
+                <a:solidFill>
+                  <a:schemeClr val="tx1"/>
+                </a:solidFill>
+                <a:latin typeface="+mn-lt"/>
+                <a:ea typeface="+mn-ea"/>
+                <a:cs typeface="+mn-cs"/>
+              </a:defRPr>
+            </a:lvl6pPr>
+            <a:lvl7pPr marL="2743200" indent="0" algn="ctr" defTabSz="914400" rtl="0" eaLnBrk="1" latinLnBrk="0" hangingPunct="1">
+              <a:lnSpc>
+                <a:spcPct val="90000"/>
+              </a:lnSpc>
+              <a:spcBef>
+                <a:spcPts val="500"/>
+              </a:spcBef>
+              <a:buFont typeface="Arial" panose="020B0604020202020204" pitchFamily="34" charset="0"/>
+              <a:buNone/>
+              <a:defRPr sz="1600" kern="1200">
+                <a:solidFill>
+                  <a:schemeClr val="tx1"/>
+                </a:solidFill>
+                <a:latin typeface="+mn-lt"/>
+                <a:ea typeface="+mn-ea"/>
+                <a:cs typeface="+mn-cs"/>
+              </a:defRPr>
+            </a:lvl7pPr>
+            <a:lvl8pPr marL="3200400" indent="0" algn="ctr" defTabSz="914400" rtl="0" eaLnBrk="1" latinLnBrk="0" hangingPunct="1">
+              <a:lnSpc>
+                <a:spcPct val="90000"/>
+              </a:lnSpc>
+              <a:spcBef>
+                <a:spcPts val="500"/>
+              </a:spcBef>
+              <a:buFont typeface="Arial" panose="020B0604020202020204" pitchFamily="34" charset="0"/>
+              <a:buNone/>
+              <a:defRPr sz="1600" kern="1200">
+                <a:solidFill>
+                  <a:schemeClr val="tx1"/>
+                </a:solidFill>
+                <a:latin typeface="+mn-lt"/>
+                <a:ea typeface="+mn-ea"/>
+                <a:cs typeface="+mn-cs"/>
+              </a:defRPr>
+            </a:lvl8pPr>
+            <a:lvl9pPr marL="3657600" indent="0" algn="ctr" defTabSz="914400" rtl="0" eaLnBrk="1" latinLnBrk="0" hangingPunct="1">
+              <a:lnSpc>
+                <a:spcPct val="90000"/>
+              </a:lnSpc>
+              <a:spcBef>
+                <a:spcPts val="500"/>
+              </a:spcBef>
+              <a:buFont typeface="Arial" panose="020B0604020202020204" pitchFamily="34" charset="0"/>
+              <a:buNone/>
+              <a:defRPr sz="1600" kern="1200">
+                <a:solidFill>
+                  <a:schemeClr val="tx1"/>
+                </a:solidFill>
+                <a:latin typeface="+mn-lt"/>
+                <a:ea typeface="+mn-ea"/>
+                <a:cs typeface="+mn-cs"/>
+              </a:defRPr>
+            </a:lvl9pPr>
+          </a:lstStyle>
+          <a:p>
+            <a:pPr algn="l"/>
+            <a:r>
+              <a:rPr lang="en-US" sz="1800">
+                <a:sym typeface="Wingdings" pitchFamily="2" charset="2"/>
+              </a:rPr>
+              <a:t>- Java ... also support another new feature called </a:t>
+            </a:r>
+            <a:r>
+              <a:rPr lang="en-US" sz="1800" b="1">
+                <a:sym typeface="Wingdings" pitchFamily="2" charset="2"/>
+              </a:rPr>
+              <a:t>Static Interface method</a:t>
+            </a:r>
+          </a:p>
+          <a:p>
+            <a:pPr algn="l"/>
+            <a:r>
+              <a:rPr lang="en-US" sz="1800">
+                <a:sym typeface="Wingdings" pitchFamily="2" charset="2"/>
+              </a:rPr>
+              <a:t>- This method is fully ... with ... keyword (almost as same as ...) </a:t>
+            </a:r>
+          </a:p>
+          <a:p>
+            <a:pPr algn="l"/>
+            <a:r>
+              <a:rPr lang="en-US" sz="1800">
+                <a:sym typeface="Wingdings" pitchFamily="2" charset="2"/>
+              </a:rPr>
+              <a:t>- There is only 1 difference between static interface method and ..., which is all ... that ... the interface won't ... the static interface method (also apply to a ... class ... the interface that contains the static interface method or to a ... that extends the interface that contains the static interface method)</a:t>
+            </a:r>
+          </a:p>
+          <a:p>
+            <a:pPr algn="l"/>
+            <a:r>
+              <a:rPr lang="en-US" sz="1800">
+                <a:sym typeface="Wingdings" pitchFamily="2" charset="2"/>
+              </a:rPr>
+              <a:t>- Some rules for static interface method:</a:t>
+            </a:r>
+          </a:p>
+          <a:p>
+            <a:pPr algn="l"/>
+            <a:r>
+              <a:rPr lang="en-US" sz="1800">
+                <a:sym typeface="Wingdings" pitchFamily="2" charset="2"/>
+              </a:rPr>
+              <a:t>+) </a:t>
+            </a:r>
+          </a:p>
+          <a:p>
+            <a:pPr algn="l"/>
+            <a:r>
+              <a:rPr lang="en-US" sz="1800">
+                <a:sym typeface="Wingdings" pitchFamily="2" charset="2"/>
+              </a:rPr>
+              <a:t>+) </a:t>
+            </a:r>
+          </a:p>
+          <a:p>
+            <a:pPr algn="l"/>
+            <a:r>
+              <a:rPr lang="en-US" sz="1800">
+                <a:sym typeface="Wingdings" pitchFamily="2" charset="2"/>
+              </a:rPr>
+              <a:t>(code illustration snippet 64) </a:t>
+            </a:r>
+          </a:p>
+        </p:txBody>
+      </p:sp>
+      <p:sp>
+        <p:nvSpPr>
+          <p:cNvPr id="2" name="TextBox 1">
+            <a:extLst>
+              <a:ext uri="{FF2B5EF4-FFF2-40B4-BE49-F238E27FC236}">
+                <a16:creationId xmlns:a16="http://schemas.microsoft.com/office/drawing/2014/main" id="{86923195-29EF-4AAF-DA81-85CBF90D5E90}"/>
+              </a:ext>
+            </a:extLst>
+          </p:cNvPr>
+          <p:cNvSpPr txBox="1"/>
+          <p:nvPr/>
+        </p:nvSpPr>
+        <p:spPr>
+          <a:xfrm>
+            <a:off x="9422780" y="1839951"/>
+            <a:ext cx="184731" cy="369332"/>
+          </a:xfrm>
+          <a:prstGeom prst="rect">
+            <a:avLst/>
+          </a:prstGeom>
+          <a:noFill/>
+        </p:spPr>
+        <p:txBody>
+          <a:bodyPr wrap="none" rtlCol="0">
+            <a:spAutoFit/>
+          </a:bodyPr>
+          <a:lstStyle/>
+          <a:p>
+            <a:endParaRPr lang="en-VN"/>
+          </a:p>
+        </p:txBody>
+      </p:sp>
+    </p:spTree>
+    <p:extLst>
+      <p:ext uri="{BB962C8B-B14F-4D97-AF65-F5344CB8AC3E}">
+        <p14:creationId xmlns:p14="http://schemas.microsoft.com/office/powerpoint/2010/main" val="2860892602"/>
+      </p:ext>
+    </p:extLst>
+  </p:cSld>
+  <p:clrMapOvr>
+    <a:masterClrMapping/>
+  </p:clrMapOvr>
+  <p:timing>
+    <p:tnLst>
+      <p:par>
+        <p:cTn id="1" dur="indefinite" restart="never" nodeType="tmRoot">
+          <p:childTnLst>
+            <p:seq concurrent="1" nextAc="seek">
+              <p:cTn id="2" dur="indefinite" nodeType="mainSeq">
+                <p:childTnLst>
+                  <p:par>
+                    <p:cTn id="3" fill="hold">
+                      <p:stCondLst>
+                        <p:cond delay="indefinite"/>
+                      </p:stCondLst>
+                      <p:childTnLst>
+                        <p:par>
+                          <p:cTn id="4" fill="hold">
+                            <p:stCondLst>
+                              <p:cond delay="0"/>
+                            </p:stCondLst>
+                            <p:childTnLst>
+                              <p:par>
+                                <p:cTn id="5" presetID="1" presetClass="entr" presetSubtype="0" fill="hold" nodeType="clickEffect">
+                                  <p:stCondLst>
+                                    <p:cond delay="0"/>
+                                  </p:stCondLst>
+                                  <p:childTnLst>
+                                    <p:set>
+                                      <p:cBhvr>
+                                        <p:cTn id="6" dur="1" fill="hold">
+                                          <p:stCondLst>
+                                            <p:cond delay="0"/>
+                                          </p:stCondLst>
+                                        </p:cTn>
+                                        <p:tgtEl>
+                                          <p:spTgt spid="4">
+                                            <p:txEl>
+                                              <p:pRg st="0" end="0"/>
+                                            </p:txEl>
+                                          </p:spTgt>
+                                        </p:tgtEl>
+                                        <p:attrNameLst>
+                                          <p:attrName>style.visibility</p:attrName>
+                                        </p:attrNameLst>
+                                      </p:cBhvr>
+                                      <p:to>
+                                        <p:strVal val="visible"/>
+                                      </p:to>
+                                    </p:set>
+                                  </p:childTnLst>
+                                </p:cTn>
+                              </p:par>
+                            </p:childTnLst>
+                          </p:cTn>
+                        </p:par>
+                      </p:childTnLst>
+                    </p:cTn>
+                  </p:par>
+                  <p:par>
+                    <p:cTn id="7" fill="hold">
+                      <p:stCondLst>
+                        <p:cond delay="indefinite"/>
+                      </p:stCondLst>
+                      <p:childTnLst>
+                        <p:par>
+                          <p:cTn id="8" fill="hold">
+                            <p:stCondLst>
+                              <p:cond delay="0"/>
+                            </p:stCondLst>
+                            <p:childTnLst>
+                              <p:par>
+                                <p:cTn id="9" presetID="1" presetClass="entr" presetSubtype="0" fill="hold" nodeType="clickEffect">
+                                  <p:stCondLst>
+                                    <p:cond delay="0"/>
+                                  </p:stCondLst>
+                                  <p:childTnLst>
+                                    <p:set>
+                                      <p:cBhvr>
+                                        <p:cTn id="10" dur="1" fill="hold">
+                                          <p:stCondLst>
+                                            <p:cond delay="0"/>
+                                          </p:stCondLst>
+                                        </p:cTn>
+                                        <p:tgtEl>
+                                          <p:spTgt spid="4">
+                                            <p:txEl>
+                                              <p:pRg st="1" end="1"/>
+                                            </p:txEl>
+                                          </p:spTgt>
+                                        </p:tgtEl>
+                                        <p:attrNameLst>
+                                          <p:attrName>style.visibility</p:attrName>
+                                        </p:attrNameLst>
+                                      </p:cBhvr>
+                                      <p:to>
+                                        <p:strVal val="visible"/>
+                                      </p:to>
+                                    </p:set>
+                                  </p:childTnLst>
+                                </p:cTn>
+                              </p:par>
+                            </p:childTnLst>
+                          </p:cTn>
+                        </p:par>
+                      </p:childTnLst>
+                    </p:cTn>
+                  </p:par>
+                  <p:par>
+                    <p:cTn id="11" fill="hold">
+                      <p:stCondLst>
+                        <p:cond delay="indefinite"/>
+                      </p:stCondLst>
+                      <p:childTnLst>
+                        <p:par>
+                          <p:cTn id="12" fill="hold">
+                            <p:stCondLst>
+                              <p:cond delay="0"/>
+                            </p:stCondLst>
+                            <p:childTnLst>
+                              <p:par>
+                                <p:cTn id="13" presetID="1" presetClass="entr" presetSubtype="0" fill="hold" nodeType="clickEffect">
+                                  <p:stCondLst>
+                                    <p:cond delay="0"/>
+                                  </p:stCondLst>
+                                  <p:childTnLst>
+                                    <p:set>
+                                      <p:cBhvr>
+                                        <p:cTn id="14" dur="1" fill="hold">
+                                          <p:stCondLst>
+                                            <p:cond delay="0"/>
+                                          </p:stCondLst>
+                                        </p:cTn>
+                                        <p:tgtEl>
+                                          <p:spTgt spid="4">
+                                            <p:txEl>
+                                              <p:pRg st="2" end="2"/>
+                                            </p:txEl>
+                                          </p:spTgt>
+                                        </p:tgtEl>
+                                        <p:attrNameLst>
+                                          <p:attrName>style.visibility</p:attrName>
+                                        </p:attrNameLst>
+                                      </p:cBhvr>
+                                      <p:to>
+                                        <p:strVal val="visible"/>
+                                      </p:to>
+                                    </p:set>
+                                  </p:childTnLst>
+                                </p:cTn>
+                              </p:par>
+                            </p:childTnLst>
+                          </p:cTn>
+                        </p:par>
+                      </p:childTnLst>
+                    </p:cTn>
+                  </p:par>
+                  <p:par>
+                    <p:cTn id="15" fill="hold">
+                      <p:stCondLst>
+                        <p:cond delay="indefinite"/>
+                      </p:stCondLst>
+                      <p:childTnLst>
+                        <p:par>
+                          <p:cTn id="16" fill="hold">
+                            <p:stCondLst>
+                              <p:cond delay="0"/>
+                            </p:stCondLst>
+                            <p:childTnLst>
+                              <p:par>
+                                <p:cTn id="17" presetID="1" presetClass="entr" presetSubtype="0" fill="hold" nodeType="clickEffect">
+                                  <p:stCondLst>
+                                    <p:cond delay="0"/>
+                                  </p:stCondLst>
+                                  <p:childTnLst>
+                                    <p:set>
+                                      <p:cBhvr>
+                                        <p:cTn id="18" dur="1" fill="hold">
+                                          <p:stCondLst>
+                                            <p:cond delay="0"/>
+                                          </p:stCondLst>
+                                        </p:cTn>
+                                        <p:tgtEl>
+                                          <p:spTgt spid="4">
+                                            <p:txEl>
+                                              <p:pRg st="3" end="3"/>
+                                            </p:txEl>
+                                          </p:spTgt>
+                                        </p:tgtEl>
+                                        <p:attrNameLst>
+                                          <p:attrName>style.visibility</p:attrName>
+                                        </p:attrNameLst>
+                                      </p:cBhvr>
+                                      <p:to>
+                                        <p:strVal val="visible"/>
+                                      </p:to>
+                                    </p:set>
+                                  </p:childTnLst>
+                                </p:cTn>
+                              </p:par>
+                            </p:childTnLst>
+                          </p:cTn>
+                        </p:par>
+                      </p:childTnLst>
+                    </p:cTn>
+                  </p:par>
+                  <p:par>
+                    <p:cTn id="19" fill="hold">
+                      <p:stCondLst>
+                        <p:cond delay="indefinite"/>
+                      </p:stCondLst>
+                      <p:childTnLst>
+                        <p:par>
+                          <p:cTn id="20" fill="hold">
+                            <p:stCondLst>
+                              <p:cond delay="0"/>
+                            </p:stCondLst>
+                            <p:childTnLst>
+                              <p:par>
+                                <p:cTn id="21" presetID="1" presetClass="entr" presetSubtype="0" fill="hold" nodeType="clickEffect">
+                                  <p:stCondLst>
+                                    <p:cond delay="0"/>
+                                  </p:stCondLst>
+                                  <p:childTnLst>
+                                    <p:set>
+                                      <p:cBhvr>
+                                        <p:cTn id="22" dur="1" fill="hold">
+                                          <p:stCondLst>
+                                            <p:cond delay="0"/>
+                                          </p:stCondLst>
+                                        </p:cTn>
+                                        <p:tgtEl>
+                                          <p:spTgt spid="4">
+                                            <p:txEl>
+                                              <p:pRg st="4" end="4"/>
+                                            </p:txEl>
+                                          </p:spTgt>
+                                        </p:tgtEl>
+                                        <p:attrNameLst>
+                                          <p:attrName>style.visibility</p:attrName>
+                                        </p:attrNameLst>
+                                      </p:cBhvr>
+                                      <p:to>
+                                        <p:strVal val="visible"/>
+                                      </p:to>
+                                    </p:set>
+                                  </p:childTnLst>
+                                </p:cTn>
+                              </p:par>
+                            </p:childTnLst>
+                          </p:cTn>
+                        </p:par>
+                      </p:childTnLst>
+                    </p:cTn>
+                  </p:par>
+                  <p:par>
+                    <p:cTn id="23" fill="hold">
+                      <p:stCondLst>
+                        <p:cond delay="indefinite"/>
+                      </p:stCondLst>
+                      <p:childTnLst>
+                        <p:par>
+                          <p:cTn id="24" fill="hold">
+                            <p:stCondLst>
+                              <p:cond delay="0"/>
+                            </p:stCondLst>
+                            <p:childTnLst>
+                              <p:par>
+                                <p:cTn id="25" presetID="1" presetClass="entr" presetSubtype="0" fill="hold" nodeType="clickEffect">
+                                  <p:stCondLst>
+                                    <p:cond delay="0"/>
+                                  </p:stCondLst>
+                                  <p:childTnLst>
+                                    <p:set>
+                                      <p:cBhvr>
+                                        <p:cTn id="26" dur="1" fill="hold">
+                                          <p:stCondLst>
+                                            <p:cond delay="0"/>
+                                          </p:stCondLst>
+                                        </p:cTn>
+                                        <p:tgtEl>
+                                          <p:spTgt spid="4">
+                                            <p:txEl>
+                                              <p:pRg st="5" end="5"/>
+                                            </p:txEl>
+                                          </p:spTgt>
+                                        </p:tgtEl>
+                                        <p:attrNameLst>
+                                          <p:attrName>style.visibility</p:attrName>
+                                        </p:attrNameLst>
+                                      </p:cBhvr>
+                                      <p:to>
+                                        <p:strVal val="visible"/>
+                                      </p:to>
+                                    </p:set>
+                                  </p:childTnLst>
+                                </p:cTn>
+                              </p:par>
+                            </p:childTnLst>
+                          </p:cTn>
+                        </p:par>
+                      </p:childTnLst>
+                    </p:cTn>
+                  </p:par>
+                  <p:par>
+                    <p:cTn id="27" fill="hold">
+                      <p:stCondLst>
+                        <p:cond delay="indefinite"/>
+                      </p:stCondLst>
+                      <p:childTnLst>
+                        <p:par>
+                          <p:cTn id="28" fill="hold">
+                            <p:stCondLst>
+                              <p:cond delay="0"/>
+                            </p:stCondLst>
+                            <p:childTnLst>
+                              <p:par>
+                                <p:cTn id="29" presetID="1" presetClass="entr" presetSubtype="0" fill="hold" nodeType="clickEffect">
+                                  <p:stCondLst>
+                                    <p:cond delay="0"/>
+                                  </p:stCondLst>
+                                  <p:childTnLst>
+                                    <p:set>
+                                      <p:cBhvr>
+                                        <p:cTn id="30" dur="1" fill="hold">
+                                          <p:stCondLst>
+                                            <p:cond delay="0"/>
+                                          </p:stCondLst>
+                                        </p:cTn>
+                                        <p:tgtEl>
+                                          <p:spTgt spid="4">
+                                            <p:txEl>
+                                              <p:pRg st="6" end="6"/>
+                                            </p:txEl>
+                                          </p:spTgt>
+                                        </p:tgtEl>
+                                        <p:attrNameLst>
+                                          <p:attrName>style.visibility</p:attrName>
+                                        </p:attrNameLst>
+                                      </p:cBhvr>
+                                      <p:to>
+                                        <p:strVal val="visible"/>
+                                      </p:to>
+                                    </p:set>
+                                  </p:childTnLst>
+                                </p:cTn>
+                              </p:par>
+                            </p:childTnLst>
+                          </p:cTn>
+                        </p:par>
+                      </p:childTnLst>
+                    </p:cTn>
+                  </p:par>
+                </p:childTnLst>
+              </p:cTn>
+              <p:prevCondLst>
+                <p:cond evt="onPrev" delay="0">
+                  <p:tgtEl>
+                    <p:sldTgt/>
+                  </p:tgtEl>
+                </p:cond>
+              </p:prevCondLst>
+              <p:nextCondLst>
+                <p:cond evt="onNext" delay="0">
+                  <p:tgtEl>
+                    <p:sldTgt/>
+                  </p:tgtEl>
+                </p:cond>
+              </p:nextCondLst>
+            </p:seq>
+          </p:childTnLst>
+        </p:cTn>
+      </p:par>
+    </p:tnLst>
+  </p:timing>
+</p:sld>
+</file>
+
+<file path=ppt/slides/slide36.xml><?xml version="1.0" encoding="utf-8"?>
+<p:sld xmlns:a="http://schemas.openxmlformats.org/drawingml/2006/main" xmlns:r="http://schemas.openxmlformats.org/officeDocument/2006/relationships" xmlns:p="http://schemas.openxmlformats.org/presentationml/2006/main">
+  <p:cSld>
+    <p:spTree>
+      <p:nvGrpSpPr>
+        <p:cNvPr id="1" name="">
+          <a:extLst>
+            <a:ext uri="{FF2B5EF4-FFF2-40B4-BE49-F238E27FC236}">
+              <a16:creationId xmlns:a16="http://schemas.microsoft.com/office/drawing/2014/main" id="{ADD53326-1F6C-5BC9-B08B-02BAC234E8B1}"/>
+            </a:ext>
+          </a:extLst>
+        </p:cNvPr>
+        <p:cNvGrpSpPr/>
+        <p:nvPr/>
+      </p:nvGrpSpPr>
+      <p:grpSpPr>
+        <a:xfrm>
+          <a:off x="0" y="0"/>
+          <a:ext cx="0" cy="0"/>
+          <a:chOff x="0" y="0"/>
+          <a:chExt cx="0" cy="0"/>
+        </a:xfrm>
+      </p:grpSpPr>
+      <p:sp>
+        <p:nvSpPr>
+          <p:cNvPr id="3" name="Subtitle 2">
+            <a:extLst>
+              <a:ext uri="{FF2B5EF4-FFF2-40B4-BE49-F238E27FC236}">
+                <a16:creationId xmlns:a16="http://schemas.microsoft.com/office/drawing/2014/main" id="{334918CD-C236-1075-49D2-352FA51CA480}"/>
+              </a:ext>
+            </a:extLst>
+          </p:cNvPr>
+          <p:cNvSpPr>
+            <a:spLocks noGrp="1"/>
+          </p:cNvSpPr>
+          <p:nvPr>
+            <p:ph type="subTitle" idx="1"/>
+          </p:nvPr>
+        </p:nvSpPr>
+        <p:spPr>
+          <a:xfrm>
+            <a:off x="152399" y="217488"/>
+            <a:ext cx="11223171" cy="303212"/>
+          </a:xfrm>
+        </p:spPr>
+        <p:txBody>
+          <a:bodyPr>
+            <a:normAutofit fontScale="92500" lnSpcReduction="20000"/>
+          </a:bodyPr>
+          <a:lstStyle/>
+          <a:p>
+            <a:r>
+              <a:rPr lang="en-US" sz="1800" b="1"/>
+              <a:t>Understanding Polymorphism</a:t>
+            </a:r>
+          </a:p>
+        </p:txBody>
+      </p:sp>
+      <p:sp>
+        <p:nvSpPr>
+          <p:cNvPr id="4" name="Subtitle 2">
+            <a:extLst>
+              <a:ext uri="{FF2B5EF4-FFF2-40B4-BE49-F238E27FC236}">
+                <a16:creationId xmlns:a16="http://schemas.microsoft.com/office/drawing/2014/main" id="{F568D0A2-FFCD-0494-3687-184F66EDFA97}"/>
+              </a:ext>
+            </a:extLst>
+          </p:cNvPr>
+          <p:cNvSpPr txBox="1">
+            <a:spLocks/>
+          </p:cNvSpPr>
+          <p:nvPr/>
+        </p:nvSpPr>
+        <p:spPr>
+          <a:xfrm>
+            <a:off x="0" y="820738"/>
+            <a:ext cx="12192000" cy="6037262"/>
+          </a:xfrm>
+          <a:prstGeom prst="rect">
+            <a:avLst/>
+          </a:prstGeom>
+        </p:spPr>
+        <p:txBody>
+          <a:bodyPr vert="horz" lIns="91440" tIns="45720" rIns="91440" bIns="45720" rtlCol="0">
+            <a:normAutofit/>
+          </a:bodyPr>
+          <a:lstStyle>
+            <a:lvl1pPr marL="0" indent="0" algn="ctr" defTabSz="914400" rtl="0" eaLnBrk="1" latinLnBrk="0" hangingPunct="1">
+              <a:lnSpc>
+                <a:spcPct val="90000"/>
+              </a:lnSpc>
+              <a:spcBef>
+                <a:spcPts val="1000"/>
+              </a:spcBef>
+              <a:buFont typeface="Arial" panose="020B0604020202020204" pitchFamily="34" charset="0"/>
+              <a:buNone/>
+              <a:defRPr sz="2400" kern="1200">
+                <a:solidFill>
+                  <a:schemeClr val="tx1"/>
+                </a:solidFill>
+                <a:latin typeface="+mn-lt"/>
+                <a:ea typeface="+mn-ea"/>
+                <a:cs typeface="+mn-cs"/>
+              </a:defRPr>
+            </a:lvl1pPr>
+            <a:lvl2pPr marL="457200" indent="0" algn="ctr" defTabSz="914400" rtl="0" eaLnBrk="1" latinLnBrk="0" hangingPunct="1">
+              <a:lnSpc>
+                <a:spcPct val="90000"/>
+              </a:lnSpc>
+              <a:spcBef>
+                <a:spcPts val="500"/>
+              </a:spcBef>
+              <a:buFont typeface="Arial" panose="020B0604020202020204" pitchFamily="34" charset="0"/>
+              <a:buNone/>
+              <a:defRPr sz="2000" kern="1200">
+                <a:solidFill>
+                  <a:schemeClr val="tx1"/>
+                </a:solidFill>
+                <a:latin typeface="+mn-lt"/>
+                <a:ea typeface="+mn-ea"/>
+                <a:cs typeface="+mn-cs"/>
+              </a:defRPr>
+            </a:lvl2pPr>
+            <a:lvl3pPr marL="914400" indent="0" algn="ctr" defTabSz="914400" rtl="0" eaLnBrk="1" latinLnBrk="0" hangingPunct="1">
+              <a:lnSpc>
+                <a:spcPct val="90000"/>
+              </a:lnSpc>
+              <a:spcBef>
+                <a:spcPts val="500"/>
+              </a:spcBef>
+              <a:buFont typeface="Arial" panose="020B0604020202020204" pitchFamily="34" charset="0"/>
+              <a:buNone/>
+              <a:defRPr sz="1800" kern="1200">
+                <a:solidFill>
+                  <a:schemeClr val="tx1"/>
+                </a:solidFill>
+                <a:latin typeface="+mn-lt"/>
+                <a:ea typeface="+mn-ea"/>
+                <a:cs typeface="+mn-cs"/>
+              </a:defRPr>
+            </a:lvl3pPr>
+            <a:lvl4pPr marL="1371600" indent="0" algn="ctr" defTabSz="914400" rtl="0" eaLnBrk="1" latinLnBrk="0" hangingPunct="1">
+              <a:lnSpc>
+                <a:spcPct val="90000"/>
+              </a:lnSpc>
+              <a:spcBef>
+                <a:spcPts val="500"/>
+              </a:spcBef>
+              <a:buFont typeface="Arial" panose="020B0604020202020204" pitchFamily="34" charset="0"/>
+              <a:buNone/>
+              <a:defRPr sz="1600" kern="1200">
+                <a:solidFill>
+                  <a:schemeClr val="tx1"/>
+                </a:solidFill>
+                <a:latin typeface="+mn-lt"/>
+                <a:ea typeface="+mn-ea"/>
+                <a:cs typeface="+mn-cs"/>
+              </a:defRPr>
+            </a:lvl4pPr>
+            <a:lvl5pPr marL="1828800" indent="0" algn="ctr" defTabSz="914400" rtl="0" eaLnBrk="1" latinLnBrk="0" hangingPunct="1">
+              <a:lnSpc>
+                <a:spcPct val="90000"/>
+              </a:lnSpc>
+              <a:spcBef>
+                <a:spcPts val="500"/>
+              </a:spcBef>
+              <a:buFont typeface="Arial" panose="020B0604020202020204" pitchFamily="34" charset="0"/>
+              <a:buNone/>
+              <a:defRPr sz="1600" kern="1200">
+                <a:solidFill>
+                  <a:schemeClr val="tx1"/>
+                </a:solidFill>
+                <a:latin typeface="+mn-lt"/>
+                <a:ea typeface="+mn-ea"/>
+                <a:cs typeface="+mn-cs"/>
+              </a:defRPr>
+            </a:lvl5pPr>
+            <a:lvl6pPr marL="2286000" indent="0" algn="ctr" defTabSz="914400" rtl="0" eaLnBrk="1" latinLnBrk="0" hangingPunct="1">
+              <a:lnSpc>
+                <a:spcPct val="90000"/>
+              </a:lnSpc>
+              <a:spcBef>
+                <a:spcPts val="500"/>
+              </a:spcBef>
+              <a:buFont typeface="Arial" panose="020B0604020202020204" pitchFamily="34" charset="0"/>
+              <a:buNone/>
+              <a:defRPr sz="1600" kern="1200">
+                <a:solidFill>
+                  <a:schemeClr val="tx1"/>
+                </a:solidFill>
+                <a:latin typeface="+mn-lt"/>
+                <a:ea typeface="+mn-ea"/>
+                <a:cs typeface="+mn-cs"/>
+              </a:defRPr>
+            </a:lvl6pPr>
+            <a:lvl7pPr marL="2743200" indent="0" algn="ctr" defTabSz="914400" rtl="0" eaLnBrk="1" latinLnBrk="0" hangingPunct="1">
+              <a:lnSpc>
+                <a:spcPct val="90000"/>
+              </a:lnSpc>
+              <a:spcBef>
+                <a:spcPts val="500"/>
+              </a:spcBef>
+              <a:buFont typeface="Arial" panose="020B0604020202020204" pitchFamily="34" charset="0"/>
+              <a:buNone/>
+              <a:defRPr sz="1600" kern="1200">
+                <a:solidFill>
+                  <a:schemeClr val="tx1"/>
+                </a:solidFill>
+                <a:latin typeface="+mn-lt"/>
+                <a:ea typeface="+mn-ea"/>
+                <a:cs typeface="+mn-cs"/>
+              </a:defRPr>
+            </a:lvl7pPr>
+            <a:lvl8pPr marL="3200400" indent="0" algn="ctr" defTabSz="914400" rtl="0" eaLnBrk="1" latinLnBrk="0" hangingPunct="1">
+              <a:lnSpc>
+                <a:spcPct val="90000"/>
+              </a:lnSpc>
+              <a:spcBef>
+                <a:spcPts val="500"/>
+              </a:spcBef>
+              <a:buFont typeface="Arial" panose="020B0604020202020204" pitchFamily="34" charset="0"/>
+              <a:buNone/>
+              <a:defRPr sz="1600" kern="1200">
+                <a:solidFill>
+                  <a:schemeClr val="tx1"/>
+                </a:solidFill>
+                <a:latin typeface="+mn-lt"/>
+                <a:ea typeface="+mn-ea"/>
+                <a:cs typeface="+mn-cs"/>
+              </a:defRPr>
+            </a:lvl8pPr>
+            <a:lvl9pPr marL="3657600" indent="0" algn="ctr" defTabSz="914400" rtl="0" eaLnBrk="1" latinLnBrk="0" hangingPunct="1">
+              <a:lnSpc>
+                <a:spcPct val="90000"/>
+              </a:lnSpc>
+              <a:spcBef>
+                <a:spcPts val="500"/>
+              </a:spcBef>
+              <a:buFont typeface="Arial" panose="020B0604020202020204" pitchFamily="34" charset="0"/>
+              <a:buNone/>
+              <a:defRPr sz="1600" kern="1200">
+                <a:solidFill>
+                  <a:schemeClr val="tx1"/>
+                </a:solidFill>
+                <a:latin typeface="+mn-lt"/>
+                <a:ea typeface="+mn-ea"/>
+                <a:cs typeface="+mn-cs"/>
+              </a:defRPr>
+            </a:lvl9pPr>
+          </a:lstStyle>
+          <a:p>
+            <a:pPr algn="l"/>
+            <a:r>
+              <a:rPr lang="en-US" sz="1800">
+                <a:sym typeface="Wingdings" pitchFamily="2" charset="2"/>
+              </a:rPr>
+              <a:t>- Java support </a:t>
+            </a:r>
+            <a:r>
+              <a:rPr lang="en-US" sz="1800" b="1">
+                <a:sym typeface="Wingdings" pitchFamily="2" charset="2"/>
+              </a:rPr>
+              <a:t>Polymorphism </a:t>
+            </a:r>
+            <a:r>
+              <a:rPr lang="en-US" sz="1800">
+                <a:sym typeface="Wingdings" pitchFamily="2" charset="2"/>
+              </a:rPr>
+              <a:t>– a ... that allows an object to have many ... </a:t>
+            </a:r>
+          </a:p>
+          <a:p>
+            <a:pPr algn="l"/>
+            <a:r>
+              <a:rPr lang="en-US" sz="1800">
+                <a:sym typeface="Wingdings" pitchFamily="2" charset="2"/>
+              </a:rPr>
+              <a:t>- Specifically, an object could be accessed using ... or ... or ... </a:t>
+            </a:r>
+          </a:p>
+          <a:p>
+            <a:pPr algn="l"/>
+            <a:r>
+              <a:rPr lang="en-US" sz="1800">
+                <a:sym typeface="Wingdings" pitchFamily="2" charset="2"/>
+              </a:rPr>
+              <a:t>- Moreover, if an object is accessed through ... or ... =&gt; no ... is required</a:t>
+            </a:r>
+          </a:p>
+          <a:p>
+            <a:pPr algn="l"/>
+            <a:r>
+              <a:rPr lang="en-US" sz="1800">
+                <a:sym typeface="Wingdings" pitchFamily="2" charset="2"/>
+              </a:rPr>
+              <a:t>(code illustration snippet 65)</a:t>
+            </a:r>
+          </a:p>
+          <a:p>
+            <a:pPr algn="l"/>
+            <a:r>
+              <a:rPr lang="en-US" sz="1800">
+                <a:sym typeface="Wingdings" pitchFamily="2" charset="2"/>
+              </a:rPr>
+              <a:t>– The most important thing about this code is that there is ... created while there are ... reference ... created </a:t>
+            </a:r>
+          </a:p>
+          <a:p>
+            <a:pPr algn="l"/>
+            <a:r>
+              <a:rPr lang="en-US" sz="1800">
+                <a:sym typeface="Wingdings" pitchFamily="2" charset="2"/>
+              </a:rPr>
+              <a:t>- This is possible because of the nature of ....</a:t>
+            </a:r>
+          </a:p>
+          <a:p>
+            <a:pPr algn="l"/>
+            <a:r>
+              <a:rPr lang="en-US" sz="1800">
+                <a:sym typeface="Wingdings" pitchFamily="2" charset="2"/>
+              </a:rPr>
+              <a:t>– Once upcasted, only ... that are available in ... can be ... </a:t>
+            </a:r>
+          </a:p>
+          <a:p>
+            <a:pPr algn="l"/>
+            <a:r>
+              <a:rPr lang="en-US" sz="1800">
+                <a:sym typeface="Wingdings" pitchFamily="2" charset="2"/>
+              </a:rPr>
+              <a:t>(code illustration snippet 66) </a:t>
+            </a:r>
+          </a:p>
+        </p:txBody>
+      </p:sp>
+      <p:sp>
+        <p:nvSpPr>
+          <p:cNvPr id="2" name="TextBox 1">
+            <a:extLst>
+              <a:ext uri="{FF2B5EF4-FFF2-40B4-BE49-F238E27FC236}">
+                <a16:creationId xmlns:a16="http://schemas.microsoft.com/office/drawing/2014/main" id="{F5DEE892-2316-F9C0-678B-8155DE91C1F3}"/>
+              </a:ext>
+            </a:extLst>
+          </p:cNvPr>
+          <p:cNvSpPr txBox="1"/>
+          <p:nvPr/>
+        </p:nvSpPr>
+        <p:spPr>
+          <a:xfrm>
+            <a:off x="9422780" y="1839951"/>
+            <a:ext cx="184731" cy="369332"/>
+          </a:xfrm>
+          <a:prstGeom prst="rect">
+            <a:avLst/>
+          </a:prstGeom>
+          <a:noFill/>
+        </p:spPr>
+        <p:txBody>
+          <a:bodyPr wrap="none" rtlCol="0">
+            <a:spAutoFit/>
+          </a:bodyPr>
+          <a:lstStyle/>
+          <a:p>
+            <a:endParaRPr lang="en-VN"/>
+          </a:p>
+        </p:txBody>
+      </p:sp>
+    </p:spTree>
+    <p:extLst>
+      <p:ext uri="{BB962C8B-B14F-4D97-AF65-F5344CB8AC3E}">
+        <p14:creationId xmlns:p14="http://schemas.microsoft.com/office/powerpoint/2010/main" val="1239310716"/>
+      </p:ext>
+    </p:extLst>
+  </p:cSld>
+  <p:clrMapOvr>
+    <a:masterClrMapping/>
+  </p:clrMapOvr>
+  <p:timing>
+    <p:tnLst>
+      <p:par>
+        <p:cTn id="1" dur="indefinite" restart="never" nodeType="tmRoot">
+          <p:childTnLst>
+            <p:seq concurrent="1" nextAc="seek">
+              <p:cTn id="2" dur="indefinite" nodeType="mainSeq">
+                <p:childTnLst>
+                  <p:par>
+                    <p:cTn id="3" fill="hold">
+                      <p:stCondLst>
+                        <p:cond delay="indefinite"/>
+                      </p:stCondLst>
+                      <p:childTnLst>
+                        <p:par>
+                          <p:cTn id="4" fill="hold">
+                            <p:stCondLst>
+                              <p:cond delay="0"/>
+                            </p:stCondLst>
+                            <p:childTnLst>
+                              <p:par>
+                                <p:cTn id="5" presetID="1" presetClass="entr" presetSubtype="0" fill="hold" nodeType="clickEffect">
+                                  <p:stCondLst>
+                                    <p:cond delay="0"/>
+                                  </p:stCondLst>
+                                  <p:childTnLst>
+                                    <p:set>
+                                      <p:cBhvr>
+                                        <p:cTn id="6" dur="1" fill="hold">
+                                          <p:stCondLst>
+                                            <p:cond delay="0"/>
+                                          </p:stCondLst>
+                                        </p:cTn>
+                                        <p:tgtEl>
+                                          <p:spTgt spid="4">
+                                            <p:txEl>
+                                              <p:pRg st="0" end="0"/>
+                                            </p:txEl>
+                                          </p:spTgt>
+                                        </p:tgtEl>
+                                        <p:attrNameLst>
+                                          <p:attrName>style.visibility</p:attrName>
+                                        </p:attrNameLst>
+                                      </p:cBhvr>
+                                      <p:to>
+                                        <p:strVal val="visible"/>
+                                      </p:to>
+                                    </p:set>
+                                  </p:childTnLst>
+                                </p:cTn>
+                              </p:par>
+                            </p:childTnLst>
+                          </p:cTn>
+                        </p:par>
+                      </p:childTnLst>
+                    </p:cTn>
+                  </p:par>
+                  <p:par>
+                    <p:cTn id="7" fill="hold">
+                      <p:stCondLst>
+                        <p:cond delay="indefinite"/>
+                      </p:stCondLst>
+                      <p:childTnLst>
+                        <p:par>
+                          <p:cTn id="8" fill="hold">
+                            <p:stCondLst>
+                              <p:cond delay="0"/>
+                            </p:stCondLst>
+                            <p:childTnLst>
+                              <p:par>
+                                <p:cTn id="9" presetID="1" presetClass="entr" presetSubtype="0" fill="hold" nodeType="clickEffect">
+                                  <p:stCondLst>
+                                    <p:cond delay="0"/>
+                                  </p:stCondLst>
+                                  <p:childTnLst>
+                                    <p:set>
+                                      <p:cBhvr>
+                                        <p:cTn id="10" dur="1" fill="hold">
+                                          <p:stCondLst>
+                                            <p:cond delay="0"/>
+                                          </p:stCondLst>
+                                        </p:cTn>
+                                        <p:tgtEl>
+                                          <p:spTgt spid="4">
+                                            <p:txEl>
+                                              <p:pRg st="1" end="1"/>
+                                            </p:txEl>
+                                          </p:spTgt>
+                                        </p:tgtEl>
+                                        <p:attrNameLst>
+                                          <p:attrName>style.visibility</p:attrName>
+                                        </p:attrNameLst>
+                                      </p:cBhvr>
+                                      <p:to>
+                                        <p:strVal val="visible"/>
+                                      </p:to>
+                                    </p:set>
+                                  </p:childTnLst>
+                                </p:cTn>
+                              </p:par>
+                            </p:childTnLst>
+                          </p:cTn>
+                        </p:par>
+                      </p:childTnLst>
+                    </p:cTn>
+                  </p:par>
+                  <p:par>
+                    <p:cTn id="11" fill="hold">
+                      <p:stCondLst>
+                        <p:cond delay="indefinite"/>
+                      </p:stCondLst>
+                      <p:childTnLst>
+                        <p:par>
+                          <p:cTn id="12" fill="hold">
+                            <p:stCondLst>
+                              <p:cond delay="0"/>
+                            </p:stCondLst>
+                            <p:childTnLst>
+                              <p:par>
+                                <p:cTn id="13" presetID="1" presetClass="entr" presetSubtype="0" fill="hold" nodeType="clickEffect">
+                                  <p:stCondLst>
+                                    <p:cond delay="0"/>
+                                  </p:stCondLst>
+                                  <p:childTnLst>
+                                    <p:set>
+                                      <p:cBhvr>
+                                        <p:cTn id="14" dur="1" fill="hold">
+                                          <p:stCondLst>
+                                            <p:cond delay="0"/>
+                                          </p:stCondLst>
+                                        </p:cTn>
+                                        <p:tgtEl>
+                                          <p:spTgt spid="4">
+                                            <p:txEl>
+                                              <p:pRg st="2" end="2"/>
+                                            </p:txEl>
+                                          </p:spTgt>
+                                        </p:tgtEl>
+                                        <p:attrNameLst>
+                                          <p:attrName>style.visibility</p:attrName>
+                                        </p:attrNameLst>
+                                      </p:cBhvr>
+                                      <p:to>
+                                        <p:strVal val="visible"/>
+                                      </p:to>
+                                    </p:set>
+                                  </p:childTnLst>
+                                </p:cTn>
+                              </p:par>
+                            </p:childTnLst>
+                          </p:cTn>
+                        </p:par>
+                      </p:childTnLst>
+                    </p:cTn>
+                  </p:par>
+                  <p:par>
+                    <p:cTn id="15" fill="hold">
+                      <p:stCondLst>
+                        <p:cond delay="indefinite"/>
+                      </p:stCondLst>
+                      <p:childTnLst>
+                        <p:par>
+                          <p:cTn id="16" fill="hold">
+                            <p:stCondLst>
+                              <p:cond delay="0"/>
+                            </p:stCondLst>
+                            <p:childTnLst>
+                              <p:par>
+                                <p:cTn id="17" presetID="1" presetClass="entr" presetSubtype="0" fill="hold" nodeType="clickEffect">
+                                  <p:stCondLst>
+                                    <p:cond delay="0"/>
+                                  </p:stCondLst>
+                                  <p:childTnLst>
+                                    <p:set>
+                                      <p:cBhvr>
+                                        <p:cTn id="18" dur="1" fill="hold">
+                                          <p:stCondLst>
+                                            <p:cond delay="0"/>
+                                          </p:stCondLst>
+                                        </p:cTn>
+                                        <p:tgtEl>
+                                          <p:spTgt spid="4">
+                                            <p:txEl>
+                                              <p:pRg st="3" end="3"/>
+                                            </p:txEl>
+                                          </p:spTgt>
+                                        </p:tgtEl>
+                                        <p:attrNameLst>
+                                          <p:attrName>style.visibility</p:attrName>
+                                        </p:attrNameLst>
+                                      </p:cBhvr>
+                                      <p:to>
+                                        <p:strVal val="visible"/>
+                                      </p:to>
+                                    </p:set>
+                                  </p:childTnLst>
+                                </p:cTn>
+                              </p:par>
+                            </p:childTnLst>
+                          </p:cTn>
+                        </p:par>
+                      </p:childTnLst>
+                    </p:cTn>
+                  </p:par>
+                  <p:par>
+                    <p:cTn id="19" fill="hold">
+                      <p:stCondLst>
+                        <p:cond delay="indefinite"/>
+                      </p:stCondLst>
+                      <p:childTnLst>
+                        <p:par>
+                          <p:cTn id="20" fill="hold">
+                            <p:stCondLst>
+                              <p:cond delay="0"/>
+                            </p:stCondLst>
+                            <p:childTnLst>
+                              <p:par>
+                                <p:cTn id="21" presetID="1" presetClass="entr" presetSubtype="0" fill="hold" nodeType="clickEffect">
+                                  <p:stCondLst>
+                                    <p:cond delay="0"/>
+                                  </p:stCondLst>
+                                  <p:childTnLst>
+                                    <p:set>
+                                      <p:cBhvr>
+                                        <p:cTn id="22" dur="1" fill="hold">
+                                          <p:stCondLst>
+                                            <p:cond delay="0"/>
+                                          </p:stCondLst>
+                                        </p:cTn>
+                                        <p:tgtEl>
+                                          <p:spTgt spid="4">
+                                            <p:txEl>
+                                              <p:pRg st="4" end="4"/>
+                                            </p:txEl>
+                                          </p:spTgt>
+                                        </p:tgtEl>
+                                        <p:attrNameLst>
+                                          <p:attrName>style.visibility</p:attrName>
+                                        </p:attrNameLst>
+                                      </p:cBhvr>
+                                      <p:to>
+                                        <p:strVal val="visible"/>
+                                      </p:to>
+                                    </p:set>
+                                  </p:childTnLst>
+                                </p:cTn>
+                              </p:par>
+                            </p:childTnLst>
+                          </p:cTn>
+                        </p:par>
+                      </p:childTnLst>
+                    </p:cTn>
+                  </p:par>
+                  <p:par>
+                    <p:cTn id="23" fill="hold">
+                      <p:stCondLst>
+                        <p:cond delay="indefinite"/>
+                      </p:stCondLst>
+                      <p:childTnLst>
+                        <p:par>
+                          <p:cTn id="24" fill="hold">
+                            <p:stCondLst>
+                              <p:cond delay="0"/>
+                            </p:stCondLst>
+                            <p:childTnLst>
+                              <p:par>
+                                <p:cTn id="25" presetID="1" presetClass="entr" presetSubtype="0" fill="hold" nodeType="clickEffect">
+                                  <p:stCondLst>
+                                    <p:cond delay="0"/>
+                                  </p:stCondLst>
+                                  <p:childTnLst>
+                                    <p:set>
+                                      <p:cBhvr>
+                                        <p:cTn id="26" dur="1" fill="hold">
+                                          <p:stCondLst>
+                                            <p:cond delay="0"/>
+                                          </p:stCondLst>
+                                        </p:cTn>
+                                        <p:tgtEl>
+                                          <p:spTgt spid="4">
+                                            <p:txEl>
+                                              <p:pRg st="5" end="5"/>
+                                            </p:txEl>
+                                          </p:spTgt>
+                                        </p:tgtEl>
+                                        <p:attrNameLst>
+                                          <p:attrName>style.visibility</p:attrName>
+                                        </p:attrNameLst>
+                                      </p:cBhvr>
+                                      <p:to>
+                                        <p:strVal val="visible"/>
+                                      </p:to>
+                                    </p:set>
+                                  </p:childTnLst>
+                                </p:cTn>
+                              </p:par>
+                            </p:childTnLst>
+                          </p:cTn>
+                        </p:par>
+                      </p:childTnLst>
+                    </p:cTn>
+                  </p:par>
+                  <p:par>
+                    <p:cTn id="27" fill="hold">
+                      <p:stCondLst>
+                        <p:cond delay="indefinite"/>
+                      </p:stCondLst>
+                      <p:childTnLst>
+                        <p:par>
+                          <p:cTn id="28" fill="hold">
+                            <p:stCondLst>
+                              <p:cond delay="0"/>
+                            </p:stCondLst>
+                            <p:childTnLst>
+                              <p:par>
+                                <p:cTn id="29" presetID="1" presetClass="entr" presetSubtype="0" fill="hold" nodeType="clickEffect">
+                                  <p:stCondLst>
+                                    <p:cond delay="0"/>
+                                  </p:stCondLst>
+                                  <p:childTnLst>
+                                    <p:set>
+                                      <p:cBhvr>
+                                        <p:cTn id="30" dur="1" fill="hold">
+                                          <p:stCondLst>
+                                            <p:cond delay="0"/>
+                                          </p:stCondLst>
+                                        </p:cTn>
+                                        <p:tgtEl>
+                                          <p:spTgt spid="4">
+                                            <p:txEl>
+                                              <p:pRg st="6" end="6"/>
+                                            </p:txEl>
+                                          </p:spTgt>
+                                        </p:tgtEl>
+                                        <p:attrNameLst>
+                                          <p:attrName>style.visibility</p:attrName>
+                                        </p:attrNameLst>
+                                      </p:cBhvr>
+                                      <p:to>
+                                        <p:strVal val="visible"/>
+                                      </p:to>
+                                    </p:set>
+                                  </p:childTnLst>
+                                </p:cTn>
+                              </p:par>
+                            </p:childTnLst>
+                          </p:cTn>
+                        </p:par>
+                      </p:childTnLst>
+                    </p:cTn>
+                  </p:par>
+                  <p:par>
+                    <p:cTn id="31" fill="hold">
+                      <p:stCondLst>
+                        <p:cond delay="indefinite"/>
+                      </p:stCondLst>
+                      <p:childTnLst>
+                        <p:par>
+                          <p:cTn id="32" fill="hold">
+                            <p:stCondLst>
+                              <p:cond delay="0"/>
+                            </p:stCondLst>
+                            <p:childTnLst>
+                              <p:par>
+                                <p:cTn id="33" presetID="1" presetClass="entr" presetSubtype="0" fill="hold" nodeType="clickEffect">
+                                  <p:stCondLst>
+                                    <p:cond delay="0"/>
+                                  </p:stCondLst>
+                                  <p:childTnLst>
+                                    <p:set>
+                                      <p:cBhvr>
+                                        <p:cTn id="34" dur="1" fill="hold">
+                                          <p:stCondLst>
+                                            <p:cond delay="0"/>
+                                          </p:stCondLst>
+                                        </p:cTn>
+                                        <p:tgtEl>
+                                          <p:spTgt spid="4">
+                                            <p:txEl>
+                                              <p:pRg st="7" end="7"/>
+                                            </p:txEl>
+                                          </p:spTgt>
+                                        </p:tgtEl>
+                                        <p:attrNameLst>
+                                          <p:attrName>style.visibility</p:attrName>
+                                        </p:attrNameLst>
+                                      </p:cBhvr>
+                                      <p:to>
+                                        <p:strVal val="visible"/>
+                                      </p:to>
+                                    </p:set>
+                                  </p:childTnLst>
+                                </p:cTn>
+                              </p:par>
+                            </p:childTnLst>
+                          </p:cTn>
+                        </p:par>
+                      </p:childTnLst>
+                    </p:cTn>
+                  </p:par>
+                </p:childTnLst>
+              </p:cTn>
+              <p:prevCondLst>
+                <p:cond evt="onPrev" delay="0">
+                  <p:tgtEl>
+                    <p:sldTgt/>
+                  </p:tgtEl>
+                </p:cond>
+              </p:prevCondLst>
+              <p:nextCondLst>
+                <p:cond evt="onNext" delay="0">
+                  <p:tgtEl>
+                    <p:sldTgt/>
+                  </p:tgtEl>
+                </p:cond>
+              </p:nextCondLst>
+            </p:seq>
+          </p:childTnLst>
+        </p:cTn>
+      </p:par>
+    </p:tnLst>
+  </p:timing>
+</p:sld>
+</file>
+
+<file path=ppt/slides/slide37.xml><?xml version="1.0" encoding="utf-8"?>
+<p:sld xmlns:a="http://schemas.openxmlformats.org/drawingml/2006/main" xmlns:r="http://schemas.openxmlformats.org/officeDocument/2006/relationships" xmlns:p="http://schemas.openxmlformats.org/presentationml/2006/main">
+  <p:cSld>
+    <p:spTree>
+      <p:nvGrpSpPr>
+        <p:cNvPr id="1" name="">
+          <a:extLst>
+            <a:ext uri="{FF2B5EF4-FFF2-40B4-BE49-F238E27FC236}">
+              <a16:creationId xmlns:a16="http://schemas.microsoft.com/office/drawing/2014/main" id="{FE906D8E-D02C-2B48-B916-C8D4412CA41A}"/>
+            </a:ext>
+          </a:extLst>
+        </p:cNvPr>
+        <p:cNvGrpSpPr/>
+        <p:nvPr/>
+      </p:nvGrpSpPr>
+      <p:grpSpPr>
+        <a:xfrm>
+          <a:off x="0" y="0"/>
+          <a:ext cx="0" cy="0"/>
+          <a:chOff x="0" y="0"/>
+          <a:chExt cx="0" cy="0"/>
+        </a:xfrm>
+      </p:grpSpPr>
+      <p:sp>
+        <p:nvSpPr>
+          <p:cNvPr id="3" name="Subtitle 2">
+            <a:extLst>
+              <a:ext uri="{FF2B5EF4-FFF2-40B4-BE49-F238E27FC236}">
+                <a16:creationId xmlns:a16="http://schemas.microsoft.com/office/drawing/2014/main" id="{452F6AF6-774B-B400-5560-A58DB644700D}"/>
+              </a:ext>
+            </a:extLst>
+          </p:cNvPr>
+          <p:cNvSpPr>
+            <a:spLocks noGrp="1"/>
+          </p:cNvSpPr>
+          <p:nvPr>
+            <p:ph type="subTitle" idx="1"/>
+          </p:nvPr>
+        </p:nvSpPr>
+        <p:spPr>
+          <a:xfrm>
+            <a:off x="152399" y="217488"/>
+            <a:ext cx="11223171" cy="303212"/>
+          </a:xfrm>
+        </p:spPr>
+        <p:txBody>
+          <a:bodyPr>
+            <a:normAutofit fontScale="92500" lnSpcReduction="20000"/>
+          </a:bodyPr>
+          <a:lstStyle/>
+          <a:p>
+            <a:r>
+              <a:rPr lang="en-US" sz="1800" b="1"/>
+              <a:t>Understanding Polymorphism – Object VS Reference</a:t>
+            </a:r>
+          </a:p>
+        </p:txBody>
+      </p:sp>
+      <p:sp>
+        <p:nvSpPr>
+          <p:cNvPr id="4" name="Subtitle 2">
+            <a:extLst>
+              <a:ext uri="{FF2B5EF4-FFF2-40B4-BE49-F238E27FC236}">
+                <a16:creationId xmlns:a16="http://schemas.microsoft.com/office/drawing/2014/main" id="{D5C8FCA5-27C7-8578-AA1C-6EC66D39971E}"/>
+              </a:ext>
+            </a:extLst>
+          </p:cNvPr>
+          <p:cNvSpPr txBox="1">
+            <a:spLocks/>
+          </p:cNvSpPr>
+          <p:nvPr/>
+        </p:nvSpPr>
+        <p:spPr>
+          <a:xfrm>
+            <a:off x="0" y="820738"/>
+            <a:ext cx="12192000" cy="6037262"/>
+          </a:xfrm>
+          <a:prstGeom prst="rect">
+            <a:avLst/>
+          </a:prstGeom>
+        </p:spPr>
+        <p:txBody>
+          <a:bodyPr vert="horz" lIns="91440" tIns="45720" rIns="91440" bIns="45720" rtlCol="0">
+            <a:normAutofit/>
+          </a:bodyPr>
+          <a:lstStyle>
+            <a:lvl1pPr marL="0" indent="0" algn="ctr" defTabSz="914400" rtl="0" eaLnBrk="1" latinLnBrk="0" hangingPunct="1">
+              <a:lnSpc>
+                <a:spcPct val="90000"/>
+              </a:lnSpc>
+              <a:spcBef>
+                <a:spcPts val="1000"/>
+              </a:spcBef>
+              <a:buFont typeface="Arial" panose="020B0604020202020204" pitchFamily="34" charset="0"/>
+              <a:buNone/>
+              <a:defRPr sz="2400" kern="1200">
+                <a:solidFill>
+                  <a:schemeClr val="tx1"/>
+                </a:solidFill>
+                <a:latin typeface="+mn-lt"/>
+                <a:ea typeface="+mn-ea"/>
+                <a:cs typeface="+mn-cs"/>
+              </a:defRPr>
+            </a:lvl1pPr>
+            <a:lvl2pPr marL="457200" indent="0" algn="ctr" defTabSz="914400" rtl="0" eaLnBrk="1" latinLnBrk="0" hangingPunct="1">
+              <a:lnSpc>
+                <a:spcPct val="90000"/>
+              </a:lnSpc>
+              <a:spcBef>
+                <a:spcPts val="500"/>
+              </a:spcBef>
+              <a:buFont typeface="Arial" panose="020B0604020202020204" pitchFamily="34" charset="0"/>
+              <a:buNone/>
+              <a:defRPr sz="2000" kern="1200">
+                <a:solidFill>
+                  <a:schemeClr val="tx1"/>
+                </a:solidFill>
+                <a:latin typeface="+mn-lt"/>
+                <a:ea typeface="+mn-ea"/>
+                <a:cs typeface="+mn-cs"/>
+              </a:defRPr>
+            </a:lvl2pPr>
+            <a:lvl3pPr marL="914400" indent="0" algn="ctr" defTabSz="914400" rtl="0" eaLnBrk="1" latinLnBrk="0" hangingPunct="1">
+              <a:lnSpc>
+                <a:spcPct val="90000"/>
+              </a:lnSpc>
+              <a:spcBef>
+                <a:spcPts val="500"/>
+              </a:spcBef>
+              <a:buFont typeface="Arial" panose="020B0604020202020204" pitchFamily="34" charset="0"/>
+              <a:buNone/>
+              <a:defRPr sz="1800" kern="1200">
+                <a:solidFill>
+                  <a:schemeClr val="tx1"/>
+                </a:solidFill>
+                <a:latin typeface="+mn-lt"/>
+                <a:ea typeface="+mn-ea"/>
+                <a:cs typeface="+mn-cs"/>
+              </a:defRPr>
+            </a:lvl3pPr>
+            <a:lvl4pPr marL="1371600" indent="0" algn="ctr" defTabSz="914400" rtl="0" eaLnBrk="1" latinLnBrk="0" hangingPunct="1">
+              <a:lnSpc>
+                <a:spcPct val="90000"/>
+              </a:lnSpc>
+              <a:spcBef>
+                <a:spcPts val="500"/>
+              </a:spcBef>
+              <a:buFont typeface="Arial" panose="020B0604020202020204" pitchFamily="34" charset="0"/>
+              <a:buNone/>
+              <a:defRPr sz="1600" kern="1200">
+                <a:solidFill>
+                  <a:schemeClr val="tx1"/>
+                </a:solidFill>
+                <a:latin typeface="+mn-lt"/>
+                <a:ea typeface="+mn-ea"/>
+                <a:cs typeface="+mn-cs"/>
+              </a:defRPr>
+            </a:lvl4pPr>
+            <a:lvl5pPr marL="1828800" indent="0" algn="ctr" defTabSz="914400" rtl="0" eaLnBrk="1" latinLnBrk="0" hangingPunct="1">
+              <a:lnSpc>
+                <a:spcPct val="90000"/>
+              </a:lnSpc>
+              <a:spcBef>
+                <a:spcPts val="500"/>
+              </a:spcBef>
+              <a:buFont typeface="Arial" panose="020B0604020202020204" pitchFamily="34" charset="0"/>
+              <a:buNone/>
+              <a:defRPr sz="1600" kern="1200">
+                <a:solidFill>
+                  <a:schemeClr val="tx1"/>
+                </a:solidFill>
+                <a:latin typeface="+mn-lt"/>
+                <a:ea typeface="+mn-ea"/>
+                <a:cs typeface="+mn-cs"/>
+              </a:defRPr>
+            </a:lvl5pPr>
+            <a:lvl6pPr marL="2286000" indent="0" algn="ctr" defTabSz="914400" rtl="0" eaLnBrk="1" latinLnBrk="0" hangingPunct="1">
+              <a:lnSpc>
+                <a:spcPct val="90000"/>
+              </a:lnSpc>
+              <a:spcBef>
+                <a:spcPts val="500"/>
+              </a:spcBef>
+              <a:buFont typeface="Arial" panose="020B0604020202020204" pitchFamily="34" charset="0"/>
+              <a:buNone/>
+              <a:defRPr sz="1600" kern="1200">
+                <a:solidFill>
+                  <a:schemeClr val="tx1"/>
+                </a:solidFill>
+                <a:latin typeface="+mn-lt"/>
+                <a:ea typeface="+mn-ea"/>
+                <a:cs typeface="+mn-cs"/>
+              </a:defRPr>
+            </a:lvl6pPr>
+            <a:lvl7pPr marL="2743200" indent="0" algn="ctr" defTabSz="914400" rtl="0" eaLnBrk="1" latinLnBrk="0" hangingPunct="1">
+              <a:lnSpc>
+                <a:spcPct val="90000"/>
+              </a:lnSpc>
+              <a:spcBef>
+                <a:spcPts val="500"/>
+              </a:spcBef>
+              <a:buFont typeface="Arial" panose="020B0604020202020204" pitchFamily="34" charset="0"/>
+              <a:buNone/>
+              <a:defRPr sz="1600" kern="1200">
+                <a:solidFill>
+                  <a:schemeClr val="tx1"/>
+                </a:solidFill>
+                <a:latin typeface="+mn-lt"/>
+                <a:ea typeface="+mn-ea"/>
+                <a:cs typeface="+mn-cs"/>
+              </a:defRPr>
+            </a:lvl7pPr>
+            <a:lvl8pPr marL="3200400" indent="0" algn="ctr" defTabSz="914400" rtl="0" eaLnBrk="1" latinLnBrk="0" hangingPunct="1">
+              <a:lnSpc>
+                <a:spcPct val="90000"/>
+              </a:lnSpc>
+              <a:spcBef>
+                <a:spcPts val="500"/>
+              </a:spcBef>
+              <a:buFont typeface="Arial" panose="020B0604020202020204" pitchFamily="34" charset="0"/>
+              <a:buNone/>
+              <a:defRPr sz="1600" kern="1200">
+                <a:solidFill>
+                  <a:schemeClr val="tx1"/>
+                </a:solidFill>
+                <a:latin typeface="+mn-lt"/>
+                <a:ea typeface="+mn-ea"/>
+                <a:cs typeface="+mn-cs"/>
+              </a:defRPr>
+            </a:lvl8pPr>
+            <a:lvl9pPr marL="3657600" indent="0" algn="ctr" defTabSz="914400" rtl="0" eaLnBrk="1" latinLnBrk="0" hangingPunct="1">
+              <a:lnSpc>
+                <a:spcPct val="90000"/>
+              </a:lnSpc>
+              <a:spcBef>
+                <a:spcPts val="500"/>
+              </a:spcBef>
+              <a:buFont typeface="Arial" panose="020B0604020202020204" pitchFamily="34" charset="0"/>
+              <a:buNone/>
+              <a:defRPr sz="1600" kern="1200">
+                <a:solidFill>
+                  <a:schemeClr val="tx1"/>
+                </a:solidFill>
+                <a:latin typeface="+mn-lt"/>
+                <a:ea typeface="+mn-ea"/>
+                <a:cs typeface="+mn-cs"/>
+              </a:defRPr>
+            </a:lvl9pPr>
+          </a:lstStyle>
+          <a:p>
+            <a:pPr algn="l"/>
+            <a:r>
+              <a:rPr lang="en-US" sz="1800">
+                <a:sym typeface="Wingdings" pitchFamily="2" charset="2"/>
+              </a:rPr>
+              <a:t>- In Java, all objects can only ... using ... variable. As a developer, you shouldn't able to ... object. </a:t>
+            </a:r>
+          </a:p>
+          <a:p>
+            <a:pPr algn="l"/>
+            <a:r>
+              <a:rPr lang="en-US" sz="1800">
+                <a:sym typeface="Wingdings" pitchFamily="2" charset="2"/>
+              </a:rPr>
+              <a:t>- We should consider an object as a ... in ... (allocated by J...) </a:t>
+            </a:r>
+          </a:p>
+          <a:p>
+            <a:pPr algn="l"/>
+            <a:r>
+              <a:rPr lang="en-US" sz="1800">
+                <a:sym typeface="Wingdings" pitchFamily="2" charset="2"/>
+              </a:rPr>
+              <a:t>- No matter what type of ... is, the object will ...</a:t>
+            </a:r>
+          </a:p>
+          <a:p>
+            <a:pPr algn="l"/>
+            <a:endParaRPr lang="en-US" sz="1800">
+              <a:sym typeface="Wingdings" pitchFamily="2" charset="2"/>
+            </a:endParaRPr>
+          </a:p>
+          <a:p>
+            <a:pPr algn="l"/>
+            <a:endParaRPr lang="en-US" sz="1800">
+              <a:sym typeface="Wingdings" pitchFamily="2" charset="2"/>
+            </a:endParaRPr>
+          </a:p>
+          <a:p>
+            <a:pPr algn="l"/>
+            <a:endParaRPr lang="en-US" sz="1800">
+              <a:sym typeface="Wingdings" pitchFamily="2" charset="2"/>
+            </a:endParaRPr>
+          </a:p>
+          <a:p>
+            <a:pPr algn="l"/>
+            <a:endParaRPr lang="en-US" sz="1800">
+              <a:sym typeface="Wingdings" pitchFamily="2" charset="2"/>
+            </a:endParaRPr>
+          </a:p>
+          <a:p>
+            <a:pPr algn="l"/>
+            <a:endParaRPr lang="en-US" sz="1800">
+              <a:sym typeface="Wingdings" pitchFamily="2" charset="2"/>
+            </a:endParaRPr>
+          </a:p>
+          <a:p>
+            <a:pPr algn="l"/>
+            <a:endParaRPr lang="en-US" sz="1800">
+              <a:sym typeface="Wingdings" pitchFamily="2" charset="2"/>
+            </a:endParaRPr>
+          </a:p>
+          <a:p>
+            <a:pPr algn="l"/>
+            <a:r>
+              <a:rPr lang="en-US" sz="1800">
+                <a:sym typeface="Wingdings" pitchFamily="2" charset="2"/>
+              </a:rPr>
+              <a:t>-  Although lemur is ...ed to Object class type, the real object is .... The only thing has changed is ... access ... (because Object class doesn't has ...)</a:t>
+            </a:r>
+          </a:p>
+          <a:p>
+            <a:pPr algn="l"/>
+            <a:r>
+              <a:rPr lang="en-US" sz="1800">
+                <a:sym typeface="Wingdings" pitchFamily="2" charset="2"/>
+              </a:rPr>
+              <a:t>- Therefore, we have 2 rules: </a:t>
+            </a:r>
+          </a:p>
+          <a:p>
+            <a:pPr algn="l"/>
+            <a:r>
+              <a:rPr lang="en-US" sz="1800">
+                <a:sym typeface="Wingdings" pitchFamily="2" charset="2"/>
+              </a:rPr>
+              <a:t>+) </a:t>
+            </a:r>
+          </a:p>
+          <a:p>
+            <a:pPr algn="l"/>
+            <a:r>
+              <a:rPr lang="en-US" sz="1800">
+                <a:sym typeface="Wingdings" pitchFamily="2" charset="2"/>
+              </a:rPr>
+              <a:t>+)</a:t>
+            </a:r>
+          </a:p>
+          <a:p>
+            <a:pPr algn="l"/>
+            <a:r>
+              <a:rPr lang="en-US" sz="1800">
+                <a:sym typeface="Wingdings" pitchFamily="2" charset="2"/>
+              </a:rPr>
+              <a:t>– Therefore, once we change ... =&gt; we have access ... although the member is ... before</a:t>
+            </a:r>
+          </a:p>
+          <a:p>
+            <a:pPr algn="l"/>
+            <a:endParaRPr lang="en-US" sz="1800">
+              <a:sym typeface="Wingdings" pitchFamily="2" charset="2"/>
+            </a:endParaRPr>
+          </a:p>
+        </p:txBody>
+      </p:sp>
+      <p:sp>
+        <p:nvSpPr>
+          <p:cNvPr id="2" name="TextBox 1">
+            <a:extLst>
+              <a:ext uri="{FF2B5EF4-FFF2-40B4-BE49-F238E27FC236}">
+                <a16:creationId xmlns:a16="http://schemas.microsoft.com/office/drawing/2014/main" id="{B5C4A49F-C8BF-8ECA-7E5C-A479A10DC8EC}"/>
+              </a:ext>
+            </a:extLst>
+          </p:cNvPr>
+          <p:cNvSpPr txBox="1"/>
+          <p:nvPr/>
+        </p:nvSpPr>
+        <p:spPr>
+          <a:xfrm>
+            <a:off x="9422780" y="1839951"/>
+            <a:ext cx="184731" cy="369332"/>
+          </a:xfrm>
+          <a:prstGeom prst="rect">
+            <a:avLst/>
+          </a:prstGeom>
+          <a:noFill/>
+        </p:spPr>
+        <p:txBody>
+          <a:bodyPr wrap="none" rtlCol="0">
+            <a:spAutoFit/>
+          </a:bodyPr>
+          <a:lstStyle/>
+          <a:p>
+            <a:endParaRPr lang="en-VN"/>
+          </a:p>
+        </p:txBody>
+      </p:sp>
+      <p:pic>
+        <p:nvPicPr>
+          <p:cNvPr id="5" name="Picture 4">
+            <a:extLst>
+              <a:ext uri="{FF2B5EF4-FFF2-40B4-BE49-F238E27FC236}">
+                <a16:creationId xmlns:a16="http://schemas.microsoft.com/office/drawing/2014/main" id="{78F34888-211E-11E4-F984-CD5F14C9CC49}"/>
+              </a:ext>
+            </a:extLst>
+          </p:cNvPr>
+          <p:cNvPicPr>
+            <a:picLocks noChangeAspect="1"/>
+          </p:cNvPicPr>
+          <p:nvPr/>
+        </p:nvPicPr>
+        <p:blipFill>
+          <a:blip r:embed="rId3"/>
+          <a:stretch>
+            <a:fillRect/>
+          </a:stretch>
+        </p:blipFill>
+        <p:spPr>
+          <a:xfrm>
+            <a:off x="3000721" y="2209283"/>
+            <a:ext cx="6190558" cy="1793855"/>
+          </a:xfrm>
+          <a:prstGeom prst="rect">
+            <a:avLst/>
+          </a:prstGeom>
+        </p:spPr>
+      </p:pic>
+    </p:spTree>
+    <p:extLst>
+      <p:ext uri="{BB962C8B-B14F-4D97-AF65-F5344CB8AC3E}">
+        <p14:creationId xmlns:p14="http://schemas.microsoft.com/office/powerpoint/2010/main" val="772283988"/>
+      </p:ext>
+    </p:extLst>
+  </p:cSld>
+  <p:clrMapOvr>
+    <a:masterClrMapping/>
+  </p:clrMapOvr>
+  <p:timing>
+    <p:tnLst>
+      <p:par>
+        <p:cTn id="1" dur="indefinite" restart="never" nodeType="tmRoot">
+          <p:childTnLst>
+            <p:seq concurrent="1" nextAc="seek">
+              <p:cTn id="2" dur="indefinite" nodeType="mainSeq">
+                <p:childTnLst>
+                  <p:par>
+                    <p:cTn id="3" fill="hold">
+                      <p:stCondLst>
+                        <p:cond delay="indefinite"/>
+                      </p:stCondLst>
+                      <p:childTnLst>
+                        <p:par>
+                          <p:cTn id="4" fill="hold">
+                            <p:stCondLst>
+                              <p:cond delay="0"/>
+                            </p:stCondLst>
+                            <p:childTnLst>
+                              <p:par>
+                                <p:cTn id="5" presetID="1" presetClass="entr" presetSubtype="0" fill="hold" nodeType="clickEffect">
+                                  <p:stCondLst>
+                                    <p:cond delay="0"/>
+                                  </p:stCondLst>
+                                  <p:childTnLst>
+                                    <p:set>
+                                      <p:cBhvr>
+                                        <p:cTn id="6" dur="1" fill="hold">
+                                          <p:stCondLst>
+                                            <p:cond delay="0"/>
+                                          </p:stCondLst>
+                                        </p:cTn>
+                                        <p:tgtEl>
+                                          <p:spTgt spid="4">
+                                            <p:txEl>
+                                              <p:pRg st="0" end="0"/>
+                                            </p:txEl>
+                                          </p:spTgt>
+                                        </p:tgtEl>
+                                        <p:attrNameLst>
+                                          <p:attrName>style.visibility</p:attrName>
+                                        </p:attrNameLst>
+                                      </p:cBhvr>
+                                      <p:to>
+                                        <p:strVal val="visible"/>
+                                      </p:to>
+                                    </p:set>
+                                  </p:childTnLst>
+                                </p:cTn>
+                              </p:par>
+                            </p:childTnLst>
+                          </p:cTn>
+                        </p:par>
+                      </p:childTnLst>
+                    </p:cTn>
+                  </p:par>
+                  <p:par>
+                    <p:cTn id="7" fill="hold">
+                      <p:stCondLst>
+                        <p:cond delay="indefinite"/>
+                      </p:stCondLst>
+                      <p:childTnLst>
+                        <p:par>
+                          <p:cTn id="8" fill="hold">
+                            <p:stCondLst>
+                              <p:cond delay="0"/>
+                            </p:stCondLst>
+                            <p:childTnLst>
+                              <p:par>
+                                <p:cTn id="9" presetID="1" presetClass="entr" presetSubtype="0" fill="hold" nodeType="clickEffect">
+                                  <p:stCondLst>
+                                    <p:cond delay="0"/>
+                                  </p:stCondLst>
+                                  <p:childTnLst>
+                                    <p:set>
+                                      <p:cBhvr>
+                                        <p:cTn id="10" dur="1" fill="hold">
+                                          <p:stCondLst>
+                                            <p:cond delay="0"/>
+                                          </p:stCondLst>
+                                        </p:cTn>
+                                        <p:tgtEl>
+                                          <p:spTgt spid="4">
+                                            <p:txEl>
+                                              <p:pRg st="1" end="1"/>
+                                            </p:txEl>
+                                          </p:spTgt>
+                                        </p:tgtEl>
+                                        <p:attrNameLst>
+                                          <p:attrName>style.visibility</p:attrName>
+                                        </p:attrNameLst>
+                                      </p:cBhvr>
+                                      <p:to>
+                                        <p:strVal val="visible"/>
+                                      </p:to>
+                                    </p:set>
+                                  </p:childTnLst>
+                                </p:cTn>
+                              </p:par>
+                            </p:childTnLst>
+                          </p:cTn>
+                        </p:par>
+                      </p:childTnLst>
+                    </p:cTn>
+                  </p:par>
+                  <p:par>
+                    <p:cTn id="11" fill="hold">
+                      <p:stCondLst>
+                        <p:cond delay="indefinite"/>
+                      </p:stCondLst>
+                      <p:childTnLst>
+                        <p:par>
+                          <p:cTn id="12" fill="hold">
+                            <p:stCondLst>
+                              <p:cond delay="0"/>
+                            </p:stCondLst>
+                            <p:childTnLst>
+                              <p:par>
+                                <p:cTn id="13" presetID="1" presetClass="entr" presetSubtype="0" fill="hold" nodeType="clickEffect">
+                                  <p:stCondLst>
+                                    <p:cond delay="0"/>
+                                  </p:stCondLst>
+                                  <p:childTnLst>
+                                    <p:set>
+                                      <p:cBhvr>
+                                        <p:cTn id="14" dur="1" fill="hold">
+                                          <p:stCondLst>
+                                            <p:cond delay="0"/>
+                                          </p:stCondLst>
+                                        </p:cTn>
+                                        <p:tgtEl>
+                                          <p:spTgt spid="4">
+                                            <p:txEl>
+                                              <p:pRg st="2" end="2"/>
+                                            </p:txEl>
+                                          </p:spTgt>
+                                        </p:tgtEl>
+                                        <p:attrNameLst>
+                                          <p:attrName>style.visibility</p:attrName>
+                                        </p:attrNameLst>
+                                      </p:cBhvr>
+                                      <p:to>
+                                        <p:strVal val="visible"/>
+                                      </p:to>
+                                    </p:set>
+                                  </p:childTnLst>
+                                </p:cTn>
+                              </p:par>
+                            </p:childTnLst>
+                          </p:cTn>
+                        </p:par>
+                      </p:childTnLst>
+                    </p:cTn>
+                  </p:par>
+                  <p:par>
+                    <p:cTn id="15" fill="hold">
+                      <p:stCondLst>
+                        <p:cond delay="indefinite"/>
+                      </p:stCondLst>
+                      <p:childTnLst>
+                        <p:par>
+                          <p:cTn id="16" fill="hold">
+                            <p:stCondLst>
+                              <p:cond delay="0"/>
+                            </p:stCondLst>
+                            <p:childTnLst>
+                              <p:par>
+                                <p:cTn id="17" presetID="1" presetClass="entr" presetSubtype="0" fill="hold" nodeType="clickEffect">
+                                  <p:stCondLst>
+                                    <p:cond delay="0"/>
+                                  </p:stCondLst>
+                                  <p:childTnLst>
+                                    <p:set>
+                                      <p:cBhvr>
+                                        <p:cTn id="18" dur="1" fill="hold">
+                                          <p:stCondLst>
+                                            <p:cond delay="0"/>
+                                          </p:stCondLst>
+                                        </p:cTn>
+                                        <p:tgtEl>
+                                          <p:spTgt spid="4">
+                                            <p:txEl>
+                                              <p:pRg st="9" end="9"/>
+                                            </p:txEl>
+                                          </p:spTgt>
+                                        </p:tgtEl>
+                                        <p:attrNameLst>
+                                          <p:attrName>style.visibility</p:attrName>
+                                        </p:attrNameLst>
+                                      </p:cBhvr>
+                                      <p:to>
+                                        <p:strVal val="visible"/>
+                                      </p:to>
+                                    </p:set>
+                                  </p:childTnLst>
+                                </p:cTn>
+                              </p:par>
+                            </p:childTnLst>
+                          </p:cTn>
+                        </p:par>
+                      </p:childTnLst>
+                    </p:cTn>
+                  </p:par>
+                  <p:par>
+                    <p:cTn id="19" fill="hold">
+                      <p:stCondLst>
+                        <p:cond delay="indefinite"/>
+                      </p:stCondLst>
+                      <p:childTnLst>
+                        <p:par>
+                          <p:cTn id="20" fill="hold">
+                            <p:stCondLst>
+                              <p:cond delay="0"/>
+                            </p:stCondLst>
+                            <p:childTnLst>
+                              <p:par>
+                                <p:cTn id="21" presetID="1" presetClass="entr" presetSubtype="0" fill="hold" nodeType="clickEffect">
+                                  <p:stCondLst>
+                                    <p:cond delay="0"/>
+                                  </p:stCondLst>
+                                  <p:childTnLst>
+                                    <p:set>
+                                      <p:cBhvr>
+                                        <p:cTn id="22" dur="1" fill="hold">
+                                          <p:stCondLst>
+                                            <p:cond delay="0"/>
+                                          </p:stCondLst>
+                                        </p:cTn>
+                                        <p:tgtEl>
+                                          <p:spTgt spid="4">
+                                            <p:txEl>
+                                              <p:pRg st="10" end="10"/>
+                                            </p:txEl>
+                                          </p:spTgt>
+                                        </p:tgtEl>
+                                        <p:attrNameLst>
+                                          <p:attrName>style.visibility</p:attrName>
+                                        </p:attrNameLst>
+                                      </p:cBhvr>
+                                      <p:to>
+                                        <p:strVal val="visible"/>
+                                      </p:to>
+                                    </p:set>
+                                  </p:childTnLst>
+                                </p:cTn>
+                              </p:par>
+                            </p:childTnLst>
+                          </p:cTn>
+                        </p:par>
+                      </p:childTnLst>
+                    </p:cTn>
+                  </p:par>
+                  <p:par>
+                    <p:cTn id="23" fill="hold">
+                      <p:stCondLst>
+                        <p:cond delay="indefinite"/>
+                      </p:stCondLst>
+                      <p:childTnLst>
+                        <p:par>
+                          <p:cTn id="24" fill="hold">
+                            <p:stCondLst>
+                              <p:cond delay="0"/>
+                            </p:stCondLst>
+                            <p:childTnLst>
+                              <p:par>
+                                <p:cTn id="25" presetID="1" presetClass="entr" presetSubtype="0" fill="hold" nodeType="clickEffect">
+                                  <p:stCondLst>
+                                    <p:cond delay="0"/>
+                                  </p:stCondLst>
+                                  <p:childTnLst>
+                                    <p:set>
+                                      <p:cBhvr>
+                                        <p:cTn id="26" dur="1" fill="hold">
+                                          <p:stCondLst>
+                                            <p:cond delay="0"/>
+                                          </p:stCondLst>
+                                        </p:cTn>
+                                        <p:tgtEl>
+                                          <p:spTgt spid="4">
+                                            <p:txEl>
+                                              <p:pRg st="11" end="11"/>
+                                            </p:txEl>
+                                          </p:spTgt>
+                                        </p:tgtEl>
+                                        <p:attrNameLst>
+                                          <p:attrName>style.visibility</p:attrName>
+                                        </p:attrNameLst>
+                                      </p:cBhvr>
+                                      <p:to>
+                                        <p:strVal val="visible"/>
+                                      </p:to>
+                                    </p:set>
+                                  </p:childTnLst>
+                                </p:cTn>
+                              </p:par>
+                            </p:childTnLst>
+                          </p:cTn>
+                        </p:par>
+                      </p:childTnLst>
+                    </p:cTn>
+                  </p:par>
+                  <p:par>
+                    <p:cTn id="27" fill="hold">
+                      <p:stCondLst>
+                        <p:cond delay="indefinite"/>
+                      </p:stCondLst>
+                      <p:childTnLst>
+                        <p:par>
+                          <p:cTn id="28" fill="hold">
+                            <p:stCondLst>
+                              <p:cond delay="0"/>
+                            </p:stCondLst>
+                            <p:childTnLst>
+                              <p:par>
+                                <p:cTn id="29" presetID="1" presetClass="entr" presetSubtype="0" fill="hold" nodeType="clickEffect">
+                                  <p:stCondLst>
+                                    <p:cond delay="0"/>
+                                  </p:stCondLst>
+                                  <p:childTnLst>
+                                    <p:set>
+                                      <p:cBhvr>
+                                        <p:cTn id="30" dur="1" fill="hold">
+                                          <p:stCondLst>
+                                            <p:cond delay="0"/>
+                                          </p:stCondLst>
+                                        </p:cTn>
+                                        <p:tgtEl>
+                                          <p:spTgt spid="4">
+                                            <p:txEl>
+                                              <p:pRg st="12" end="12"/>
+                                            </p:txEl>
+                                          </p:spTgt>
+                                        </p:tgtEl>
+                                        <p:attrNameLst>
+                                          <p:attrName>style.visibility</p:attrName>
+                                        </p:attrNameLst>
+                                      </p:cBhvr>
+                                      <p:to>
+                                        <p:strVal val="visible"/>
+                                      </p:to>
+                                    </p:set>
+                                  </p:childTnLst>
+                                </p:cTn>
+                              </p:par>
+                            </p:childTnLst>
+                          </p:cTn>
+                        </p:par>
+                      </p:childTnLst>
+                    </p:cTn>
+                  </p:par>
+                  <p:par>
+                    <p:cTn id="31" fill="hold">
+                      <p:stCondLst>
+                        <p:cond delay="indefinite"/>
+                      </p:stCondLst>
+                      <p:childTnLst>
+                        <p:par>
+                          <p:cTn id="32" fill="hold">
+                            <p:stCondLst>
+                              <p:cond delay="0"/>
+                            </p:stCondLst>
+                            <p:childTnLst>
+                              <p:par>
+                                <p:cTn id="33" presetID="1" presetClass="entr" presetSubtype="0" fill="hold" nodeType="clickEffect">
+                                  <p:stCondLst>
+                                    <p:cond delay="0"/>
+                                  </p:stCondLst>
+                                  <p:childTnLst>
+                                    <p:set>
+                                      <p:cBhvr>
+                                        <p:cTn id="34" dur="1" fill="hold">
+                                          <p:stCondLst>
+                                            <p:cond delay="0"/>
+                                          </p:stCondLst>
+                                        </p:cTn>
+                                        <p:tgtEl>
+                                          <p:spTgt spid="4">
+                                            <p:txEl>
+                                              <p:pRg st="13" end="13"/>
+                                            </p:txEl>
+                                          </p:spTgt>
+                                        </p:tgtEl>
+                                        <p:attrNameLst>
+                                          <p:attrName>style.visibility</p:attrName>
+                                        </p:attrNameLst>
+                                      </p:cBhvr>
+                                      <p:to>
+                                        <p:strVal val="visible"/>
+                                      </p:to>
+                                    </p:set>
+                                  </p:childTnLst>
+                                </p:cTn>
+                              </p:par>
+                            </p:childTnLst>
+                          </p:cTn>
+                        </p:par>
+                      </p:childTnLst>
+                    </p:cTn>
+                  </p:par>
+                </p:childTnLst>
+              </p:cTn>
+              <p:prevCondLst>
+                <p:cond evt="onPrev" delay="0">
+                  <p:tgtEl>
+                    <p:sldTgt/>
+                  </p:tgtEl>
+                </p:cond>
+              </p:prevCondLst>
+              <p:nextCondLst>
+                <p:cond evt="onNext" delay="0">
+                  <p:tgtEl>
+                    <p:sldTgt/>
+                  </p:tgtEl>
+                </p:cond>
+              </p:nextCondLst>
+            </p:seq>
+          </p:childTnLst>
+        </p:cTn>
+      </p:par>
+    </p:tnLst>
+  </p:timing>
+</p:sld>
+</file>
+
+<file path=ppt/slides/slide38.xml><?xml version="1.0" encoding="utf-8"?>
+<p:sld xmlns:a="http://schemas.openxmlformats.org/drawingml/2006/main" xmlns:r="http://schemas.openxmlformats.org/officeDocument/2006/relationships" xmlns:p="http://schemas.openxmlformats.org/presentationml/2006/main">
+  <p:cSld>
+    <p:spTree>
+      <p:nvGrpSpPr>
+        <p:cNvPr id="1" name="">
+          <a:extLst>
+            <a:ext uri="{FF2B5EF4-FFF2-40B4-BE49-F238E27FC236}">
+              <a16:creationId xmlns:a16="http://schemas.microsoft.com/office/drawing/2014/main" id="{E379BBAA-FAD6-9637-5EEB-913B2035A2FD}"/>
+            </a:ext>
+          </a:extLst>
+        </p:cNvPr>
+        <p:cNvGrpSpPr/>
+        <p:nvPr/>
+      </p:nvGrpSpPr>
+      <p:grpSpPr>
+        <a:xfrm>
+          <a:off x="0" y="0"/>
+          <a:ext cx="0" cy="0"/>
+          <a:chOff x="0" y="0"/>
+          <a:chExt cx="0" cy="0"/>
+        </a:xfrm>
+      </p:grpSpPr>
+      <p:sp>
+        <p:nvSpPr>
+          <p:cNvPr id="3" name="Subtitle 2">
+            <a:extLst>
+              <a:ext uri="{FF2B5EF4-FFF2-40B4-BE49-F238E27FC236}">
+                <a16:creationId xmlns:a16="http://schemas.microsoft.com/office/drawing/2014/main" id="{EFEB724C-BBFB-4DFE-2620-981243700F00}"/>
+              </a:ext>
+            </a:extLst>
+          </p:cNvPr>
+          <p:cNvSpPr>
+            <a:spLocks noGrp="1"/>
+          </p:cNvSpPr>
+          <p:nvPr>
+            <p:ph type="subTitle" idx="1"/>
+          </p:nvPr>
+        </p:nvSpPr>
+        <p:spPr>
+          <a:xfrm>
+            <a:off x="152399" y="217488"/>
+            <a:ext cx="11223171" cy="303212"/>
+          </a:xfrm>
+        </p:spPr>
+        <p:txBody>
+          <a:bodyPr>
+            <a:normAutofit fontScale="92500" lnSpcReduction="20000"/>
+          </a:bodyPr>
+          <a:lstStyle/>
+          <a:p>
+            <a:r>
+              <a:rPr lang="en-US" sz="1800" b="1"/>
+              <a:t>Understanding Polymorphism – Object VS Reference</a:t>
+            </a:r>
+          </a:p>
+        </p:txBody>
+      </p:sp>
+      <p:sp>
+        <p:nvSpPr>
+          <p:cNvPr id="4" name="Subtitle 2">
+            <a:extLst>
+              <a:ext uri="{FF2B5EF4-FFF2-40B4-BE49-F238E27FC236}">
+                <a16:creationId xmlns:a16="http://schemas.microsoft.com/office/drawing/2014/main" id="{3997B17E-99FF-BC1D-9005-87F039B332E0}"/>
+              </a:ext>
+            </a:extLst>
+          </p:cNvPr>
+          <p:cNvSpPr txBox="1">
+            <a:spLocks/>
+          </p:cNvSpPr>
+          <p:nvPr/>
+        </p:nvSpPr>
+        <p:spPr>
+          <a:xfrm>
+            <a:off x="0" y="820738"/>
+            <a:ext cx="12192000" cy="6037262"/>
+          </a:xfrm>
+          <a:prstGeom prst="rect">
+            <a:avLst/>
+          </a:prstGeom>
+        </p:spPr>
+        <p:txBody>
+          <a:bodyPr vert="horz" lIns="91440" tIns="45720" rIns="91440" bIns="45720" rtlCol="0">
+            <a:normAutofit/>
+          </a:bodyPr>
+          <a:lstStyle>
+            <a:lvl1pPr marL="0" indent="0" algn="ctr" defTabSz="914400" rtl="0" eaLnBrk="1" latinLnBrk="0" hangingPunct="1">
+              <a:lnSpc>
+                <a:spcPct val="90000"/>
+              </a:lnSpc>
+              <a:spcBef>
+                <a:spcPts val="1000"/>
+              </a:spcBef>
+              <a:buFont typeface="Arial" panose="020B0604020202020204" pitchFamily="34" charset="0"/>
+              <a:buNone/>
+              <a:defRPr sz="2400" kern="1200">
+                <a:solidFill>
+                  <a:schemeClr val="tx1"/>
+                </a:solidFill>
+                <a:latin typeface="+mn-lt"/>
+                <a:ea typeface="+mn-ea"/>
+                <a:cs typeface="+mn-cs"/>
+              </a:defRPr>
+            </a:lvl1pPr>
+            <a:lvl2pPr marL="457200" indent="0" algn="ctr" defTabSz="914400" rtl="0" eaLnBrk="1" latinLnBrk="0" hangingPunct="1">
+              <a:lnSpc>
+                <a:spcPct val="90000"/>
+              </a:lnSpc>
+              <a:spcBef>
+                <a:spcPts val="500"/>
+              </a:spcBef>
+              <a:buFont typeface="Arial" panose="020B0604020202020204" pitchFamily="34" charset="0"/>
+              <a:buNone/>
+              <a:defRPr sz="2000" kern="1200">
+                <a:solidFill>
+                  <a:schemeClr val="tx1"/>
+                </a:solidFill>
+                <a:latin typeface="+mn-lt"/>
+                <a:ea typeface="+mn-ea"/>
+                <a:cs typeface="+mn-cs"/>
+              </a:defRPr>
+            </a:lvl2pPr>
+            <a:lvl3pPr marL="914400" indent="0" algn="ctr" defTabSz="914400" rtl="0" eaLnBrk="1" latinLnBrk="0" hangingPunct="1">
+              <a:lnSpc>
+                <a:spcPct val="90000"/>
+              </a:lnSpc>
+              <a:spcBef>
+                <a:spcPts val="500"/>
+              </a:spcBef>
+              <a:buFont typeface="Arial" panose="020B0604020202020204" pitchFamily="34" charset="0"/>
+              <a:buNone/>
+              <a:defRPr sz="1800" kern="1200">
+                <a:solidFill>
+                  <a:schemeClr val="tx1"/>
+                </a:solidFill>
+                <a:latin typeface="+mn-lt"/>
+                <a:ea typeface="+mn-ea"/>
+                <a:cs typeface="+mn-cs"/>
+              </a:defRPr>
+            </a:lvl3pPr>
+            <a:lvl4pPr marL="1371600" indent="0" algn="ctr" defTabSz="914400" rtl="0" eaLnBrk="1" latinLnBrk="0" hangingPunct="1">
+              <a:lnSpc>
+                <a:spcPct val="90000"/>
+              </a:lnSpc>
+              <a:spcBef>
+                <a:spcPts val="500"/>
+              </a:spcBef>
+              <a:buFont typeface="Arial" panose="020B0604020202020204" pitchFamily="34" charset="0"/>
+              <a:buNone/>
+              <a:defRPr sz="1600" kern="1200">
+                <a:solidFill>
+                  <a:schemeClr val="tx1"/>
+                </a:solidFill>
+                <a:latin typeface="+mn-lt"/>
+                <a:ea typeface="+mn-ea"/>
+                <a:cs typeface="+mn-cs"/>
+              </a:defRPr>
+            </a:lvl4pPr>
+            <a:lvl5pPr marL="1828800" indent="0" algn="ctr" defTabSz="914400" rtl="0" eaLnBrk="1" latinLnBrk="0" hangingPunct="1">
+              <a:lnSpc>
+                <a:spcPct val="90000"/>
+              </a:lnSpc>
+              <a:spcBef>
+                <a:spcPts val="500"/>
+              </a:spcBef>
+              <a:buFont typeface="Arial" panose="020B0604020202020204" pitchFamily="34" charset="0"/>
+              <a:buNone/>
+              <a:defRPr sz="1600" kern="1200">
+                <a:solidFill>
+                  <a:schemeClr val="tx1"/>
+                </a:solidFill>
+                <a:latin typeface="+mn-lt"/>
+                <a:ea typeface="+mn-ea"/>
+                <a:cs typeface="+mn-cs"/>
+              </a:defRPr>
+            </a:lvl5pPr>
+            <a:lvl6pPr marL="2286000" indent="0" algn="ctr" defTabSz="914400" rtl="0" eaLnBrk="1" latinLnBrk="0" hangingPunct="1">
+              <a:lnSpc>
+                <a:spcPct val="90000"/>
+              </a:lnSpc>
+              <a:spcBef>
+                <a:spcPts val="500"/>
+              </a:spcBef>
+              <a:buFont typeface="Arial" panose="020B0604020202020204" pitchFamily="34" charset="0"/>
+              <a:buNone/>
+              <a:defRPr sz="1600" kern="1200">
+                <a:solidFill>
+                  <a:schemeClr val="tx1"/>
+                </a:solidFill>
+                <a:latin typeface="+mn-lt"/>
+                <a:ea typeface="+mn-ea"/>
+                <a:cs typeface="+mn-cs"/>
+              </a:defRPr>
+            </a:lvl6pPr>
+            <a:lvl7pPr marL="2743200" indent="0" algn="ctr" defTabSz="914400" rtl="0" eaLnBrk="1" latinLnBrk="0" hangingPunct="1">
+              <a:lnSpc>
+                <a:spcPct val="90000"/>
+              </a:lnSpc>
+              <a:spcBef>
+                <a:spcPts val="500"/>
+              </a:spcBef>
+              <a:buFont typeface="Arial" panose="020B0604020202020204" pitchFamily="34" charset="0"/>
+              <a:buNone/>
+              <a:defRPr sz="1600" kern="1200">
+                <a:solidFill>
+                  <a:schemeClr val="tx1"/>
+                </a:solidFill>
+                <a:latin typeface="+mn-lt"/>
+                <a:ea typeface="+mn-ea"/>
+                <a:cs typeface="+mn-cs"/>
+              </a:defRPr>
+            </a:lvl7pPr>
+            <a:lvl8pPr marL="3200400" indent="0" algn="ctr" defTabSz="914400" rtl="0" eaLnBrk="1" latinLnBrk="0" hangingPunct="1">
+              <a:lnSpc>
+                <a:spcPct val="90000"/>
+              </a:lnSpc>
+              <a:spcBef>
+                <a:spcPts val="500"/>
+              </a:spcBef>
+              <a:buFont typeface="Arial" panose="020B0604020202020204" pitchFamily="34" charset="0"/>
+              <a:buNone/>
+              <a:defRPr sz="1600" kern="1200">
+                <a:solidFill>
+                  <a:schemeClr val="tx1"/>
+                </a:solidFill>
+                <a:latin typeface="+mn-lt"/>
+                <a:ea typeface="+mn-ea"/>
+                <a:cs typeface="+mn-cs"/>
+              </a:defRPr>
+            </a:lvl8pPr>
+            <a:lvl9pPr marL="3657600" indent="0" algn="ctr" defTabSz="914400" rtl="0" eaLnBrk="1" latinLnBrk="0" hangingPunct="1">
+              <a:lnSpc>
+                <a:spcPct val="90000"/>
+              </a:lnSpc>
+              <a:spcBef>
+                <a:spcPts val="500"/>
+              </a:spcBef>
+              <a:buFont typeface="Arial" panose="020B0604020202020204" pitchFamily="34" charset="0"/>
+              <a:buNone/>
+              <a:defRPr sz="1600" kern="1200">
+                <a:solidFill>
+                  <a:schemeClr val="tx1"/>
+                </a:solidFill>
+                <a:latin typeface="+mn-lt"/>
+                <a:ea typeface="+mn-ea"/>
+                <a:cs typeface="+mn-cs"/>
+              </a:defRPr>
+            </a:lvl9pPr>
+          </a:lstStyle>
+          <a:p>
+            <a:pPr algn="l"/>
+            <a:endParaRPr lang="en-US" sz="1800">
+              <a:sym typeface="Wingdings" pitchFamily="2" charset="2"/>
+            </a:endParaRPr>
+          </a:p>
+        </p:txBody>
+      </p:sp>
+      <p:sp>
+        <p:nvSpPr>
+          <p:cNvPr id="2" name="TextBox 1">
+            <a:extLst>
+              <a:ext uri="{FF2B5EF4-FFF2-40B4-BE49-F238E27FC236}">
+                <a16:creationId xmlns:a16="http://schemas.microsoft.com/office/drawing/2014/main" id="{9A40003A-EF94-5983-0610-E1D870E7B9BA}"/>
+              </a:ext>
+            </a:extLst>
+          </p:cNvPr>
+          <p:cNvSpPr txBox="1"/>
+          <p:nvPr/>
+        </p:nvSpPr>
+        <p:spPr>
+          <a:xfrm>
+            <a:off x="9422780" y="1839951"/>
+            <a:ext cx="184731" cy="369332"/>
+          </a:xfrm>
+          <a:prstGeom prst="rect">
+            <a:avLst/>
+          </a:prstGeom>
+          <a:noFill/>
+        </p:spPr>
+        <p:txBody>
+          <a:bodyPr wrap="none" rtlCol="0">
+            <a:spAutoFit/>
+          </a:bodyPr>
+          <a:lstStyle/>
+          <a:p>
+            <a:endParaRPr lang="en-VN"/>
+          </a:p>
+        </p:txBody>
+      </p:sp>
+      <p:pic>
+        <p:nvPicPr>
+          <p:cNvPr id="6" name="Picture 5">
+            <a:extLst>
+              <a:ext uri="{FF2B5EF4-FFF2-40B4-BE49-F238E27FC236}">
+                <a16:creationId xmlns:a16="http://schemas.microsoft.com/office/drawing/2014/main" id="{3072C177-8A5E-965A-3EFD-C10EA3E40D9A}"/>
+              </a:ext>
+            </a:extLst>
+          </p:cNvPr>
+          <p:cNvPicPr>
+            <a:picLocks noChangeAspect="1"/>
+          </p:cNvPicPr>
+          <p:nvPr/>
+        </p:nvPicPr>
+        <p:blipFill>
+          <a:blip r:embed="rId3"/>
+          <a:stretch>
+            <a:fillRect/>
+          </a:stretch>
+        </p:blipFill>
+        <p:spPr>
+          <a:xfrm>
+            <a:off x="2259673" y="1192212"/>
+            <a:ext cx="7672653" cy="4845050"/>
+          </a:xfrm>
+          <a:prstGeom prst="rect">
+            <a:avLst/>
+          </a:prstGeom>
+        </p:spPr>
+      </p:pic>
+    </p:spTree>
+    <p:extLst>
+      <p:ext uri="{BB962C8B-B14F-4D97-AF65-F5344CB8AC3E}">
+        <p14:creationId xmlns:p14="http://schemas.microsoft.com/office/powerpoint/2010/main" val="1699285044"/>
+      </p:ext>
+    </p:extLst>
+  </p:cSld>
+  <p:clrMapOvr>
+    <a:masterClrMapping/>
+  </p:clrMapOvr>
+  <p:timing>
+    <p:tnLst>
+      <p:par>
+        <p:cTn id="1" dur="indefinite" restart="never" nodeType="tmRoot">
+          <p:childTnLst>
+            <p:seq concurrent="1" nextAc="seek">
+              <p:cTn id="2" dur="indefinite" nodeType="mainSeq">
+                <p:childTnLst>
+                  <p:par>
+                    <p:cTn id="3" fill="hold">
+                      <p:stCondLst>
+                        <p:cond delay="indefinite"/>
+                      </p:stCondLst>
+                      <p:childTnLst>
+                        <p:par>
+                          <p:cTn id="4" fill="hold">
+                            <p:stCondLst>
+                              <p:cond delay="0"/>
+                            </p:stCondLst>
+                            <p:childTnLst>
+                              <p:par>
+                                <p:cTn id="5" presetID="1" presetClass="entr" presetSubtype="0" fill="hold" nodeType="clickEffect" nodePh="1">
+                                  <p:stCondLst>
+                                    <p:cond delay="0"/>
+                                  </p:stCondLst>
+                                  <p:endCondLst>
+                                    <p:cond evt="begin" delay="0">
+                                      <p:tn val="5"/>
+                                    </p:cond>
+                                  </p:endCondLst>
+                                  <p:childTnLst>
+                                    <p:set>
+                                      <p:cBhvr>
+                                        <p:cTn id="6" dur="1" fill="hold">
+                                          <p:stCondLst>
+                                            <p:cond delay="0"/>
+                                          </p:stCondLst>
+                                        </p:cTn>
+                                        <p:tgtEl>
+                                          <p:spTgt spid="4">
+                                            <p:txEl>
+                                              <p:pRg st="0" end="0"/>
+                                            </p:txEl>
+                                          </p:spTgt>
+                                        </p:tgtEl>
+                                        <p:attrNameLst>
+                                          <p:attrName>style.visibility</p:attrName>
+                                        </p:attrNameLst>
+                                      </p:cBhvr>
+                                      <p:to>
+                                        <p:strVal val="visible"/>
+                                      </p:to>
+                                    </p:set>
+                                  </p:childTnLst>
+                                </p:cTn>
+                              </p:par>
+                            </p:childTnLst>
+                          </p:cTn>
+                        </p:par>
+                      </p:childTnLst>
+                    </p:cTn>
+                  </p:par>
+                </p:childTnLst>
+              </p:cTn>
+              <p:prevCondLst>
+                <p:cond evt="onPrev" delay="0">
+                  <p:tgtEl>
+                    <p:sldTgt/>
+                  </p:tgtEl>
+                </p:cond>
+              </p:prevCondLst>
+              <p:nextCondLst>
+                <p:cond evt="onNext" delay="0">
+                  <p:tgtEl>
+                    <p:sldTgt/>
+                  </p:tgtEl>
+                </p:cond>
+              </p:nextCondLst>
+            </p:seq>
+          </p:childTnLst>
+        </p:cTn>
+      </p:par>
+    </p:tnLst>
+  </p:timing>
+</p:sld>
+</file>
+
+<file path=ppt/slides/slide39.xml><?xml version="1.0" encoding="utf-8"?>
+<p:sld xmlns:a="http://schemas.openxmlformats.org/drawingml/2006/main" xmlns:r="http://schemas.openxmlformats.org/officeDocument/2006/relationships" xmlns:p="http://schemas.openxmlformats.org/presentationml/2006/main">
+  <p:cSld>
+    <p:spTree>
+      <p:nvGrpSpPr>
+        <p:cNvPr id="1" name="">
+          <a:extLst>
+            <a:ext uri="{FF2B5EF4-FFF2-40B4-BE49-F238E27FC236}">
+              <a16:creationId xmlns:a16="http://schemas.microsoft.com/office/drawing/2014/main" id="{C693A86D-194B-1614-C701-CDE741C9FEAB}"/>
+            </a:ext>
+          </a:extLst>
+        </p:cNvPr>
+        <p:cNvGrpSpPr/>
+        <p:nvPr/>
+      </p:nvGrpSpPr>
+      <p:grpSpPr>
+        <a:xfrm>
+          <a:off x="0" y="0"/>
+          <a:ext cx="0" cy="0"/>
+          <a:chOff x="0" y="0"/>
+          <a:chExt cx="0" cy="0"/>
+        </a:xfrm>
+      </p:grpSpPr>
+      <p:sp>
+        <p:nvSpPr>
+          <p:cNvPr id="3" name="Subtitle 2">
+            <a:extLst>
+              <a:ext uri="{FF2B5EF4-FFF2-40B4-BE49-F238E27FC236}">
+                <a16:creationId xmlns:a16="http://schemas.microsoft.com/office/drawing/2014/main" id="{608C98FC-2E7A-7D7F-F40E-57635066B136}"/>
+              </a:ext>
+            </a:extLst>
+          </p:cNvPr>
+          <p:cNvSpPr>
+            <a:spLocks noGrp="1"/>
+          </p:cNvSpPr>
+          <p:nvPr>
+            <p:ph type="subTitle" idx="1"/>
+          </p:nvPr>
+        </p:nvSpPr>
+        <p:spPr>
+          <a:xfrm>
+            <a:off x="152399" y="217488"/>
+            <a:ext cx="11223171" cy="303212"/>
+          </a:xfrm>
+        </p:spPr>
+        <p:txBody>
+          <a:bodyPr>
+            <a:normAutofit fontScale="92500" lnSpcReduction="20000"/>
+          </a:bodyPr>
+          <a:lstStyle/>
+          <a:p>
+            <a:r>
+              <a:rPr lang="en-US" sz="1800" b="1"/>
+              <a:t>Understanding Polymorphism – Casting Object</a:t>
+            </a:r>
+          </a:p>
+        </p:txBody>
+      </p:sp>
+      <p:sp>
+        <p:nvSpPr>
+          <p:cNvPr id="4" name="Subtitle 2">
+            <a:extLst>
+              <a:ext uri="{FF2B5EF4-FFF2-40B4-BE49-F238E27FC236}">
+                <a16:creationId xmlns:a16="http://schemas.microsoft.com/office/drawing/2014/main" id="{A1E480B4-E93E-7D39-9D4F-A0592FB77295}"/>
+              </a:ext>
+            </a:extLst>
+          </p:cNvPr>
+          <p:cNvSpPr txBox="1">
+            <a:spLocks/>
+          </p:cNvSpPr>
+          <p:nvPr/>
+        </p:nvSpPr>
+        <p:spPr>
+          <a:xfrm>
+            <a:off x="0" y="820738"/>
+            <a:ext cx="12192000" cy="6037262"/>
+          </a:xfrm>
+          <a:prstGeom prst="rect">
+            <a:avLst/>
+          </a:prstGeom>
+        </p:spPr>
+        <p:txBody>
+          <a:bodyPr vert="horz" lIns="91440" tIns="45720" rIns="91440" bIns="45720" rtlCol="0">
+            <a:normAutofit/>
+          </a:bodyPr>
+          <a:lstStyle>
+            <a:lvl1pPr marL="0" indent="0" algn="ctr" defTabSz="914400" rtl="0" eaLnBrk="1" latinLnBrk="0" hangingPunct="1">
+              <a:lnSpc>
+                <a:spcPct val="90000"/>
+              </a:lnSpc>
+              <a:spcBef>
+                <a:spcPts val="1000"/>
+              </a:spcBef>
+              <a:buFont typeface="Arial" panose="020B0604020202020204" pitchFamily="34" charset="0"/>
+              <a:buNone/>
+              <a:defRPr sz="2400" kern="1200">
+                <a:solidFill>
+                  <a:schemeClr val="tx1"/>
+                </a:solidFill>
+                <a:latin typeface="+mn-lt"/>
+                <a:ea typeface="+mn-ea"/>
+                <a:cs typeface="+mn-cs"/>
+              </a:defRPr>
+            </a:lvl1pPr>
+            <a:lvl2pPr marL="457200" indent="0" algn="ctr" defTabSz="914400" rtl="0" eaLnBrk="1" latinLnBrk="0" hangingPunct="1">
+              <a:lnSpc>
+                <a:spcPct val="90000"/>
+              </a:lnSpc>
+              <a:spcBef>
+                <a:spcPts val="500"/>
+              </a:spcBef>
+              <a:buFont typeface="Arial" panose="020B0604020202020204" pitchFamily="34" charset="0"/>
+              <a:buNone/>
+              <a:defRPr sz="2000" kern="1200">
+                <a:solidFill>
+                  <a:schemeClr val="tx1"/>
+                </a:solidFill>
+                <a:latin typeface="+mn-lt"/>
+                <a:ea typeface="+mn-ea"/>
+                <a:cs typeface="+mn-cs"/>
+              </a:defRPr>
+            </a:lvl2pPr>
+            <a:lvl3pPr marL="914400" indent="0" algn="ctr" defTabSz="914400" rtl="0" eaLnBrk="1" latinLnBrk="0" hangingPunct="1">
+              <a:lnSpc>
+                <a:spcPct val="90000"/>
+              </a:lnSpc>
+              <a:spcBef>
+                <a:spcPts val="500"/>
+              </a:spcBef>
+              <a:buFont typeface="Arial" panose="020B0604020202020204" pitchFamily="34" charset="0"/>
+              <a:buNone/>
+              <a:defRPr sz="1800" kern="1200">
+                <a:solidFill>
+                  <a:schemeClr val="tx1"/>
+                </a:solidFill>
+                <a:latin typeface="+mn-lt"/>
+                <a:ea typeface="+mn-ea"/>
+                <a:cs typeface="+mn-cs"/>
+              </a:defRPr>
+            </a:lvl3pPr>
+            <a:lvl4pPr marL="1371600" indent="0" algn="ctr" defTabSz="914400" rtl="0" eaLnBrk="1" latinLnBrk="0" hangingPunct="1">
+              <a:lnSpc>
+                <a:spcPct val="90000"/>
+              </a:lnSpc>
+              <a:spcBef>
+                <a:spcPts val="500"/>
+              </a:spcBef>
+              <a:buFont typeface="Arial" panose="020B0604020202020204" pitchFamily="34" charset="0"/>
+              <a:buNone/>
+              <a:defRPr sz="1600" kern="1200">
+                <a:solidFill>
+                  <a:schemeClr val="tx1"/>
+                </a:solidFill>
+                <a:latin typeface="+mn-lt"/>
+                <a:ea typeface="+mn-ea"/>
+                <a:cs typeface="+mn-cs"/>
+              </a:defRPr>
+            </a:lvl4pPr>
+            <a:lvl5pPr marL="1828800" indent="0" algn="ctr" defTabSz="914400" rtl="0" eaLnBrk="1" latinLnBrk="0" hangingPunct="1">
+              <a:lnSpc>
+                <a:spcPct val="90000"/>
+              </a:lnSpc>
+              <a:spcBef>
+                <a:spcPts val="500"/>
+              </a:spcBef>
+              <a:buFont typeface="Arial" panose="020B0604020202020204" pitchFamily="34" charset="0"/>
+              <a:buNone/>
+              <a:defRPr sz="1600" kern="1200">
+                <a:solidFill>
+                  <a:schemeClr val="tx1"/>
+                </a:solidFill>
+                <a:latin typeface="+mn-lt"/>
+                <a:ea typeface="+mn-ea"/>
+                <a:cs typeface="+mn-cs"/>
+              </a:defRPr>
+            </a:lvl5pPr>
+            <a:lvl6pPr marL="2286000" indent="0" algn="ctr" defTabSz="914400" rtl="0" eaLnBrk="1" latinLnBrk="0" hangingPunct="1">
+              <a:lnSpc>
+                <a:spcPct val="90000"/>
+              </a:lnSpc>
+              <a:spcBef>
+                <a:spcPts val="500"/>
+              </a:spcBef>
+              <a:buFont typeface="Arial" panose="020B0604020202020204" pitchFamily="34" charset="0"/>
+              <a:buNone/>
+              <a:defRPr sz="1600" kern="1200">
+                <a:solidFill>
+                  <a:schemeClr val="tx1"/>
+                </a:solidFill>
+                <a:latin typeface="+mn-lt"/>
+                <a:ea typeface="+mn-ea"/>
+                <a:cs typeface="+mn-cs"/>
+              </a:defRPr>
+            </a:lvl6pPr>
+            <a:lvl7pPr marL="2743200" indent="0" algn="ctr" defTabSz="914400" rtl="0" eaLnBrk="1" latinLnBrk="0" hangingPunct="1">
+              <a:lnSpc>
+                <a:spcPct val="90000"/>
+              </a:lnSpc>
+              <a:spcBef>
+                <a:spcPts val="500"/>
+              </a:spcBef>
+              <a:buFont typeface="Arial" panose="020B0604020202020204" pitchFamily="34" charset="0"/>
+              <a:buNone/>
+              <a:defRPr sz="1600" kern="1200">
+                <a:solidFill>
+                  <a:schemeClr val="tx1"/>
+                </a:solidFill>
+                <a:latin typeface="+mn-lt"/>
+                <a:ea typeface="+mn-ea"/>
+                <a:cs typeface="+mn-cs"/>
+              </a:defRPr>
+            </a:lvl7pPr>
+            <a:lvl8pPr marL="3200400" indent="0" algn="ctr" defTabSz="914400" rtl="0" eaLnBrk="1" latinLnBrk="0" hangingPunct="1">
+              <a:lnSpc>
+                <a:spcPct val="90000"/>
+              </a:lnSpc>
+              <a:spcBef>
+                <a:spcPts val="500"/>
+              </a:spcBef>
+              <a:buFont typeface="Arial" panose="020B0604020202020204" pitchFamily="34" charset="0"/>
+              <a:buNone/>
+              <a:defRPr sz="1600" kern="1200">
+                <a:solidFill>
+                  <a:schemeClr val="tx1"/>
+                </a:solidFill>
+                <a:latin typeface="+mn-lt"/>
+                <a:ea typeface="+mn-ea"/>
+                <a:cs typeface="+mn-cs"/>
+              </a:defRPr>
+            </a:lvl8pPr>
+            <a:lvl9pPr marL="3657600" indent="0" algn="ctr" defTabSz="914400" rtl="0" eaLnBrk="1" latinLnBrk="0" hangingPunct="1">
+              <a:lnSpc>
+                <a:spcPct val="90000"/>
+              </a:lnSpc>
+              <a:spcBef>
+                <a:spcPts val="500"/>
+              </a:spcBef>
+              <a:buFont typeface="Arial" panose="020B0604020202020204" pitchFamily="34" charset="0"/>
+              <a:buNone/>
+              <a:defRPr sz="1600" kern="1200">
+                <a:solidFill>
+                  <a:schemeClr val="tx1"/>
+                </a:solidFill>
+                <a:latin typeface="+mn-lt"/>
+                <a:ea typeface="+mn-ea"/>
+                <a:cs typeface="+mn-cs"/>
+              </a:defRPr>
+            </a:lvl9pPr>
+          </a:lstStyle>
+          <a:p>
+            <a:pPr algn="l"/>
+            <a:r>
+              <a:rPr lang="en-US" sz="1800">
+                <a:sym typeface="Wingdings" pitchFamily="2" charset="2"/>
+              </a:rPr>
+              <a:t>- In order to access again, we need ... cast</a:t>
+            </a:r>
+          </a:p>
+          <a:p>
+            <a:pPr algn="l"/>
+            <a:r>
+              <a:rPr lang="en-US" sz="1800">
+                <a:sym typeface="Wingdings" pitchFamily="2" charset="2"/>
+              </a:rPr>
+              <a:t>(explicit cast = ... cast)</a:t>
+            </a:r>
+          </a:p>
+          <a:p>
+            <a:pPr algn="l"/>
+            <a:endParaRPr lang="en-US" sz="1800">
+              <a:sym typeface="Wingdings" pitchFamily="2" charset="2"/>
+            </a:endParaRPr>
+          </a:p>
+          <a:p>
+            <a:pPr algn="l"/>
+            <a:endParaRPr lang="en-US" sz="1800">
+              <a:sym typeface="Wingdings" pitchFamily="2" charset="2"/>
+            </a:endParaRPr>
+          </a:p>
+          <a:p>
+            <a:pPr algn="l"/>
+            <a:endParaRPr lang="en-US" sz="1800">
+              <a:sym typeface="Wingdings" pitchFamily="2" charset="2"/>
+            </a:endParaRPr>
+          </a:p>
+          <a:p>
+            <a:pPr algn="l"/>
+            <a:endParaRPr lang="en-US" sz="1800">
+              <a:sym typeface="Wingdings" pitchFamily="2" charset="2"/>
+            </a:endParaRPr>
+          </a:p>
+          <a:p>
+            <a:pPr algn="l"/>
+            <a:endParaRPr lang="en-US" sz="1800">
+              <a:sym typeface="Wingdings" pitchFamily="2" charset="2"/>
+            </a:endParaRPr>
+          </a:p>
+          <a:p>
+            <a:pPr algn="l"/>
+            <a:endParaRPr lang="en-US" sz="1800">
+              <a:sym typeface="Wingdings" pitchFamily="2" charset="2"/>
+            </a:endParaRPr>
+          </a:p>
+          <a:p>
+            <a:pPr algn="l"/>
+            <a:r>
+              <a:rPr lang="en-US" sz="1800">
+                <a:sym typeface="Wingdings" pitchFamily="2" charset="2"/>
+              </a:rPr>
+              <a:t>- We have 4 rules for casting object:</a:t>
+            </a:r>
+          </a:p>
+          <a:p>
+            <a:pPr algn="l"/>
+            <a:r>
+              <a:rPr lang="en-US" sz="1800">
+                <a:sym typeface="Wingdings" pitchFamily="2" charset="2"/>
+              </a:rPr>
+              <a:t>+)</a:t>
+            </a:r>
+          </a:p>
+          <a:p>
+            <a:pPr algn="l"/>
+            <a:r>
+              <a:rPr lang="en-US" sz="1800">
+                <a:sym typeface="Wingdings" pitchFamily="2" charset="2"/>
+              </a:rPr>
+              <a:t>+) </a:t>
+            </a:r>
+          </a:p>
+          <a:p>
+            <a:pPr algn="l"/>
+            <a:r>
+              <a:rPr lang="en-US" sz="1800">
+                <a:sym typeface="Wingdings" pitchFamily="2" charset="2"/>
+              </a:rPr>
+              <a:t>+) </a:t>
+            </a:r>
+          </a:p>
+          <a:p>
+            <a:pPr algn="l"/>
+            <a:r>
+              <a:rPr lang="en-US" sz="1800">
+                <a:sym typeface="Wingdings" pitchFamily="2" charset="2"/>
+              </a:rPr>
+              <a:t>+)</a:t>
+            </a:r>
+          </a:p>
+          <a:p>
+            <a:pPr algn="l"/>
+            <a:r>
+              <a:rPr lang="en-US" sz="1800">
+                <a:sym typeface="Wingdings" pitchFamily="2" charset="2"/>
+              </a:rPr>
+              <a:t>(code illustration snippet 67 - 68)</a:t>
+            </a:r>
+          </a:p>
+          <a:p>
+            <a:pPr algn="l"/>
+            <a:endParaRPr lang="en-US" sz="1800">
+              <a:sym typeface="Wingdings" pitchFamily="2" charset="2"/>
+            </a:endParaRPr>
+          </a:p>
+          <a:p>
+            <a:pPr algn="l"/>
+            <a:r>
+              <a:rPr lang="en-US" sz="1800">
+                <a:sym typeface="Wingdings" pitchFamily="2" charset="2"/>
+              </a:rPr>
+              <a:t> </a:t>
+            </a:r>
+          </a:p>
+        </p:txBody>
+      </p:sp>
+      <p:sp>
+        <p:nvSpPr>
+          <p:cNvPr id="2" name="TextBox 1">
+            <a:extLst>
+              <a:ext uri="{FF2B5EF4-FFF2-40B4-BE49-F238E27FC236}">
+                <a16:creationId xmlns:a16="http://schemas.microsoft.com/office/drawing/2014/main" id="{2191A8D3-1E9E-551D-EFDD-58D96EA75D5A}"/>
+              </a:ext>
+            </a:extLst>
+          </p:cNvPr>
+          <p:cNvSpPr txBox="1"/>
+          <p:nvPr/>
+        </p:nvSpPr>
+        <p:spPr>
+          <a:xfrm>
+            <a:off x="9422780" y="1839951"/>
+            <a:ext cx="184731" cy="369332"/>
+          </a:xfrm>
+          <a:prstGeom prst="rect">
+            <a:avLst/>
+          </a:prstGeom>
+          <a:noFill/>
+        </p:spPr>
+        <p:txBody>
+          <a:bodyPr wrap="none" rtlCol="0">
+            <a:spAutoFit/>
+          </a:bodyPr>
+          <a:lstStyle/>
+          <a:p>
+            <a:endParaRPr lang="en-VN"/>
+          </a:p>
+        </p:txBody>
+      </p:sp>
+      <p:pic>
+        <p:nvPicPr>
+          <p:cNvPr id="6" name="Picture 5">
+            <a:extLst>
+              <a:ext uri="{FF2B5EF4-FFF2-40B4-BE49-F238E27FC236}">
+                <a16:creationId xmlns:a16="http://schemas.microsoft.com/office/drawing/2014/main" id="{83B15F3B-3339-62A1-D045-697F127C4A6F}"/>
+              </a:ext>
+            </a:extLst>
+          </p:cNvPr>
+          <p:cNvPicPr>
+            <a:picLocks noChangeAspect="1"/>
+          </p:cNvPicPr>
+          <p:nvPr/>
+        </p:nvPicPr>
+        <p:blipFill>
+          <a:blip r:embed="rId3"/>
+          <a:stretch>
+            <a:fillRect/>
+          </a:stretch>
+        </p:blipFill>
+        <p:spPr>
+          <a:xfrm>
+            <a:off x="2703195" y="1172427"/>
+            <a:ext cx="6785610" cy="2256573"/>
+          </a:xfrm>
+          <a:prstGeom prst="rect">
+            <a:avLst/>
+          </a:prstGeom>
+        </p:spPr>
+      </p:pic>
+    </p:spTree>
+    <p:extLst>
+      <p:ext uri="{BB962C8B-B14F-4D97-AF65-F5344CB8AC3E}">
+        <p14:creationId xmlns:p14="http://schemas.microsoft.com/office/powerpoint/2010/main" val="3933800722"/>
+      </p:ext>
+    </p:extLst>
+  </p:cSld>
+  <p:clrMapOvr>
+    <a:masterClrMapping/>
+  </p:clrMapOvr>
+  <p:timing>
+    <p:tnLst>
+      <p:par>
+        <p:cTn id="1" dur="indefinite" restart="never" nodeType="tmRoot">
+          <p:childTnLst>
+            <p:seq concurrent="1" nextAc="seek">
+              <p:cTn id="2" dur="indefinite" nodeType="mainSeq">
+                <p:childTnLst>
+                  <p:par>
+                    <p:cTn id="3" fill="hold">
+                      <p:stCondLst>
+                        <p:cond delay="indefinite"/>
+                      </p:stCondLst>
+                      <p:childTnLst>
+                        <p:par>
+                          <p:cTn id="4" fill="hold">
+                            <p:stCondLst>
+                              <p:cond delay="0"/>
+                            </p:stCondLst>
+                            <p:childTnLst>
+                              <p:par>
+                                <p:cTn id="5" presetID="1" presetClass="entr" presetSubtype="0" fill="hold" nodeType="clickEffect">
+                                  <p:stCondLst>
+                                    <p:cond delay="0"/>
+                                  </p:stCondLst>
+                                  <p:childTnLst>
+                                    <p:set>
+                                      <p:cBhvr>
+                                        <p:cTn id="6" dur="1" fill="hold">
+                                          <p:stCondLst>
+                                            <p:cond delay="0"/>
+                                          </p:stCondLst>
+                                        </p:cTn>
+                                        <p:tgtEl>
+                                          <p:spTgt spid="4">
+                                            <p:txEl>
+                                              <p:pRg st="0" end="0"/>
+                                            </p:txEl>
+                                          </p:spTgt>
+                                        </p:tgtEl>
+                                        <p:attrNameLst>
+                                          <p:attrName>style.visibility</p:attrName>
+                                        </p:attrNameLst>
+                                      </p:cBhvr>
+                                      <p:to>
+                                        <p:strVal val="visible"/>
+                                      </p:to>
+                                    </p:set>
+                                  </p:childTnLst>
+                                </p:cTn>
+                              </p:par>
+                            </p:childTnLst>
+                          </p:cTn>
+                        </p:par>
+                      </p:childTnLst>
+                    </p:cTn>
+                  </p:par>
+                  <p:par>
+                    <p:cTn id="7" fill="hold">
+                      <p:stCondLst>
+                        <p:cond delay="indefinite"/>
+                      </p:stCondLst>
+                      <p:childTnLst>
+                        <p:par>
+                          <p:cTn id="8" fill="hold">
+                            <p:stCondLst>
+                              <p:cond delay="0"/>
+                            </p:stCondLst>
+                            <p:childTnLst>
+                              <p:par>
+                                <p:cTn id="9" presetID="1" presetClass="entr" presetSubtype="0" fill="hold" nodeType="clickEffect">
+                                  <p:stCondLst>
+                                    <p:cond delay="0"/>
+                                  </p:stCondLst>
+                                  <p:childTnLst>
+                                    <p:set>
+                                      <p:cBhvr>
+                                        <p:cTn id="10" dur="1" fill="hold">
+                                          <p:stCondLst>
+                                            <p:cond delay="0"/>
+                                          </p:stCondLst>
+                                        </p:cTn>
+                                        <p:tgtEl>
+                                          <p:spTgt spid="4">
+                                            <p:txEl>
+                                              <p:pRg st="1" end="1"/>
+                                            </p:txEl>
+                                          </p:spTgt>
+                                        </p:tgtEl>
+                                        <p:attrNameLst>
+                                          <p:attrName>style.visibility</p:attrName>
+                                        </p:attrNameLst>
+                                      </p:cBhvr>
+                                      <p:to>
+                                        <p:strVal val="visible"/>
+                                      </p:to>
+                                    </p:set>
+                                  </p:childTnLst>
+                                </p:cTn>
+                              </p:par>
+                            </p:childTnLst>
+                          </p:cTn>
+                        </p:par>
+                      </p:childTnLst>
+                    </p:cTn>
+                  </p:par>
+                  <p:par>
+                    <p:cTn id="11" fill="hold">
+                      <p:stCondLst>
+                        <p:cond delay="indefinite"/>
+                      </p:stCondLst>
+                      <p:childTnLst>
+                        <p:par>
+                          <p:cTn id="12" fill="hold">
+                            <p:stCondLst>
+                              <p:cond delay="0"/>
+                            </p:stCondLst>
+                            <p:childTnLst>
+                              <p:par>
+                                <p:cTn id="13" presetID="1" presetClass="entr" presetSubtype="0" fill="hold" nodeType="clickEffect">
+                                  <p:stCondLst>
+                                    <p:cond delay="0"/>
+                                  </p:stCondLst>
+                                  <p:childTnLst>
+                                    <p:set>
+                                      <p:cBhvr>
+                                        <p:cTn id="14" dur="1" fill="hold">
+                                          <p:stCondLst>
+                                            <p:cond delay="0"/>
+                                          </p:stCondLst>
+                                        </p:cTn>
+                                        <p:tgtEl>
+                                          <p:spTgt spid="4">
+                                            <p:txEl>
+                                              <p:pRg st="8" end="8"/>
+                                            </p:txEl>
+                                          </p:spTgt>
+                                        </p:tgtEl>
+                                        <p:attrNameLst>
+                                          <p:attrName>style.visibility</p:attrName>
+                                        </p:attrNameLst>
+                                      </p:cBhvr>
+                                      <p:to>
+                                        <p:strVal val="visible"/>
+                                      </p:to>
+                                    </p:set>
+                                  </p:childTnLst>
+                                </p:cTn>
+                              </p:par>
+                            </p:childTnLst>
+                          </p:cTn>
+                        </p:par>
+                      </p:childTnLst>
+                    </p:cTn>
+                  </p:par>
+                  <p:par>
+                    <p:cTn id="15" fill="hold">
+                      <p:stCondLst>
+                        <p:cond delay="indefinite"/>
+                      </p:stCondLst>
+                      <p:childTnLst>
+                        <p:par>
+                          <p:cTn id="16" fill="hold">
+                            <p:stCondLst>
+                              <p:cond delay="0"/>
+                            </p:stCondLst>
+                            <p:childTnLst>
+                              <p:par>
+                                <p:cTn id="17" presetID="1" presetClass="entr" presetSubtype="0" fill="hold" nodeType="clickEffect">
+                                  <p:stCondLst>
+                                    <p:cond delay="0"/>
+                                  </p:stCondLst>
+                                  <p:childTnLst>
+                                    <p:set>
+                                      <p:cBhvr>
+                                        <p:cTn id="18" dur="1" fill="hold">
+                                          <p:stCondLst>
+                                            <p:cond delay="0"/>
+                                          </p:stCondLst>
+                                        </p:cTn>
+                                        <p:tgtEl>
+                                          <p:spTgt spid="4">
+                                            <p:txEl>
+                                              <p:pRg st="9" end="9"/>
+                                            </p:txEl>
+                                          </p:spTgt>
+                                        </p:tgtEl>
+                                        <p:attrNameLst>
+                                          <p:attrName>style.visibility</p:attrName>
+                                        </p:attrNameLst>
+                                      </p:cBhvr>
+                                      <p:to>
+                                        <p:strVal val="visible"/>
+                                      </p:to>
+                                    </p:set>
+                                  </p:childTnLst>
+                                </p:cTn>
+                              </p:par>
+                            </p:childTnLst>
+                          </p:cTn>
+                        </p:par>
+                      </p:childTnLst>
+                    </p:cTn>
+                  </p:par>
+                  <p:par>
+                    <p:cTn id="19" fill="hold">
+                      <p:stCondLst>
+                        <p:cond delay="indefinite"/>
+                      </p:stCondLst>
+                      <p:childTnLst>
+                        <p:par>
+                          <p:cTn id="20" fill="hold">
+                            <p:stCondLst>
+                              <p:cond delay="0"/>
+                            </p:stCondLst>
+                            <p:childTnLst>
+                              <p:par>
+                                <p:cTn id="21" presetID="1" presetClass="entr" presetSubtype="0" fill="hold" nodeType="clickEffect">
+                                  <p:stCondLst>
+                                    <p:cond delay="0"/>
+                                  </p:stCondLst>
+                                  <p:childTnLst>
+                                    <p:set>
+                                      <p:cBhvr>
+                                        <p:cTn id="22" dur="1" fill="hold">
+                                          <p:stCondLst>
+                                            <p:cond delay="0"/>
+                                          </p:stCondLst>
+                                        </p:cTn>
+                                        <p:tgtEl>
+                                          <p:spTgt spid="4">
+                                            <p:txEl>
+                                              <p:pRg st="10" end="10"/>
+                                            </p:txEl>
+                                          </p:spTgt>
+                                        </p:tgtEl>
+                                        <p:attrNameLst>
+                                          <p:attrName>style.visibility</p:attrName>
+                                        </p:attrNameLst>
+                                      </p:cBhvr>
+                                      <p:to>
+                                        <p:strVal val="visible"/>
+                                      </p:to>
+                                    </p:set>
+                                  </p:childTnLst>
+                                </p:cTn>
+                              </p:par>
+                            </p:childTnLst>
+                          </p:cTn>
+                        </p:par>
+                      </p:childTnLst>
+                    </p:cTn>
+                  </p:par>
+                  <p:par>
+                    <p:cTn id="23" fill="hold">
+                      <p:stCondLst>
+                        <p:cond delay="indefinite"/>
+                      </p:stCondLst>
+                      <p:childTnLst>
+                        <p:par>
+                          <p:cTn id="24" fill="hold">
+                            <p:stCondLst>
+                              <p:cond delay="0"/>
+                            </p:stCondLst>
+                            <p:childTnLst>
+                              <p:par>
+                                <p:cTn id="25" presetID="1" presetClass="entr" presetSubtype="0" fill="hold" nodeType="clickEffect">
+                                  <p:stCondLst>
+                                    <p:cond delay="0"/>
+                                  </p:stCondLst>
+                                  <p:childTnLst>
+                                    <p:set>
+                                      <p:cBhvr>
+                                        <p:cTn id="26" dur="1" fill="hold">
+                                          <p:stCondLst>
+                                            <p:cond delay="0"/>
+                                          </p:stCondLst>
+                                        </p:cTn>
+                                        <p:tgtEl>
+                                          <p:spTgt spid="4">
+                                            <p:txEl>
+                                              <p:pRg st="11" end="11"/>
+                                            </p:txEl>
+                                          </p:spTgt>
+                                        </p:tgtEl>
+                                        <p:attrNameLst>
+                                          <p:attrName>style.visibility</p:attrName>
+                                        </p:attrNameLst>
+                                      </p:cBhvr>
+                                      <p:to>
+                                        <p:strVal val="visible"/>
+                                      </p:to>
+                                    </p:set>
+                                  </p:childTnLst>
+                                </p:cTn>
+                              </p:par>
+                            </p:childTnLst>
+                          </p:cTn>
+                        </p:par>
+                      </p:childTnLst>
+                    </p:cTn>
+                  </p:par>
+                  <p:par>
+                    <p:cTn id="27" fill="hold">
+                      <p:stCondLst>
+                        <p:cond delay="indefinite"/>
+                      </p:stCondLst>
+                      <p:childTnLst>
+                        <p:par>
+                          <p:cTn id="28" fill="hold">
+                            <p:stCondLst>
+                              <p:cond delay="0"/>
+                            </p:stCondLst>
+                            <p:childTnLst>
+                              <p:par>
+                                <p:cTn id="29" presetID="1" presetClass="entr" presetSubtype="0" fill="hold" nodeType="clickEffect">
+                                  <p:stCondLst>
+                                    <p:cond delay="0"/>
+                                  </p:stCondLst>
+                                  <p:childTnLst>
+                                    <p:set>
+                                      <p:cBhvr>
+                                        <p:cTn id="30" dur="1" fill="hold">
+                                          <p:stCondLst>
+                                            <p:cond delay="0"/>
+                                          </p:stCondLst>
+                                        </p:cTn>
+                                        <p:tgtEl>
+                                          <p:spTgt spid="4">
+                                            <p:txEl>
+                                              <p:pRg st="12" end="12"/>
+                                            </p:txEl>
+                                          </p:spTgt>
+                                        </p:tgtEl>
+                                        <p:attrNameLst>
+                                          <p:attrName>style.visibility</p:attrName>
+                                        </p:attrNameLst>
+                                      </p:cBhvr>
+                                      <p:to>
+                                        <p:strVal val="visible"/>
+                                      </p:to>
+                                    </p:set>
+                                  </p:childTnLst>
+                                </p:cTn>
+                              </p:par>
+                            </p:childTnLst>
+                          </p:cTn>
+                        </p:par>
+                      </p:childTnLst>
+                    </p:cTn>
+                  </p:par>
+                  <p:par>
+                    <p:cTn id="31" fill="hold">
+                      <p:stCondLst>
+                        <p:cond delay="indefinite"/>
+                      </p:stCondLst>
+                      <p:childTnLst>
+                        <p:par>
+                          <p:cTn id="32" fill="hold">
+                            <p:stCondLst>
+                              <p:cond delay="0"/>
+                            </p:stCondLst>
+                            <p:childTnLst>
+                              <p:par>
+                                <p:cTn id="33" presetID="1" presetClass="entr" presetSubtype="0" fill="hold" nodeType="clickEffect">
+                                  <p:stCondLst>
+                                    <p:cond delay="0"/>
+                                  </p:stCondLst>
+                                  <p:childTnLst>
+                                    <p:set>
+                                      <p:cBhvr>
+                                        <p:cTn id="34" dur="1" fill="hold">
+                                          <p:stCondLst>
+                                            <p:cond delay="0"/>
+                                          </p:stCondLst>
+                                        </p:cTn>
+                                        <p:tgtEl>
+                                          <p:spTgt spid="4">
+                                            <p:txEl>
+                                              <p:pRg st="13" end="13"/>
+                                            </p:txEl>
+                                          </p:spTgt>
+                                        </p:tgtEl>
+                                        <p:attrNameLst>
+                                          <p:attrName>style.visibility</p:attrName>
+                                        </p:attrNameLst>
+                                      </p:cBhvr>
+                                      <p:to>
+                                        <p:strVal val="visible"/>
+                                      </p:to>
+                                    </p:set>
+                                  </p:childTnLst>
+                                </p:cTn>
+                              </p:par>
+                            </p:childTnLst>
+                          </p:cTn>
+                        </p:par>
+                      </p:childTnLst>
+                    </p:cTn>
+                  </p:par>
+                  <p:par>
+                    <p:cTn id="35" fill="hold">
+                      <p:stCondLst>
+                        <p:cond delay="indefinite"/>
+                      </p:stCondLst>
+                      <p:childTnLst>
+                        <p:par>
+                          <p:cTn id="36" fill="hold">
+                            <p:stCondLst>
+                              <p:cond delay="0"/>
+                            </p:stCondLst>
+                            <p:childTnLst>
+                              <p:par>
+                                <p:cTn id="37" presetID="1" presetClass="entr" presetSubtype="0" fill="hold" nodeType="clickEffect">
+                                  <p:stCondLst>
+                                    <p:cond delay="0"/>
+                                  </p:stCondLst>
+                                  <p:childTnLst>
+                                    <p:set>
+                                      <p:cBhvr>
+                                        <p:cTn id="38" dur="1" fill="hold">
+                                          <p:stCondLst>
+                                            <p:cond delay="0"/>
+                                          </p:stCondLst>
+                                        </p:cTn>
+                                        <p:tgtEl>
+                                          <p:spTgt spid="4">
+                                            <p:txEl>
+                                              <p:pRg st="15" end="15"/>
+                                            </p:txEl>
+                                          </p:spTgt>
+                                        </p:tgtEl>
+                                        <p:attrNameLst>
+                                          <p:attrName>style.visibility</p:attrName>
+                                        </p:attrNameLst>
+                                      </p:cBhvr>
+                                      <p:to>
+                                        <p:strVal val="visible"/>
+                                      </p:to>
+                                    </p:set>
+                                  </p:childTnLst>
+                                </p:cTn>
+                              </p:par>
+                            </p:childTnLst>
+                          </p:cTn>
+                        </p:par>
+                      </p:childTnLst>
+                    </p:cTn>
+                  </p:par>
+                </p:childTnLst>
+              </p:cTn>
+              <p:prevCondLst>
+                <p:cond evt="onPrev" delay="0">
+                  <p:tgtEl>
+                    <p:sldTgt/>
+                  </p:tgtEl>
+                </p:cond>
+              </p:prevCondLst>
+              <p:nextCondLst>
+                <p:cond evt="onNext" delay="0">
+                  <p:tgtEl>
+                    <p:sldTgt/>
+                  </p:tgtEl>
+                </p:cond>
+              </p:nextCondLst>
+            </p:seq>
+          </p:childTnLst>
+        </p:cTn>
+      </p:par>
+    </p:tnLst>
+  </p:timing>
+</p:sld>
+</file>
+
 <file path=ppt/slides/slide4.xml><?xml version="1.0" encoding="utf-8"?>
 <p:sld xmlns:a="http://schemas.openxmlformats.org/drawingml/2006/main" xmlns:r="http://schemas.openxmlformats.org/officeDocument/2006/relationships" xmlns:p="http://schemas.openxmlformats.org/presentationml/2006/main">
   <p:cSld>
@@ -28206,6 +34504,2270 @@
                                           <p:spTgt spid="4">
                                             <p:txEl>
                                               <p:pRg st="0" end="0"/>
+                                            </p:txEl>
+                                          </p:spTgt>
+                                        </p:tgtEl>
+                                        <p:attrNameLst>
+                                          <p:attrName>style.visibility</p:attrName>
+                                        </p:attrNameLst>
+                                      </p:cBhvr>
+                                      <p:to>
+                                        <p:strVal val="visible"/>
+                                      </p:to>
+                                    </p:set>
+                                  </p:childTnLst>
+                                </p:cTn>
+                              </p:par>
+                            </p:childTnLst>
+                          </p:cTn>
+                        </p:par>
+                      </p:childTnLst>
+                    </p:cTn>
+                  </p:par>
+                </p:childTnLst>
+              </p:cTn>
+              <p:prevCondLst>
+                <p:cond evt="onPrev" delay="0">
+                  <p:tgtEl>
+                    <p:sldTgt/>
+                  </p:tgtEl>
+                </p:cond>
+              </p:prevCondLst>
+              <p:nextCondLst>
+                <p:cond evt="onNext" delay="0">
+                  <p:tgtEl>
+                    <p:sldTgt/>
+                  </p:tgtEl>
+                </p:cond>
+              </p:nextCondLst>
+            </p:seq>
+          </p:childTnLst>
+        </p:cTn>
+      </p:par>
+    </p:tnLst>
+  </p:timing>
+</p:sld>
+</file>
+
+<file path=ppt/slides/slide40.xml><?xml version="1.0" encoding="utf-8"?>
+<p:sld xmlns:a="http://schemas.openxmlformats.org/drawingml/2006/main" xmlns:r="http://schemas.openxmlformats.org/officeDocument/2006/relationships" xmlns:p="http://schemas.openxmlformats.org/presentationml/2006/main">
+  <p:cSld>
+    <p:spTree>
+      <p:nvGrpSpPr>
+        <p:cNvPr id="1" name="">
+          <a:extLst>
+            <a:ext uri="{FF2B5EF4-FFF2-40B4-BE49-F238E27FC236}">
+              <a16:creationId xmlns:a16="http://schemas.microsoft.com/office/drawing/2014/main" id="{F3C3B9BE-6301-4433-2F63-AEC0DC047B13}"/>
+            </a:ext>
+          </a:extLst>
+        </p:cNvPr>
+        <p:cNvGrpSpPr/>
+        <p:nvPr/>
+      </p:nvGrpSpPr>
+      <p:grpSpPr>
+        <a:xfrm>
+          <a:off x="0" y="0"/>
+          <a:ext cx="0" cy="0"/>
+          <a:chOff x="0" y="0"/>
+          <a:chExt cx="0" cy="0"/>
+        </a:xfrm>
+      </p:grpSpPr>
+      <p:sp>
+        <p:nvSpPr>
+          <p:cNvPr id="3" name="Subtitle 2">
+            <a:extLst>
+              <a:ext uri="{FF2B5EF4-FFF2-40B4-BE49-F238E27FC236}">
+                <a16:creationId xmlns:a16="http://schemas.microsoft.com/office/drawing/2014/main" id="{2439BC5B-1950-C8A9-848C-FA3830986A37}"/>
+              </a:ext>
+            </a:extLst>
+          </p:cNvPr>
+          <p:cNvSpPr>
+            <a:spLocks noGrp="1"/>
+          </p:cNvSpPr>
+          <p:nvPr>
+            <p:ph type="subTitle" idx="1"/>
+          </p:nvPr>
+        </p:nvSpPr>
+        <p:spPr>
+          <a:xfrm>
+            <a:off x="152399" y="217488"/>
+            <a:ext cx="11223171" cy="303212"/>
+          </a:xfrm>
+        </p:spPr>
+        <p:txBody>
+          <a:bodyPr>
+            <a:normAutofit fontScale="92500" lnSpcReduction="20000"/>
+          </a:bodyPr>
+          <a:lstStyle/>
+          <a:p>
+            <a:r>
+              <a:rPr lang="en-US" sz="1800" b="1"/>
+              <a:t>Understanding Polymorphism – Casting Object</a:t>
+            </a:r>
+          </a:p>
+        </p:txBody>
+      </p:sp>
+      <p:sp>
+        <p:nvSpPr>
+          <p:cNvPr id="4" name="Subtitle 2">
+            <a:extLst>
+              <a:ext uri="{FF2B5EF4-FFF2-40B4-BE49-F238E27FC236}">
+                <a16:creationId xmlns:a16="http://schemas.microsoft.com/office/drawing/2014/main" id="{70E4BD5F-3203-C66B-A7A1-C7346F8B16E9}"/>
+              </a:ext>
+            </a:extLst>
+          </p:cNvPr>
+          <p:cNvSpPr txBox="1">
+            <a:spLocks/>
+          </p:cNvSpPr>
+          <p:nvPr/>
+        </p:nvSpPr>
+        <p:spPr>
+          <a:xfrm>
+            <a:off x="0" y="820738"/>
+            <a:ext cx="12192000" cy="6037262"/>
+          </a:xfrm>
+          <a:prstGeom prst="rect">
+            <a:avLst/>
+          </a:prstGeom>
+        </p:spPr>
+        <p:txBody>
+          <a:bodyPr vert="horz" lIns="91440" tIns="45720" rIns="91440" bIns="45720" rtlCol="0">
+            <a:normAutofit/>
+          </a:bodyPr>
+          <a:lstStyle>
+            <a:lvl1pPr marL="0" indent="0" algn="ctr" defTabSz="914400" rtl="0" eaLnBrk="1" latinLnBrk="0" hangingPunct="1">
+              <a:lnSpc>
+                <a:spcPct val="90000"/>
+              </a:lnSpc>
+              <a:spcBef>
+                <a:spcPts val="1000"/>
+              </a:spcBef>
+              <a:buFont typeface="Arial" panose="020B0604020202020204" pitchFamily="34" charset="0"/>
+              <a:buNone/>
+              <a:defRPr sz="2400" kern="1200">
+                <a:solidFill>
+                  <a:schemeClr val="tx1"/>
+                </a:solidFill>
+                <a:latin typeface="+mn-lt"/>
+                <a:ea typeface="+mn-ea"/>
+                <a:cs typeface="+mn-cs"/>
+              </a:defRPr>
+            </a:lvl1pPr>
+            <a:lvl2pPr marL="457200" indent="0" algn="ctr" defTabSz="914400" rtl="0" eaLnBrk="1" latinLnBrk="0" hangingPunct="1">
+              <a:lnSpc>
+                <a:spcPct val="90000"/>
+              </a:lnSpc>
+              <a:spcBef>
+                <a:spcPts val="500"/>
+              </a:spcBef>
+              <a:buFont typeface="Arial" panose="020B0604020202020204" pitchFamily="34" charset="0"/>
+              <a:buNone/>
+              <a:defRPr sz="2000" kern="1200">
+                <a:solidFill>
+                  <a:schemeClr val="tx1"/>
+                </a:solidFill>
+                <a:latin typeface="+mn-lt"/>
+                <a:ea typeface="+mn-ea"/>
+                <a:cs typeface="+mn-cs"/>
+              </a:defRPr>
+            </a:lvl2pPr>
+            <a:lvl3pPr marL="914400" indent="0" algn="ctr" defTabSz="914400" rtl="0" eaLnBrk="1" latinLnBrk="0" hangingPunct="1">
+              <a:lnSpc>
+                <a:spcPct val="90000"/>
+              </a:lnSpc>
+              <a:spcBef>
+                <a:spcPts val="500"/>
+              </a:spcBef>
+              <a:buFont typeface="Arial" panose="020B0604020202020204" pitchFamily="34" charset="0"/>
+              <a:buNone/>
+              <a:defRPr sz="1800" kern="1200">
+                <a:solidFill>
+                  <a:schemeClr val="tx1"/>
+                </a:solidFill>
+                <a:latin typeface="+mn-lt"/>
+                <a:ea typeface="+mn-ea"/>
+                <a:cs typeface="+mn-cs"/>
+              </a:defRPr>
+            </a:lvl3pPr>
+            <a:lvl4pPr marL="1371600" indent="0" algn="ctr" defTabSz="914400" rtl="0" eaLnBrk="1" latinLnBrk="0" hangingPunct="1">
+              <a:lnSpc>
+                <a:spcPct val="90000"/>
+              </a:lnSpc>
+              <a:spcBef>
+                <a:spcPts val="500"/>
+              </a:spcBef>
+              <a:buFont typeface="Arial" panose="020B0604020202020204" pitchFamily="34" charset="0"/>
+              <a:buNone/>
+              <a:defRPr sz="1600" kern="1200">
+                <a:solidFill>
+                  <a:schemeClr val="tx1"/>
+                </a:solidFill>
+                <a:latin typeface="+mn-lt"/>
+                <a:ea typeface="+mn-ea"/>
+                <a:cs typeface="+mn-cs"/>
+              </a:defRPr>
+            </a:lvl4pPr>
+            <a:lvl5pPr marL="1828800" indent="0" algn="ctr" defTabSz="914400" rtl="0" eaLnBrk="1" latinLnBrk="0" hangingPunct="1">
+              <a:lnSpc>
+                <a:spcPct val="90000"/>
+              </a:lnSpc>
+              <a:spcBef>
+                <a:spcPts val="500"/>
+              </a:spcBef>
+              <a:buFont typeface="Arial" panose="020B0604020202020204" pitchFamily="34" charset="0"/>
+              <a:buNone/>
+              <a:defRPr sz="1600" kern="1200">
+                <a:solidFill>
+                  <a:schemeClr val="tx1"/>
+                </a:solidFill>
+                <a:latin typeface="+mn-lt"/>
+                <a:ea typeface="+mn-ea"/>
+                <a:cs typeface="+mn-cs"/>
+              </a:defRPr>
+            </a:lvl5pPr>
+            <a:lvl6pPr marL="2286000" indent="0" algn="ctr" defTabSz="914400" rtl="0" eaLnBrk="1" latinLnBrk="0" hangingPunct="1">
+              <a:lnSpc>
+                <a:spcPct val="90000"/>
+              </a:lnSpc>
+              <a:spcBef>
+                <a:spcPts val="500"/>
+              </a:spcBef>
+              <a:buFont typeface="Arial" panose="020B0604020202020204" pitchFamily="34" charset="0"/>
+              <a:buNone/>
+              <a:defRPr sz="1600" kern="1200">
+                <a:solidFill>
+                  <a:schemeClr val="tx1"/>
+                </a:solidFill>
+                <a:latin typeface="+mn-lt"/>
+                <a:ea typeface="+mn-ea"/>
+                <a:cs typeface="+mn-cs"/>
+              </a:defRPr>
+            </a:lvl6pPr>
+            <a:lvl7pPr marL="2743200" indent="0" algn="ctr" defTabSz="914400" rtl="0" eaLnBrk="1" latinLnBrk="0" hangingPunct="1">
+              <a:lnSpc>
+                <a:spcPct val="90000"/>
+              </a:lnSpc>
+              <a:spcBef>
+                <a:spcPts val="500"/>
+              </a:spcBef>
+              <a:buFont typeface="Arial" panose="020B0604020202020204" pitchFamily="34" charset="0"/>
+              <a:buNone/>
+              <a:defRPr sz="1600" kern="1200">
+                <a:solidFill>
+                  <a:schemeClr val="tx1"/>
+                </a:solidFill>
+                <a:latin typeface="+mn-lt"/>
+                <a:ea typeface="+mn-ea"/>
+                <a:cs typeface="+mn-cs"/>
+              </a:defRPr>
+            </a:lvl7pPr>
+            <a:lvl8pPr marL="3200400" indent="0" algn="ctr" defTabSz="914400" rtl="0" eaLnBrk="1" latinLnBrk="0" hangingPunct="1">
+              <a:lnSpc>
+                <a:spcPct val="90000"/>
+              </a:lnSpc>
+              <a:spcBef>
+                <a:spcPts val="500"/>
+              </a:spcBef>
+              <a:buFont typeface="Arial" panose="020B0604020202020204" pitchFamily="34" charset="0"/>
+              <a:buNone/>
+              <a:defRPr sz="1600" kern="1200">
+                <a:solidFill>
+                  <a:schemeClr val="tx1"/>
+                </a:solidFill>
+                <a:latin typeface="+mn-lt"/>
+                <a:ea typeface="+mn-ea"/>
+                <a:cs typeface="+mn-cs"/>
+              </a:defRPr>
+            </a:lvl8pPr>
+            <a:lvl9pPr marL="3657600" indent="0" algn="ctr" defTabSz="914400" rtl="0" eaLnBrk="1" latinLnBrk="0" hangingPunct="1">
+              <a:lnSpc>
+                <a:spcPct val="90000"/>
+              </a:lnSpc>
+              <a:spcBef>
+                <a:spcPts val="500"/>
+              </a:spcBef>
+              <a:buFont typeface="Arial" panose="020B0604020202020204" pitchFamily="34" charset="0"/>
+              <a:buNone/>
+              <a:defRPr sz="1600" kern="1200">
+                <a:solidFill>
+                  <a:schemeClr val="tx1"/>
+                </a:solidFill>
+                <a:latin typeface="+mn-lt"/>
+                <a:ea typeface="+mn-ea"/>
+                <a:cs typeface="+mn-cs"/>
+              </a:defRPr>
+            </a:lvl9pPr>
+          </a:lstStyle>
+          <a:p>
+            <a:pPr algn="l"/>
+            <a:r>
+              <a:rPr lang="en-US" sz="1800">
+                <a:sym typeface="Wingdings" pitchFamily="2" charset="2"/>
+              </a:rPr>
+              <a:t>- If we want to avoid ... like the Capybara example, we could use the ... operator to check whether ... the object is ...</a:t>
+            </a:r>
+          </a:p>
+          <a:p>
+            <a:pPr algn="l"/>
+            <a:r>
+              <a:rPr lang="en-US" sz="1800">
+                <a:sym typeface="Wingdings" pitchFamily="2" charset="2"/>
+              </a:rPr>
+              <a:t>(code illustration snippet 69)</a:t>
+            </a:r>
+          </a:p>
+          <a:p>
+            <a:pPr algn="l"/>
+            <a:r>
+              <a:rPr lang="en-US" sz="1800">
+                <a:sym typeface="Wingdings" pitchFamily="2" charset="2"/>
+              </a:rPr>
+              <a:t>Note: This is just an example, the ... operator is only disclosed in OCP exam </a:t>
+            </a:r>
+          </a:p>
+        </p:txBody>
+      </p:sp>
+      <p:sp>
+        <p:nvSpPr>
+          <p:cNvPr id="2" name="TextBox 1">
+            <a:extLst>
+              <a:ext uri="{FF2B5EF4-FFF2-40B4-BE49-F238E27FC236}">
+                <a16:creationId xmlns:a16="http://schemas.microsoft.com/office/drawing/2014/main" id="{3EA4246F-3BCB-5D98-38BF-E8FA3D2F4EA3}"/>
+              </a:ext>
+            </a:extLst>
+          </p:cNvPr>
+          <p:cNvSpPr txBox="1"/>
+          <p:nvPr/>
+        </p:nvSpPr>
+        <p:spPr>
+          <a:xfrm>
+            <a:off x="9422780" y="1839951"/>
+            <a:ext cx="184731" cy="369332"/>
+          </a:xfrm>
+          <a:prstGeom prst="rect">
+            <a:avLst/>
+          </a:prstGeom>
+          <a:noFill/>
+        </p:spPr>
+        <p:txBody>
+          <a:bodyPr wrap="none" rtlCol="0">
+            <a:spAutoFit/>
+          </a:bodyPr>
+          <a:lstStyle/>
+          <a:p>
+            <a:endParaRPr lang="en-VN"/>
+          </a:p>
+        </p:txBody>
+      </p:sp>
+      <p:sp>
+        <p:nvSpPr>
+          <p:cNvPr id="7" name="TextBox 6">
+            <a:extLst>
+              <a:ext uri="{FF2B5EF4-FFF2-40B4-BE49-F238E27FC236}">
+                <a16:creationId xmlns:a16="http://schemas.microsoft.com/office/drawing/2014/main" id="{88C53636-22C3-E80A-507F-BC22DB5BFD57}"/>
+              </a:ext>
+            </a:extLst>
+          </p:cNvPr>
+          <p:cNvSpPr txBox="1"/>
+          <p:nvPr/>
+        </p:nvSpPr>
+        <p:spPr>
+          <a:xfrm>
+            <a:off x="2620537" y="3858322"/>
+            <a:ext cx="184731" cy="369332"/>
+          </a:xfrm>
+          <a:prstGeom prst="rect">
+            <a:avLst/>
+          </a:prstGeom>
+          <a:noFill/>
+        </p:spPr>
+        <p:txBody>
+          <a:bodyPr wrap="none" rtlCol="0">
+            <a:spAutoFit/>
+          </a:bodyPr>
+          <a:lstStyle/>
+          <a:p>
+            <a:endParaRPr lang="en-VN"/>
+          </a:p>
+        </p:txBody>
+      </p:sp>
+    </p:spTree>
+    <p:extLst>
+      <p:ext uri="{BB962C8B-B14F-4D97-AF65-F5344CB8AC3E}">
+        <p14:creationId xmlns:p14="http://schemas.microsoft.com/office/powerpoint/2010/main" val="2317328040"/>
+      </p:ext>
+    </p:extLst>
+  </p:cSld>
+  <p:clrMapOvr>
+    <a:masterClrMapping/>
+  </p:clrMapOvr>
+  <p:timing>
+    <p:tnLst>
+      <p:par>
+        <p:cTn id="1" dur="indefinite" restart="never" nodeType="tmRoot">
+          <p:childTnLst>
+            <p:seq concurrent="1" nextAc="seek">
+              <p:cTn id="2" dur="indefinite" nodeType="mainSeq">
+                <p:childTnLst>
+                  <p:par>
+                    <p:cTn id="3" fill="hold">
+                      <p:stCondLst>
+                        <p:cond delay="indefinite"/>
+                      </p:stCondLst>
+                      <p:childTnLst>
+                        <p:par>
+                          <p:cTn id="4" fill="hold">
+                            <p:stCondLst>
+                              <p:cond delay="0"/>
+                            </p:stCondLst>
+                            <p:childTnLst>
+                              <p:par>
+                                <p:cTn id="5" presetID="1" presetClass="entr" presetSubtype="0" fill="hold" nodeType="clickEffect">
+                                  <p:stCondLst>
+                                    <p:cond delay="0"/>
+                                  </p:stCondLst>
+                                  <p:childTnLst>
+                                    <p:set>
+                                      <p:cBhvr>
+                                        <p:cTn id="6" dur="1" fill="hold">
+                                          <p:stCondLst>
+                                            <p:cond delay="0"/>
+                                          </p:stCondLst>
+                                        </p:cTn>
+                                        <p:tgtEl>
+                                          <p:spTgt spid="4">
+                                            <p:txEl>
+                                              <p:pRg st="0" end="0"/>
+                                            </p:txEl>
+                                          </p:spTgt>
+                                        </p:tgtEl>
+                                        <p:attrNameLst>
+                                          <p:attrName>style.visibility</p:attrName>
+                                        </p:attrNameLst>
+                                      </p:cBhvr>
+                                      <p:to>
+                                        <p:strVal val="visible"/>
+                                      </p:to>
+                                    </p:set>
+                                  </p:childTnLst>
+                                </p:cTn>
+                              </p:par>
+                            </p:childTnLst>
+                          </p:cTn>
+                        </p:par>
+                      </p:childTnLst>
+                    </p:cTn>
+                  </p:par>
+                  <p:par>
+                    <p:cTn id="7" fill="hold">
+                      <p:stCondLst>
+                        <p:cond delay="indefinite"/>
+                      </p:stCondLst>
+                      <p:childTnLst>
+                        <p:par>
+                          <p:cTn id="8" fill="hold">
+                            <p:stCondLst>
+                              <p:cond delay="0"/>
+                            </p:stCondLst>
+                            <p:childTnLst>
+                              <p:par>
+                                <p:cTn id="9" presetID="1" presetClass="entr" presetSubtype="0" fill="hold" nodeType="clickEffect">
+                                  <p:stCondLst>
+                                    <p:cond delay="0"/>
+                                  </p:stCondLst>
+                                  <p:childTnLst>
+                                    <p:set>
+                                      <p:cBhvr>
+                                        <p:cTn id="10" dur="1" fill="hold">
+                                          <p:stCondLst>
+                                            <p:cond delay="0"/>
+                                          </p:stCondLst>
+                                        </p:cTn>
+                                        <p:tgtEl>
+                                          <p:spTgt spid="4">
+                                            <p:txEl>
+                                              <p:pRg st="1" end="1"/>
+                                            </p:txEl>
+                                          </p:spTgt>
+                                        </p:tgtEl>
+                                        <p:attrNameLst>
+                                          <p:attrName>style.visibility</p:attrName>
+                                        </p:attrNameLst>
+                                      </p:cBhvr>
+                                      <p:to>
+                                        <p:strVal val="visible"/>
+                                      </p:to>
+                                    </p:set>
+                                  </p:childTnLst>
+                                </p:cTn>
+                              </p:par>
+                            </p:childTnLst>
+                          </p:cTn>
+                        </p:par>
+                      </p:childTnLst>
+                    </p:cTn>
+                  </p:par>
+                  <p:par>
+                    <p:cTn id="11" fill="hold">
+                      <p:stCondLst>
+                        <p:cond delay="indefinite"/>
+                      </p:stCondLst>
+                      <p:childTnLst>
+                        <p:par>
+                          <p:cTn id="12" fill="hold">
+                            <p:stCondLst>
+                              <p:cond delay="0"/>
+                            </p:stCondLst>
+                            <p:childTnLst>
+                              <p:par>
+                                <p:cTn id="13" presetID="1" presetClass="entr" presetSubtype="0" fill="hold" nodeType="clickEffect">
+                                  <p:stCondLst>
+                                    <p:cond delay="0"/>
+                                  </p:stCondLst>
+                                  <p:childTnLst>
+                                    <p:set>
+                                      <p:cBhvr>
+                                        <p:cTn id="14" dur="1" fill="hold">
+                                          <p:stCondLst>
+                                            <p:cond delay="0"/>
+                                          </p:stCondLst>
+                                        </p:cTn>
+                                        <p:tgtEl>
+                                          <p:spTgt spid="4">
+                                            <p:txEl>
+                                              <p:pRg st="2" end="2"/>
+                                            </p:txEl>
+                                          </p:spTgt>
+                                        </p:tgtEl>
+                                        <p:attrNameLst>
+                                          <p:attrName>style.visibility</p:attrName>
+                                        </p:attrNameLst>
+                                      </p:cBhvr>
+                                      <p:to>
+                                        <p:strVal val="visible"/>
+                                      </p:to>
+                                    </p:set>
+                                  </p:childTnLst>
+                                </p:cTn>
+                              </p:par>
+                            </p:childTnLst>
+                          </p:cTn>
+                        </p:par>
+                      </p:childTnLst>
+                    </p:cTn>
+                  </p:par>
+                </p:childTnLst>
+              </p:cTn>
+              <p:prevCondLst>
+                <p:cond evt="onPrev" delay="0">
+                  <p:tgtEl>
+                    <p:sldTgt/>
+                  </p:tgtEl>
+                </p:cond>
+              </p:prevCondLst>
+              <p:nextCondLst>
+                <p:cond evt="onNext" delay="0">
+                  <p:tgtEl>
+                    <p:sldTgt/>
+                  </p:tgtEl>
+                </p:cond>
+              </p:nextCondLst>
+            </p:seq>
+          </p:childTnLst>
+        </p:cTn>
+      </p:par>
+    </p:tnLst>
+  </p:timing>
+</p:sld>
+</file>
+
+<file path=ppt/slides/slide41.xml><?xml version="1.0" encoding="utf-8"?>
+<p:sld xmlns:a="http://schemas.openxmlformats.org/drawingml/2006/main" xmlns:r="http://schemas.openxmlformats.org/officeDocument/2006/relationships" xmlns:p="http://schemas.openxmlformats.org/presentationml/2006/main">
+  <p:cSld>
+    <p:spTree>
+      <p:nvGrpSpPr>
+        <p:cNvPr id="1" name="">
+          <a:extLst>
+            <a:ext uri="{FF2B5EF4-FFF2-40B4-BE49-F238E27FC236}">
+              <a16:creationId xmlns:a16="http://schemas.microsoft.com/office/drawing/2014/main" id="{DF745984-993E-C143-2EE4-BA8BA17DE062}"/>
+            </a:ext>
+          </a:extLst>
+        </p:cNvPr>
+        <p:cNvGrpSpPr/>
+        <p:nvPr/>
+      </p:nvGrpSpPr>
+      <p:grpSpPr>
+        <a:xfrm>
+          <a:off x="0" y="0"/>
+          <a:ext cx="0" cy="0"/>
+          <a:chOff x="0" y="0"/>
+          <a:chExt cx="0" cy="0"/>
+        </a:xfrm>
+      </p:grpSpPr>
+      <p:sp>
+        <p:nvSpPr>
+          <p:cNvPr id="3" name="Subtitle 2">
+            <a:extLst>
+              <a:ext uri="{FF2B5EF4-FFF2-40B4-BE49-F238E27FC236}">
+                <a16:creationId xmlns:a16="http://schemas.microsoft.com/office/drawing/2014/main" id="{736DB397-1AC1-137C-3E38-1EC714649CBE}"/>
+              </a:ext>
+            </a:extLst>
+          </p:cNvPr>
+          <p:cNvSpPr>
+            <a:spLocks noGrp="1"/>
+          </p:cNvSpPr>
+          <p:nvPr>
+            <p:ph type="subTitle" idx="1"/>
+          </p:nvPr>
+        </p:nvSpPr>
+        <p:spPr>
+          <a:xfrm>
+            <a:off x="152399" y="217488"/>
+            <a:ext cx="11223171" cy="303212"/>
+          </a:xfrm>
+        </p:spPr>
+        <p:txBody>
+          <a:bodyPr>
+            <a:normAutofit fontScale="92500" lnSpcReduction="20000"/>
+          </a:bodyPr>
+          <a:lstStyle/>
+          <a:p>
+            <a:r>
+              <a:rPr lang="en-US" sz="1800" b="1"/>
+              <a:t>Understanding Polymorphism – Virtual Method  </a:t>
+            </a:r>
+          </a:p>
+        </p:txBody>
+      </p:sp>
+      <p:sp>
+        <p:nvSpPr>
+          <p:cNvPr id="4" name="Subtitle 2">
+            <a:extLst>
+              <a:ext uri="{FF2B5EF4-FFF2-40B4-BE49-F238E27FC236}">
+                <a16:creationId xmlns:a16="http://schemas.microsoft.com/office/drawing/2014/main" id="{95E41D9E-43DF-6A17-1495-8572708BE4FF}"/>
+              </a:ext>
+            </a:extLst>
+          </p:cNvPr>
+          <p:cNvSpPr txBox="1">
+            <a:spLocks/>
+          </p:cNvSpPr>
+          <p:nvPr/>
+        </p:nvSpPr>
+        <p:spPr>
+          <a:xfrm>
+            <a:off x="0" y="820738"/>
+            <a:ext cx="12192000" cy="6037262"/>
+          </a:xfrm>
+          <a:prstGeom prst="rect">
+            <a:avLst/>
+          </a:prstGeom>
+        </p:spPr>
+        <p:txBody>
+          <a:bodyPr vert="horz" lIns="91440" tIns="45720" rIns="91440" bIns="45720" rtlCol="0">
+            <a:normAutofit/>
+          </a:bodyPr>
+          <a:lstStyle>
+            <a:lvl1pPr marL="0" indent="0" algn="ctr" defTabSz="914400" rtl="0" eaLnBrk="1" latinLnBrk="0" hangingPunct="1">
+              <a:lnSpc>
+                <a:spcPct val="90000"/>
+              </a:lnSpc>
+              <a:spcBef>
+                <a:spcPts val="1000"/>
+              </a:spcBef>
+              <a:buFont typeface="Arial" panose="020B0604020202020204" pitchFamily="34" charset="0"/>
+              <a:buNone/>
+              <a:defRPr sz="2400" kern="1200">
+                <a:solidFill>
+                  <a:schemeClr val="tx1"/>
+                </a:solidFill>
+                <a:latin typeface="+mn-lt"/>
+                <a:ea typeface="+mn-ea"/>
+                <a:cs typeface="+mn-cs"/>
+              </a:defRPr>
+            </a:lvl1pPr>
+            <a:lvl2pPr marL="457200" indent="0" algn="ctr" defTabSz="914400" rtl="0" eaLnBrk="1" latinLnBrk="0" hangingPunct="1">
+              <a:lnSpc>
+                <a:spcPct val="90000"/>
+              </a:lnSpc>
+              <a:spcBef>
+                <a:spcPts val="500"/>
+              </a:spcBef>
+              <a:buFont typeface="Arial" panose="020B0604020202020204" pitchFamily="34" charset="0"/>
+              <a:buNone/>
+              <a:defRPr sz="2000" kern="1200">
+                <a:solidFill>
+                  <a:schemeClr val="tx1"/>
+                </a:solidFill>
+                <a:latin typeface="+mn-lt"/>
+                <a:ea typeface="+mn-ea"/>
+                <a:cs typeface="+mn-cs"/>
+              </a:defRPr>
+            </a:lvl2pPr>
+            <a:lvl3pPr marL="914400" indent="0" algn="ctr" defTabSz="914400" rtl="0" eaLnBrk="1" latinLnBrk="0" hangingPunct="1">
+              <a:lnSpc>
+                <a:spcPct val="90000"/>
+              </a:lnSpc>
+              <a:spcBef>
+                <a:spcPts val="500"/>
+              </a:spcBef>
+              <a:buFont typeface="Arial" panose="020B0604020202020204" pitchFamily="34" charset="0"/>
+              <a:buNone/>
+              <a:defRPr sz="1800" kern="1200">
+                <a:solidFill>
+                  <a:schemeClr val="tx1"/>
+                </a:solidFill>
+                <a:latin typeface="+mn-lt"/>
+                <a:ea typeface="+mn-ea"/>
+                <a:cs typeface="+mn-cs"/>
+              </a:defRPr>
+            </a:lvl3pPr>
+            <a:lvl4pPr marL="1371600" indent="0" algn="ctr" defTabSz="914400" rtl="0" eaLnBrk="1" latinLnBrk="0" hangingPunct="1">
+              <a:lnSpc>
+                <a:spcPct val="90000"/>
+              </a:lnSpc>
+              <a:spcBef>
+                <a:spcPts val="500"/>
+              </a:spcBef>
+              <a:buFont typeface="Arial" panose="020B0604020202020204" pitchFamily="34" charset="0"/>
+              <a:buNone/>
+              <a:defRPr sz="1600" kern="1200">
+                <a:solidFill>
+                  <a:schemeClr val="tx1"/>
+                </a:solidFill>
+                <a:latin typeface="+mn-lt"/>
+                <a:ea typeface="+mn-ea"/>
+                <a:cs typeface="+mn-cs"/>
+              </a:defRPr>
+            </a:lvl4pPr>
+            <a:lvl5pPr marL="1828800" indent="0" algn="ctr" defTabSz="914400" rtl="0" eaLnBrk="1" latinLnBrk="0" hangingPunct="1">
+              <a:lnSpc>
+                <a:spcPct val="90000"/>
+              </a:lnSpc>
+              <a:spcBef>
+                <a:spcPts val="500"/>
+              </a:spcBef>
+              <a:buFont typeface="Arial" panose="020B0604020202020204" pitchFamily="34" charset="0"/>
+              <a:buNone/>
+              <a:defRPr sz="1600" kern="1200">
+                <a:solidFill>
+                  <a:schemeClr val="tx1"/>
+                </a:solidFill>
+                <a:latin typeface="+mn-lt"/>
+                <a:ea typeface="+mn-ea"/>
+                <a:cs typeface="+mn-cs"/>
+              </a:defRPr>
+            </a:lvl5pPr>
+            <a:lvl6pPr marL="2286000" indent="0" algn="ctr" defTabSz="914400" rtl="0" eaLnBrk="1" latinLnBrk="0" hangingPunct="1">
+              <a:lnSpc>
+                <a:spcPct val="90000"/>
+              </a:lnSpc>
+              <a:spcBef>
+                <a:spcPts val="500"/>
+              </a:spcBef>
+              <a:buFont typeface="Arial" panose="020B0604020202020204" pitchFamily="34" charset="0"/>
+              <a:buNone/>
+              <a:defRPr sz="1600" kern="1200">
+                <a:solidFill>
+                  <a:schemeClr val="tx1"/>
+                </a:solidFill>
+                <a:latin typeface="+mn-lt"/>
+                <a:ea typeface="+mn-ea"/>
+                <a:cs typeface="+mn-cs"/>
+              </a:defRPr>
+            </a:lvl6pPr>
+            <a:lvl7pPr marL="2743200" indent="0" algn="ctr" defTabSz="914400" rtl="0" eaLnBrk="1" latinLnBrk="0" hangingPunct="1">
+              <a:lnSpc>
+                <a:spcPct val="90000"/>
+              </a:lnSpc>
+              <a:spcBef>
+                <a:spcPts val="500"/>
+              </a:spcBef>
+              <a:buFont typeface="Arial" panose="020B0604020202020204" pitchFamily="34" charset="0"/>
+              <a:buNone/>
+              <a:defRPr sz="1600" kern="1200">
+                <a:solidFill>
+                  <a:schemeClr val="tx1"/>
+                </a:solidFill>
+                <a:latin typeface="+mn-lt"/>
+                <a:ea typeface="+mn-ea"/>
+                <a:cs typeface="+mn-cs"/>
+              </a:defRPr>
+            </a:lvl7pPr>
+            <a:lvl8pPr marL="3200400" indent="0" algn="ctr" defTabSz="914400" rtl="0" eaLnBrk="1" latinLnBrk="0" hangingPunct="1">
+              <a:lnSpc>
+                <a:spcPct val="90000"/>
+              </a:lnSpc>
+              <a:spcBef>
+                <a:spcPts val="500"/>
+              </a:spcBef>
+              <a:buFont typeface="Arial" panose="020B0604020202020204" pitchFamily="34" charset="0"/>
+              <a:buNone/>
+              <a:defRPr sz="1600" kern="1200">
+                <a:solidFill>
+                  <a:schemeClr val="tx1"/>
+                </a:solidFill>
+                <a:latin typeface="+mn-lt"/>
+                <a:ea typeface="+mn-ea"/>
+                <a:cs typeface="+mn-cs"/>
+              </a:defRPr>
+            </a:lvl8pPr>
+            <a:lvl9pPr marL="3657600" indent="0" algn="ctr" defTabSz="914400" rtl="0" eaLnBrk="1" latinLnBrk="0" hangingPunct="1">
+              <a:lnSpc>
+                <a:spcPct val="90000"/>
+              </a:lnSpc>
+              <a:spcBef>
+                <a:spcPts val="500"/>
+              </a:spcBef>
+              <a:buFont typeface="Arial" panose="020B0604020202020204" pitchFamily="34" charset="0"/>
+              <a:buNone/>
+              <a:defRPr sz="1600" kern="1200">
+                <a:solidFill>
+                  <a:schemeClr val="tx1"/>
+                </a:solidFill>
+                <a:latin typeface="+mn-lt"/>
+                <a:ea typeface="+mn-ea"/>
+                <a:cs typeface="+mn-cs"/>
+              </a:defRPr>
+            </a:lvl9pPr>
+          </a:lstStyle>
+          <a:p>
+            <a:pPr algn="l"/>
+            <a:r>
+              <a:rPr lang="en-US" sz="1800">
+                <a:sym typeface="Wingdings" pitchFamily="2" charset="2"/>
+              </a:rPr>
+              <a:t>- The most important polymorphism ... is </a:t>
+            </a:r>
+            <a:r>
+              <a:rPr lang="en-US" sz="1800" b="1">
+                <a:sym typeface="Wingdings" pitchFamily="2" charset="2"/>
+              </a:rPr>
+              <a:t>Virtual method</a:t>
+            </a:r>
+            <a:endParaRPr lang="en-US" sz="1800">
+              <a:sym typeface="Wingdings" pitchFamily="2" charset="2"/>
+            </a:endParaRPr>
+          </a:p>
+          <a:p>
+            <a:pPr algn="l"/>
+            <a:r>
+              <a:rPr lang="en-US" sz="1800">
+                <a:sym typeface="Wingdings" pitchFamily="2" charset="2"/>
+              </a:rPr>
+              <a:t>- </a:t>
+            </a:r>
+            <a:r>
+              <a:rPr lang="en-US" sz="1800" b="1">
+                <a:sym typeface="Wingdings" pitchFamily="2" charset="2"/>
+              </a:rPr>
+              <a:t>Virtual method </a:t>
+            </a:r>
+            <a:r>
+              <a:rPr lang="en-US" sz="1800">
+                <a:sym typeface="Wingdings" pitchFamily="2" charset="2"/>
+              </a:rPr>
+              <a:t>is the reason why we have ... – to support virtual method</a:t>
+            </a:r>
+          </a:p>
+          <a:p>
+            <a:pPr algn="l"/>
+            <a:r>
+              <a:rPr lang="en-US" sz="1800">
+                <a:sym typeface="Wingdings" pitchFamily="2" charset="2"/>
+              </a:rPr>
+              <a:t>– Virtual method is the method where its ... is not ... until ... </a:t>
+            </a:r>
+          </a:p>
+          <a:p>
+            <a:pPr algn="l"/>
+            <a:r>
+              <a:rPr lang="en-US" sz="1800">
+                <a:sym typeface="Wingdings" pitchFamily="2" charset="2"/>
+              </a:rPr>
+              <a:t>- The special point of virtual method is that when we call ... on a ... that ... the method =&gt; The ... will be ... (no matter which ... is used) </a:t>
+            </a:r>
+          </a:p>
+          <a:p>
+            <a:pPr algn="l"/>
+            <a:r>
+              <a:rPr lang="en-US" sz="1800">
+                <a:sym typeface="Wingdings" pitchFamily="2" charset="2"/>
+              </a:rPr>
+              <a:t>(code illustration snippet 70)</a:t>
+            </a:r>
+          </a:p>
+          <a:p>
+            <a:pPr algn="l"/>
+            <a:r>
+              <a:rPr lang="en-US" sz="1800">
+                <a:sym typeface="Wingdings" pitchFamily="2" charset="2"/>
+              </a:rPr>
+              <a:t>- So, we have know how to ... a method and now we also know how it relate to ...</a:t>
+            </a:r>
+          </a:p>
+          <a:p>
+            <a:pPr algn="l"/>
+            <a:r>
+              <a:rPr lang="en-US" sz="1800">
+                <a:sym typeface="Wingdings" pitchFamily="2" charset="2"/>
+              </a:rPr>
+              <a:t>– The nature of polymorphism is ..., by combining polymorphism and ..., we can see that an ... in runtime, especially in ... defined in ... class (ask question, Q1)</a:t>
+            </a:r>
+          </a:p>
+        </p:txBody>
+      </p:sp>
+      <p:sp>
+        <p:nvSpPr>
+          <p:cNvPr id="2" name="TextBox 1">
+            <a:extLst>
+              <a:ext uri="{FF2B5EF4-FFF2-40B4-BE49-F238E27FC236}">
+                <a16:creationId xmlns:a16="http://schemas.microsoft.com/office/drawing/2014/main" id="{D6B90E31-9133-CE41-5502-E232A87E05FF}"/>
+              </a:ext>
+            </a:extLst>
+          </p:cNvPr>
+          <p:cNvSpPr txBox="1"/>
+          <p:nvPr/>
+        </p:nvSpPr>
+        <p:spPr>
+          <a:xfrm>
+            <a:off x="9422780" y="1839951"/>
+            <a:ext cx="184731" cy="369332"/>
+          </a:xfrm>
+          <a:prstGeom prst="rect">
+            <a:avLst/>
+          </a:prstGeom>
+          <a:noFill/>
+        </p:spPr>
+        <p:txBody>
+          <a:bodyPr wrap="none" rtlCol="0">
+            <a:spAutoFit/>
+          </a:bodyPr>
+          <a:lstStyle/>
+          <a:p>
+            <a:endParaRPr lang="en-VN"/>
+          </a:p>
+        </p:txBody>
+      </p:sp>
+      <p:sp>
+        <p:nvSpPr>
+          <p:cNvPr id="7" name="TextBox 6">
+            <a:extLst>
+              <a:ext uri="{FF2B5EF4-FFF2-40B4-BE49-F238E27FC236}">
+                <a16:creationId xmlns:a16="http://schemas.microsoft.com/office/drawing/2014/main" id="{446C7330-7660-E3FE-8B01-C34B168E722A}"/>
+              </a:ext>
+            </a:extLst>
+          </p:cNvPr>
+          <p:cNvSpPr txBox="1"/>
+          <p:nvPr/>
+        </p:nvSpPr>
+        <p:spPr>
+          <a:xfrm>
+            <a:off x="2620537" y="3858322"/>
+            <a:ext cx="184731" cy="369332"/>
+          </a:xfrm>
+          <a:prstGeom prst="rect">
+            <a:avLst/>
+          </a:prstGeom>
+          <a:noFill/>
+        </p:spPr>
+        <p:txBody>
+          <a:bodyPr wrap="none" rtlCol="0">
+            <a:spAutoFit/>
+          </a:bodyPr>
+          <a:lstStyle/>
+          <a:p>
+            <a:endParaRPr lang="en-VN"/>
+          </a:p>
+        </p:txBody>
+      </p:sp>
+    </p:spTree>
+    <p:extLst>
+      <p:ext uri="{BB962C8B-B14F-4D97-AF65-F5344CB8AC3E}">
+        <p14:creationId xmlns:p14="http://schemas.microsoft.com/office/powerpoint/2010/main" val="3931887143"/>
+      </p:ext>
+    </p:extLst>
+  </p:cSld>
+  <p:clrMapOvr>
+    <a:masterClrMapping/>
+  </p:clrMapOvr>
+  <p:timing>
+    <p:tnLst>
+      <p:par>
+        <p:cTn id="1" dur="indefinite" restart="never" nodeType="tmRoot">
+          <p:childTnLst>
+            <p:seq concurrent="1" nextAc="seek">
+              <p:cTn id="2" dur="indefinite" nodeType="mainSeq">
+                <p:childTnLst>
+                  <p:par>
+                    <p:cTn id="3" fill="hold">
+                      <p:stCondLst>
+                        <p:cond delay="indefinite"/>
+                      </p:stCondLst>
+                      <p:childTnLst>
+                        <p:par>
+                          <p:cTn id="4" fill="hold">
+                            <p:stCondLst>
+                              <p:cond delay="0"/>
+                            </p:stCondLst>
+                            <p:childTnLst>
+                              <p:par>
+                                <p:cTn id="5" presetID="1" presetClass="entr" presetSubtype="0" fill="hold" nodeType="clickEffect">
+                                  <p:stCondLst>
+                                    <p:cond delay="0"/>
+                                  </p:stCondLst>
+                                  <p:childTnLst>
+                                    <p:set>
+                                      <p:cBhvr>
+                                        <p:cTn id="6" dur="1" fill="hold">
+                                          <p:stCondLst>
+                                            <p:cond delay="0"/>
+                                          </p:stCondLst>
+                                        </p:cTn>
+                                        <p:tgtEl>
+                                          <p:spTgt spid="4">
+                                            <p:txEl>
+                                              <p:pRg st="0" end="0"/>
+                                            </p:txEl>
+                                          </p:spTgt>
+                                        </p:tgtEl>
+                                        <p:attrNameLst>
+                                          <p:attrName>style.visibility</p:attrName>
+                                        </p:attrNameLst>
+                                      </p:cBhvr>
+                                      <p:to>
+                                        <p:strVal val="visible"/>
+                                      </p:to>
+                                    </p:set>
+                                  </p:childTnLst>
+                                </p:cTn>
+                              </p:par>
+                            </p:childTnLst>
+                          </p:cTn>
+                        </p:par>
+                      </p:childTnLst>
+                    </p:cTn>
+                  </p:par>
+                  <p:par>
+                    <p:cTn id="7" fill="hold">
+                      <p:stCondLst>
+                        <p:cond delay="indefinite"/>
+                      </p:stCondLst>
+                      <p:childTnLst>
+                        <p:par>
+                          <p:cTn id="8" fill="hold">
+                            <p:stCondLst>
+                              <p:cond delay="0"/>
+                            </p:stCondLst>
+                            <p:childTnLst>
+                              <p:par>
+                                <p:cTn id="9" presetID="1" presetClass="entr" presetSubtype="0" fill="hold" nodeType="clickEffect">
+                                  <p:stCondLst>
+                                    <p:cond delay="0"/>
+                                  </p:stCondLst>
+                                  <p:childTnLst>
+                                    <p:set>
+                                      <p:cBhvr>
+                                        <p:cTn id="10" dur="1" fill="hold">
+                                          <p:stCondLst>
+                                            <p:cond delay="0"/>
+                                          </p:stCondLst>
+                                        </p:cTn>
+                                        <p:tgtEl>
+                                          <p:spTgt spid="4">
+                                            <p:txEl>
+                                              <p:pRg st="1" end="1"/>
+                                            </p:txEl>
+                                          </p:spTgt>
+                                        </p:tgtEl>
+                                        <p:attrNameLst>
+                                          <p:attrName>style.visibility</p:attrName>
+                                        </p:attrNameLst>
+                                      </p:cBhvr>
+                                      <p:to>
+                                        <p:strVal val="visible"/>
+                                      </p:to>
+                                    </p:set>
+                                  </p:childTnLst>
+                                </p:cTn>
+                              </p:par>
+                            </p:childTnLst>
+                          </p:cTn>
+                        </p:par>
+                      </p:childTnLst>
+                    </p:cTn>
+                  </p:par>
+                  <p:par>
+                    <p:cTn id="11" fill="hold">
+                      <p:stCondLst>
+                        <p:cond delay="indefinite"/>
+                      </p:stCondLst>
+                      <p:childTnLst>
+                        <p:par>
+                          <p:cTn id="12" fill="hold">
+                            <p:stCondLst>
+                              <p:cond delay="0"/>
+                            </p:stCondLst>
+                            <p:childTnLst>
+                              <p:par>
+                                <p:cTn id="13" presetID="1" presetClass="entr" presetSubtype="0" fill="hold" nodeType="clickEffect">
+                                  <p:stCondLst>
+                                    <p:cond delay="0"/>
+                                  </p:stCondLst>
+                                  <p:childTnLst>
+                                    <p:set>
+                                      <p:cBhvr>
+                                        <p:cTn id="14" dur="1" fill="hold">
+                                          <p:stCondLst>
+                                            <p:cond delay="0"/>
+                                          </p:stCondLst>
+                                        </p:cTn>
+                                        <p:tgtEl>
+                                          <p:spTgt spid="4">
+                                            <p:txEl>
+                                              <p:pRg st="2" end="2"/>
+                                            </p:txEl>
+                                          </p:spTgt>
+                                        </p:tgtEl>
+                                        <p:attrNameLst>
+                                          <p:attrName>style.visibility</p:attrName>
+                                        </p:attrNameLst>
+                                      </p:cBhvr>
+                                      <p:to>
+                                        <p:strVal val="visible"/>
+                                      </p:to>
+                                    </p:set>
+                                  </p:childTnLst>
+                                </p:cTn>
+                              </p:par>
+                            </p:childTnLst>
+                          </p:cTn>
+                        </p:par>
+                      </p:childTnLst>
+                    </p:cTn>
+                  </p:par>
+                  <p:par>
+                    <p:cTn id="15" fill="hold">
+                      <p:stCondLst>
+                        <p:cond delay="indefinite"/>
+                      </p:stCondLst>
+                      <p:childTnLst>
+                        <p:par>
+                          <p:cTn id="16" fill="hold">
+                            <p:stCondLst>
+                              <p:cond delay="0"/>
+                            </p:stCondLst>
+                            <p:childTnLst>
+                              <p:par>
+                                <p:cTn id="17" presetID="1" presetClass="entr" presetSubtype="0" fill="hold" nodeType="clickEffect">
+                                  <p:stCondLst>
+                                    <p:cond delay="0"/>
+                                  </p:stCondLst>
+                                  <p:childTnLst>
+                                    <p:set>
+                                      <p:cBhvr>
+                                        <p:cTn id="18" dur="1" fill="hold">
+                                          <p:stCondLst>
+                                            <p:cond delay="0"/>
+                                          </p:stCondLst>
+                                        </p:cTn>
+                                        <p:tgtEl>
+                                          <p:spTgt spid="4">
+                                            <p:txEl>
+                                              <p:pRg st="3" end="3"/>
+                                            </p:txEl>
+                                          </p:spTgt>
+                                        </p:tgtEl>
+                                        <p:attrNameLst>
+                                          <p:attrName>style.visibility</p:attrName>
+                                        </p:attrNameLst>
+                                      </p:cBhvr>
+                                      <p:to>
+                                        <p:strVal val="visible"/>
+                                      </p:to>
+                                    </p:set>
+                                  </p:childTnLst>
+                                </p:cTn>
+                              </p:par>
+                            </p:childTnLst>
+                          </p:cTn>
+                        </p:par>
+                      </p:childTnLst>
+                    </p:cTn>
+                  </p:par>
+                  <p:par>
+                    <p:cTn id="19" fill="hold">
+                      <p:stCondLst>
+                        <p:cond delay="indefinite"/>
+                      </p:stCondLst>
+                      <p:childTnLst>
+                        <p:par>
+                          <p:cTn id="20" fill="hold">
+                            <p:stCondLst>
+                              <p:cond delay="0"/>
+                            </p:stCondLst>
+                            <p:childTnLst>
+                              <p:par>
+                                <p:cTn id="21" presetID="1" presetClass="entr" presetSubtype="0" fill="hold" nodeType="clickEffect">
+                                  <p:stCondLst>
+                                    <p:cond delay="0"/>
+                                  </p:stCondLst>
+                                  <p:childTnLst>
+                                    <p:set>
+                                      <p:cBhvr>
+                                        <p:cTn id="22" dur="1" fill="hold">
+                                          <p:stCondLst>
+                                            <p:cond delay="0"/>
+                                          </p:stCondLst>
+                                        </p:cTn>
+                                        <p:tgtEl>
+                                          <p:spTgt spid="4">
+                                            <p:txEl>
+                                              <p:pRg st="4" end="4"/>
+                                            </p:txEl>
+                                          </p:spTgt>
+                                        </p:tgtEl>
+                                        <p:attrNameLst>
+                                          <p:attrName>style.visibility</p:attrName>
+                                        </p:attrNameLst>
+                                      </p:cBhvr>
+                                      <p:to>
+                                        <p:strVal val="visible"/>
+                                      </p:to>
+                                    </p:set>
+                                  </p:childTnLst>
+                                </p:cTn>
+                              </p:par>
+                            </p:childTnLst>
+                          </p:cTn>
+                        </p:par>
+                      </p:childTnLst>
+                    </p:cTn>
+                  </p:par>
+                  <p:par>
+                    <p:cTn id="23" fill="hold">
+                      <p:stCondLst>
+                        <p:cond delay="indefinite"/>
+                      </p:stCondLst>
+                      <p:childTnLst>
+                        <p:par>
+                          <p:cTn id="24" fill="hold">
+                            <p:stCondLst>
+                              <p:cond delay="0"/>
+                            </p:stCondLst>
+                            <p:childTnLst>
+                              <p:par>
+                                <p:cTn id="25" presetID="1" presetClass="entr" presetSubtype="0" fill="hold" nodeType="clickEffect">
+                                  <p:stCondLst>
+                                    <p:cond delay="0"/>
+                                  </p:stCondLst>
+                                  <p:childTnLst>
+                                    <p:set>
+                                      <p:cBhvr>
+                                        <p:cTn id="26" dur="1" fill="hold">
+                                          <p:stCondLst>
+                                            <p:cond delay="0"/>
+                                          </p:stCondLst>
+                                        </p:cTn>
+                                        <p:tgtEl>
+                                          <p:spTgt spid="4">
+                                            <p:txEl>
+                                              <p:pRg st="5" end="5"/>
+                                            </p:txEl>
+                                          </p:spTgt>
+                                        </p:tgtEl>
+                                        <p:attrNameLst>
+                                          <p:attrName>style.visibility</p:attrName>
+                                        </p:attrNameLst>
+                                      </p:cBhvr>
+                                      <p:to>
+                                        <p:strVal val="visible"/>
+                                      </p:to>
+                                    </p:set>
+                                  </p:childTnLst>
+                                </p:cTn>
+                              </p:par>
+                            </p:childTnLst>
+                          </p:cTn>
+                        </p:par>
+                      </p:childTnLst>
+                    </p:cTn>
+                  </p:par>
+                  <p:par>
+                    <p:cTn id="27" fill="hold">
+                      <p:stCondLst>
+                        <p:cond delay="indefinite"/>
+                      </p:stCondLst>
+                      <p:childTnLst>
+                        <p:par>
+                          <p:cTn id="28" fill="hold">
+                            <p:stCondLst>
+                              <p:cond delay="0"/>
+                            </p:stCondLst>
+                            <p:childTnLst>
+                              <p:par>
+                                <p:cTn id="29" presetID="1" presetClass="entr" presetSubtype="0" fill="hold" nodeType="clickEffect">
+                                  <p:stCondLst>
+                                    <p:cond delay="0"/>
+                                  </p:stCondLst>
+                                  <p:childTnLst>
+                                    <p:set>
+                                      <p:cBhvr>
+                                        <p:cTn id="30" dur="1" fill="hold">
+                                          <p:stCondLst>
+                                            <p:cond delay="0"/>
+                                          </p:stCondLst>
+                                        </p:cTn>
+                                        <p:tgtEl>
+                                          <p:spTgt spid="4">
+                                            <p:txEl>
+                                              <p:pRg st="6" end="6"/>
+                                            </p:txEl>
+                                          </p:spTgt>
+                                        </p:tgtEl>
+                                        <p:attrNameLst>
+                                          <p:attrName>style.visibility</p:attrName>
+                                        </p:attrNameLst>
+                                      </p:cBhvr>
+                                      <p:to>
+                                        <p:strVal val="visible"/>
+                                      </p:to>
+                                    </p:set>
+                                  </p:childTnLst>
+                                </p:cTn>
+                              </p:par>
+                            </p:childTnLst>
+                          </p:cTn>
+                        </p:par>
+                      </p:childTnLst>
+                    </p:cTn>
+                  </p:par>
+                </p:childTnLst>
+              </p:cTn>
+              <p:prevCondLst>
+                <p:cond evt="onPrev" delay="0">
+                  <p:tgtEl>
+                    <p:sldTgt/>
+                  </p:tgtEl>
+                </p:cond>
+              </p:prevCondLst>
+              <p:nextCondLst>
+                <p:cond evt="onNext" delay="0">
+                  <p:tgtEl>
+                    <p:sldTgt/>
+                  </p:tgtEl>
+                </p:cond>
+              </p:nextCondLst>
+            </p:seq>
+          </p:childTnLst>
+        </p:cTn>
+      </p:par>
+    </p:tnLst>
+  </p:timing>
+</p:sld>
+</file>
+
+<file path=ppt/slides/slide42.xml><?xml version="1.0" encoding="utf-8"?>
+<p:sld xmlns:a="http://schemas.openxmlformats.org/drawingml/2006/main" xmlns:r="http://schemas.openxmlformats.org/officeDocument/2006/relationships" xmlns:p="http://schemas.openxmlformats.org/presentationml/2006/main">
+  <p:cSld>
+    <p:spTree>
+      <p:nvGrpSpPr>
+        <p:cNvPr id="1" name="">
+          <a:extLst>
+            <a:ext uri="{FF2B5EF4-FFF2-40B4-BE49-F238E27FC236}">
+              <a16:creationId xmlns:a16="http://schemas.microsoft.com/office/drawing/2014/main" id="{15C917A9-C538-53E1-1F39-4E4D10DB4533}"/>
+            </a:ext>
+          </a:extLst>
+        </p:cNvPr>
+        <p:cNvGrpSpPr/>
+        <p:nvPr/>
+      </p:nvGrpSpPr>
+      <p:grpSpPr>
+        <a:xfrm>
+          <a:off x="0" y="0"/>
+          <a:ext cx="0" cy="0"/>
+          <a:chOff x="0" y="0"/>
+          <a:chExt cx="0" cy="0"/>
+        </a:xfrm>
+      </p:grpSpPr>
+      <p:sp>
+        <p:nvSpPr>
+          <p:cNvPr id="3" name="Subtitle 2">
+            <a:extLst>
+              <a:ext uri="{FF2B5EF4-FFF2-40B4-BE49-F238E27FC236}">
+                <a16:creationId xmlns:a16="http://schemas.microsoft.com/office/drawing/2014/main" id="{525C46D4-03B2-F52D-3808-959989DFEF2B}"/>
+              </a:ext>
+            </a:extLst>
+          </p:cNvPr>
+          <p:cNvSpPr>
+            <a:spLocks noGrp="1"/>
+          </p:cNvSpPr>
+          <p:nvPr>
+            <p:ph type="subTitle" idx="1"/>
+          </p:nvPr>
+        </p:nvSpPr>
+        <p:spPr>
+          <a:xfrm>
+            <a:off x="152399" y="217488"/>
+            <a:ext cx="11223171" cy="303212"/>
+          </a:xfrm>
+        </p:spPr>
+        <p:txBody>
+          <a:bodyPr>
+            <a:normAutofit fontScale="92500" lnSpcReduction="20000"/>
+          </a:bodyPr>
+          <a:lstStyle/>
+          <a:p>
+            <a:r>
+              <a:rPr lang="en-US" sz="1800" b="1"/>
+              <a:t>Understanding Polymorphism – Polymorphic Parameter  </a:t>
+            </a:r>
+          </a:p>
+        </p:txBody>
+      </p:sp>
+      <p:sp>
+        <p:nvSpPr>
+          <p:cNvPr id="4" name="Subtitle 2">
+            <a:extLst>
+              <a:ext uri="{FF2B5EF4-FFF2-40B4-BE49-F238E27FC236}">
+                <a16:creationId xmlns:a16="http://schemas.microsoft.com/office/drawing/2014/main" id="{8B6986B2-B11C-A13A-5840-07E2ADB7FDC1}"/>
+              </a:ext>
+            </a:extLst>
+          </p:cNvPr>
+          <p:cNvSpPr txBox="1">
+            <a:spLocks/>
+          </p:cNvSpPr>
+          <p:nvPr/>
+        </p:nvSpPr>
+        <p:spPr>
+          <a:xfrm>
+            <a:off x="0" y="820738"/>
+            <a:ext cx="12192000" cy="6037262"/>
+          </a:xfrm>
+          <a:prstGeom prst="rect">
+            <a:avLst/>
+          </a:prstGeom>
+        </p:spPr>
+        <p:txBody>
+          <a:bodyPr vert="horz" lIns="91440" tIns="45720" rIns="91440" bIns="45720" rtlCol="0">
+            <a:normAutofit/>
+          </a:bodyPr>
+          <a:lstStyle>
+            <a:lvl1pPr marL="0" indent="0" algn="ctr" defTabSz="914400" rtl="0" eaLnBrk="1" latinLnBrk="0" hangingPunct="1">
+              <a:lnSpc>
+                <a:spcPct val="90000"/>
+              </a:lnSpc>
+              <a:spcBef>
+                <a:spcPts val="1000"/>
+              </a:spcBef>
+              <a:buFont typeface="Arial" panose="020B0604020202020204" pitchFamily="34" charset="0"/>
+              <a:buNone/>
+              <a:defRPr sz="2400" kern="1200">
+                <a:solidFill>
+                  <a:schemeClr val="tx1"/>
+                </a:solidFill>
+                <a:latin typeface="+mn-lt"/>
+                <a:ea typeface="+mn-ea"/>
+                <a:cs typeface="+mn-cs"/>
+              </a:defRPr>
+            </a:lvl1pPr>
+            <a:lvl2pPr marL="457200" indent="0" algn="ctr" defTabSz="914400" rtl="0" eaLnBrk="1" latinLnBrk="0" hangingPunct="1">
+              <a:lnSpc>
+                <a:spcPct val="90000"/>
+              </a:lnSpc>
+              <a:spcBef>
+                <a:spcPts val="500"/>
+              </a:spcBef>
+              <a:buFont typeface="Arial" panose="020B0604020202020204" pitchFamily="34" charset="0"/>
+              <a:buNone/>
+              <a:defRPr sz="2000" kern="1200">
+                <a:solidFill>
+                  <a:schemeClr val="tx1"/>
+                </a:solidFill>
+                <a:latin typeface="+mn-lt"/>
+                <a:ea typeface="+mn-ea"/>
+                <a:cs typeface="+mn-cs"/>
+              </a:defRPr>
+            </a:lvl2pPr>
+            <a:lvl3pPr marL="914400" indent="0" algn="ctr" defTabSz="914400" rtl="0" eaLnBrk="1" latinLnBrk="0" hangingPunct="1">
+              <a:lnSpc>
+                <a:spcPct val="90000"/>
+              </a:lnSpc>
+              <a:spcBef>
+                <a:spcPts val="500"/>
+              </a:spcBef>
+              <a:buFont typeface="Arial" panose="020B0604020202020204" pitchFamily="34" charset="0"/>
+              <a:buNone/>
+              <a:defRPr sz="1800" kern="1200">
+                <a:solidFill>
+                  <a:schemeClr val="tx1"/>
+                </a:solidFill>
+                <a:latin typeface="+mn-lt"/>
+                <a:ea typeface="+mn-ea"/>
+                <a:cs typeface="+mn-cs"/>
+              </a:defRPr>
+            </a:lvl3pPr>
+            <a:lvl4pPr marL="1371600" indent="0" algn="ctr" defTabSz="914400" rtl="0" eaLnBrk="1" latinLnBrk="0" hangingPunct="1">
+              <a:lnSpc>
+                <a:spcPct val="90000"/>
+              </a:lnSpc>
+              <a:spcBef>
+                <a:spcPts val="500"/>
+              </a:spcBef>
+              <a:buFont typeface="Arial" panose="020B0604020202020204" pitchFamily="34" charset="0"/>
+              <a:buNone/>
+              <a:defRPr sz="1600" kern="1200">
+                <a:solidFill>
+                  <a:schemeClr val="tx1"/>
+                </a:solidFill>
+                <a:latin typeface="+mn-lt"/>
+                <a:ea typeface="+mn-ea"/>
+                <a:cs typeface="+mn-cs"/>
+              </a:defRPr>
+            </a:lvl4pPr>
+            <a:lvl5pPr marL="1828800" indent="0" algn="ctr" defTabSz="914400" rtl="0" eaLnBrk="1" latinLnBrk="0" hangingPunct="1">
+              <a:lnSpc>
+                <a:spcPct val="90000"/>
+              </a:lnSpc>
+              <a:spcBef>
+                <a:spcPts val="500"/>
+              </a:spcBef>
+              <a:buFont typeface="Arial" panose="020B0604020202020204" pitchFamily="34" charset="0"/>
+              <a:buNone/>
+              <a:defRPr sz="1600" kern="1200">
+                <a:solidFill>
+                  <a:schemeClr val="tx1"/>
+                </a:solidFill>
+                <a:latin typeface="+mn-lt"/>
+                <a:ea typeface="+mn-ea"/>
+                <a:cs typeface="+mn-cs"/>
+              </a:defRPr>
+            </a:lvl5pPr>
+            <a:lvl6pPr marL="2286000" indent="0" algn="ctr" defTabSz="914400" rtl="0" eaLnBrk="1" latinLnBrk="0" hangingPunct="1">
+              <a:lnSpc>
+                <a:spcPct val="90000"/>
+              </a:lnSpc>
+              <a:spcBef>
+                <a:spcPts val="500"/>
+              </a:spcBef>
+              <a:buFont typeface="Arial" panose="020B0604020202020204" pitchFamily="34" charset="0"/>
+              <a:buNone/>
+              <a:defRPr sz="1600" kern="1200">
+                <a:solidFill>
+                  <a:schemeClr val="tx1"/>
+                </a:solidFill>
+                <a:latin typeface="+mn-lt"/>
+                <a:ea typeface="+mn-ea"/>
+                <a:cs typeface="+mn-cs"/>
+              </a:defRPr>
+            </a:lvl6pPr>
+            <a:lvl7pPr marL="2743200" indent="0" algn="ctr" defTabSz="914400" rtl="0" eaLnBrk="1" latinLnBrk="0" hangingPunct="1">
+              <a:lnSpc>
+                <a:spcPct val="90000"/>
+              </a:lnSpc>
+              <a:spcBef>
+                <a:spcPts val="500"/>
+              </a:spcBef>
+              <a:buFont typeface="Arial" panose="020B0604020202020204" pitchFamily="34" charset="0"/>
+              <a:buNone/>
+              <a:defRPr sz="1600" kern="1200">
+                <a:solidFill>
+                  <a:schemeClr val="tx1"/>
+                </a:solidFill>
+                <a:latin typeface="+mn-lt"/>
+                <a:ea typeface="+mn-ea"/>
+                <a:cs typeface="+mn-cs"/>
+              </a:defRPr>
+            </a:lvl7pPr>
+            <a:lvl8pPr marL="3200400" indent="0" algn="ctr" defTabSz="914400" rtl="0" eaLnBrk="1" latinLnBrk="0" hangingPunct="1">
+              <a:lnSpc>
+                <a:spcPct val="90000"/>
+              </a:lnSpc>
+              <a:spcBef>
+                <a:spcPts val="500"/>
+              </a:spcBef>
+              <a:buFont typeface="Arial" panose="020B0604020202020204" pitchFamily="34" charset="0"/>
+              <a:buNone/>
+              <a:defRPr sz="1600" kern="1200">
+                <a:solidFill>
+                  <a:schemeClr val="tx1"/>
+                </a:solidFill>
+                <a:latin typeface="+mn-lt"/>
+                <a:ea typeface="+mn-ea"/>
+                <a:cs typeface="+mn-cs"/>
+              </a:defRPr>
+            </a:lvl8pPr>
+            <a:lvl9pPr marL="3657600" indent="0" algn="ctr" defTabSz="914400" rtl="0" eaLnBrk="1" latinLnBrk="0" hangingPunct="1">
+              <a:lnSpc>
+                <a:spcPct val="90000"/>
+              </a:lnSpc>
+              <a:spcBef>
+                <a:spcPts val="500"/>
+              </a:spcBef>
+              <a:buFont typeface="Arial" panose="020B0604020202020204" pitchFamily="34" charset="0"/>
+              <a:buNone/>
+              <a:defRPr sz="1600" kern="1200">
+                <a:solidFill>
+                  <a:schemeClr val="tx1"/>
+                </a:solidFill>
+                <a:latin typeface="+mn-lt"/>
+                <a:ea typeface="+mn-ea"/>
+                <a:cs typeface="+mn-cs"/>
+              </a:defRPr>
+            </a:lvl9pPr>
+          </a:lstStyle>
+          <a:p>
+            <a:pPr algn="l"/>
+            <a:r>
+              <a:rPr lang="en-US" sz="1800">
+                <a:sym typeface="Wingdings" pitchFamily="2" charset="2"/>
+              </a:rPr>
+              <a:t>- One of the most important ... of polymorphism is to pass ... a method that accept ... or ... or ... </a:t>
+            </a:r>
+          </a:p>
+          <a:p>
+            <a:pPr algn="l"/>
+            <a:r>
+              <a:rPr lang="en-US" sz="1800">
+                <a:sym typeface="Wingdings" pitchFamily="2" charset="2"/>
+              </a:rPr>
+              <a:t>- For example, a method that accept a ... as a ... =&gt; We could pass a ... that its ... implement the ... </a:t>
+            </a:r>
+          </a:p>
+          <a:p>
+            <a:pPr algn="l"/>
+            <a:r>
+              <a:rPr lang="en-US" sz="1800">
+                <a:sym typeface="Wingdings" pitchFamily="2" charset="2"/>
+              </a:rPr>
+              <a:t>- And since this is ... =&gt; no explicit ... </a:t>
+            </a:r>
+          </a:p>
+          <a:p>
+            <a:pPr algn="l"/>
+            <a:r>
+              <a:rPr lang="en-US" sz="1800">
+                <a:sym typeface="Wingdings" pitchFamily="2" charset="2"/>
+              </a:rPr>
+              <a:t>=&gt; We call this feature as </a:t>
+            </a:r>
+            <a:r>
+              <a:rPr lang="en-US" sz="1800" b="1">
+                <a:sym typeface="Wingdings" pitchFamily="2" charset="2"/>
+              </a:rPr>
+              <a:t>Polymorphic Parameter</a:t>
+            </a:r>
+            <a:endParaRPr lang="en-US" sz="1800">
+              <a:sym typeface="Wingdings" pitchFamily="2" charset="2"/>
+            </a:endParaRPr>
+          </a:p>
+          <a:p>
+            <a:pPr algn="l"/>
+            <a:r>
+              <a:rPr lang="en-US" sz="1800">
+                <a:sym typeface="Wingdings" pitchFamily="2" charset="2"/>
+              </a:rPr>
+              <a:t>(code illustration snippet 71) </a:t>
+            </a:r>
+          </a:p>
+          <a:p>
+            <a:pPr algn="l"/>
+            <a:r>
+              <a:rPr lang="en-US" sz="1800">
+                <a:sym typeface="Wingdings" pitchFamily="2" charset="2"/>
+              </a:rPr>
+              <a:t>- In this example, if we try to pass  ... as a parameter or ... as a parameter =&gt; ...</a:t>
+            </a:r>
+          </a:p>
+          <a:p>
+            <a:pPr algn="l"/>
+            <a:r>
+              <a:rPr lang="en-US" sz="1800" b="1">
+                <a:sym typeface="Wingdings" pitchFamily="2" charset="2"/>
+              </a:rPr>
+              <a:t>Polymorphic parameter and its relationship with code reusability</a:t>
+            </a:r>
+          </a:p>
+          <a:p>
+            <a:pPr algn="l"/>
+            <a:r>
+              <a:rPr lang="en-US" sz="1800">
+                <a:sym typeface="Wingdings" pitchFamily="2" charset="2"/>
+              </a:rPr>
+              <a:t>- If we try to define a ... that is accessible from ... or ... =&gt; we should use polymorphic parameter because it is considered as ... </a:t>
+            </a:r>
+          </a:p>
+          <a:p>
+            <a:pPr algn="l"/>
+            <a:r>
+              <a:rPr lang="en-US" sz="1800">
+                <a:sym typeface="Wingdings" pitchFamily="2" charset="2"/>
+              </a:rPr>
+              <a:t>(use List example)</a:t>
+            </a:r>
+          </a:p>
+          <a:p>
+            <a:pPr algn="l"/>
+            <a:r>
+              <a:rPr lang="en-US" sz="1800">
+                <a:sym typeface="Wingdings" pitchFamily="2" charset="2"/>
+              </a:rPr>
+              <a:t>(ask teacher about the Polymorphism and Method overriding section) </a:t>
+            </a:r>
+          </a:p>
+        </p:txBody>
+      </p:sp>
+      <p:sp>
+        <p:nvSpPr>
+          <p:cNvPr id="2" name="TextBox 1">
+            <a:extLst>
+              <a:ext uri="{FF2B5EF4-FFF2-40B4-BE49-F238E27FC236}">
+                <a16:creationId xmlns:a16="http://schemas.microsoft.com/office/drawing/2014/main" id="{996CDA7E-53A8-DDB2-5BC9-F3F0014B5386}"/>
+              </a:ext>
+            </a:extLst>
+          </p:cNvPr>
+          <p:cNvSpPr txBox="1"/>
+          <p:nvPr/>
+        </p:nvSpPr>
+        <p:spPr>
+          <a:xfrm>
+            <a:off x="9422780" y="1839951"/>
+            <a:ext cx="184731" cy="369332"/>
+          </a:xfrm>
+          <a:prstGeom prst="rect">
+            <a:avLst/>
+          </a:prstGeom>
+          <a:noFill/>
+        </p:spPr>
+        <p:txBody>
+          <a:bodyPr wrap="none" rtlCol="0">
+            <a:spAutoFit/>
+          </a:bodyPr>
+          <a:lstStyle/>
+          <a:p>
+            <a:endParaRPr lang="en-VN"/>
+          </a:p>
+        </p:txBody>
+      </p:sp>
+      <p:sp>
+        <p:nvSpPr>
+          <p:cNvPr id="7" name="TextBox 6">
+            <a:extLst>
+              <a:ext uri="{FF2B5EF4-FFF2-40B4-BE49-F238E27FC236}">
+                <a16:creationId xmlns:a16="http://schemas.microsoft.com/office/drawing/2014/main" id="{20FC3F31-90E6-2C3A-40CE-D7EEEA2DD9D7}"/>
+              </a:ext>
+            </a:extLst>
+          </p:cNvPr>
+          <p:cNvSpPr txBox="1"/>
+          <p:nvPr/>
+        </p:nvSpPr>
+        <p:spPr>
+          <a:xfrm>
+            <a:off x="2620537" y="3858322"/>
+            <a:ext cx="184731" cy="369332"/>
+          </a:xfrm>
+          <a:prstGeom prst="rect">
+            <a:avLst/>
+          </a:prstGeom>
+          <a:noFill/>
+        </p:spPr>
+        <p:txBody>
+          <a:bodyPr wrap="none" rtlCol="0">
+            <a:spAutoFit/>
+          </a:bodyPr>
+          <a:lstStyle/>
+          <a:p>
+            <a:endParaRPr lang="en-VN"/>
+          </a:p>
+        </p:txBody>
+      </p:sp>
+    </p:spTree>
+    <p:extLst>
+      <p:ext uri="{BB962C8B-B14F-4D97-AF65-F5344CB8AC3E}">
+        <p14:creationId xmlns:p14="http://schemas.microsoft.com/office/powerpoint/2010/main" val="961365091"/>
+      </p:ext>
+    </p:extLst>
+  </p:cSld>
+  <p:clrMapOvr>
+    <a:masterClrMapping/>
+  </p:clrMapOvr>
+  <p:timing>
+    <p:tnLst>
+      <p:par>
+        <p:cTn id="1" dur="indefinite" restart="never" nodeType="tmRoot">
+          <p:childTnLst>
+            <p:seq concurrent="1" nextAc="seek">
+              <p:cTn id="2" dur="indefinite" nodeType="mainSeq">
+                <p:childTnLst>
+                  <p:par>
+                    <p:cTn id="3" fill="hold">
+                      <p:stCondLst>
+                        <p:cond delay="indefinite"/>
+                      </p:stCondLst>
+                      <p:childTnLst>
+                        <p:par>
+                          <p:cTn id="4" fill="hold">
+                            <p:stCondLst>
+                              <p:cond delay="0"/>
+                            </p:stCondLst>
+                            <p:childTnLst>
+                              <p:par>
+                                <p:cTn id="5" presetID="1" presetClass="entr" presetSubtype="0" fill="hold" nodeType="clickEffect">
+                                  <p:stCondLst>
+                                    <p:cond delay="0"/>
+                                  </p:stCondLst>
+                                  <p:childTnLst>
+                                    <p:set>
+                                      <p:cBhvr>
+                                        <p:cTn id="6" dur="1" fill="hold">
+                                          <p:stCondLst>
+                                            <p:cond delay="0"/>
+                                          </p:stCondLst>
+                                        </p:cTn>
+                                        <p:tgtEl>
+                                          <p:spTgt spid="4">
+                                            <p:txEl>
+                                              <p:pRg st="0" end="0"/>
+                                            </p:txEl>
+                                          </p:spTgt>
+                                        </p:tgtEl>
+                                        <p:attrNameLst>
+                                          <p:attrName>style.visibility</p:attrName>
+                                        </p:attrNameLst>
+                                      </p:cBhvr>
+                                      <p:to>
+                                        <p:strVal val="visible"/>
+                                      </p:to>
+                                    </p:set>
+                                  </p:childTnLst>
+                                </p:cTn>
+                              </p:par>
+                            </p:childTnLst>
+                          </p:cTn>
+                        </p:par>
+                      </p:childTnLst>
+                    </p:cTn>
+                  </p:par>
+                  <p:par>
+                    <p:cTn id="7" fill="hold">
+                      <p:stCondLst>
+                        <p:cond delay="indefinite"/>
+                      </p:stCondLst>
+                      <p:childTnLst>
+                        <p:par>
+                          <p:cTn id="8" fill="hold">
+                            <p:stCondLst>
+                              <p:cond delay="0"/>
+                            </p:stCondLst>
+                            <p:childTnLst>
+                              <p:par>
+                                <p:cTn id="9" presetID="1" presetClass="entr" presetSubtype="0" fill="hold" nodeType="clickEffect">
+                                  <p:stCondLst>
+                                    <p:cond delay="0"/>
+                                  </p:stCondLst>
+                                  <p:childTnLst>
+                                    <p:set>
+                                      <p:cBhvr>
+                                        <p:cTn id="10" dur="1" fill="hold">
+                                          <p:stCondLst>
+                                            <p:cond delay="0"/>
+                                          </p:stCondLst>
+                                        </p:cTn>
+                                        <p:tgtEl>
+                                          <p:spTgt spid="4">
+                                            <p:txEl>
+                                              <p:pRg st="1" end="1"/>
+                                            </p:txEl>
+                                          </p:spTgt>
+                                        </p:tgtEl>
+                                        <p:attrNameLst>
+                                          <p:attrName>style.visibility</p:attrName>
+                                        </p:attrNameLst>
+                                      </p:cBhvr>
+                                      <p:to>
+                                        <p:strVal val="visible"/>
+                                      </p:to>
+                                    </p:set>
+                                  </p:childTnLst>
+                                </p:cTn>
+                              </p:par>
+                            </p:childTnLst>
+                          </p:cTn>
+                        </p:par>
+                      </p:childTnLst>
+                    </p:cTn>
+                  </p:par>
+                  <p:par>
+                    <p:cTn id="11" fill="hold">
+                      <p:stCondLst>
+                        <p:cond delay="indefinite"/>
+                      </p:stCondLst>
+                      <p:childTnLst>
+                        <p:par>
+                          <p:cTn id="12" fill="hold">
+                            <p:stCondLst>
+                              <p:cond delay="0"/>
+                            </p:stCondLst>
+                            <p:childTnLst>
+                              <p:par>
+                                <p:cTn id="13" presetID="1" presetClass="entr" presetSubtype="0" fill="hold" nodeType="clickEffect">
+                                  <p:stCondLst>
+                                    <p:cond delay="0"/>
+                                  </p:stCondLst>
+                                  <p:childTnLst>
+                                    <p:set>
+                                      <p:cBhvr>
+                                        <p:cTn id="14" dur="1" fill="hold">
+                                          <p:stCondLst>
+                                            <p:cond delay="0"/>
+                                          </p:stCondLst>
+                                        </p:cTn>
+                                        <p:tgtEl>
+                                          <p:spTgt spid="4">
+                                            <p:txEl>
+                                              <p:pRg st="2" end="2"/>
+                                            </p:txEl>
+                                          </p:spTgt>
+                                        </p:tgtEl>
+                                        <p:attrNameLst>
+                                          <p:attrName>style.visibility</p:attrName>
+                                        </p:attrNameLst>
+                                      </p:cBhvr>
+                                      <p:to>
+                                        <p:strVal val="visible"/>
+                                      </p:to>
+                                    </p:set>
+                                  </p:childTnLst>
+                                </p:cTn>
+                              </p:par>
+                            </p:childTnLst>
+                          </p:cTn>
+                        </p:par>
+                      </p:childTnLst>
+                    </p:cTn>
+                  </p:par>
+                  <p:par>
+                    <p:cTn id="15" fill="hold">
+                      <p:stCondLst>
+                        <p:cond delay="indefinite"/>
+                      </p:stCondLst>
+                      <p:childTnLst>
+                        <p:par>
+                          <p:cTn id="16" fill="hold">
+                            <p:stCondLst>
+                              <p:cond delay="0"/>
+                            </p:stCondLst>
+                            <p:childTnLst>
+                              <p:par>
+                                <p:cTn id="17" presetID="1" presetClass="entr" presetSubtype="0" fill="hold" nodeType="clickEffect">
+                                  <p:stCondLst>
+                                    <p:cond delay="0"/>
+                                  </p:stCondLst>
+                                  <p:childTnLst>
+                                    <p:set>
+                                      <p:cBhvr>
+                                        <p:cTn id="18" dur="1" fill="hold">
+                                          <p:stCondLst>
+                                            <p:cond delay="0"/>
+                                          </p:stCondLst>
+                                        </p:cTn>
+                                        <p:tgtEl>
+                                          <p:spTgt spid="4">
+                                            <p:txEl>
+                                              <p:pRg st="3" end="3"/>
+                                            </p:txEl>
+                                          </p:spTgt>
+                                        </p:tgtEl>
+                                        <p:attrNameLst>
+                                          <p:attrName>style.visibility</p:attrName>
+                                        </p:attrNameLst>
+                                      </p:cBhvr>
+                                      <p:to>
+                                        <p:strVal val="visible"/>
+                                      </p:to>
+                                    </p:set>
+                                  </p:childTnLst>
+                                </p:cTn>
+                              </p:par>
+                            </p:childTnLst>
+                          </p:cTn>
+                        </p:par>
+                      </p:childTnLst>
+                    </p:cTn>
+                  </p:par>
+                  <p:par>
+                    <p:cTn id="19" fill="hold">
+                      <p:stCondLst>
+                        <p:cond delay="indefinite"/>
+                      </p:stCondLst>
+                      <p:childTnLst>
+                        <p:par>
+                          <p:cTn id="20" fill="hold">
+                            <p:stCondLst>
+                              <p:cond delay="0"/>
+                            </p:stCondLst>
+                            <p:childTnLst>
+                              <p:par>
+                                <p:cTn id="21" presetID="1" presetClass="entr" presetSubtype="0" fill="hold" nodeType="clickEffect">
+                                  <p:stCondLst>
+                                    <p:cond delay="0"/>
+                                  </p:stCondLst>
+                                  <p:childTnLst>
+                                    <p:set>
+                                      <p:cBhvr>
+                                        <p:cTn id="22" dur="1" fill="hold">
+                                          <p:stCondLst>
+                                            <p:cond delay="0"/>
+                                          </p:stCondLst>
+                                        </p:cTn>
+                                        <p:tgtEl>
+                                          <p:spTgt spid="4">
+                                            <p:txEl>
+                                              <p:pRg st="4" end="4"/>
+                                            </p:txEl>
+                                          </p:spTgt>
+                                        </p:tgtEl>
+                                        <p:attrNameLst>
+                                          <p:attrName>style.visibility</p:attrName>
+                                        </p:attrNameLst>
+                                      </p:cBhvr>
+                                      <p:to>
+                                        <p:strVal val="visible"/>
+                                      </p:to>
+                                    </p:set>
+                                  </p:childTnLst>
+                                </p:cTn>
+                              </p:par>
+                            </p:childTnLst>
+                          </p:cTn>
+                        </p:par>
+                      </p:childTnLst>
+                    </p:cTn>
+                  </p:par>
+                  <p:par>
+                    <p:cTn id="23" fill="hold">
+                      <p:stCondLst>
+                        <p:cond delay="indefinite"/>
+                      </p:stCondLst>
+                      <p:childTnLst>
+                        <p:par>
+                          <p:cTn id="24" fill="hold">
+                            <p:stCondLst>
+                              <p:cond delay="0"/>
+                            </p:stCondLst>
+                            <p:childTnLst>
+                              <p:par>
+                                <p:cTn id="25" presetID="1" presetClass="entr" presetSubtype="0" fill="hold" nodeType="clickEffect">
+                                  <p:stCondLst>
+                                    <p:cond delay="0"/>
+                                  </p:stCondLst>
+                                  <p:childTnLst>
+                                    <p:set>
+                                      <p:cBhvr>
+                                        <p:cTn id="26" dur="1" fill="hold">
+                                          <p:stCondLst>
+                                            <p:cond delay="0"/>
+                                          </p:stCondLst>
+                                        </p:cTn>
+                                        <p:tgtEl>
+                                          <p:spTgt spid="4">
+                                            <p:txEl>
+                                              <p:pRg st="5" end="5"/>
+                                            </p:txEl>
+                                          </p:spTgt>
+                                        </p:tgtEl>
+                                        <p:attrNameLst>
+                                          <p:attrName>style.visibility</p:attrName>
+                                        </p:attrNameLst>
+                                      </p:cBhvr>
+                                      <p:to>
+                                        <p:strVal val="visible"/>
+                                      </p:to>
+                                    </p:set>
+                                  </p:childTnLst>
+                                </p:cTn>
+                              </p:par>
+                            </p:childTnLst>
+                          </p:cTn>
+                        </p:par>
+                      </p:childTnLst>
+                    </p:cTn>
+                  </p:par>
+                  <p:par>
+                    <p:cTn id="27" fill="hold">
+                      <p:stCondLst>
+                        <p:cond delay="indefinite"/>
+                      </p:stCondLst>
+                      <p:childTnLst>
+                        <p:par>
+                          <p:cTn id="28" fill="hold">
+                            <p:stCondLst>
+                              <p:cond delay="0"/>
+                            </p:stCondLst>
+                            <p:childTnLst>
+                              <p:par>
+                                <p:cTn id="29" presetID="1" presetClass="entr" presetSubtype="0" fill="hold" nodeType="clickEffect">
+                                  <p:stCondLst>
+                                    <p:cond delay="0"/>
+                                  </p:stCondLst>
+                                  <p:childTnLst>
+                                    <p:set>
+                                      <p:cBhvr>
+                                        <p:cTn id="30" dur="1" fill="hold">
+                                          <p:stCondLst>
+                                            <p:cond delay="0"/>
+                                          </p:stCondLst>
+                                        </p:cTn>
+                                        <p:tgtEl>
+                                          <p:spTgt spid="4">
+                                            <p:txEl>
+                                              <p:pRg st="6" end="6"/>
+                                            </p:txEl>
+                                          </p:spTgt>
+                                        </p:tgtEl>
+                                        <p:attrNameLst>
+                                          <p:attrName>style.visibility</p:attrName>
+                                        </p:attrNameLst>
+                                      </p:cBhvr>
+                                      <p:to>
+                                        <p:strVal val="visible"/>
+                                      </p:to>
+                                    </p:set>
+                                  </p:childTnLst>
+                                </p:cTn>
+                              </p:par>
+                            </p:childTnLst>
+                          </p:cTn>
+                        </p:par>
+                      </p:childTnLst>
+                    </p:cTn>
+                  </p:par>
+                  <p:par>
+                    <p:cTn id="31" fill="hold">
+                      <p:stCondLst>
+                        <p:cond delay="indefinite"/>
+                      </p:stCondLst>
+                      <p:childTnLst>
+                        <p:par>
+                          <p:cTn id="32" fill="hold">
+                            <p:stCondLst>
+                              <p:cond delay="0"/>
+                            </p:stCondLst>
+                            <p:childTnLst>
+                              <p:par>
+                                <p:cTn id="33" presetID="1" presetClass="entr" presetSubtype="0" fill="hold" nodeType="clickEffect">
+                                  <p:stCondLst>
+                                    <p:cond delay="0"/>
+                                  </p:stCondLst>
+                                  <p:childTnLst>
+                                    <p:set>
+                                      <p:cBhvr>
+                                        <p:cTn id="34" dur="1" fill="hold">
+                                          <p:stCondLst>
+                                            <p:cond delay="0"/>
+                                          </p:stCondLst>
+                                        </p:cTn>
+                                        <p:tgtEl>
+                                          <p:spTgt spid="4">
+                                            <p:txEl>
+                                              <p:pRg st="7" end="7"/>
+                                            </p:txEl>
+                                          </p:spTgt>
+                                        </p:tgtEl>
+                                        <p:attrNameLst>
+                                          <p:attrName>style.visibility</p:attrName>
+                                        </p:attrNameLst>
+                                      </p:cBhvr>
+                                      <p:to>
+                                        <p:strVal val="visible"/>
+                                      </p:to>
+                                    </p:set>
+                                  </p:childTnLst>
+                                </p:cTn>
+                              </p:par>
+                            </p:childTnLst>
+                          </p:cTn>
+                        </p:par>
+                      </p:childTnLst>
+                    </p:cTn>
+                  </p:par>
+                  <p:par>
+                    <p:cTn id="35" fill="hold">
+                      <p:stCondLst>
+                        <p:cond delay="indefinite"/>
+                      </p:stCondLst>
+                      <p:childTnLst>
+                        <p:par>
+                          <p:cTn id="36" fill="hold">
+                            <p:stCondLst>
+                              <p:cond delay="0"/>
+                            </p:stCondLst>
+                            <p:childTnLst>
+                              <p:par>
+                                <p:cTn id="37" presetID="1" presetClass="entr" presetSubtype="0" fill="hold" nodeType="clickEffect">
+                                  <p:stCondLst>
+                                    <p:cond delay="0"/>
+                                  </p:stCondLst>
+                                  <p:childTnLst>
+                                    <p:set>
+                                      <p:cBhvr>
+                                        <p:cTn id="38" dur="1" fill="hold">
+                                          <p:stCondLst>
+                                            <p:cond delay="0"/>
+                                          </p:stCondLst>
+                                        </p:cTn>
+                                        <p:tgtEl>
+                                          <p:spTgt spid="4">
+                                            <p:txEl>
+                                              <p:pRg st="8" end="8"/>
+                                            </p:txEl>
+                                          </p:spTgt>
+                                        </p:tgtEl>
+                                        <p:attrNameLst>
+                                          <p:attrName>style.visibility</p:attrName>
+                                        </p:attrNameLst>
+                                      </p:cBhvr>
+                                      <p:to>
+                                        <p:strVal val="visible"/>
+                                      </p:to>
+                                    </p:set>
+                                  </p:childTnLst>
+                                </p:cTn>
+                              </p:par>
+                            </p:childTnLst>
+                          </p:cTn>
+                        </p:par>
+                      </p:childTnLst>
+                    </p:cTn>
+                  </p:par>
+                  <p:par>
+                    <p:cTn id="39" fill="hold">
+                      <p:stCondLst>
+                        <p:cond delay="indefinite"/>
+                      </p:stCondLst>
+                      <p:childTnLst>
+                        <p:par>
+                          <p:cTn id="40" fill="hold">
+                            <p:stCondLst>
+                              <p:cond delay="0"/>
+                            </p:stCondLst>
+                            <p:childTnLst>
+                              <p:par>
+                                <p:cTn id="41" presetID="1" presetClass="entr" presetSubtype="0" fill="hold" nodeType="clickEffect">
+                                  <p:stCondLst>
+                                    <p:cond delay="0"/>
+                                  </p:stCondLst>
+                                  <p:childTnLst>
+                                    <p:set>
+                                      <p:cBhvr>
+                                        <p:cTn id="42" dur="1" fill="hold">
+                                          <p:stCondLst>
+                                            <p:cond delay="0"/>
+                                          </p:stCondLst>
+                                        </p:cTn>
+                                        <p:tgtEl>
+                                          <p:spTgt spid="4">
+                                            <p:txEl>
+                                              <p:pRg st="9" end="9"/>
                                             </p:txEl>
                                           </p:spTgt>
                                         </p:tgtEl>
